--- a/中期报告.pptx
+++ b/中期报告.pptx
@@ -5,6 +5,9 @@
     <p:sldMasterId id="2147483648" r:id="rId1"/>
     <p:sldMasterId id="2147483660" r:id="rId2"/>
   </p:sldMasterIdLst>
+  <p:notesMasterIdLst>
+    <p:notesMasterId r:id="rId17"/>
+  </p:notesMasterIdLst>
   <p:sldIdLst>
     <p:sldId id="1146" r:id="rId3"/>
     <p:sldId id="1148" r:id="rId4"/>
@@ -14,8 +17,8 @@
     <p:sldId id="1151" r:id="rId8"/>
     <p:sldId id="1176" r:id="rId9"/>
     <p:sldId id="1183" r:id="rId10"/>
-    <p:sldId id="1164" r:id="rId11"/>
-    <p:sldId id="1175" r:id="rId12"/>
+    <p:sldId id="1184" r:id="rId11"/>
+    <p:sldId id="1164" r:id="rId12"/>
     <p:sldId id="1157" r:id="rId13"/>
     <p:sldId id="1169" r:id="rId14"/>
     <p:sldId id="1171" r:id="rId15"/>
@@ -118,7 +121,445 @@
       </a:defRPr>
     </a:lvl9pPr>
   </p:defaultTextStyle>
+  <p:extLst>
+    <p:ext uri="{EFAFB233-063F-42B5-8137-9DF3F51BA10A}">
+      <p15:sldGuideLst xmlns:p15="http://schemas.microsoft.com/office/powerpoint/2012/main"/>
+    </p:ext>
+  </p:extLst>
 </p:presentation>
+</file>
+
+<file path=ppt/notesMasters/notesMaster1.xml><?xml version="1.0" encoding="utf-8"?>
+<p:notesMaster xmlns:a="http://schemas.openxmlformats.org/drawingml/2006/main" xmlns:r="http://schemas.openxmlformats.org/officeDocument/2006/relationships" xmlns:p="http://schemas.openxmlformats.org/presentationml/2006/main">
+  <p:cSld>
+    <p:bg>
+      <p:bgRef idx="1001">
+        <a:schemeClr val="bg1"/>
+      </p:bgRef>
+    </p:bg>
+    <p:spTree>
+      <p:nvGrpSpPr>
+        <p:cNvPr id="1" name=""/>
+        <p:cNvGrpSpPr/>
+        <p:nvPr/>
+      </p:nvGrpSpPr>
+      <p:grpSpPr>
+        <a:xfrm>
+          <a:off x="0" y="0"/>
+          <a:ext cx="0" cy="0"/>
+          <a:chOff x="0" y="0"/>
+          <a:chExt cx="0" cy="0"/>
+        </a:xfrm>
+      </p:grpSpPr>
+      <p:sp>
+        <p:nvSpPr>
+          <p:cNvPr id="2" name="页眉占位符 1"/>
+          <p:cNvSpPr>
+            <a:spLocks noGrp="1"/>
+          </p:cNvSpPr>
+          <p:nvPr>
+            <p:ph type="hdr" sz="quarter"/>
+          </p:nvPr>
+        </p:nvSpPr>
+        <p:spPr>
+          <a:xfrm>
+            <a:off x="0" y="0"/>
+            <a:ext cx="2971800" cy="458788"/>
+          </a:xfrm>
+          <a:prstGeom prst="rect">
+            <a:avLst/>
+          </a:prstGeom>
+        </p:spPr>
+        <p:txBody>
+          <a:bodyPr vert="horz" lIns="91440" tIns="45720" rIns="91440" bIns="45720" rtlCol="0"/>
+          <a:lstStyle>
+            <a:lvl1pPr algn="l">
+              <a:defRPr sz="1200"/>
+            </a:lvl1pPr>
+          </a:lstStyle>
+          <a:p>
+            <a:endParaRPr lang="zh-CN" altLang="en-US"/>
+          </a:p>
+        </p:txBody>
+      </p:sp>
+      <p:sp>
+        <p:nvSpPr>
+          <p:cNvPr id="3" name="日期占位符 2"/>
+          <p:cNvSpPr>
+            <a:spLocks noGrp="1"/>
+          </p:cNvSpPr>
+          <p:nvPr>
+            <p:ph type="dt" idx="1"/>
+          </p:nvPr>
+        </p:nvSpPr>
+        <p:spPr>
+          <a:xfrm>
+            <a:off x="3884613" y="0"/>
+            <a:ext cx="2971800" cy="458788"/>
+          </a:xfrm>
+          <a:prstGeom prst="rect">
+            <a:avLst/>
+          </a:prstGeom>
+        </p:spPr>
+        <p:txBody>
+          <a:bodyPr vert="horz" lIns="91440" tIns="45720" rIns="91440" bIns="45720" rtlCol="0"/>
+          <a:lstStyle>
+            <a:lvl1pPr algn="r">
+              <a:defRPr sz="1200"/>
+            </a:lvl1pPr>
+          </a:lstStyle>
+          <a:p>
+            <a:fld id="{4FB4CBD8-78BE-41F8-B45A-C2DD37166C16}" type="datetimeFigureOut">
+              <a:rPr lang="zh-CN" altLang="en-US" smtClean="0"/>
+              <a:t>2023/3/30</a:t>
+            </a:fld>
+            <a:endParaRPr lang="zh-CN" altLang="en-US"/>
+          </a:p>
+        </p:txBody>
+      </p:sp>
+      <p:sp>
+        <p:nvSpPr>
+          <p:cNvPr id="4" name="幻灯片图像占位符 3"/>
+          <p:cNvSpPr>
+            <a:spLocks noGrp="1" noRot="1" noChangeAspect="1"/>
+          </p:cNvSpPr>
+          <p:nvPr>
+            <p:ph type="sldImg" idx="2"/>
+          </p:nvPr>
+        </p:nvSpPr>
+        <p:spPr>
+          <a:xfrm>
+            <a:off x="685800" y="1143000"/>
+            <a:ext cx="5486400" cy="3086100"/>
+          </a:xfrm>
+          <a:prstGeom prst="rect">
+            <a:avLst/>
+          </a:prstGeom>
+          <a:noFill/>
+          <a:ln w="12700">
+            <a:solidFill>
+              <a:prstClr val="black"/>
+            </a:solidFill>
+          </a:ln>
+        </p:spPr>
+        <p:txBody>
+          <a:bodyPr vert="horz" lIns="91440" tIns="45720" rIns="91440" bIns="45720" rtlCol="0" anchor="ctr"/>
+          <a:lstStyle/>
+          <a:p>
+            <a:endParaRPr lang="zh-CN" altLang="en-US"/>
+          </a:p>
+        </p:txBody>
+      </p:sp>
+      <p:sp>
+        <p:nvSpPr>
+          <p:cNvPr id="5" name="备注占位符 4"/>
+          <p:cNvSpPr>
+            <a:spLocks noGrp="1"/>
+          </p:cNvSpPr>
+          <p:nvPr>
+            <p:ph type="body" sz="quarter" idx="3"/>
+          </p:nvPr>
+        </p:nvSpPr>
+        <p:spPr>
+          <a:xfrm>
+            <a:off x="685800" y="4400550"/>
+            <a:ext cx="5486400" cy="3600450"/>
+          </a:xfrm>
+          <a:prstGeom prst="rect">
+            <a:avLst/>
+          </a:prstGeom>
+        </p:spPr>
+        <p:txBody>
+          <a:bodyPr vert="horz" lIns="91440" tIns="45720" rIns="91440" bIns="45720" rtlCol="0"/>
+          <a:lstStyle/>
+          <a:p>
+            <a:pPr lvl="0"/>
+            <a:r>
+              <a:rPr lang="zh-CN" altLang="en-US"/>
+              <a:t>单击此处编辑母版文本样式</a:t>
+            </a:r>
+          </a:p>
+          <a:p>
+            <a:pPr lvl="1"/>
+            <a:r>
+              <a:rPr lang="zh-CN" altLang="en-US"/>
+              <a:t>二级</a:t>
+            </a:r>
+          </a:p>
+          <a:p>
+            <a:pPr lvl="2"/>
+            <a:r>
+              <a:rPr lang="zh-CN" altLang="en-US"/>
+              <a:t>三级</a:t>
+            </a:r>
+          </a:p>
+          <a:p>
+            <a:pPr lvl="3"/>
+            <a:r>
+              <a:rPr lang="zh-CN" altLang="en-US"/>
+              <a:t>四级</a:t>
+            </a:r>
+          </a:p>
+          <a:p>
+            <a:pPr lvl="4"/>
+            <a:r>
+              <a:rPr lang="zh-CN" altLang="en-US"/>
+              <a:t>五级</a:t>
+            </a:r>
+          </a:p>
+        </p:txBody>
+      </p:sp>
+      <p:sp>
+        <p:nvSpPr>
+          <p:cNvPr id="6" name="页脚占位符 5"/>
+          <p:cNvSpPr>
+            <a:spLocks noGrp="1"/>
+          </p:cNvSpPr>
+          <p:nvPr>
+            <p:ph type="ftr" sz="quarter" idx="4"/>
+          </p:nvPr>
+        </p:nvSpPr>
+        <p:spPr>
+          <a:xfrm>
+            <a:off x="0" y="8685213"/>
+            <a:ext cx="2971800" cy="458787"/>
+          </a:xfrm>
+          <a:prstGeom prst="rect">
+            <a:avLst/>
+          </a:prstGeom>
+        </p:spPr>
+        <p:txBody>
+          <a:bodyPr vert="horz" lIns="91440" tIns="45720" rIns="91440" bIns="45720" rtlCol="0" anchor="b"/>
+          <a:lstStyle>
+            <a:lvl1pPr algn="l">
+              <a:defRPr sz="1200"/>
+            </a:lvl1pPr>
+          </a:lstStyle>
+          <a:p>
+            <a:endParaRPr lang="zh-CN" altLang="en-US"/>
+          </a:p>
+        </p:txBody>
+      </p:sp>
+      <p:sp>
+        <p:nvSpPr>
+          <p:cNvPr id="7" name="灯片编号占位符 6"/>
+          <p:cNvSpPr>
+            <a:spLocks noGrp="1"/>
+          </p:cNvSpPr>
+          <p:nvPr>
+            <p:ph type="sldNum" sz="quarter" idx="5"/>
+          </p:nvPr>
+        </p:nvSpPr>
+        <p:spPr>
+          <a:xfrm>
+            <a:off x="3884613" y="8685213"/>
+            <a:ext cx="2971800" cy="458787"/>
+          </a:xfrm>
+          <a:prstGeom prst="rect">
+            <a:avLst/>
+          </a:prstGeom>
+        </p:spPr>
+        <p:txBody>
+          <a:bodyPr vert="horz" lIns="91440" tIns="45720" rIns="91440" bIns="45720" rtlCol="0" anchor="b"/>
+          <a:lstStyle>
+            <a:lvl1pPr algn="r">
+              <a:defRPr sz="1200"/>
+            </a:lvl1pPr>
+          </a:lstStyle>
+          <a:p>
+            <a:fld id="{926429CD-5A04-4243-9274-349E770A1EDA}" type="slidenum">
+              <a:rPr lang="zh-CN" altLang="en-US" smtClean="0"/>
+              <a:t>‹#›</a:t>
+            </a:fld>
+            <a:endParaRPr lang="zh-CN" altLang="en-US"/>
+          </a:p>
+        </p:txBody>
+      </p:sp>
+    </p:spTree>
+    <p:extLst>
+      <p:ext uri="{BB962C8B-B14F-4D97-AF65-F5344CB8AC3E}">
+        <p14:creationId xmlns:p14="http://schemas.microsoft.com/office/powerpoint/2010/main" val="1720064587"/>
+      </p:ext>
+    </p:extLst>
+  </p:cSld>
+  <p:clrMap bg1="lt1" tx1="dk1" bg2="lt2" tx2="dk2" accent1="accent1" accent2="accent2" accent3="accent3" accent4="accent4" accent5="accent5" accent6="accent6" hlink="hlink" folHlink="folHlink"/>
+  <p:notesStyle>
+    <a:lvl1pPr marL="0" algn="l" defTabSz="914400" rtl="0" eaLnBrk="1" latinLnBrk="0" hangingPunct="1">
+      <a:defRPr sz="1200" kern="1200">
+        <a:solidFill>
+          <a:schemeClr val="tx1"/>
+        </a:solidFill>
+        <a:latin typeface="+mn-lt"/>
+        <a:ea typeface="+mn-ea"/>
+        <a:cs typeface="+mn-cs"/>
+      </a:defRPr>
+    </a:lvl1pPr>
+    <a:lvl2pPr marL="457200" algn="l" defTabSz="914400" rtl="0" eaLnBrk="1" latinLnBrk="0" hangingPunct="1">
+      <a:defRPr sz="1200" kern="1200">
+        <a:solidFill>
+          <a:schemeClr val="tx1"/>
+        </a:solidFill>
+        <a:latin typeface="+mn-lt"/>
+        <a:ea typeface="+mn-ea"/>
+        <a:cs typeface="+mn-cs"/>
+      </a:defRPr>
+    </a:lvl2pPr>
+    <a:lvl3pPr marL="914400" algn="l" defTabSz="914400" rtl="0" eaLnBrk="1" latinLnBrk="0" hangingPunct="1">
+      <a:defRPr sz="1200" kern="1200">
+        <a:solidFill>
+          <a:schemeClr val="tx1"/>
+        </a:solidFill>
+        <a:latin typeface="+mn-lt"/>
+        <a:ea typeface="+mn-ea"/>
+        <a:cs typeface="+mn-cs"/>
+      </a:defRPr>
+    </a:lvl3pPr>
+    <a:lvl4pPr marL="1371600" algn="l" defTabSz="914400" rtl="0" eaLnBrk="1" latinLnBrk="0" hangingPunct="1">
+      <a:defRPr sz="1200" kern="1200">
+        <a:solidFill>
+          <a:schemeClr val="tx1"/>
+        </a:solidFill>
+        <a:latin typeface="+mn-lt"/>
+        <a:ea typeface="+mn-ea"/>
+        <a:cs typeface="+mn-cs"/>
+      </a:defRPr>
+    </a:lvl4pPr>
+    <a:lvl5pPr marL="1828800" algn="l" defTabSz="914400" rtl="0" eaLnBrk="1" latinLnBrk="0" hangingPunct="1">
+      <a:defRPr sz="1200" kern="1200">
+        <a:solidFill>
+          <a:schemeClr val="tx1"/>
+        </a:solidFill>
+        <a:latin typeface="+mn-lt"/>
+        <a:ea typeface="+mn-ea"/>
+        <a:cs typeface="+mn-cs"/>
+      </a:defRPr>
+    </a:lvl5pPr>
+    <a:lvl6pPr marL="2286000" algn="l" defTabSz="914400" rtl="0" eaLnBrk="1" latinLnBrk="0" hangingPunct="1">
+      <a:defRPr sz="1200" kern="1200">
+        <a:solidFill>
+          <a:schemeClr val="tx1"/>
+        </a:solidFill>
+        <a:latin typeface="+mn-lt"/>
+        <a:ea typeface="+mn-ea"/>
+        <a:cs typeface="+mn-cs"/>
+      </a:defRPr>
+    </a:lvl6pPr>
+    <a:lvl7pPr marL="2743200" algn="l" defTabSz="914400" rtl="0" eaLnBrk="1" latinLnBrk="0" hangingPunct="1">
+      <a:defRPr sz="1200" kern="1200">
+        <a:solidFill>
+          <a:schemeClr val="tx1"/>
+        </a:solidFill>
+        <a:latin typeface="+mn-lt"/>
+        <a:ea typeface="+mn-ea"/>
+        <a:cs typeface="+mn-cs"/>
+      </a:defRPr>
+    </a:lvl7pPr>
+    <a:lvl8pPr marL="3200400" algn="l" defTabSz="914400" rtl="0" eaLnBrk="1" latinLnBrk="0" hangingPunct="1">
+      <a:defRPr sz="1200" kern="1200">
+        <a:solidFill>
+          <a:schemeClr val="tx1"/>
+        </a:solidFill>
+        <a:latin typeface="+mn-lt"/>
+        <a:ea typeface="+mn-ea"/>
+        <a:cs typeface="+mn-cs"/>
+      </a:defRPr>
+    </a:lvl8pPr>
+    <a:lvl9pPr marL="3657600" algn="l" defTabSz="914400" rtl="0" eaLnBrk="1" latinLnBrk="0" hangingPunct="1">
+      <a:defRPr sz="1200" kern="1200">
+        <a:solidFill>
+          <a:schemeClr val="tx1"/>
+        </a:solidFill>
+        <a:latin typeface="+mn-lt"/>
+        <a:ea typeface="+mn-ea"/>
+        <a:cs typeface="+mn-cs"/>
+      </a:defRPr>
+    </a:lvl9pPr>
+  </p:notesStyle>
+</p:notesMaster>
+</file>
+
+<file path=ppt/notesSlides/notesSlide1.xml><?xml version="1.0" encoding="utf-8"?>
+<p:notes xmlns:a="http://schemas.openxmlformats.org/drawingml/2006/main" xmlns:r="http://schemas.openxmlformats.org/officeDocument/2006/relationships" xmlns:p="http://schemas.openxmlformats.org/presentationml/2006/main">
+  <p:cSld>
+    <p:spTree>
+      <p:nvGrpSpPr>
+        <p:cNvPr id="1" name=""/>
+        <p:cNvGrpSpPr/>
+        <p:nvPr/>
+      </p:nvGrpSpPr>
+      <p:grpSpPr>
+        <a:xfrm>
+          <a:off x="0" y="0"/>
+          <a:ext cx="0" cy="0"/>
+          <a:chOff x="0" y="0"/>
+          <a:chExt cx="0" cy="0"/>
+        </a:xfrm>
+      </p:grpSpPr>
+      <p:sp>
+        <p:nvSpPr>
+          <p:cNvPr id="2" name="幻灯片图像占位符 1"/>
+          <p:cNvSpPr>
+            <a:spLocks noGrp="1" noRot="1" noChangeAspect="1"/>
+          </p:cNvSpPr>
+          <p:nvPr>
+            <p:ph type="sldImg"/>
+          </p:nvPr>
+        </p:nvSpPr>
+        <p:spPr/>
+      </p:sp>
+      <p:sp>
+        <p:nvSpPr>
+          <p:cNvPr id="3" name="备注占位符 2"/>
+          <p:cNvSpPr>
+            <a:spLocks noGrp="1"/>
+          </p:cNvSpPr>
+          <p:nvPr>
+            <p:ph type="body" idx="1"/>
+          </p:nvPr>
+        </p:nvSpPr>
+        <p:spPr/>
+        <p:txBody>
+          <a:bodyPr/>
+          <a:lstStyle/>
+          <a:p>
+            <a:endParaRPr lang="zh-CN" altLang="en-US" dirty="0"/>
+          </a:p>
+        </p:txBody>
+      </p:sp>
+      <p:sp>
+        <p:nvSpPr>
+          <p:cNvPr id="4" name="灯片编号占位符 3"/>
+          <p:cNvSpPr>
+            <a:spLocks noGrp="1"/>
+          </p:cNvSpPr>
+          <p:nvPr>
+            <p:ph type="sldNum" sz="quarter" idx="5"/>
+          </p:nvPr>
+        </p:nvSpPr>
+        <p:spPr/>
+        <p:txBody>
+          <a:bodyPr/>
+          <a:lstStyle/>
+          <a:p>
+            <a:fld id="{926429CD-5A04-4243-9274-349E770A1EDA}" type="slidenum">
+              <a:rPr lang="zh-CN" altLang="en-US" smtClean="0"/>
+              <a:t>6</a:t>
+            </a:fld>
+            <a:endParaRPr lang="zh-CN" altLang="en-US"/>
+          </a:p>
+        </p:txBody>
+      </p:sp>
+    </p:spTree>
+    <p:extLst>
+      <p:ext uri="{BB962C8B-B14F-4D97-AF65-F5344CB8AC3E}">
+        <p14:creationId xmlns:p14="http://schemas.microsoft.com/office/powerpoint/2010/main" val="2509191860"/>
+      </p:ext>
+    </p:extLst>
+  </p:cSld>
+  <p:clrMapOvr>
+    <a:masterClrMapping/>
+  </p:clrMapOvr>
+</p:notes>
 </file>
 
 <file path=ppt/slideLayouts/slideLayout1.xml><?xml version="1.0" encoding="utf-8"?>
@@ -266,7 +707,7 @@
           <a:bodyPr/>
           <a:lstStyle/>
           <a:p>
-            <a:fld id="{75398C04-1696-44D3-A46F-69CFCE76FCE2}" type="datetimeFigureOut">
+            <a:fld id="{09B5938C-453A-4BFA-85D4-D39E89E6A42A}" type="datetime1">
               <a:rPr lang="zh-CN" altLang="en-US" smtClean="0"/>
               <a:t>2023/3/30</a:t>
             </a:fld>
@@ -464,7 +905,7 @@
           <a:bodyPr/>
           <a:lstStyle/>
           <a:p>
-            <a:fld id="{75398C04-1696-44D3-A46F-69CFCE76FCE2}" type="datetimeFigureOut">
+            <a:fld id="{E9940795-0F8C-4903-9570-E4E9B8DCB0FA}" type="datetime1">
               <a:rPr lang="zh-CN" altLang="en-US" smtClean="0"/>
               <a:t>2023/3/30</a:t>
             </a:fld>
@@ -672,7 +1113,7 @@
           <a:bodyPr/>
           <a:lstStyle/>
           <a:p>
-            <a:fld id="{75398C04-1696-44D3-A46F-69CFCE76FCE2}" type="datetimeFigureOut">
+            <a:fld id="{A3328425-E91D-4D24-A795-EFB3D9FECD8F}" type="datetime1">
               <a:rPr lang="zh-CN" altLang="en-US" smtClean="0"/>
               <a:t>2023/3/30</a:t>
             </a:fld>
@@ -1287,7 +1728,7 @@
               <a:tabLst/>
               <a:defRPr/>
             </a:pPr>
-            <a:fld id="{E4551058-E5DB-324A-A8E9-6D3BEF243C3B}" type="datetimeFigureOut">
+            <a:fld id="{1AAB0DEB-77FD-4EFB-9AF3-9652B346B397}" type="datetime1">
               <a:rPr kumimoji="1" lang="zh-CN" altLang="en-US" sz="900" b="0" i="0" u="none" strike="noStrike" kern="1200" cap="none" spc="0" normalizeH="0" baseline="0" noProof="0" smtClean="0">
                 <a:ln>
                   <a:noFill/>
@@ -1302,23 +1743,6 @@
                 <a:ea typeface="华文中宋" panose="02010600040101010101" pitchFamily="2" charset="-122"/>
                 <a:cs typeface="+mn-cs"/>
               </a:rPr>
-              <a:pPr marL="0" marR="0" lvl="0" indent="0" algn="r" defTabSz="457200" rtl="0" eaLnBrk="1" fontAlgn="auto" latinLnBrk="0" hangingPunct="1">
-                <a:lnSpc>
-                  <a:spcPct val="100000"/>
-                </a:lnSpc>
-                <a:spcBef>
-                  <a:spcPts val="0"/>
-                </a:spcBef>
-                <a:spcAft>
-                  <a:spcPts val="0"/>
-                </a:spcAft>
-                <a:buClrTx/>
-                <a:buSzTx/>
-                <a:buFontTx/>
-                <a:buNone/>
-                <a:tabLst/>
-                <a:defRPr/>
-              </a:pPr>
               <a:t>2023/3/30</a:t>
             </a:fld>
             <a:endParaRPr kumimoji="1" lang="zh-CN" altLang="en-US" sz="900" b="0" i="0" u="none" strike="noStrike" kern="1200" cap="none" spc="0" normalizeH="0" baseline="0" noProof="0">
@@ -1412,72 +1836,30 @@
         <p:spPr/>
         <p:txBody>
           <a:bodyPr/>
-          <a:lstStyle/>
-          <a:p>
-            <a:pPr marL="0" marR="0" lvl="0" indent="0" algn="r" defTabSz="457200" rtl="0" eaLnBrk="1" fontAlgn="auto" latinLnBrk="0" hangingPunct="1">
-              <a:lnSpc>
-                <a:spcPct val="100000"/>
-              </a:lnSpc>
-              <a:spcBef>
-                <a:spcPts val="0"/>
-              </a:spcBef>
-              <a:spcAft>
-                <a:spcPts val="0"/>
-              </a:spcAft>
-              <a:buClrTx/>
-              <a:buSzTx/>
-              <a:buFontTx/>
-              <a:buNone/>
-              <a:tabLst/>
+          <a:lstStyle>
+            <a:lvl1pPr>
+              <a:defRPr sz="1600"/>
+            </a:lvl1pPr>
+          </a:lstStyle>
+          <a:p>
+            <a:pPr defTabSz="457200">
               <a:defRPr/>
             </a:pPr>
             <a:fld id="{977BA8E6-E826-B147-AA17-E3D76A29629C}" type="slidenum">
-              <a:rPr kumimoji="1" lang="zh-CN" altLang="en-US" sz="900" b="0" i="0" u="none" strike="noStrike" kern="1200" cap="none" spc="0" normalizeH="0" baseline="0" noProof="0" smtClean="0">
-                <a:ln>
-                  <a:noFill/>
-                </a:ln>
+              <a:rPr kumimoji="1" lang="zh-CN" altLang="en-US" smtClean="0">
                 <a:solidFill>
                   <a:srgbClr val="5C2F7D"/>
                 </a:solidFill>
-                <a:effectLst/>
-                <a:uLnTx/>
-                <a:uFillTx/>
-                <a:latin typeface="Gill Sans MT" panose="020B0502020104020203"/>
-                <a:ea typeface="华文中宋" panose="02010600040101010101" pitchFamily="2" charset="-122"/>
-                <a:cs typeface="+mn-cs"/>
               </a:rPr>
-              <a:pPr marL="0" marR="0" lvl="0" indent="0" algn="r" defTabSz="457200" rtl="0" eaLnBrk="1" fontAlgn="auto" latinLnBrk="0" hangingPunct="1">
-                <a:lnSpc>
-                  <a:spcPct val="100000"/>
-                </a:lnSpc>
-                <a:spcBef>
-                  <a:spcPts val="0"/>
-                </a:spcBef>
-                <a:spcAft>
-                  <a:spcPts val="0"/>
-                </a:spcAft>
-                <a:buClrTx/>
-                <a:buSzTx/>
-                <a:buFontTx/>
-                <a:buNone/>
-                <a:tabLst/>
+              <a:pPr defTabSz="457200">
                 <a:defRPr/>
               </a:pPr>
               <a:t>‹#›</a:t>
             </a:fld>
-            <a:endParaRPr kumimoji="1" lang="zh-CN" altLang="en-US" sz="900" b="0" i="0" u="none" strike="noStrike" kern="1200" cap="none" spc="0" normalizeH="0" baseline="0" noProof="0">
-              <a:ln>
-                <a:noFill/>
-              </a:ln>
+            <a:endParaRPr kumimoji="1" lang="zh-CN" altLang="en-US" sz="900" dirty="0">
               <a:solidFill>
                 <a:srgbClr val="5C2F7D"/>
               </a:solidFill>
-              <a:effectLst/>
-              <a:uLnTx/>
-              <a:uFillTx/>
-              <a:latin typeface="Gill Sans MT" panose="020B0502020104020203"/>
-              <a:ea typeface="华文中宋" panose="02010600040101010101" pitchFamily="2" charset="-122"/>
-              <a:cs typeface="+mn-cs"/>
             </a:endParaRPr>
           </a:p>
         </p:txBody>
@@ -1534,35 +1916,35 @@
           <a:p>
             <a:pPr lvl="0"/>
             <a:r>
-              <a:rPr lang="zh-CN" altLang="en-US"/>
+              <a:rPr lang="zh-CN" altLang="en-US" dirty="0"/>
               <a:t>单击此处编辑母版文本样式</a:t>
             </a:r>
           </a:p>
           <a:p>
             <a:pPr lvl="1"/>
             <a:r>
-              <a:rPr lang="zh-CN" altLang="en-US"/>
+              <a:rPr lang="zh-CN" altLang="en-US" dirty="0"/>
               <a:t>二级</a:t>
             </a:r>
           </a:p>
           <a:p>
             <a:pPr lvl="2"/>
             <a:r>
-              <a:rPr lang="zh-CN" altLang="en-US"/>
+              <a:rPr lang="zh-CN" altLang="en-US" dirty="0"/>
               <a:t>三级</a:t>
             </a:r>
           </a:p>
           <a:p>
             <a:pPr lvl="3"/>
             <a:r>
-              <a:rPr lang="zh-CN" altLang="en-US"/>
+              <a:rPr lang="zh-CN" altLang="en-US" dirty="0"/>
               <a:t>四级</a:t>
             </a:r>
           </a:p>
           <a:p>
             <a:pPr lvl="4"/>
             <a:r>
-              <a:rPr lang="zh-CN" altLang="en-US"/>
+              <a:rPr lang="zh-CN" altLang="en-US" dirty="0"/>
               <a:t>五级</a:t>
             </a:r>
             <a:endParaRPr lang="en-US" dirty="0"/>
@@ -1635,7 +2017,7 @@
               <a:tabLst/>
               <a:defRPr/>
             </a:pPr>
-            <a:fld id="{E4551058-E5DB-324A-A8E9-6D3BEF243C3B}" type="datetimeFigureOut">
+            <a:fld id="{EA2774FF-BBD5-4C70-8CF4-635238836A94}" type="datetime1">
               <a:rPr kumimoji="1" lang="zh-CN" altLang="en-US" sz="900" b="0" i="0" u="none" strike="noStrike" kern="1200" cap="none" spc="0" normalizeH="0" baseline="0" noProof="0" smtClean="0">
                 <a:ln>
                   <a:noFill/>
@@ -1650,23 +2032,6 @@
                 <a:ea typeface="华文中宋" panose="02010600040101010101" pitchFamily="2" charset="-122"/>
                 <a:cs typeface="+mn-cs"/>
               </a:rPr>
-              <a:pPr marL="0" marR="0" lvl="0" indent="0" algn="r" defTabSz="457200" rtl="0" eaLnBrk="1" fontAlgn="auto" latinLnBrk="0" hangingPunct="1">
-                <a:lnSpc>
-                  <a:spcPct val="100000"/>
-                </a:lnSpc>
-                <a:spcBef>
-                  <a:spcPts val="0"/>
-                </a:spcBef>
-                <a:spcAft>
-                  <a:spcPts val="0"/>
-                </a:spcAft>
-                <a:buClrTx/>
-                <a:buSzTx/>
-                <a:buFontTx/>
-                <a:buNone/>
-                <a:tabLst/>
-                <a:defRPr/>
-              </a:pPr>
               <a:t>2023/3/30</a:t>
             </a:fld>
             <a:endParaRPr kumimoji="1" lang="zh-CN" altLang="en-US" sz="900" b="0" i="0" u="none" strike="noStrike" kern="1200" cap="none" spc="0" normalizeH="0" baseline="0" noProof="0">
@@ -1760,72 +2125,30 @@
         <p:spPr/>
         <p:txBody>
           <a:bodyPr/>
-          <a:lstStyle/>
-          <a:p>
-            <a:pPr marL="0" marR="0" lvl="0" indent="0" algn="r" defTabSz="457200" rtl="0" eaLnBrk="1" fontAlgn="auto" latinLnBrk="0" hangingPunct="1">
-              <a:lnSpc>
-                <a:spcPct val="100000"/>
-              </a:lnSpc>
-              <a:spcBef>
-                <a:spcPts val="0"/>
-              </a:spcBef>
-              <a:spcAft>
-                <a:spcPts val="0"/>
-              </a:spcAft>
-              <a:buClrTx/>
-              <a:buSzTx/>
-              <a:buFontTx/>
-              <a:buNone/>
-              <a:tabLst/>
+          <a:lstStyle>
+            <a:lvl1pPr>
+              <a:defRPr sz="1600"/>
+            </a:lvl1pPr>
+          </a:lstStyle>
+          <a:p>
+            <a:pPr defTabSz="457200">
               <a:defRPr/>
             </a:pPr>
             <a:fld id="{977BA8E6-E826-B147-AA17-E3D76A29629C}" type="slidenum">
-              <a:rPr kumimoji="1" lang="zh-CN" altLang="en-US" sz="900" b="0" i="0" u="none" strike="noStrike" kern="1200" cap="none" spc="0" normalizeH="0" baseline="0" noProof="0" smtClean="0">
-                <a:ln>
-                  <a:noFill/>
-                </a:ln>
+              <a:rPr kumimoji="1" lang="zh-CN" altLang="en-US" smtClean="0">
                 <a:solidFill>
                   <a:srgbClr val="5C2F7D"/>
                 </a:solidFill>
-                <a:effectLst/>
-                <a:uLnTx/>
-                <a:uFillTx/>
-                <a:latin typeface="Gill Sans MT" panose="020B0502020104020203"/>
-                <a:ea typeface="华文中宋" panose="02010600040101010101" pitchFamily="2" charset="-122"/>
-                <a:cs typeface="+mn-cs"/>
               </a:rPr>
-              <a:pPr marL="0" marR="0" lvl="0" indent="0" algn="r" defTabSz="457200" rtl="0" eaLnBrk="1" fontAlgn="auto" latinLnBrk="0" hangingPunct="1">
-                <a:lnSpc>
-                  <a:spcPct val="100000"/>
-                </a:lnSpc>
-                <a:spcBef>
-                  <a:spcPts val="0"/>
-                </a:spcBef>
-                <a:spcAft>
-                  <a:spcPts val="0"/>
-                </a:spcAft>
-                <a:buClrTx/>
-                <a:buSzTx/>
-                <a:buFontTx/>
-                <a:buNone/>
-                <a:tabLst/>
+              <a:pPr defTabSz="457200">
                 <a:defRPr/>
               </a:pPr>
               <a:t>‹#›</a:t>
             </a:fld>
-            <a:endParaRPr kumimoji="1" lang="zh-CN" altLang="en-US" sz="900" b="0" i="0" u="none" strike="noStrike" kern="1200" cap="none" spc="0" normalizeH="0" baseline="0" noProof="0">
-              <a:ln>
-                <a:noFill/>
-              </a:ln>
+            <a:endParaRPr kumimoji="1" lang="zh-CN" altLang="en-US" sz="900" dirty="0">
               <a:solidFill>
                 <a:srgbClr val="5C2F7D"/>
               </a:solidFill>
-              <a:effectLst/>
-              <a:uLnTx/>
-              <a:uFillTx/>
-              <a:latin typeface="Gill Sans MT" panose="020B0502020104020203"/>
-              <a:ea typeface="华文中宋" panose="02010600040101010101" pitchFamily="2" charset="-122"/>
-              <a:cs typeface="+mn-cs"/>
             </a:endParaRPr>
           </a:p>
         </p:txBody>
@@ -1984,7 +2307,7 @@
               <a:tabLst/>
               <a:defRPr/>
             </a:pPr>
-            <a:fld id="{E4551058-E5DB-324A-A8E9-6D3BEF243C3B}" type="datetimeFigureOut">
+            <a:fld id="{36E3A42C-9B27-4AC5-A7FC-8BFB92E0F6ED}" type="datetime1">
               <a:rPr kumimoji="1" lang="zh-CN" altLang="en-US" sz="900" b="0" i="0" u="none" strike="noStrike" kern="1200" cap="none" spc="0" normalizeH="0" baseline="0" noProof="0" smtClean="0">
                 <a:ln>
                   <a:noFill/>
@@ -1999,23 +2322,6 @@
                 <a:ea typeface="华文中宋" panose="02010600040101010101" pitchFamily="2" charset="-122"/>
                 <a:cs typeface="+mn-cs"/>
               </a:rPr>
-              <a:pPr marL="0" marR="0" lvl="0" indent="0" algn="r" defTabSz="457200" rtl="0" eaLnBrk="1" fontAlgn="auto" latinLnBrk="0" hangingPunct="1">
-                <a:lnSpc>
-                  <a:spcPct val="100000"/>
-                </a:lnSpc>
-                <a:spcBef>
-                  <a:spcPts val="0"/>
-                </a:spcBef>
-                <a:spcAft>
-                  <a:spcPts val="0"/>
-                </a:spcAft>
-                <a:buClrTx/>
-                <a:buSzTx/>
-                <a:buFontTx/>
-                <a:buNone/>
-                <a:tabLst/>
-                <a:defRPr/>
-              </a:pPr>
               <a:t>2023/3/30</a:t>
             </a:fld>
             <a:endParaRPr kumimoji="1" lang="zh-CN" altLang="en-US" sz="900" b="0" i="0" u="none" strike="noStrike" kern="1200" cap="none" spc="0" normalizeH="0" baseline="0" noProof="0">
@@ -2119,72 +2425,30 @@
         </p:spPr>
         <p:txBody>
           <a:bodyPr/>
-          <a:lstStyle/>
-          <a:p>
-            <a:pPr marL="0" marR="0" lvl="0" indent="0" algn="r" defTabSz="457200" rtl="0" eaLnBrk="1" fontAlgn="auto" latinLnBrk="0" hangingPunct="1">
-              <a:lnSpc>
-                <a:spcPct val="100000"/>
-              </a:lnSpc>
-              <a:spcBef>
-                <a:spcPts val="0"/>
-              </a:spcBef>
-              <a:spcAft>
-                <a:spcPts val="0"/>
-              </a:spcAft>
-              <a:buClrTx/>
-              <a:buSzTx/>
-              <a:buFontTx/>
-              <a:buNone/>
-              <a:tabLst/>
+          <a:lstStyle>
+            <a:lvl1pPr>
+              <a:defRPr sz="1600"/>
+            </a:lvl1pPr>
+          </a:lstStyle>
+          <a:p>
+            <a:pPr defTabSz="457200">
               <a:defRPr/>
             </a:pPr>
             <a:fld id="{977BA8E6-E826-B147-AA17-E3D76A29629C}" type="slidenum">
-              <a:rPr kumimoji="1" lang="zh-CN" altLang="en-US" sz="900" b="0" i="0" u="none" strike="noStrike" kern="1200" cap="none" spc="0" normalizeH="0" baseline="0" noProof="0" smtClean="0">
-                <a:ln>
-                  <a:noFill/>
-                </a:ln>
+              <a:rPr kumimoji="1" lang="zh-CN" altLang="en-US" smtClean="0">
                 <a:solidFill>
                   <a:srgbClr val="5C2F7D"/>
                 </a:solidFill>
-                <a:effectLst/>
-                <a:uLnTx/>
-                <a:uFillTx/>
-                <a:latin typeface="Gill Sans MT" panose="020B0502020104020203"/>
-                <a:ea typeface="华文中宋" panose="02010600040101010101" pitchFamily="2" charset="-122"/>
-                <a:cs typeface="+mn-cs"/>
               </a:rPr>
-              <a:pPr marL="0" marR="0" lvl="0" indent="0" algn="r" defTabSz="457200" rtl="0" eaLnBrk="1" fontAlgn="auto" latinLnBrk="0" hangingPunct="1">
-                <a:lnSpc>
-                  <a:spcPct val="100000"/>
-                </a:lnSpc>
-                <a:spcBef>
-                  <a:spcPts val="0"/>
-                </a:spcBef>
-                <a:spcAft>
-                  <a:spcPts val="0"/>
-                </a:spcAft>
-                <a:buClrTx/>
-                <a:buSzTx/>
-                <a:buFontTx/>
-                <a:buNone/>
-                <a:tabLst/>
+              <a:pPr defTabSz="457200">
                 <a:defRPr/>
               </a:pPr>
               <a:t>‹#›</a:t>
             </a:fld>
-            <a:endParaRPr kumimoji="1" lang="zh-CN" altLang="en-US" sz="900" b="0" i="0" u="none" strike="noStrike" kern="1200" cap="none" spc="0" normalizeH="0" baseline="0" noProof="0">
-              <a:ln>
-                <a:noFill/>
-              </a:ln>
+            <a:endParaRPr kumimoji="1" lang="zh-CN" altLang="en-US" sz="900" dirty="0">
               <a:solidFill>
                 <a:srgbClr val="5C2F7D"/>
               </a:solidFill>
-              <a:effectLst/>
-              <a:uLnTx/>
-              <a:uFillTx/>
-              <a:latin typeface="Gill Sans MT" panose="020B0502020104020203"/>
-              <a:ea typeface="华文中宋" panose="02010600040101010101" pitchFamily="2" charset="-122"/>
-              <a:cs typeface="+mn-cs"/>
             </a:endParaRPr>
           </a:p>
         </p:txBody>
@@ -2765,7 +3029,7 @@
               <a:tabLst/>
               <a:defRPr/>
             </a:pPr>
-            <a:fld id="{E4551058-E5DB-324A-A8E9-6D3BEF243C3B}" type="datetimeFigureOut">
+            <a:fld id="{4A30E2A5-893F-48BA-B7BA-B20F30DC13CE}" type="datetime1">
               <a:rPr kumimoji="1" lang="zh-CN" altLang="en-US" sz="900" b="0" i="0" u="none" strike="noStrike" kern="1200" cap="none" spc="0" normalizeH="0" baseline="0" noProof="0" smtClean="0">
                 <a:ln>
                   <a:noFill/>
@@ -2780,23 +3044,6 @@
                 <a:ea typeface="华文中宋" panose="02010600040101010101" pitchFamily="2" charset="-122"/>
                 <a:cs typeface="+mn-cs"/>
               </a:rPr>
-              <a:pPr marL="0" marR="0" lvl="0" indent="0" algn="r" defTabSz="457200" rtl="0" eaLnBrk="1" fontAlgn="auto" latinLnBrk="0" hangingPunct="1">
-                <a:lnSpc>
-                  <a:spcPct val="100000"/>
-                </a:lnSpc>
-                <a:spcBef>
-                  <a:spcPts val="0"/>
-                </a:spcBef>
-                <a:spcAft>
-                  <a:spcPts val="0"/>
-                </a:spcAft>
-                <a:buClrTx/>
-                <a:buSzTx/>
-                <a:buFontTx/>
-                <a:buNone/>
-                <a:tabLst/>
-                <a:defRPr/>
-              </a:pPr>
               <a:t>2023/3/30</a:t>
             </a:fld>
             <a:endParaRPr kumimoji="1" lang="zh-CN" altLang="en-US" sz="900" b="0" i="0" u="none" strike="noStrike" kern="1200" cap="none" spc="0" normalizeH="0" baseline="0" noProof="0">
@@ -3209,7 +3456,7 @@
               <a:tabLst/>
               <a:defRPr/>
             </a:pPr>
-            <a:fld id="{E4551058-E5DB-324A-A8E9-6D3BEF243C3B}" type="datetimeFigureOut">
+            <a:fld id="{7235C9AF-F925-4B20-94A4-39322B7B0EA2}" type="datetime1">
               <a:rPr kumimoji="1" lang="zh-CN" altLang="en-US" sz="900" b="0" i="0" u="none" strike="noStrike" kern="1200" cap="none" spc="0" normalizeH="0" baseline="0" noProof="0" smtClean="0">
                 <a:ln>
                   <a:noFill/>
@@ -3224,23 +3471,6 @@
                 <a:ea typeface="华文中宋" panose="02010600040101010101" pitchFamily="2" charset="-122"/>
                 <a:cs typeface="+mn-cs"/>
               </a:rPr>
-              <a:pPr marL="0" marR="0" lvl="0" indent="0" algn="r" defTabSz="457200" rtl="0" eaLnBrk="1" fontAlgn="auto" latinLnBrk="0" hangingPunct="1">
-                <a:lnSpc>
-                  <a:spcPct val="100000"/>
-                </a:lnSpc>
-                <a:spcBef>
-                  <a:spcPts val="0"/>
-                </a:spcBef>
-                <a:spcAft>
-                  <a:spcPts val="0"/>
-                </a:spcAft>
-                <a:buClrTx/>
-                <a:buSzTx/>
-                <a:buFontTx/>
-                <a:buNone/>
-                <a:tabLst/>
-                <a:defRPr/>
-              </a:pPr>
               <a:t>2023/3/30</a:t>
             </a:fld>
             <a:endParaRPr kumimoji="1" lang="zh-CN" altLang="en-US" sz="900" b="0" i="0" u="none" strike="noStrike" kern="1200" cap="none" spc="0" normalizeH="0" baseline="0" noProof="0">
@@ -3742,7 +3972,7 @@
               <a:tabLst/>
               <a:defRPr/>
             </a:pPr>
-            <a:fld id="{E4551058-E5DB-324A-A8E9-6D3BEF243C3B}" type="datetimeFigureOut">
+            <a:fld id="{E660EBFF-0ED8-4A5C-A10D-FC74E59EFFA7}" type="datetime1">
               <a:rPr kumimoji="1" lang="zh-CN" altLang="en-US" sz="900" b="0" i="0" u="none" strike="noStrike" kern="1200" cap="none" spc="0" normalizeH="0" baseline="0" noProof="0" smtClean="0">
                 <a:ln>
                   <a:noFill/>
@@ -3757,23 +3987,6 @@
                 <a:ea typeface="华文中宋" panose="02010600040101010101" pitchFamily="2" charset="-122"/>
                 <a:cs typeface="+mn-cs"/>
               </a:rPr>
-              <a:pPr marL="0" marR="0" lvl="0" indent="0" algn="r" defTabSz="457200" rtl="0" eaLnBrk="1" fontAlgn="auto" latinLnBrk="0" hangingPunct="1">
-                <a:lnSpc>
-                  <a:spcPct val="100000"/>
-                </a:lnSpc>
-                <a:spcBef>
-                  <a:spcPts val="0"/>
-                </a:spcBef>
-                <a:spcAft>
-                  <a:spcPts val="0"/>
-                </a:spcAft>
-                <a:buClrTx/>
-                <a:buSzTx/>
-                <a:buFontTx/>
-                <a:buNone/>
-                <a:tabLst/>
-                <a:defRPr/>
-              </a:pPr>
               <a:t>2023/3/30</a:t>
             </a:fld>
             <a:endParaRPr kumimoji="1" lang="zh-CN" altLang="en-US" sz="900" b="0" i="0" u="none" strike="noStrike" kern="1200" cap="none" spc="0" normalizeH="0" baseline="0" noProof="0">
@@ -4015,7 +4228,7 @@
               <a:tabLst/>
               <a:defRPr/>
             </a:pPr>
-            <a:fld id="{E4551058-E5DB-324A-A8E9-6D3BEF243C3B}" type="datetimeFigureOut">
+            <a:fld id="{3B7F96C2-437A-4168-9334-0F1B984174ED}" type="datetime1">
               <a:rPr kumimoji="1" lang="zh-CN" altLang="en-US" sz="900" b="0" i="0" u="none" strike="noStrike" kern="1200" cap="none" spc="0" normalizeH="0" baseline="0" noProof="0" smtClean="0">
                 <a:ln>
                   <a:noFill/>
@@ -4030,23 +4243,6 @@
                 <a:ea typeface="华文中宋" panose="02010600040101010101" pitchFamily="2" charset="-122"/>
                 <a:cs typeface="+mn-cs"/>
               </a:rPr>
-              <a:pPr marL="0" marR="0" lvl="0" indent="0" algn="r" defTabSz="457200" rtl="0" eaLnBrk="1" fontAlgn="auto" latinLnBrk="0" hangingPunct="1">
-                <a:lnSpc>
-                  <a:spcPct val="100000"/>
-                </a:lnSpc>
-                <a:spcBef>
-                  <a:spcPts val="0"/>
-                </a:spcBef>
-                <a:spcAft>
-                  <a:spcPts val="0"/>
-                </a:spcAft>
-                <a:buClrTx/>
-                <a:buSzTx/>
-                <a:buFontTx/>
-                <a:buNone/>
-                <a:tabLst/>
-                <a:defRPr/>
-              </a:pPr>
               <a:t>2023/3/30</a:t>
             </a:fld>
             <a:endParaRPr kumimoji="1" lang="zh-CN" altLang="en-US" sz="900" b="0" i="0" u="none" strike="noStrike" kern="1200" cap="none" spc="0" normalizeH="0" baseline="0" noProof="0">
@@ -4288,7 +4484,7 @@
               <a:tabLst/>
               <a:defRPr/>
             </a:pPr>
-            <a:fld id="{E4551058-E5DB-324A-A8E9-6D3BEF243C3B}" type="datetimeFigureOut">
+            <a:fld id="{452A3676-B6B5-4D7D-8DB1-6620CFD9C001}" type="datetime1">
               <a:rPr kumimoji="1" lang="zh-CN" altLang="en-US" sz="900" b="0" i="0" u="none" strike="noStrike" kern="1200" cap="none" spc="0" normalizeH="0" baseline="0" noProof="0" smtClean="0">
                 <a:ln>
                   <a:noFill/>
@@ -4303,23 +4499,6 @@
                 <a:ea typeface="华文中宋" panose="02010600040101010101" pitchFamily="2" charset="-122"/>
                 <a:cs typeface="+mn-cs"/>
               </a:rPr>
-              <a:pPr marL="0" marR="0" lvl="0" indent="0" algn="r" defTabSz="457200" rtl="0" eaLnBrk="1" fontAlgn="auto" latinLnBrk="0" hangingPunct="1">
-                <a:lnSpc>
-                  <a:spcPct val="100000"/>
-                </a:lnSpc>
-                <a:spcBef>
-                  <a:spcPts val="0"/>
-                </a:spcBef>
-                <a:spcAft>
-                  <a:spcPts val="0"/>
-                </a:spcAft>
-                <a:buClrTx/>
-                <a:buSzTx/>
-                <a:buFontTx/>
-                <a:buNone/>
-                <a:tabLst/>
-                <a:defRPr/>
-              </a:pPr>
               <a:t>2023/3/30</a:t>
             </a:fld>
             <a:endParaRPr kumimoji="1" lang="zh-CN" altLang="en-US" sz="900" b="0" i="0" u="none" strike="noStrike" kern="1200" cap="none" spc="0" normalizeH="0" baseline="0" noProof="0">
@@ -4666,7 +4845,7 @@
           <a:bodyPr/>
           <a:lstStyle/>
           <a:p>
-            <a:fld id="{75398C04-1696-44D3-A46F-69CFCE76FCE2}" type="datetimeFigureOut">
+            <a:fld id="{D7AFFF6D-F168-4102-AE2E-AEEF77D1568A}" type="datetime1">
               <a:rPr lang="zh-CN" altLang="en-US" smtClean="0"/>
               <a:t>2023/3/30</a:t>
             </a:fld>
@@ -5086,7 +5265,7 @@
               <a:tabLst/>
               <a:defRPr/>
             </a:pPr>
-            <a:fld id="{E4551058-E5DB-324A-A8E9-6D3BEF243C3B}" type="datetimeFigureOut">
+            <a:fld id="{1797E2DD-C9A3-48E4-B07F-E6CE95216360}" type="datetime1">
               <a:rPr kumimoji="1" lang="zh-CN" altLang="en-US" sz="900" b="0" i="0" u="none" strike="noStrike" kern="1200" cap="none" spc="0" normalizeH="0" baseline="0" noProof="0" smtClean="0">
                 <a:ln>
                   <a:noFill/>
@@ -5104,23 +5283,6 @@
                 <a:ea typeface="华文中宋" panose="02010600040101010101" pitchFamily="2" charset="-122"/>
                 <a:cs typeface="+mn-cs"/>
               </a:rPr>
-              <a:pPr marL="0" marR="0" lvl="0" indent="0" algn="r" defTabSz="457200" rtl="0" eaLnBrk="1" fontAlgn="auto" latinLnBrk="0" hangingPunct="1">
-                <a:lnSpc>
-                  <a:spcPct val="100000"/>
-                </a:lnSpc>
-                <a:spcBef>
-                  <a:spcPts val="0"/>
-                </a:spcBef>
-                <a:spcAft>
-                  <a:spcPts val="0"/>
-                </a:spcAft>
-                <a:buClrTx/>
-                <a:buSzTx/>
-                <a:buFontTx/>
-                <a:buNone/>
-                <a:tabLst/>
-                <a:defRPr/>
-              </a:pPr>
               <a:t>2023/3/30</a:t>
             </a:fld>
             <a:endParaRPr kumimoji="1" lang="zh-CN" altLang="en-US" sz="900" b="0" i="0" u="none" strike="noStrike" kern="1200" cap="none" spc="0" normalizeH="0" baseline="0" noProof="0">
@@ -5612,7 +5774,7 @@
               <a:tabLst/>
               <a:defRPr/>
             </a:pPr>
-            <a:fld id="{E4551058-E5DB-324A-A8E9-6D3BEF243C3B}" type="datetimeFigureOut">
+            <a:fld id="{AB27D72D-CDD5-413F-9F5D-C0BF96B6A45C}" type="datetime1">
               <a:rPr kumimoji="1" lang="zh-CN" altLang="en-US" sz="900" b="0" i="0" u="none" strike="noStrike" kern="1200" cap="none" spc="0" normalizeH="0" baseline="0" noProof="0" smtClean="0">
                 <a:ln>
                   <a:noFill/>
@@ -5627,23 +5789,6 @@
                 <a:ea typeface="华文中宋" panose="02010600040101010101" pitchFamily="2" charset="-122"/>
                 <a:cs typeface="+mn-cs"/>
               </a:rPr>
-              <a:pPr marL="0" marR="0" lvl="0" indent="0" algn="r" defTabSz="457200" rtl="0" eaLnBrk="1" fontAlgn="auto" latinLnBrk="0" hangingPunct="1">
-                <a:lnSpc>
-                  <a:spcPct val="100000"/>
-                </a:lnSpc>
-                <a:spcBef>
-                  <a:spcPts val="0"/>
-                </a:spcBef>
-                <a:spcAft>
-                  <a:spcPts val="0"/>
-                </a:spcAft>
-                <a:buClrTx/>
-                <a:buSzTx/>
-                <a:buFontTx/>
-                <a:buNone/>
-                <a:tabLst/>
-                <a:defRPr/>
-              </a:pPr>
               <a:t>2023/3/30</a:t>
             </a:fld>
             <a:endParaRPr kumimoji="1" lang="zh-CN" altLang="en-US" sz="900" b="0" i="0" u="none" strike="noStrike" kern="1200" cap="none" spc="0" normalizeH="0" baseline="0" noProof="0">
@@ -5984,7 +6129,7 @@
               <a:tabLst/>
               <a:defRPr/>
             </a:pPr>
-            <a:fld id="{E4551058-E5DB-324A-A8E9-6D3BEF243C3B}" type="datetimeFigureOut">
+            <a:fld id="{3F99A443-65CC-46FB-A5DF-051A9E3070A2}" type="datetime1">
               <a:rPr kumimoji="1" lang="zh-CN" altLang="en-US" sz="900" b="0" i="0" u="none" strike="noStrike" kern="1200" cap="none" spc="0" normalizeH="0" baseline="0" noProof="0" smtClean="0">
                 <a:ln>
                   <a:noFill/>
@@ -5999,23 +6144,6 @@
                 <a:ea typeface="华文中宋" panose="02010600040101010101" pitchFamily="2" charset="-122"/>
                 <a:cs typeface="+mn-cs"/>
               </a:rPr>
-              <a:pPr marL="0" marR="0" lvl="0" indent="0" algn="r" defTabSz="457200" rtl="0" eaLnBrk="1" fontAlgn="auto" latinLnBrk="0" hangingPunct="1">
-                <a:lnSpc>
-                  <a:spcPct val="100000"/>
-                </a:lnSpc>
-                <a:spcBef>
-                  <a:spcPts val="0"/>
-                </a:spcBef>
-                <a:spcAft>
-                  <a:spcPts val="0"/>
-                </a:spcAft>
-                <a:buClrTx/>
-                <a:buSzTx/>
-                <a:buFontTx/>
-                <a:buNone/>
-                <a:tabLst/>
-                <a:defRPr/>
-              </a:pPr>
               <a:t>2023/3/30</a:t>
             </a:fld>
             <a:endParaRPr kumimoji="1" lang="zh-CN" altLang="en-US" sz="900" b="0" i="0" u="none" strike="noStrike" kern="1200" cap="none" spc="0" normalizeH="0" baseline="0" noProof="0">
@@ -6408,7 +6536,7 @@
               <a:tabLst/>
               <a:defRPr/>
             </a:pPr>
-            <a:fld id="{E4551058-E5DB-324A-A8E9-6D3BEF243C3B}" type="datetimeFigureOut">
+            <a:fld id="{DEDF224A-2C9B-4DA7-A15C-601C476E841F}" type="datetime1">
               <a:rPr kumimoji="1" lang="zh-CN" altLang="en-US" sz="900" b="0" i="0" u="none" strike="noStrike" kern="1200" cap="none" spc="0" normalizeH="0" baseline="0" noProof="0" smtClean="0">
                 <a:ln>
                   <a:noFill/>
@@ -6423,23 +6551,6 @@
                 <a:ea typeface="华文中宋" panose="02010600040101010101" pitchFamily="2" charset="-122"/>
                 <a:cs typeface="+mn-cs"/>
               </a:rPr>
-              <a:pPr marL="0" marR="0" lvl="0" indent="0" algn="r" defTabSz="457200" rtl="0" eaLnBrk="1" fontAlgn="auto" latinLnBrk="0" hangingPunct="1">
-                <a:lnSpc>
-                  <a:spcPct val="100000"/>
-                </a:lnSpc>
-                <a:spcBef>
-                  <a:spcPts val="0"/>
-                </a:spcBef>
-                <a:spcAft>
-                  <a:spcPts val="0"/>
-                </a:spcAft>
-                <a:buClrTx/>
-                <a:buSzTx/>
-                <a:buFontTx/>
-                <a:buNone/>
-                <a:tabLst/>
-                <a:defRPr/>
-              </a:pPr>
               <a:t>2023/3/30</a:t>
             </a:fld>
             <a:endParaRPr kumimoji="1" lang="zh-CN" altLang="en-US" sz="900" b="0" i="0" u="none" strike="noStrike" kern="1200" cap="none" spc="0" normalizeH="0" baseline="0" noProof="0">
@@ -6875,7 +6986,7 @@
           <a:bodyPr/>
           <a:lstStyle/>
           <a:p>
-            <a:fld id="{75398C04-1696-44D3-A46F-69CFCE76FCE2}" type="datetimeFigureOut">
+            <a:fld id="{306BBCB2-BE30-42C5-8A2B-A42D8DA0F0F2}" type="datetime1">
               <a:rPr lang="zh-CN" altLang="en-US" smtClean="0"/>
               <a:t>2023/3/30</a:t>
             </a:fld>
@@ -7140,7 +7251,7 @@
           <a:bodyPr/>
           <a:lstStyle/>
           <a:p>
-            <a:fld id="{75398C04-1696-44D3-A46F-69CFCE76FCE2}" type="datetimeFigureOut">
+            <a:fld id="{32493317-A3E8-456E-9217-B09453E554AB}" type="datetime1">
               <a:rPr lang="zh-CN" altLang="en-US" smtClean="0"/>
               <a:t>2023/3/30</a:t>
             </a:fld>
@@ -7552,7 +7663,7 @@
           <a:bodyPr/>
           <a:lstStyle/>
           <a:p>
-            <a:fld id="{75398C04-1696-44D3-A46F-69CFCE76FCE2}" type="datetimeFigureOut">
+            <a:fld id="{6A2165DD-A216-4E02-B389-3019B2F92A95}" type="datetime1">
               <a:rPr lang="zh-CN" altLang="en-US" smtClean="0"/>
               <a:t>2023/3/30</a:t>
             </a:fld>
@@ -7693,7 +7804,7 @@
           <a:bodyPr/>
           <a:lstStyle/>
           <a:p>
-            <a:fld id="{75398C04-1696-44D3-A46F-69CFCE76FCE2}" type="datetimeFigureOut">
+            <a:fld id="{AB694D89-49D9-4215-AF03-C874F671B696}" type="datetime1">
               <a:rPr lang="zh-CN" altLang="en-US" smtClean="0"/>
               <a:t>2023/3/30</a:t>
             </a:fld>
@@ -7806,7 +7917,7 @@
           <a:bodyPr/>
           <a:lstStyle/>
           <a:p>
-            <a:fld id="{75398C04-1696-44D3-A46F-69CFCE76FCE2}" type="datetimeFigureOut">
+            <a:fld id="{FF7259D0-BDF8-4473-B959-8A15667853EF}" type="datetime1">
               <a:rPr lang="zh-CN" altLang="en-US" smtClean="0"/>
               <a:t>2023/3/30</a:t>
             </a:fld>
@@ -8117,7 +8228,7 @@
           <a:bodyPr/>
           <a:lstStyle/>
           <a:p>
-            <a:fld id="{75398C04-1696-44D3-A46F-69CFCE76FCE2}" type="datetimeFigureOut">
+            <a:fld id="{855EE96A-3483-412E-A630-647182DDF667}" type="datetime1">
               <a:rPr lang="zh-CN" altLang="en-US" smtClean="0"/>
               <a:t>2023/3/30</a:t>
             </a:fld>
@@ -8405,7 +8516,7 @@
           <a:bodyPr/>
           <a:lstStyle/>
           <a:p>
-            <a:fld id="{75398C04-1696-44D3-A46F-69CFCE76FCE2}" type="datetimeFigureOut">
+            <a:fld id="{F38556E1-DB1D-4A99-A274-674C8502F2E5}" type="datetime1">
               <a:rPr lang="zh-CN" altLang="en-US" smtClean="0"/>
               <a:t>2023/3/30</a:t>
             </a:fld>
@@ -8646,7 +8757,7 @@
             </a:lvl1pPr>
           </a:lstStyle>
           <a:p>
-            <a:fld id="{75398C04-1696-44D3-A46F-69CFCE76FCE2}" type="datetimeFigureOut">
+            <a:fld id="{48BE9F27-6AA4-4E5A-B513-7E8FCBD3D611}" type="datetime1">
               <a:rPr lang="zh-CN" altLang="en-US" smtClean="0"/>
               <a:t>2023/3/30</a:t>
             </a:fld>
@@ -8765,6 +8876,7 @@
     <p:sldLayoutId id="2147483658" r:id="rId10"/>
     <p:sldLayoutId id="2147483659" r:id="rId11"/>
   </p:sldLayoutIdLst>
+  <p:hf hdr="0" ftr="0" dt="0"/>
   <p:txStyles>
     <p:titleStyle>
       <a:lvl1pPr algn="l" defTabSz="914400" rtl="0" eaLnBrk="1" latinLnBrk="0" hangingPunct="1">
@@ -9218,7 +9330,7 @@
               <a:tabLst/>
               <a:defRPr/>
             </a:pPr>
-            <a:fld id="{E4551058-E5DB-324A-A8E9-6D3BEF243C3B}" type="datetimeFigureOut">
+            <a:fld id="{7AEE582C-11A9-4096-828B-22CC9902F606}" type="datetime1">
               <a:rPr kumimoji="1" lang="zh-CN" altLang="en-US" sz="900" b="0" i="0" u="none" strike="noStrike" kern="1200" cap="none" spc="0" normalizeH="0" baseline="0" noProof="0" smtClean="0">
                 <a:ln>
                   <a:noFill/>
@@ -9233,23 +9345,6 @@
                 <a:ea typeface="华文中宋" panose="02010600040101010101" pitchFamily="2" charset="-122"/>
                 <a:cs typeface="+mn-cs"/>
               </a:rPr>
-              <a:pPr marL="0" marR="0" lvl="0" indent="0" algn="r" defTabSz="457200" rtl="0" eaLnBrk="1" fontAlgn="auto" latinLnBrk="0" hangingPunct="1">
-                <a:lnSpc>
-                  <a:spcPct val="100000"/>
-                </a:lnSpc>
-                <a:spcBef>
-                  <a:spcPts val="0"/>
-                </a:spcBef>
-                <a:spcAft>
-                  <a:spcPts val="0"/>
-                </a:spcAft>
-                <a:buClrTx/>
-                <a:buSzTx/>
-                <a:buFontTx/>
-                <a:buNone/>
-                <a:tabLst/>
-                <a:defRPr/>
-              </a:pPr>
               <a:t>2023/3/30</a:t>
             </a:fld>
             <a:endParaRPr kumimoji="1" lang="zh-CN" altLang="en-US" sz="900" b="0" i="0" u="none" strike="noStrike" kern="1200" cap="none" spc="0" normalizeH="0" baseline="0" noProof="0">
@@ -9598,6 +9693,7 @@
     <p:sldLayoutId id="2147483671" r:id="rId11"/>
     <p:sldLayoutId id="2147483672" r:id="rId12"/>
   </p:sldLayoutIdLst>
+  <p:hf hdr="0" ftr="0" dt="0"/>
   <p:txStyles>
     <p:titleStyle>
       <a:lvl1pPr algn="l" defTabSz="457189" rtl="0" eaLnBrk="1" latinLnBrk="0" hangingPunct="1">
@@ -10069,6 +10165,49 @@
           </a:p>
         </p:txBody>
       </p:sp>
+      <p:sp>
+        <p:nvSpPr>
+          <p:cNvPr id="8" name="灯片编号占位符 7">
+            <a:extLst>
+              <a:ext uri="{FF2B5EF4-FFF2-40B4-BE49-F238E27FC236}">
+                <a16:creationId xmlns:a16="http://schemas.microsoft.com/office/drawing/2014/main" id="{004D0B20-C36B-5200-009E-753EE3DADBDE}"/>
+              </a:ext>
+            </a:extLst>
+          </p:cNvPr>
+          <p:cNvSpPr>
+            <a:spLocks noGrp="1"/>
+          </p:cNvSpPr>
+          <p:nvPr>
+            <p:ph type="sldNum" sz="quarter" idx="12"/>
+          </p:nvPr>
+        </p:nvSpPr>
+        <p:spPr/>
+        <p:txBody>
+          <a:bodyPr/>
+          <a:lstStyle/>
+          <a:p>
+            <a:pPr defTabSz="457200">
+              <a:defRPr/>
+            </a:pPr>
+            <a:fld id="{977BA8E6-E826-B147-AA17-E3D76A29629C}" type="slidenum">
+              <a:rPr kumimoji="1" lang="zh-CN" altLang="en-US" smtClean="0">
+                <a:solidFill>
+                  <a:srgbClr val="5C2F7D"/>
+                </a:solidFill>
+              </a:rPr>
+              <a:pPr defTabSz="457200">
+                <a:defRPr/>
+              </a:pPr>
+              <a:t>1</a:t>
+            </a:fld>
+            <a:endParaRPr kumimoji="1" lang="zh-CN" altLang="en-US" sz="900" dirty="0">
+              <a:solidFill>
+                <a:srgbClr val="5C2F7D"/>
+              </a:solidFill>
+            </a:endParaRPr>
+          </a:p>
+        </p:txBody>
+      </p:sp>
     </p:spTree>
     <p:extLst>
       <p:ext uri="{BB962C8B-B14F-4D97-AF65-F5344CB8AC3E}">
@@ -10101,189 +10240,153 @@
       </p:grpSpPr>
       <p:sp>
         <p:nvSpPr>
-          <p:cNvPr id="5" name="内容占位符 4">
-            <a:extLst>
-              <a:ext uri="{FF2B5EF4-FFF2-40B4-BE49-F238E27FC236}">
-                <a16:creationId xmlns:a16="http://schemas.microsoft.com/office/drawing/2014/main" id="{DD553D6F-BC1A-435F-9D69-C092A92466AA}"/>
-              </a:ext>
-            </a:extLst>
-          </p:cNvPr>
-          <p:cNvSpPr>
-            <a:spLocks noGrp="1"/>
-          </p:cNvSpPr>
-          <p:nvPr>
-            <p:ph idx="1"/>
-          </p:nvPr>
-        </p:nvSpPr>
-        <p:spPr>
-          <a:xfrm>
-            <a:off x="835306" y="1608142"/>
-            <a:ext cx="10695634" cy="4766934"/>
-          </a:xfrm>
-        </p:spPr>
+          <p:cNvPr id="4" name="标题 3">
+            <a:extLst>
+              <a:ext uri="{FF2B5EF4-FFF2-40B4-BE49-F238E27FC236}">
+                <a16:creationId xmlns:a16="http://schemas.microsoft.com/office/drawing/2014/main" id="{CB335FAB-FA8F-41FD-B41F-E4213D79D779}"/>
+              </a:ext>
+            </a:extLst>
+          </p:cNvPr>
+          <p:cNvSpPr>
+            <a:spLocks noGrp="1"/>
+          </p:cNvSpPr>
+          <p:nvPr>
+            <p:ph type="ctrTitle"/>
+          </p:nvPr>
+        </p:nvSpPr>
+        <p:spPr/>
         <p:txBody>
           <a:bodyPr>
             <a:normAutofit/>
           </a:bodyPr>
           <a:lstStyle/>
           <a:p>
-            <a:pPr>
+            <a:r>
+              <a:rPr kumimoji="1" lang="zh-CN" altLang="en-US" sz="4400" dirty="0"/>
+              <a:t>三、后续实验检验</a:t>
+            </a:r>
+            <a:endParaRPr lang="zh-CN" altLang="en-US" sz="4400" dirty="0"/>
+          </a:p>
+        </p:txBody>
+      </p:sp>
+      <p:sp>
+        <p:nvSpPr>
+          <p:cNvPr id="2" name="副标题 1">
+            <a:extLst>
+              <a:ext uri="{FF2B5EF4-FFF2-40B4-BE49-F238E27FC236}">
+                <a16:creationId xmlns:a16="http://schemas.microsoft.com/office/drawing/2014/main" id="{A8F96AEE-70D8-4DDF-A547-45EB77DBE4EF}"/>
+              </a:ext>
+            </a:extLst>
+          </p:cNvPr>
+          <p:cNvSpPr>
+            <a:spLocks noGrp="1"/>
+          </p:cNvSpPr>
+          <p:nvPr>
+            <p:ph type="subTitle" idx="1"/>
+          </p:nvPr>
+        </p:nvSpPr>
+        <p:spPr/>
+        <p:txBody>
+          <a:bodyPr/>
+          <a:lstStyle/>
+          <a:p>
+            <a:endParaRPr lang="zh-CN" altLang="en-US" dirty="0"/>
+          </a:p>
+        </p:txBody>
+      </p:sp>
+      <p:sp>
+        <p:nvSpPr>
+          <p:cNvPr id="8" name="灯片编号占位符 7">
+            <a:extLst>
+              <a:ext uri="{FF2B5EF4-FFF2-40B4-BE49-F238E27FC236}">
+                <a16:creationId xmlns:a16="http://schemas.microsoft.com/office/drawing/2014/main" id="{E92D30B2-1734-669C-9E09-7461CCFA5D1C}"/>
+              </a:ext>
+            </a:extLst>
+          </p:cNvPr>
+          <p:cNvSpPr>
+            <a:spLocks noGrp="1"/>
+          </p:cNvSpPr>
+          <p:nvPr>
+            <p:ph type="sldNum" sz="quarter" idx="12"/>
+          </p:nvPr>
+        </p:nvSpPr>
+        <p:spPr/>
+        <p:txBody>
+          <a:bodyPr/>
+          <a:lstStyle/>
+          <a:p>
+            <a:pPr marL="0" marR="0" lvl="0" indent="0" algn="r" defTabSz="457200" rtl="0" eaLnBrk="1" fontAlgn="auto" latinLnBrk="0" hangingPunct="1">
               <a:lnSpc>
-                <a:spcPct val="150000"/>
+                <a:spcPct val="100000"/>
               </a:lnSpc>
+              <a:spcBef>
+                <a:spcPts val="0"/>
+              </a:spcBef>
+              <a:spcAft>
+                <a:spcPts val="0"/>
+              </a:spcAft>
+              <a:buClrTx/>
+              <a:buSzTx/>
+              <a:buFontTx/>
+              <a:buNone/>
+              <a:tabLst/>
+              <a:defRPr/>
             </a:pPr>
-            <a:r>
-              <a:rPr lang="zh-CN" altLang="en-US" sz="2400" b="1" dirty="0">
+            <a:fld id="{977BA8E6-E826-B147-AA17-E3D76A29629C}" type="slidenum">
+              <a:rPr kumimoji="1" lang="zh-CN" altLang="en-US" sz="1600" b="0" i="0" u="none" strike="noStrike" kern="1200" cap="none" spc="0" normalizeH="0" baseline="0" noProof="0" smtClean="0">
+                <a:ln>
+                  <a:noFill/>
+                </a:ln>
                 <a:solidFill>
-                  <a:schemeClr val="tx1"/>
+                  <a:srgbClr val="5C2F7D"/>
                 </a:solidFill>
-                <a:latin typeface="+mn-ea"/>
-                <a:cs typeface="Times New Roman" panose="02020603050405020304" pitchFamily="18" charset="0"/>
+                <a:effectLst/>
+                <a:uLnTx/>
+                <a:uFillTx/>
+                <a:latin typeface="Gill Sans MT" panose="020B0502020104020203"/>
+                <a:ea typeface="华文中宋" panose="02010600040101010101" pitchFamily="2" charset="-122"/>
+                <a:cs typeface="+mn-cs"/>
               </a:rPr>
-              <a:t>调度系统的复现：</a:t>
-            </a:r>
-            <a:endParaRPr lang="en-US" altLang="zh-CN" sz="2400" b="1" dirty="0">
+              <a:pPr marL="0" marR="0" lvl="0" indent="0" algn="r" defTabSz="457200" rtl="0" eaLnBrk="1" fontAlgn="auto" latinLnBrk="0" hangingPunct="1">
+                <a:lnSpc>
+                  <a:spcPct val="100000"/>
+                </a:lnSpc>
+                <a:spcBef>
+                  <a:spcPts val="0"/>
+                </a:spcBef>
+                <a:spcAft>
+                  <a:spcPts val="0"/>
+                </a:spcAft>
+                <a:buClrTx/>
+                <a:buSzTx/>
+                <a:buFontTx/>
+                <a:buNone/>
+                <a:tabLst/>
+                <a:defRPr/>
+              </a:pPr>
+              <a:t>10</a:t>
+            </a:fld>
+            <a:endParaRPr kumimoji="1" lang="zh-CN" altLang="en-US" sz="1600" b="0" i="0" u="none" strike="noStrike" kern="1200" cap="none" spc="0" normalizeH="0" baseline="0" noProof="0" dirty="0">
+              <a:ln>
+                <a:noFill/>
+              </a:ln>
               <a:solidFill>
-                <a:schemeClr val="tx1"/>
+                <a:srgbClr val="5C2F7D"/>
               </a:solidFill>
-              <a:latin typeface="+mn-ea"/>
-              <a:cs typeface="Times New Roman" panose="02020603050405020304" pitchFamily="18" charset="0"/>
+              <a:effectLst/>
+              <a:uLnTx/>
+              <a:uFillTx/>
+              <a:latin typeface="Gill Sans MT" panose="020B0502020104020203"/>
+              <a:ea typeface="华文中宋" panose="02010600040101010101" pitchFamily="2" charset="-122"/>
+              <a:cs typeface="+mn-cs"/>
             </a:endParaRPr>
-          </a:p>
-          <a:p>
-            <a:pPr marL="0" indent="0">
-              <a:lnSpc>
-                <a:spcPct val="150000"/>
-              </a:lnSpc>
-              <a:buNone/>
-            </a:pPr>
-            <a:r>
-              <a:rPr lang="en-US" altLang="zh-CN" spc="100" dirty="0">
-                <a:latin typeface="+mn-ea"/>
-              </a:rPr>
-              <a:t>	</a:t>
-            </a:r>
-            <a:r>
-              <a:rPr lang="zh-CN" altLang="en-US" spc="100" dirty="0">
-                <a:latin typeface="+mn-ea"/>
-              </a:rPr>
-              <a:t>目前实现的部署调度系统合约和本地部署多链的测试，在以太坊的本地编译处遇到了问题，</a:t>
-            </a:r>
-            <a:r>
-              <a:rPr lang="en-US" altLang="zh-CN" spc="100" dirty="0">
-                <a:latin typeface="+mn-ea"/>
-              </a:rPr>
-              <a:t>		</a:t>
-            </a:r>
-            <a:r>
-              <a:rPr lang="zh-CN" altLang="en-US" spc="100" dirty="0">
-                <a:latin typeface="+mn-ea"/>
-              </a:rPr>
-              <a:t>按照目前进度来看是本地环境的部署问题，后续需要继续部署好所需环境</a:t>
-            </a:r>
-            <a:r>
-              <a:rPr lang="en-US" altLang="zh-CN" spc="100" dirty="0">
-                <a:latin typeface="+mn-ea"/>
-              </a:rPr>
-              <a:t>	</a:t>
-            </a:r>
-          </a:p>
-          <a:p>
-            <a:pPr>
-              <a:lnSpc>
-                <a:spcPct val="150000"/>
-              </a:lnSpc>
-            </a:pPr>
-            <a:r>
-              <a:rPr lang="zh-CN" altLang="en-US" sz="2400" b="1" dirty="0">
-                <a:solidFill>
-                  <a:schemeClr val="tx1"/>
-                </a:solidFill>
-                <a:latin typeface="+mn-ea"/>
-                <a:cs typeface="Times New Roman" panose="02020603050405020304" pitchFamily="18" charset="0"/>
-              </a:rPr>
-              <a:t>合约的研究：</a:t>
-            </a:r>
-            <a:endParaRPr lang="en-US" altLang="zh-CN" sz="2200" b="1" dirty="0">
-              <a:solidFill>
-                <a:schemeClr val="tx1"/>
-              </a:solidFill>
-              <a:latin typeface="+mn-ea"/>
-              <a:cs typeface="Times New Roman" panose="02020603050405020304" pitchFamily="18" charset="0"/>
-            </a:endParaRPr>
-          </a:p>
-          <a:p>
-            <a:pPr marL="0" indent="0">
-              <a:lnSpc>
-                <a:spcPct val="150000"/>
-              </a:lnSpc>
-              <a:buNone/>
-            </a:pPr>
-            <a:r>
-              <a:rPr lang="en-US" altLang="zh-CN" sz="2200" b="1" dirty="0">
-                <a:solidFill>
-                  <a:schemeClr val="tx1"/>
-                </a:solidFill>
-                <a:latin typeface="+mn-ea"/>
-                <a:cs typeface="Times New Roman" panose="02020603050405020304" pitchFamily="18" charset="0"/>
-              </a:rPr>
-              <a:t>	</a:t>
-            </a:r>
-            <a:r>
-              <a:rPr lang="zh-CN" altLang="en-US" dirty="0">
-                <a:solidFill>
-                  <a:schemeClr val="tx1"/>
-                </a:solidFill>
-                <a:latin typeface="+mn-ea"/>
-                <a:cs typeface="Times New Roman" panose="02020603050405020304" pitchFamily="18" charset="0"/>
-              </a:rPr>
-              <a:t>需要部署适配于当下系统树状多链区块链的合约，且目前测试尚不能进行可视化测试。</a:t>
-            </a:r>
-            <a:endParaRPr lang="en-US" altLang="zh-CN" sz="2400" dirty="0">
-              <a:solidFill>
-                <a:schemeClr val="tx1"/>
-              </a:solidFill>
-              <a:latin typeface="+mn-ea"/>
-              <a:cs typeface="Times New Roman" panose="02020603050405020304" pitchFamily="18" charset="0"/>
-            </a:endParaRPr>
-          </a:p>
-        </p:txBody>
-      </p:sp>
-      <p:sp>
-        <p:nvSpPr>
-          <p:cNvPr id="4" name="标题 3">
-            <a:extLst>
-              <a:ext uri="{FF2B5EF4-FFF2-40B4-BE49-F238E27FC236}">
-                <a16:creationId xmlns:a16="http://schemas.microsoft.com/office/drawing/2014/main" id="{CB335FAB-FA8F-41FD-B41F-E4213D79D779}"/>
-              </a:ext>
-            </a:extLst>
-          </p:cNvPr>
-          <p:cNvSpPr>
-            <a:spLocks noGrp="1"/>
-          </p:cNvSpPr>
-          <p:nvPr>
-            <p:ph type="title"/>
-          </p:nvPr>
-        </p:nvSpPr>
-        <p:spPr/>
-        <p:txBody>
-          <a:bodyPr>
-            <a:normAutofit/>
-          </a:bodyPr>
-          <a:lstStyle/>
-          <a:p>
-            <a:r>
-              <a:rPr kumimoji="1" lang="zh-CN" altLang="en-US" dirty="0"/>
-              <a:t>存在的问题</a:t>
-            </a:r>
-            <a:endParaRPr lang="zh-CN" altLang="en-US" dirty="0"/>
           </a:p>
         </p:txBody>
       </p:sp>
     </p:spTree>
     <p:extLst>
       <p:ext uri="{BB962C8B-B14F-4D97-AF65-F5344CB8AC3E}">
-        <p14:creationId xmlns:p14="http://schemas.microsoft.com/office/powerpoint/2010/main" val="1352823552"/>
+        <p14:creationId xmlns:p14="http://schemas.microsoft.com/office/powerpoint/2010/main" val="2488631701"/>
       </p:ext>
     </p:extLst>
   </p:cSld>
@@ -10351,7 +10454,7 @@
                 <a:latin typeface="+mn-ea"/>
                 <a:cs typeface="Times New Roman" panose="02020603050405020304" pitchFamily="18" charset="0"/>
               </a:rPr>
-              <a:t>进行实验测试效果</a:t>
+              <a:t>目标进行的实验测试效果</a:t>
             </a:r>
             <a:endParaRPr lang="en-US" altLang="zh-CN" sz="2400" b="1" dirty="0">
               <a:solidFill>
@@ -10457,6 +10560,85 @@
               <a:t>每条连远少于平均值且分布均匀的交易信息投入测试，比较子链间的分支带来的系统的效率提升</a:t>
             </a:r>
             <a:endParaRPr lang="en-US" altLang="zh-CN" sz="1800" kern="0" dirty="0">
+              <a:solidFill>
+                <a:srgbClr val="000000"/>
+              </a:solidFill>
+              <a:effectLst/>
+              <a:latin typeface="+mn-ea"/>
+              <a:cs typeface="Times New Roman" panose="02020603050405020304" pitchFamily="18" charset="0"/>
+            </a:endParaRPr>
+          </a:p>
+          <a:p>
+            <a:pPr>
+              <a:lnSpc>
+                <a:spcPct val="150000"/>
+              </a:lnSpc>
+            </a:pPr>
+            <a:endParaRPr lang="en-US" altLang="zh-CN" kern="0" dirty="0">
+              <a:solidFill>
+                <a:srgbClr val="000000"/>
+              </a:solidFill>
+              <a:latin typeface="+mn-ea"/>
+              <a:cs typeface="Times New Roman" panose="02020603050405020304" pitchFamily="18" charset="0"/>
+            </a:endParaRPr>
+          </a:p>
+          <a:p>
+            <a:pPr>
+              <a:lnSpc>
+                <a:spcPct val="150000"/>
+              </a:lnSpc>
+            </a:pPr>
+            <a:r>
+              <a:rPr lang="zh-CN" altLang="en-US" sz="2400" b="1" kern="0" dirty="0">
+                <a:solidFill>
+                  <a:srgbClr val="000000"/>
+                </a:solidFill>
+                <a:effectLst/>
+                <a:latin typeface="+mn-ea"/>
+                <a:cs typeface="Times New Roman" panose="02020603050405020304" pitchFamily="18" charset="0"/>
+              </a:rPr>
+              <a:t>目标检验结果</a:t>
+            </a:r>
+            <a:endParaRPr lang="en-US" altLang="zh-CN" sz="2400" b="1" kern="0" dirty="0">
+              <a:solidFill>
+                <a:srgbClr val="000000"/>
+              </a:solidFill>
+              <a:effectLst/>
+              <a:latin typeface="+mn-ea"/>
+              <a:cs typeface="Times New Roman" panose="02020603050405020304" pitchFamily="18" charset="0"/>
+            </a:endParaRPr>
+          </a:p>
+          <a:p>
+            <a:pPr marL="305992" marR="0" lvl="0" indent="-305992" algn="l" defTabSz="457189" rtl="0" eaLnBrk="1" fontAlgn="auto" latinLnBrk="0" hangingPunct="1">
+              <a:lnSpc>
+                <a:spcPct val="150000"/>
+              </a:lnSpc>
+              <a:spcBef>
+                <a:spcPct val="20000"/>
+              </a:spcBef>
+              <a:spcAft>
+                <a:spcPts val="600"/>
+              </a:spcAft>
+              <a:buClr>
+                <a:srgbClr val="5C2F7D"/>
+              </a:buClr>
+              <a:buSzPct val="92000"/>
+              <a:buFont typeface="Wingdings 2" panose="05020102010507070707" pitchFamily="18" charset="2"/>
+              <a:buChar char=""/>
+              <a:tabLst/>
+              <a:defRPr/>
+            </a:pPr>
+            <a:r>
+              <a:rPr lang="zh-CN" altLang="en-US" kern="0" dirty="0">
+                <a:solidFill>
+                  <a:srgbClr val="000000"/>
+                </a:solidFill>
+                <a:latin typeface="华文中宋" panose="02010600040101010101" pitchFamily="2" charset="-122"/>
+                <a:ea typeface="华文中宋" panose="02010600040101010101" pitchFamily="2" charset="-122"/>
+              </a:rPr>
+              <a:t>给出表格对比，实验结果；考虑影响效果的合约的设计方法</a:t>
+            </a:r>
+            <a:endParaRPr lang="en-US" altLang="zh-CN" sz="2400" b="1" kern="0" dirty="0">
               <a:solidFill>
                 <a:srgbClr val="000000"/>
               </a:solidFill>
@@ -10509,6 +10691,49 @@
               <a:t>后续的实验测试</a:t>
             </a:r>
             <a:endParaRPr lang="zh-CN" altLang="en-US" dirty="0"/>
+          </a:p>
+        </p:txBody>
+      </p:sp>
+      <p:sp>
+        <p:nvSpPr>
+          <p:cNvPr id="8" name="灯片编号占位符 7">
+            <a:extLst>
+              <a:ext uri="{FF2B5EF4-FFF2-40B4-BE49-F238E27FC236}">
+                <a16:creationId xmlns:a16="http://schemas.microsoft.com/office/drawing/2014/main" id="{B4994EF2-2399-5A9D-0FAA-122BAA047CE4}"/>
+              </a:ext>
+            </a:extLst>
+          </p:cNvPr>
+          <p:cNvSpPr>
+            <a:spLocks noGrp="1"/>
+          </p:cNvSpPr>
+          <p:nvPr>
+            <p:ph type="sldNum" sz="quarter" idx="12"/>
+          </p:nvPr>
+        </p:nvSpPr>
+        <p:spPr/>
+        <p:txBody>
+          <a:bodyPr/>
+          <a:lstStyle/>
+          <a:p>
+            <a:pPr defTabSz="457200">
+              <a:defRPr/>
+            </a:pPr>
+            <a:fld id="{977BA8E6-E826-B147-AA17-E3D76A29629C}" type="slidenum">
+              <a:rPr kumimoji="1" lang="zh-CN" altLang="en-US" smtClean="0">
+                <a:solidFill>
+                  <a:srgbClr val="5C2F7D"/>
+                </a:solidFill>
+              </a:rPr>
+              <a:pPr defTabSz="457200">
+                <a:defRPr/>
+              </a:pPr>
+              <a:t>11</a:t>
+            </a:fld>
+            <a:endParaRPr kumimoji="1" lang="zh-CN" altLang="en-US" sz="900" dirty="0">
+              <a:solidFill>
+                <a:srgbClr val="5C2F7D"/>
+              </a:solidFill>
+            </a:endParaRPr>
           </a:p>
         </p:txBody>
       </p:sp>
@@ -10567,7 +10792,7 @@
           <a:p>
             <a:r>
               <a:rPr kumimoji="1" lang="zh-CN" altLang="en-US" sz="4400" dirty="0"/>
-              <a:t>四、后续安排</a:t>
+              <a:t>四、后续时间安排</a:t>
             </a:r>
             <a:endParaRPr lang="zh-CN" altLang="en-US" sz="4400" dirty="0"/>
           </a:p>
@@ -10595,6 +10820,95 @@
           <a:lstStyle/>
           <a:p>
             <a:endParaRPr lang="zh-CN" altLang="en-US" dirty="0"/>
+          </a:p>
+        </p:txBody>
+      </p:sp>
+      <p:sp>
+        <p:nvSpPr>
+          <p:cNvPr id="8" name="灯片编号占位符 7">
+            <a:extLst>
+              <a:ext uri="{FF2B5EF4-FFF2-40B4-BE49-F238E27FC236}">
+                <a16:creationId xmlns:a16="http://schemas.microsoft.com/office/drawing/2014/main" id="{4BEDB5C3-E8D4-5CE6-9909-5567CA10302E}"/>
+              </a:ext>
+            </a:extLst>
+          </p:cNvPr>
+          <p:cNvSpPr>
+            <a:spLocks noGrp="1"/>
+          </p:cNvSpPr>
+          <p:nvPr>
+            <p:ph type="sldNum" sz="quarter" idx="12"/>
+          </p:nvPr>
+        </p:nvSpPr>
+        <p:spPr/>
+        <p:txBody>
+          <a:bodyPr/>
+          <a:lstStyle/>
+          <a:p>
+            <a:pPr marL="0" marR="0" lvl="0" indent="0" algn="r" defTabSz="457200" rtl="0" eaLnBrk="1" fontAlgn="auto" latinLnBrk="0" hangingPunct="1">
+              <a:lnSpc>
+                <a:spcPct val="100000"/>
+              </a:lnSpc>
+              <a:spcBef>
+                <a:spcPts val="0"/>
+              </a:spcBef>
+              <a:spcAft>
+                <a:spcPts val="0"/>
+              </a:spcAft>
+              <a:buClrTx/>
+              <a:buSzTx/>
+              <a:buFontTx/>
+              <a:buNone/>
+              <a:tabLst/>
+              <a:defRPr/>
+            </a:pPr>
+            <a:fld id="{977BA8E6-E826-B147-AA17-E3D76A29629C}" type="slidenum">
+              <a:rPr kumimoji="1" lang="zh-CN" altLang="en-US" sz="1600" b="0" i="0" u="none" strike="noStrike" kern="1200" cap="none" spc="0" normalizeH="0" baseline="0" noProof="0" smtClean="0">
+                <a:ln>
+                  <a:noFill/>
+                </a:ln>
+                <a:solidFill>
+                  <a:srgbClr val="5C2F7D"/>
+                </a:solidFill>
+                <a:effectLst/>
+                <a:uLnTx/>
+                <a:uFillTx/>
+                <a:latin typeface="Gill Sans MT" panose="020B0502020104020203"/>
+                <a:ea typeface="华文中宋" panose="02010600040101010101" pitchFamily="2" charset="-122"/>
+                <a:cs typeface="+mn-cs"/>
+              </a:rPr>
+              <a:pPr marL="0" marR="0" lvl="0" indent="0" algn="r" defTabSz="457200" rtl="0" eaLnBrk="1" fontAlgn="auto" latinLnBrk="0" hangingPunct="1">
+                <a:lnSpc>
+                  <a:spcPct val="100000"/>
+                </a:lnSpc>
+                <a:spcBef>
+                  <a:spcPts val="0"/>
+                </a:spcBef>
+                <a:spcAft>
+                  <a:spcPts val="0"/>
+                </a:spcAft>
+                <a:buClrTx/>
+                <a:buSzTx/>
+                <a:buFontTx/>
+                <a:buNone/>
+                <a:tabLst/>
+                <a:defRPr/>
+              </a:pPr>
+              <a:t>12</a:t>
+            </a:fld>
+            <a:endParaRPr kumimoji="1" lang="zh-CN" altLang="en-US" sz="900" b="0" i="0" u="none" strike="noStrike" kern="1200" cap="none" spc="0" normalizeH="0" baseline="0" noProof="0" dirty="0">
+              <a:ln>
+                <a:noFill/>
+              </a:ln>
+              <a:solidFill>
+                <a:srgbClr val="5C2F7D"/>
+              </a:solidFill>
+              <a:effectLst/>
+              <a:uLnTx/>
+              <a:uFillTx/>
+              <a:latin typeface="Gill Sans MT" panose="020B0502020104020203"/>
+              <a:ea typeface="华文中宋" panose="02010600040101010101" pitchFamily="2" charset="-122"/>
+              <a:cs typeface="+mn-cs"/>
+            </a:endParaRPr>
           </a:p>
         </p:txBody>
       </p:sp>
@@ -11089,6 +11403,49 @@
           </a:graphicData>
         </a:graphic>
       </p:graphicFrame>
+      <p:sp>
+        <p:nvSpPr>
+          <p:cNvPr id="9" name="灯片编号占位符 8">
+            <a:extLst>
+              <a:ext uri="{FF2B5EF4-FFF2-40B4-BE49-F238E27FC236}">
+                <a16:creationId xmlns:a16="http://schemas.microsoft.com/office/drawing/2014/main" id="{76C1092A-70E7-AE01-5F6F-FAFF602D278D}"/>
+              </a:ext>
+            </a:extLst>
+          </p:cNvPr>
+          <p:cNvSpPr>
+            <a:spLocks noGrp="1"/>
+          </p:cNvSpPr>
+          <p:nvPr>
+            <p:ph type="sldNum" sz="quarter" idx="12"/>
+          </p:nvPr>
+        </p:nvSpPr>
+        <p:spPr/>
+        <p:txBody>
+          <a:bodyPr/>
+          <a:lstStyle/>
+          <a:p>
+            <a:pPr defTabSz="457200">
+              <a:defRPr/>
+            </a:pPr>
+            <a:fld id="{977BA8E6-E826-B147-AA17-E3D76A29629C}" type="slidenum">
+              <a:rPr kumimoji="1" lang="zh-CN" altLang="en-US" smtClean="0">
+                <a:solidFill>
+                  <a:srgbClr val="5C2F7D"/>
+                </a:solidFill>
+              </a:rPr>
+              <a:pPr defTabSz="457200">
+                <a:defRPr/>
+              </a:pPr>
+              <a:t>13</a:t>
+            </a:fld>
+            <a:endParaRPr kumimoji="1" lang="zh-CN" altLang="en-US" sz="900" dirty="0">
+              <a:solidFill>
+                <a:srgbClr val="5C2F7D"/>
+              </a:solidFill>
+            </a:endParaRPr>
+          </a:p>
+        </p:txBody>
+      </p:sp>
     </p:spTree>
     <p:extLst>
       <p:ext uri="{BB962C8B-B14F-4D97-AF65-F5344CB8AC3E}">
@@ -11191,6 +11548,49 @@
           </a:p>
         </p:txBody>
       </p:sp>
+      <p:sp>
+        <p:nvSpPr>
+          <p:cNvPr id="8" name="灯片编号占位符 7">
+            <a:extLst>
+              <a:ext uri="{FF2B5EF4-FFF2-40B4-BE49-F238E27FC236}">
+                <a16:creationId xmlns:a16="http://schemas.microsoft.com/office/drawing/2014/main" id="{0DFF7564-12E7-4F94-DD25-EA05B6C53F50}"/>
+              </a:ext>
+            </a:extLst>
+          </p:cNvPr>
+          <p:cNvSpPr>
+            <a:spLocks noGrp="1"/>
+          </p:cNvSpPr>
+          <p:nvPr>
+            <p:ph type="sldNum" sz="quarter" idx="12"/>
+          </p:nvPr>
+        </p:nvSpPr>
+        <p:spPr/>
+        <p:txBody>
+          <a:bodyPr/>
+          <a:lstStyle/>
+          <a:p>
+            <a:pPr defTabSz="457200">
+              <a:defRPr/>
+            </a:pPr>
+            <a:fld id="{977BA8E6-E826-B147-AA17-E3D76A29629C}" type="slidenum">
+              <a:rPr kumimoji="1" lang="zh-CN" altLang="en-US" smtClean="0">
+                <a:solidFill>
+                  <a:srgbClr val="5C2F7D"/>
+                </a:solidFill>
+              </a:rPr>
+              <a:pPr defTabSz="457200">
+                <a:defRPr/>
+              </a:pPr>
+              <a:t>14</a:t>
+            </a:fld>
+            <a:endParaRPr kumimoji="1" lang="zh-CN" altLang="en-US" sz="900" dirty="0">
+              <a:solidFill>
+                <a:srgbClr val="5C2F7D"/>
+              </a:solidFill>
+            </a:endParaRPr>
+          </a:p>
+        </p:txBody>
+      </p:sp>
     </p:spTree>
     <p:extLst>
       <p:ext uri="{BB962C8B-B14F-4D97-AF65-F5344CB8AC3E}">
@@ -11293,15 +11693,67 @@
           <a:p>
             <a:r>
               <a:rPr kumimoji="1" lang="zh-CN" altLang="en-US" dirty="0"/>
-              <a:t>三、存在的问题</a:t>
-            </a:r>
-            <a:endParaRPr kumimoji="1" lang="en-US" altLang="zh-CN" dirty="0"/>
+              <a:t>三、</a:t>
+            </a:r>
+            <a:r>
+              <a:rPr kumimoji="1" lang="zh-CN" altLang="en-US" sz="3200" dirty="0"/>
+              <a:t>后续实验检验</a:t>
+            </a:r>
+            <a:endParaRPr kumimoji="1" lang="en-US" altLang="zh-CN" sz="3200" dirty="0"/>
           </a:p>
           <a:p>
             <a:r>
               <a:rPr kumimoji="1" lang="zh-CN" altLang="en-US" dirty="0"/>
-              <a:t>四、后续安排</a:t>
-            </a:r>
+              <a:t>四、后续时间安排</a:t>
+            </a:r>
+          </a:p>
+        </p:txBody>
+      </p:sp>
+      <p:sp>
+        <p:nvSpPr>
+          <p:cNvPr id="8" name="灯片编号占位符 7">
+            <a:extLst>
+              <a:ext uri="{FF2B5EF4-FFF2-40B4-BE49-F238E27FC236}">
+                <a16:creationId xmlns:a16="http://schemas.microsoft.com/office/drawing/2014/main" id="{3799A2F7-EB1E-B43A-422C-2260C6ED67B5}"/>
+              </a:ext>
+            </a:extLst>
+          </p:cNvPr>
+          <p:cNvSpPr>
+            <a:spLocks noGrp="1"/>
+          </p:cNvSpPr>
+          <p:nvPr>
+            <p:ph type="sldNum" sz="quarter" idx="12"/>
+          </p:nvPr>
+        </p:nvSpPr>
+        <p:spPr>
+          <a:xfrm>
+            <a:off x="10328252" y="5597317"/>
+            <a:ext cx="1052508" cy="365125"/>
+          </a:xfrm>
+        </p:spPr>
+        <p:txBody>
+          <a:bodyPr/>
+          <a:lstStyle/>
+          <a:p>
+            <a:pPr defTabSz="457200">
+              <a:defRPr/>
+            </a:pPr>
+            <a:fld id="{977BA8E6-E826-B147-AA17-E3D76A29629C}" type="slidenum">
+              <a:rPr kumimoji="1" lang="zh-CN" altLang="en-US" smtClean="0">
+                <a:solidFill>
+                  <a:srgbClr val="5C2F7D"/>
+                </a:solidFill>
+              </a:rPr>
+              <a:pPr defTabSz="457200">
+                <a:defRPr/>
+              </a:pPr>
+              <a:t>2</a:t>
+            </a:fld>
+            <a:endParaRPr kumimoji="1" lang="zh-CN" altLang="en-US" sz="900" dirty="0">
+              <a:solidFill>
+                <a:srgbClr val="5C2F7D"/>
+              </a:solidFill>
+            </a:endParaRPr>
           </a:p>
         </p:txBody>
       </p:sp>
@@ -11388,6 +11840,95 @@
           <a:lstStyle/>
           <a:p>
             <a:endParaRPr lang="zh-CN" altLang="en-US" dirty="0"/>
+          </a:p>
+        </p:txBody>
+      </p:sp>
+      <p:sp>
+        <p:nvSpPr>
+          <p:cNvPr id="8" name="灯片编号占位符 7">
+            <a:extLst>
+              <a:ext uri="{FF2B5EF4-FFF2-40B4-BE49-F238E27FC236}">
+                <a16:creationId xmlns:a16="http://schemas.microsoft.com/office/drawing/2014/main" id="{B518883B-C389-9E28-BCFD-FD46E71E6B39}"/>
+              </a:ext>
+            </a:extLst>
+          </p:cNvPr>
+          <p:cNvSpPr>
+            <a:spLocks noGrp="1"/>
+          </p:cNvSpPr>
+          <p:nvPr>
+            <p:ph type="sldNum" sz="quarter" idx="12"/>
+          </p:nvPr>
+        </p:nvSpPr>
+        <p:spPr/>
+        <p:txBody>
+          <a:bodyPr/>
+          <a:lstStyle/>
+          <a:p>
+            <a:pPr marL="0" marR="0" lvl="0" indent="0" algn="r" defTabSz="457200" rtl="0" eaLnBrk="1" fontAlgn="auto" latinLnBrk="0" hangingPunct="1">
+              <a:lnSpc>
+                <a:spcPct val="100000"/>
+              </a:lnSpc>
+              <a:spcBef>
+                <a:spcPts val="0"/>
+              </a:spcBef>
+              <a:spcAft>
+                <a:spcPts val="0"/>
+              </a:spcAft>
+              <a:buClrTx/>
+              <a:buSzTx/>
+              <a:buFontTx/>
+              <a:buNone/>
+              <a:tabLst/>
+              <a:defRPr/>
+            </a:pPr>
+            <a:fld id="{977BA8E6-E826-B147-AA17-E3D76A29629C}" type="slidenum">
+              <a:rPr kumimoji="1" lang="zh-CN" altLang="en-US" sz="1600" b="0" i="0" u="none" strike="noStrike" kern="1200" cap="none" spc="0" normalizeH="0" baseline="0" noProof="0" smtClean="0">
+                <a:ln>
+                  <a:noFill/>
+                </a:ln>
+                <a:solidFill>
+                  <a:srgbClr val="5C2F7D"/>
+                </a:solidFill>
+                <a:effectLst/>
+                <a:uLnTx/>
+                <a:uFillTx/>
+                <a:latin typeface="Gill Sans MT" panose="020B0502020104020203"/>
+                <a:ea typeface="华文中宋" panose="02010600040101010101" pitchFamily="2" charset="-122"/>
+                <a:cs typeface="+mn-cs"/>
+              </a:rPr>
+              <a:pPr marL="0" marR="0" lvl="0" indent="0" algn="r" defTabSz="457200" rtl="0" eaLnBrk="1" fontAlgn="auto" latinLnBrk="0" hangingPunct="1">
+                <a:lnSpc>
+                  <a:spcPct val="100000"/>
+                </a:lnSpc>
+                <a:spcBef>
+                  <a:spcPts val="0"/>
+                </a:spcBef>
+                <a:spcAft>
+                  <a:spcPts val="0"/>
+                </a:spcAft>
+                <a:buClrTx/>
+                <a:buSzTx/>
+                <a:buFontTx/>
+                <a:buNone/>
+                <a:tabLst/>
+                <a:defRPr/>
+              </a:pPr>
+              <a:t>3</a:t>
+            </a:fld>
+            <a:endParaRPr kumimoji="1" lang="zh-CN" altLang="en-US" sz="1600" b="0" i="0" u="none" strike="noStrike" kern="1200" cap="none" spc="0" normalizeH="0" baseline="0" noProof="0" dirty="0">
+              <a:ln>
+                <a:noFill/>
+              </a:ln>
+              <a:solidFill>
+                <a:srgbClr val="5C2F7D"/>
+              </a:solidFill>
+              <a:effectLst/>
+              <a:uLnTx/>
+              <a:uFillTx/>
+              <a:latin typeface="Gill Sans MT" panose="020B0502020104020203"/>
+              <a:ea typeface="华文中宋" panose="02010600040101010101" pitchFamily="2" charset="-122"/>
+              <a:cs typeface="+mn-cs"/>
+            </a:endParaRPr>
           </a:p>
         </p:txBody>
       </p:sp>
@@ -11720,6 +12261,95 @@
           </a:p>
         </p:txBody>
       </p:sp>
+      <p:sp>
+        <p:nvSpPr>
+          <p:cNvPr id="8" name="灯片编号占位符 7">
+            <a:extLst>
+              <a:ext uri="{FF2B5EF4-FFF2-40B4-BE49-F238E27FC236}">
+                <a16:creationId xmlns:a16="http://schemas.microsoft.com/office/drawing/2014/main" id="{F77C7F95-2DFF-B839-BA37-B8138294F35D}"/>
+              </a:ext>
+            </a:extLst>
+          </p:cNvPr>
+          <p:cNvSpPr>
+            <a:spLocks noGrp="1"/>
+          </p:cNvSpPr>
+          <p:nvPr>
+            <p:ph type="sldNum" sz="quarter" idx="12"/>
+          </p:nvPr>
+        </p:nvSpPr>
+        <p:spPr/>
+        <p:txBody>
+          <a:bodyPr/>
+          <a:lstStyle/>
+          <a:p>
+            <a:pPr marL="0" marR="0" lvl="0" indent="0" algn="r" defTabSz="457200" rtl="0" eaLnBrk="1" fontAlgn="auto" latinLnBrk="0" hangingPunct="1">
+              <a:lnSpc>
+                <a:spcPct val="100000"/>
+              </a:lnSpc>
+              <a:spcBef>
+                <a:spcPts val="0"/>
+              </a:spcBef>
+              <a:spcAft>
+                <a:spcPts val="0"/>
+              </a:spcAft>
+              <a:buClrTx/>
+              <a:buSzTx/>
+              <a:buFontTx/>
+              <a:buNone/>
+              <a:tabLst/>
+              <a:defRPr/>
+            </a:pPr>
+            <a:fld id="{977BA8E6-E826-B147-AA17-E3D76A29629C}" type="slidenum">
+              <a:rPr kumimoji="1" lang="zh-CN" altLang="en-US" sz="1600" b="0" i="0" u="none" strike="noStrike" kern="1200" cap="none" spc="0" normalizeH="0" baseline="0" noProof="0" smtClean="0">
+                <a:ln>
+                  <a:noFill/>
+                </a:ln>
+                <a:solidFill>
+                  <a:srgbClr val="5C2F7D"/>
+                </a:solidFill>
+                <a:effectLst/>
+                <a:uLnTx/>
+                <a:uFillTx/>
+                <a:latin typeface="Gill Sans MT" panose="020B0502020104020203"/>
+                <a:ea typeface="华文中宋" panose="02010600040101010101" pitchFamily="2" charset="-122"/>
+                <a:cs typeface="+mn-cs"/>
+              </a:rPr>
+              <a:pPr marL="0" marR="0" lvl="0" indent="0" algn="r" defTabSz="457200" rtl="0" eaLnBrk="1" fontAlgn="auto" latinLnBrk="0" hangingPunct="1">
+                <a:lnSpc>
+                  <a:spcPct val="100000"/>
+                </a:lnSpc>
+                <a:spcBef>
+                  <a:spcPts val="0"/>
+                </a:spcBef>
+                <a:spcAft>
+                  <a:spcPts val="0"/>
+                </a:spcAft>
+                <a:buClrTx/>
+                <a:buSzTx/>
+                <a:buFontTx/>
+                <a:buNone/>
+                <a:tabLst/>
+                <a:defRPr/>
+              </a:pPr>
+              <a:t>4</a:t>
+            </a:fld>
+            <a:endParaRPr kumimoji="1" lang="zh-CN" altLang="en-US" sz="900" b="0" i="0" u="none" strike="noStrike" kern="1200" cap="none" spc="0" normalizeH="0" baseline="0" noProof="0" dirty="0">
+              <a:ln>
+                <a:noFill/>
+              </a:ln>
+              <a:solidFill>
+                <a:srgbClr val="5C2F7D"/>
+              </a:solidFill>
+              <a:effectLst/>
+              <a:uLnTx/>
+              <a:uFillTx/>
+              <a:latin typeface="Gill Sans MT" panose="020B0502020104020203"/>
+              <a:ea typeface="华文中宋" panose="02010600040101010101" pitchFamily="2" charset="-122"/>
+              <a:cs typeface="+mn-cs"/>
+            </a:endParaRPr>
+          </a:p>
+        </p:txBody>
+      </p:sp>
     </p:spTree>
     <p:extLst>
       <p:ext uri="{BB962C8B-B14F-4D97-AF65-F5344CB8AC3E}">
@@ -11806,6 +12436,95 @@
           </a:p>
         </p:txBody>
       </p:sp>
+      <p:sp>
+        <p:nvSpPr>
+          <p:cNvPr id="8" name="灯片编号占位符 7">
+            <a:extLst>
+              <a:ext uri="{FF2B5EF4-FFF2-40B4-BE49-F238E27FC236}">
+                <a16:creationId xmlns:a16="http://schemas.microsoft.com/office/drawing/2014/main" id="{AAE1DFCA-0E47-6FAF-0248-2356C31CCA24}"/>
+              </a:ext>
+            </a:extLst>
+          </p:cNvPr>
+          <p:cNvSpPr>
+            <a:spLocks noGrp="1"/>
+          </p:cNvSpPr>
+          <p:nvPr>
+            <p:ph type="sldNum" sz="quarter" idx="12"/>
+          </p:nvPr>
+        </p:nvSpPr>
+        <p:spPr/>
+        <p:txBody>
+          <a:bodyPr/>
+          <a:lstStyle/>
+          <a:p>
+            <a:pPr marL="0" marR="0" lvl="0" indent="0" algn="r" defTabSz="457200" rtl="0" eaLnBrk="1" fontAlgn="auto" latinLnBrk="0" hangingPunct="1">
+              <a:lnSpc>
+                <a:spcPct val="100000"/>
+              </a:lnSpc>
+              <a:spcBef>
+                <a:spcPts val="0"/>
+              </a:spcBef>
+              <a:spcAft>
+                <a:spcPts val="0"/>
+              </a:spcAft>
+              <a:buClrTx/>
+              <a:buSzTx/>
+              <a:buFontTx/>
+              <a:buNone/>
+              <a:tabLst/>
+              <a:defRPr/>
+            </a:pPr>
+            <a:fld id="{977BA8E6-E826-B147-AA17-E3D76A29629C}" type="slidenum">
+              <a:rPr kumimoji="1" lang="zh-CN" altLang="en-US" sz="1600" b="0" i="0" u="none" strike="noStrike" kern="1200" cap="none" spc="0" normalizeH="0" baseline="0" noProof="0" smtClean="0">
+                <a:ln>
+                  <a:noFill/>
+                </a:ln>
+                <a:solidFill>
+                  <a:srgbClr val="5C2F7D"/>
+                </a:solidFill>
+                <a:effectLst/>
+                <a:uLnTx/>
+                <a:uFillTx/>
+                <a:latin typeface="Gill Sans MT" panose="020B0502020104020203"/>
+                <a:ea typeface="华文中宋" panose="02010600040101010101" pitchFamily="2" charset="-122"/>
+                <a:cs typeface="+mn-cs"/>
+              </a:rPr>
+              <a:pPr marL="0" marR="0" lvl="0" indent="0" algn="r" defTabSz="457200" rtl="0" eaLnBrk="1" fontAlgn="auto" latinLnBrk="0" hangingPunct="1">
+                <a:lnSpc>
+                  <a:spcPct val="100000"/>
+                </a:lnSpc>
+                <a:spcBef>
+                  <a:spcPts val="0"/>
+                </a:spcBef>
+                <a:spcAft>
+                  <a:spcPts val="0"/>
+                </a:spcAft>
+                <a:buClrTx/>
+                <a:buSzTx/>
+                <a:buFontTx/>
+                <a:buNone/>
+                <a:tabLst/>
+                <a:defRPr/>
+              </a:pPr>
+              <a:t>5</a:t>
+            </a:fld>
+            <a:endParaRPr kumimoji="1" lang="zh-CN" altLang="en-US" sz="1600" b="0" i="0" u="none" strike="noStrike" kern="1200" cap="none" spc="0" normalizeH="0" baseline="0" noProof="0" dirty="0">
+              <a:ln>
+                <a:noFill/>
+              </a:ln>
+              <a:solidFill>
+                <a:srgbClr val="5C2F7D"/>
+              </a:solidFill>
+              <a:effectLst/>
+              <a:uLnTx/>
+              <a:uFillTx/>
+              <a:latin typeface="Gill Sans MT" panose="020B0502020104020203"/>
+              <a:ea typeface="华文中宋" panose="02010600040101010101" pitchFamily="2" charset="-122"/>
+              <a:cs typeface="+mn-cs"/>
+            </a:endParaRPr>
+          </a:p>
+        </p:txBody>
+      </p:sp>
     </p:spTree>
     <p:extLst>
       <p:ext uri="{BB962C8B-B14F-4D97-AF65-F5344CB8AC3E}">
@@ -11981,8 +12700,51 @@
               <a:rPr lang="zh-CN" altLang="en-US" dirty="0">
                 <a:latin typeface="+mj-ea"/>
               </a:rPr>
-              <a:t>目前进度</a:t>
-            </a:r>
+              <a:t>工作情况</a:t>
+            </a:r>
+          </a:p>
+        </p:txBody>
+      </p:sp>
+      <p:sp>
+        <p:nvSpPr>
+          <p:cNvPr id="8" name="灯片编号占位符 7">
+            <a:extLst>
+              <a:ext uri="{FF2B5EF4-FFF2-40B4-BE49-F238E27FC236}">
+                <a16:creationId xmlns:a16="http://schemas.microsoft.com/office/drawing/2014/main" id="{084DDDEC-1BEC-A0A2-0DED-4208E5C5F333}"/>
+              </a:ext>
+            </a:extLst>
+          </p:cNvPr>
+          <p:cNvSpPr>
+            <a:spLocks noGrp="1"/>
+          </p:cNvSpPr>
+          <p:nvPr>
+            <p:ph type="sldNum" sz="quarter" idx="12"/>
+          </p:nvPr>
+        </p:nvSpPr>
+        <p:spPr/>
+        <p:txBody>
+          <a:bodyPr/>
+          <a:lstStyle/>
+          <a:p>
+            <a:pPr defTabSz="457200">
+              <a:defRPr/>
+            </a:pPr>
+            <a:fld id="{977BA8E6-E826-B147-AA17-E3D76A29629C}" type="slidenum">
+              <a:rPr kumimoji="1" lang="zh-CN" altLang="en-US" smtClean="0">
+                <a:solidFill>
+                  <a:srgbClr val="5C2F7D"/>
+                </a:solidFill>
+              </a:rPr>
+              <a:pPr defTabSz="457200">
+                <a:defRPr/>
+              </a:pPr>
+              <a:t>6</a:t>
+            </a:fld>
+            <a:endParaRPr kumimoji="1" lang="zh-CN" altLang="en-US" sz="900" dirty="0">
+              <a:solidFill>
+                <a:srgbClr val="5C2F7D"/>
+              </a:solidFill>
+            </a:endParaRPr>
           </a:p>
         </p:txBody>
       </p:sp>
@@ -12034,8 +12796,8 @@
         </p:nvSpPr>
         <p:spPr>
           <a:xfrm>
-            <a:off x="835306" y="1608624"/>
-            <a:ext cx="10521387" cy="3678303"/>
+            <a:off x="835307" y="1608624"/>
+            <a:ext cx="10037204" cy="4353824"/>
           </a:xfrm>
         </p:spPr>
         <p:txBody>
@@ -12070,39 +12832,38 @@
               <a:rPr lang="zh-CN" altLang="en-US" sz="2000" dirty="0"/>
               <a:t>等库，完成了浏览器与智能合约交互的实验；</a:t>
             </a:r>
-            <a:endParaRPr lang="en-US" altLang="zh-CN" sz="2000" dirty="0"/>
-          </a:p>
-          <a:p>
-            <a:endParaRPr lang="zh-CN" altLang="en-US" sz="2000" dirty="0"/>
           </a:p>
           <a:p>
             <a:r>
               <a:rPr lang="zh-CN" altLang="en-US" sz="2000" dirty="0"/>
               <a:t>部署已有智能合约、能够运行现有调度系统；</a:t>
             </a:r>
-            <a:endParaRPr lang="en-US" altLang="zh-CN" sz="2000" dirty="0"/>
-          </a:p>
-          <a:p>
-            <a:endParaRPr lang="zh-CN" altLang="en-US" sz="2000" dirty="0"/>
           </a:p>
           <a:p>
             <a:r>
               <a:rPr lang="zh-CN" altLang="en-US" sz="2000" dirty="0"/>
               <a:t>部署环境，能够通过脚本一定程度上自动化测试流程；</a:t>
             </a:r>
+          </a:p>
+          <a:p>
+            <a:endParaRPr lang="en-US" altLang="zh-CN" dirty="0"/>
+          </a:p>
+          <a:p>
+            <a:r>
+              <a:rPr lang="zh-CN" altLang="en-US" sz="2000" dirty="0"/>
+              <a:t>遭遇的阻碍主要有虚拟机在环境部署中遇到的各种问题，如各种库的安装以及其版本的适配等，在解决问题后，也相应的完善了复现手册</a:t>
+            </a:r>
             <a:endParaRPr lang="en-US" altLang="zh-CN" sz="2000" dirty="0"/>
           </a:p>
           <a:p>
+            <a:r>
+              <a:rPr lang="zh-CN" altLang="en-US" sz="2000" dirty="0"/>
+              <a:t>目前实现的部署调度系统合约和本地部署多链的测试，在以太坊的本地编译处遇到了问题，按照目前进度来看是一些需要用到的库，虚拟机的网络无法直接访问，采用的措施是本地下载上传，后续需要继续部署好所需环境，完成编译</a:t>
+            </a:r>
+            <a:endParaRPr lang="en-US" altLang="zh-CN" sz="2000" dirty="0"/>
+          </a:p>
+          <a:p>
             <a:endParaRPr lang="zh-CN" altLang="en-US" sz="2000" dirty="0"/>
-          </a:p>
-          <a:p>
-            <a:r>
-              <a:rPr lang="zh-CN" altLang="en-US" sz="2000" dirty="0"/>
-              <a:t>在以上复现过程中，逐步完善了复现手册。</a:t>
-            </a:r>
-          </a:p>
-          <a:p>
-            <a:endParaRPr lang="zh-CN" altLang="en-US" dirty="0"/>
           </a:p>
         </p:txBody>
       </p:sp>
@@ -12131,6 +12892,49 @@
               <a:rPr lang="zh-CN" altLang="en-US" dirty="0"/>
               <a:t>复现</a:t>
             </a:r>
+          </a:p>
+        </p:txBody>
+      </p:sp>
+      <p:sp>
+        <p:nvSpPr>
+          <p:cNvPr id="8" name="灯片编号占位符 7">
+            <a:extLst>
+              <a:ext uri="{FF2B5EF4-FFF2-40B4-BE49-F238E27FC236}">
+                <a16:creationId xmlns:a16="http://schemas.microsoft.com/office/drawing/2014/main" id="{6A7B7CB4-9346-DD88-1A55-9D8880417EEE}"/>
+              </a:ext>
+            </a:extLst>
+          </p:cNvPr>
+          <p:cNvSpPr>
+            <a:spLocks noGrp="1"/>
+          </p:cNvSpPr>
+          <p:nvPr>
+            <p:ph type="sldNum" sz="quarter" idx="12"/>
+          </p:nvPr>
+        </p:nvSpPr>
+        <p:spPr/>
+        <p:txBody>
+          <a:bodyPr/>
+          <a:lstStyle/>
+          <a:p>
+            <a:pPr defTabSz="457200">
+              <a:defRPr/>
+            </a:pPr>
+            <a:fld id="{977BA8E6-E826-B147-AA17-E3D76A29629C}" type="slidenum">
+              <a:rPr kumimoji="1" lang="zh-CN" altLang="en-US" smtClean="0">
+                <a:solidFill>
+                  <a:srgbClr val="5C2F7D"/>
+                </a:solidFill>
+              </a:rPr>
+              <a:pPr defTabSz="457200">
+                <a:defRPr/>
+              </a:pPr>
+              <a:t>7</a:t>
+            </a:fld>
+            <a:endParaRPr kumimoji="1" lang="zh-CN" altLang="en-US" sz="900" dirty="0">
+              <a:solidFill>
+                <a:srgbClr val="5C2F7D"/>
+              </a:solidFill>
+            </a:endParaRPr>
           </a:p>
         </p:txBody>
       </p:sp>
@@ -12580,6 +13384,49 @@
           </a:prstGeom>
         </p:spPr>
       </p:pic>
+      <p:sp>
+        <p:nvSpPr>
+          <p:cNvPr id="10" name="灯片编号占位符 9">
+            <a:extLst>
+              <a:ext uri="{FF2B5EF4-FFF2-40B4-BE49-F238E27FC236}">
+                <a16:creationId xmlns:a16="http://schemas.microsoft.com/office/drawing/2014/main" id="{056C51A8-4224-95F0-4EFE-11B8C49FA5C8}"/>
+              </a:ext>
+            </a:extLst>
+          </p:cNvPr>
+          <p:cNvSpPr>
+            <a:spLocks noGrp="1"/>
+          </p:cNvSpPr>
+          <p:nvPr>
+            <p:ph type="sldNum" sz="quarter" idx="12"/>
+          </p:nvPr>
+        </p:nvSpPr>
+        <p:spPr/>
+        <p:txBody>
+          <a:bodyPr/>
+          <a:lstStyle/>
+          <a:p>
+            <a:pPr defTabSz="457200">
+              <a:defRPr/>
+            </a:pPr>
+            <a:fld id="{977BA8E6-E826-B147-AA17-E3D76A29629C}" type="slidenum">
+              <a:rPr kumimoji="1" lang="zh-CN" altLang="en-US" smtClean="0">
+                <a:solidFill>
+                  <a:srgbClr val="5C2F7D"/>
+                </a:solidFill>
+              </a:rPr>
+              <a:pPr defTabSz="457200">
+                <a:defRPr/>
+              </a:pPr>
+              <a:t>8</a:t>
+            </a:fld>
+            <a:endParaRPr kumimoji="1" lang="zh-CN" altLang="en-US" sz="900" dirty="0">
+              <a:solidFill>
+                <a:srgbClr val="5C2F7D"/>
+              </a:solidFill>
+            </a:endParaRPr>
+          </a:p>
+        </p:txBody>
+      </p:sp>
     </p:spTree>
     <p:extLst>
       <p:ext uri="{BB962C8B-B14F-4D97-AF65-F5344CB8AC3E}">
@@ -12612,21 +13459,26 @@
       </p:grpSpPr>
       <p:sp>
         <p:nvSpPr>
-          <p:cNvPr id="4" name="标题 3">
-            <a:extLst>
-              <a:ext uri="{FF2B5EF4-FFF2-40B4-BE49-F238E27FC236}">
-                <a16:creationId xmlns:a16="http://schemas.microsoft.com/office/drawing/2014/main" id="{CB335FAB-FA8F-41FD-B41F-E4213D79D779}"/>
-              </a:ext>
-            </a:extLst>
-          </p:cNvPr>
-          <p:cNvSpPr>
-            <a:spLocks noGrp="1"/>
-          </p:cNvSpPr>
-          <p:nvPr>
-            <p:ph type="ctrTitle"/>
-          </p:nvPr>
-        </p:nvSpPr>
-        <p:spPr/>
+          <p:cNvPr id="2" name="内容占位符 1">
+            <a:extLst>
+              <a:ext uri="{FF2B5EF4-FFF2-40B4-BE49-F238E27FC236}">
+                <a16:creationId xmlns:a16="http://schemas.microsoft.com/office/drawing/2014/main" id="{74B52B29-43DE-789A-0FED-E6CED365C6EE}"/>
+              </a:ext>
+            </a:extLst>
+          </p:cNvPr>
+          <p:cNvSpPr>
+            <a:spLocks noGrp="1"/>
+          </p:cNvSpPr>
+          <p:nvPr>
+            <p:ph idx="1"/>
+          </p:nvPr>
+        </p:nvSpPr>
+        <p:spPr>
+          <a:xfrm>
+            <a:off x="833377" y="2180498"/>
+            <a:ext cx="9661575" cy="3678303"/>
+          </a:xfrm>
+        </p:spPr>
         <p:txBody>
           <a:bodyPr>
             <a:normAutofit/>
@@ -12634,27 +13486,43 @@
           <a:lstStyle/>
           <a:p>
             <a:r>
-              <a:rPr kumimoji="1" lang="zh-CN" altLang="en-US" sz="4400" dirty="0"/>
-              <a:t>三、存在的问题</a:t>
-            </a:r>
-            <a:endParaRPr lang="zh-CN" altLang="en-US" sz="4400" dirty="0"/>
-          </a:p>
-        </p:txBody>
-      </p:sp>
-      <p:sp>
-        <p:nvSpPr>
-          <p:cNvPr id="2" name="副标题 1">
-            <a:extLst>
-              <a:ext uri="{FF2B5EF4-FFF2-40B4-BE49-F238E27FC236}">
-                <a16:creationId xmlns:a16="http://schemas.microsoft.com/office/drawing/2014/main" id="{A8F96AEE-70D8-4DDF-A547-45EB77DBE4EF}"/>
-              </a:ext>
-            </a:extLst>
-          </p:cNvPr>
-          <p:cNvSpPr>
-            <a:spLocks noGrp="1"/>
-          </p:cNvSpPr>
-          <p:nvPr>
-            <p:ph type="subTitle" idx="1"/>
+              <a:rPr lang="zh-CN" altLang="en-US" sz="2000" dirty="0"/>
+              <a:t>遭遇的阻碍主要有仓库版本的脚本文件的实现不够完善，无法在本机工作，修改并完善了测试脚本，可以实现多账户的不同子链的账户传递</a:t>
+            </a:r>
+            <a:endParaRPr lang="en-US" altLang="zh-CN" sz="2000" dirty="0"/>
+          </a:p>
+          <a:p>
+            <a:endParaRPr lang="en-US" altLang="zh-CN" sz="2000" dirty="0"/>
+          </a:p>
+          <a:p>
+            <a:r>
+              <a:rPr lang="zh-CN" altLang="en-US" sz="2000" dirty="0"/>
+              <a:t>下一阶段的目标是要首先实现以太坊的本地编译，然后，将测试的一些简单的合约代码投入使用实验，设计实验测试脚本；根据实验，完善合约代码</a:t>
+            </a:r>
+            <a:endParaRPr lang="en-US" altLang="zh-CN" sz="2000" dirty="0"/>
+          </a:p>
+          <a:p>
+            <a:endParaRPr lang="en-US" altLang="zh-CN" sz="2000" dirty="0"/>
+          </a:p>
+          <a:p>
+            <a:endParaRPr lang="en-US" altLang="zh-CN" sz="2000" dirty="0"/>
+          </a:p>
+        </p:txBody>
+      </p:sp>
+      <p:sp>
+        <p:nvSpPr>
+          <p:cNvPr id="3" name="标题 2">
+            <a:extLst>
+              <a:ext uri="{FF2B5EF4-FFF2-40B4-BE49-F238E27FC236}">
+                <a16:creationId xmlns:a16="http://schemas.microsoft.com/office/drawing/2014/main" id="{F4F22A0E-8AF0-8D7E-73C9-228A2A23914A}"/>
+              </a:ext>
+            </a:extLst>
+          </p:cNvPr>
+          <p:cNvSpPr>
+            <a:spLocks noGrp="1"/>
+          </p:cNvSpPr>
+          <p:nvPr>
+            <p:ph type="title"/>
           </p:nvPr>
         </p:nvSpPr>
         <p:spPr/>
@@ -12662,14 +13530,60 @@
           <a:bodyPr/>
           <a:lstStyle/>
           <a:p>
-            <a:endParaRPr lang="zh-CN" altLang="en-US" dirty="0"/>
+            <a:r>
+              <a:rPr lang="zh-CN" altLang="en-US" dirty="0"/>
+              <a:t>现有本地实验测试</a:t>
+            </a:r>
+          </a:p>
+        </p:txBody>
+      </p:sp>
+      <p:sp>
+        <p:nvSpPr>
+          <p:cNvPr id="4" name="灯片编号占位符 3">
+            <a:extLst>
+              <a:ext uri="{FF2B5EF4-FFF2-40B4-BE49-F238E27FC236}">
+                <a16:creationId xmlns:a16="http://schemas.microsoft.com/office/drawing/2014/main" id="{A93B0A07-9CAF-D470-3425-0705B00D99AB}"/>
+              </a:ext>
+            </a:extLst>
+          </p:cNvPr>
+          <p:cNvSpPr>
+            <a:spLocks noGrp="1"/>
+          </p:cNvSpPr>
+          <p:nvPr>
+            <p:ph type="sldNum" sz="quarter" idx="12"/>
+          </p:nvPr>
+        </p:nvSpPr>
+        <p:spPr/>
+        <p:txBody>
+          <a:bodyPr/>
+          <a:lstStyle/>
+          <a:p>
+            <a:pPr defTabSz="457200">
+              <a:defRPr/>
+            </a:pPr>
+            <a:fld id="{977BA8E6-E826-B147-AA17-E3D76A29629C}" type="slidenum">
+              <a:rPr kumimoji="1" lang="zh-CN" altLang="en-US" smtClean="0">
+                <a:solidFill>
+                  <a:srgbClr val="5C2F7D"/>
+                </a:solidFill>
+              </a:rPr>
+              <a:pPr defTabSz="457200">
+                <a:defRPr/>
+              </a:pPr>
+              <a:t>9</a:t>
+            </a:fld>
+            <a:endParaRPr kumimoji="1" lang="zh-CN" altLang="en-US" sz="900" dirty="0">
+              <a:solidFill>
+                <a:srgbClr val="5C2F7D"/>
+              </a:solidFill>
+            </a:endParaRPr>
           </a:p>
         </p:txBody>
       </p:sp>
     </p:spTree>
     <p:extLst>
       <p:ext uri="{BB962C8B-B14F-4D97-AF65-F5344CB8AC3E}">
-        <p14:creationId xmlns:p14="http://schemas.microsoft.com/office/powerpoint/2010/main" val="2488631701"/>
+        <p14:creationId xmlns:p14="http://schemas.microsoft.com/office/powerpoint/2010/main" val="469916035"/>
       </p:ext>
     </p:extLst>
   </p:cSld>
@@ -13241,4 +14155,299 @@
     </a:ext>
   </a:extLst>
 </a:theme>
+</file>
+
+<file path=ppt/theme/theme3.xml><?xml version="1.0" encoding="utf-8"?>
+<a:theme xmlns:a="http://schemas.openxmlformats.org/drawingml/2006/main" name="Office 主题​​">
+  <a:themeElements>
+    <a:clrScheme name="Office">
+      <a:dk1>
+        <a:sysClr val="windowText" lastClr="000000"/>
+      </a:dk1>
+      <a:lt1>
+        <a:sysClr val="window" lastClr="FFFFFF"/>
+      </a:lt1>
+      <a:dk2>
+        <a:srgbClr val="44546A"/>
+      </a:dk2>
+      <a:lt2>
+        <a:srgbClr val="E7E6E6"/>
+      </a:lt2>
+      <a:accent1>
+        <a:srgbClr val="4472C4"/>
+      </a:accent1>
+      <a:accent2>
+        <a:srgbClr val="ED7D31"/>
+      </a:accent2>
+      <a:accent3>
+        <a:srgbClr val="A5A5A5"/>
+      </a:accent3>
+      <a:accent4>
+        <a:srgbClr val="FFC000"/>
+      </a:accent4>
+      <a:accent5>
+        <a:srgbClr val="5B9BD5"/>
+      </a:accent5>
+      <a:accent6>
+        <a:srgbClr val="70AD47"/>
+      </a:accent6>
+      <a:hlink>
+        <a:srgbClr val="0563C1"/>
+      </a:hlink>
+      <a:folHlink>
+        <a:srgbClr val="954F72"/>
+      </a:folHlink>
+    </a:clrScheme>
+    <a:fontScheme name="Office">
+      <a:majorFont>
+        <a:latin typeface="等线 Light" panose="020F0302020204030204"/>
+        <a:ea typeface=""/>
+        <a:cs typeface=""/>
+        <a:font script="Jpan" typeface="游ゴシック Light"/>
+        <a:font script="Hang" typeface="맑은 고딕"/>
+        <a:font script="Hans" typeface="等线 Light"/>
+        <a:font script="Hant" typeface="新細明體"/>
+        <a:font script="Arab" typeface="Times New Roman"/>
+        <a:font script="Hebr" typeface="Times New Roman"/>
+        <a:font script="Thai" typeface="Angsana New"/>
+        <a:font script="Ethi" typeface="Nyala"/>
+        <a:font script="Beng" typeface="Vrinda"/>
+        <a:font script="Gujr" typeface="Shruti"/>
+        <a:font script="Khmr" typeface="MoolBoran"/>
+        <a:font script="Knda" typeface="Tunga"/>
+        <a:font script="Guru" typeface="Raavi"/>
+        <a:font script="Cans" typeface="Euphemia"/>
+        <a:font script="Cher" typeface="Plantagenet Cherokee"/>
+        <a:font script="Yiii" typeface="Microsoft Yi Baiti"/>
+        <a:font script="Tibt" typeface="Microsoft Himalaya"/>
+        <a:font script="Thaa" typeface="MV Boli"/>
+        <a:font script="Deva" typeface="Mangal"/>
+        <a:font script="Telu" typeface="Gautami"/>
+        <a:font script="Taml" typeface="Latha"/>
+        <a:font script="Syrc" typeface="Estrangelo Edessa"/>
+        <a:font script="Orya" typeface="Kalinga"/>
+        <a:font script="Mlym" typeface="Kartika"/>
+        <a:font script="Laoo" typeface="DokChampa"/>
+        <a:font script="Sinh" typeface="Iskoola Pota"/>
+        <a:font script="Mong" typeface="Mongolian Baiti"/>
+        <a:font script="Viet" typeface="Times New Roman"/>
+        <a:font script="Uigh" typeface="Microsoft Uighur"/>
+        <a:font script="Geor" typeface="Sylfaen"/>
+        <a:font script="Armn" typeface="Arial"/>
+        <a:font script="Bugi" typeface="Leelawadee UI"/>
+        <a:font script="Bopo" typeface="Microsoft JhengHei"/>
+        <a:font script="Java" typeface="Javanese Text"/>
+        <a:font script="Lisu" typeface="Segoe UI"/>
+        <a:font script="Mymr" typeface="Myanmar Text"/>
+        <a:font script="Nkoo" typeface="Ebrima"/>
+        <a:font script="Olck" typeface="Nirmala UI"/>
+        <a:font script="Osma" typeface="Ebrima"/>
+        <a:font script="Phag" typeface="Phagspa"/>
+        <a:font script="Syrn" typeface="Estrangelo Edessa"/>
+        <a:font script="Syrj" typeface="Estrangelo Edessa"/>
+        <a:font script="Syre" typeface="Estrangelo Edessa"/>
+        <a:font script="Sora" typeface="Nirmala UI"/>
+        <a:font script="Tale" typeface="Microsoft Tai Le"/>
+        <a:font script="Talu" typeface="Microsoft New Tai Lue"/>
+        <a:font script="Tfng" typeface="Ebrima"/>
+      </a:majorFont>
+      <a:minorFont>
+        <a:latin typeface="等线" panose="020F0502020204030204"/>
+        <a:ea typeface=""/>
+        <a:cs typeface=""/>
+        <a:font script="Jpan" typeface="游ゴシック"/>
+        <a:font script="Hang" typeface="맑은 고딕"/>
+        <a:font script="Hans" typeface="等线"/>
+        <a:font script="Hant" typeface="新細明體"/>
+        <a:font script="Arab" typeface="Arial"/>
+        <a:font script="Hebr" typeface="Arial"/>
+        <a:font script="Thai" typeface="Cordia New"/>
+        <a:font script="Ethi" typeface="Nyala"/>
+        <a:font script="Beng" typeface="Vrinda"/>
+        <a:font script="Gujr" typeface="Shruti"/>
+        <a:font script="Khmr" typeface="DaunPenh"/>
+        <a:font script="Knda" typeface="Tunga"/>
+        <a:font script="Guru" typeface="Raavi"/>
+        <a:font script="Cans" typeface="Euphemia"/>
+        <a:font script="Cher" typeface="Plantagenet Cherokee"/>
+        <a:font script="Yiii" typeface="Microsoft Yi Baiti"/>
+        <a:font script="Tibt" typeface="Microsoft Himalaya"/>
+        <a:font script="Thaa" typeface="MV Boli"/>
+        <a:font script="Deva" typeface="Mangal"/>
+        <a:font script="Telu" typeface="Gautami"/>
+        <a:font script="Taml" typeface="Latha"/>
+        <a:font script="Syrc" typeface="Estrangelo Edessa"/>
+        <a:font script="Orya" typeface="Kalinga"/>
+        <a:font script="Mlym" typeface="Kartika"/>
+        <a:font script="Laoo" typeface="DokChampa"/>
+        <a:font script="Sinh" typeface="Iskoola Pota"/>
+        <a:font script="Mong" typeface="Mongolian Baiti"/>
+        <a:font script="Viet" typeface="Arial"/>
+        <a:font script="Uigh" typeface="Microsoft Uighur"/>
+        <a:font script="Geor" typeface="Sylfaen"/>
+        <a:font script="Armn" typeface="Arial"/>
+        <a:font script="Bugi" typeface="Leelawadee UI"/>
+        <a:font script="Bopo" typeface="Microsoft JhengHei"/>
+        <a:font script="Java" typeface="Javanese Text"/>
+        <a:font script="Lisu" typeface="Segoe UI"/>
+        <a:font script="Mymr" typeface="Myanmar Text"/>
+        <a:font script="Nkoo" typeface="Ebrima"/>
+        <a:font script="Olck" typeface="Nirmala UI"/>
+        <a:font script="Osma" typeface="Ebrima"/>
+        <a:font script="Phag" typeface="Phagspa"/>
+        <a:font script="Syrn" typeface="Estrangelo Edessa"/>
+        <a:font script="Syrj" typeface="Estrangelo Edessa"/>
+        <a:font script="Syre" typeface="Estrangelo Edessa"/>
+        <a:font script="Sora" typeface="Nirmala UI"/>
+        <a:font script="Tale" typeface="Microsoft Tai Le"/>
+        <a:font script="Talu" typeface="Microsoft New Tai Lue"/>
+        <a:font script="Tfng" typeface="Ebrima"/>
+      </a:minorFont>
+    </a:fontScheme>
+    <a:fmtScheme name="Office">
+      <a:fillStyleLst>
+        <a:solidFill>
+          <a:schemeClr val="phClr"/>
+        </a:solidFill>
+        <a:gradFill rotWithShape="1">
+          <a:gsLst>
+            <a:gs pos="0">
+              <a:schemeClr val="phClr">
+                <a:lumMod val="110000"/>
+                <a:satMod val="105000"/>
+                <a:tint val="67000"/>
+              </a:schemeClr>
+            </a:gs>
+            <a:gs pos="50000">
+              <a:schemeClr val="phClr">
+                <a:lumMod val="105000"/>
+                <a:satMod val="103000"/>
+                <a:tint val="73000"/>
+              </a:schemeClr>
+            </a:gs>
+            <a:gs pos="100000">
+              <a:schemeClr val="phClr">
+                <a:lumMod val="105000"/>
+                <a:satMod val="109000"/>
+                <a:tint val="81000"/>
+              </a:schemeClr>
+            </a:gs>
+          </a:gsLst>
+          <a:lin ang="5400000" scaled="0"/>
+        </a:gradFill>
+        <a:gradFill rotWithShape="1">
+          <a:gsLst>
+            <a:gs pos="0">
+              <a:schemeClr val="phClr">
+                <a:satMod val="103000"/>
+                <a:lumMod val="102000"/>
+                <a:tint val="94000"/>
+              </a:schemeClr>
+            </a:gs>
+            <a:gs pos="50000">
+              <a:schemeClr val="phClr">
+                <a:satMod val="110000"/>
+                <a:lumMod val="100000"/>
+                <a:shade val="100000"/>
+              </a:schemeClr>
+            </a:gs>
+            <a:gs pos="100000">
+              <a:schemeClr val="phClr">
+                <a:lumMod val="99000"/>
+                <a:satMod val="120000"/>
+                <a:shade val="78000"/>
+              </a:schemeClr>
+            </a:gs>
+          </a:gsLst>
+          <a:lin ang="5400000" scaled="0"/>
+        </a:gradFill>
+      </a:fillStyleLst>
+      <a:lnStyleLst>
+        <a:ln w="6350" cap="flat" cmpd="sng" algn="ctr">
+          <a:solidFill>
+            <a:schemeClr val="phClr"/>
+          </a:solidFill>
+          <a:prstDash val="solid"/>
+          <a:miter lim="800000"/>
+        </a:ln>
+        <a:ln w="12700" cap="flat" cmpd="sng" algn="ctr">
+          <a:solidFill>
+            <a:schemeClr val="phClr"/>
+          </a:solidFill>
+          <a:prstDash val="solid"/>
+          <a:miter lim="800000"/>
+        </a:ln>
+        <a:ln w="19050" cap="flat" cmpd="sng" algn="ctr">
+          <a:solidFill>
+            <a:schemeClr val="phClr"/>
+          </a:solidFill>
+          <a:prstDash val="solid"/>
+          <a:miter lim="800000"/>
+        </a:ln>
+      </a:lnStyleLst>
+      <a:effectStyleLst>
+        <a:effectStyle>
+          <a:effectLst/>
+        </a:effectStyle>
+        <a:effectStyle>
+          <a:effectLst/>
+        </a:effectStyle>
+        <a:effectStyle>
+          <a:effectLst>
+            <a:outerShdw blurRad="57150" dist="19050" dir="5400000" algn="ctr" rotWithShape="0">
+              <a:srgbClr val="000000">
+                <a:alpha val="63000"/>
+              </a:srgbClr>
+            </a:outerShdw>
+          </a:effectLst>
+        </a:effectStyle>
+      </a:effectStyleLst>
+      <a:bgFillStyleLst>
+        <a:solidFill>
+          <a:schemeClr val="phClr"/>
+        </a:solidFill>
+        <a:solidFill>
+          <a:schemeClr val="phClr">
+            <a:tint val="95000"/>
+            <a:satMod val="170000"/>
+          </a:schemeClr>
+        </a:solidFill>
+        <a:gradFill rotWithShape="1">
+          <a:gsLst>
+            <a:gs pos="0">
+              <a:schemeClr val="phClr">
+                <a:tint val="93000"/>
+                <a:satMod val="150000"/>
+                <a:shade val="98000"/>
+                <a:lumMod val="102000"/>
+              </a:schemeClr>
+            </a:gs>
+            <a:gs pos="50000">
+              <a:schemeClr val="phClr">
+                <a:tint val="98000"/>
+                <a:satMod val="130000"/>
+                <a:shade val="90000"/>
+                <a:lumMod val="103000"/>
+              </a:schemeClr>
+            </a:gs>
+            <a:gs pos="100000">
+              <a:schemeClr val="phClr">
+                <a:shade val="63000"/>
+                <a:satMod val="120000"/>
+              </a:schemeClr>
+            </a:gs>
+          </a:gsLst>
+          <a:lin ang="5400000" scaled="0"/>
+        </a:gradFill>
+      </a:bgFillStyleLst>
+    </a:fmtScheme>
+  </a:themeElements>
+  <a:objectDefaults/>
+  <a:extraClrSchemeLst/>
+  <a:extLst>
+    <a:ext uri="{05A4C25C-085E-4340-85A3-A5531E510DB2}">
+      <thm15:themeFamily xmlns:thm15="http://schemas.microsoft.com/office/thememl/2012/main" name="Office Theme" id="{62F939B6-93AF-4DB8-9C6B-D6C7DFDC589F}" vid="{4A3C46E8-61CC-4603-A589-7422A47A8E4A}"/>
+    </a:ext>
+  </a:extLst>
+</a:theme>
 </file>
--- a/中期报告.pptx
+++ b/中期报告.pptx
@@ -6,7 +6,7 @@
     <p:sldMasterId id="2147483660" r:id="rId2"/>
   </p:sldMasterIdLst>
   <p:notesMasterIdLst>
-    <p:notesMasterId r:id="rId17"/>
+    <p:notesMasterId r:id="rId21"/>
   </p:notesMasterIdLst>
   <p:sldIdLst>
     <p:sldId id="1146" r:id="rId3"/>
@@ -16,13 +16,17 @@
     <p:sldId id="1156" r:id="rId7"/>
     <p:sldId id="1151" r:id="rId8"/>
     <p:sldId id="1176" r:id="rId9"/>
-    <p:sldId id="1183" r:id="rId10"/>
-    <p:sldId id="1184" r:id="rId11"/>
-    <p:sldId id="1164" r:id="rId12"/>
-    <p:sldId id="1157" r:id="rId13"/>
-    <p:sldId id="1169" r:id="rId14"/>
-    <p:sldId id="1171" r:id="rId15"/>
-    <p:sldId id="1162" r:id="rId16"/>
+    <p:sldId id="1187" r:id="rId10"/>
+    <p:sldId id="1186" r:id="rId11"/>
+    <p:sldId id="1183" r:id="rId12"/>
+    <p:sldId id="1188" r:id="rId13"/>
+    <p:sldId id="1184" r:id="rId14"/>
+    <p:sldId id="1164" r:id="rId15"/>
+    <p:sldId id="1157" r:id="rId16"/>
+    <p:sldId id="1169" r:id="rId17"/>
+    <p:sldId id="1171" r:id="rId18"/>
+    <p:sldId id="1189" r:id="rId19"/>
+    <p:sldId id="1162" r:id="rId20"/>
   </p:sldIdLst>
   <p:sldSz cx="12192000" cy="6858000"/>
   <p:notesSz cx="6858000" cy="9144000"/>
@@ -129,6 +133,32 @@
 </p:presentation>
 </file>
 
+<file path=ppt/commentAuthors.xml><?xml version="1.0" encoding="utf-8"?>
+<p:cmAuthorLst xmlns:a="http://schemas.openxmlformats.org/drawingml/2006/main" xmlns:r="http://schemas.openxmlformats.org/officeDocument/2006/relationships" xmlns:p="http://schemas.openxmlformats.org/presentationml/2006/main">
+  <p:cmAuthor id="1" name="狄 永正" initials="狄" lastIdx="1" clrIdx="0">
+    <p:extLst>
+      <p:ext uri="{19B8F6BF-5375-455C-9EA6-DF929625EA0E}">
+        <p15:presenceInfo xmlns:p15="http://schemas.microsoft.com/office/powerpoint/2012/main" userId="9fd6a66d12f7dc61" providerId="Windows Live"/>
+      </p:ext>
+    </p:extLst>
+  </p:cmAuthor>
+</p:cmAuthorLst>
+</file>
+
+<file path=ppt/comments/comment1.xml><?xml version="1.0" encoding="utf-8"?>
+<p:cmLst xmlns:a="http://schemas.openxmlformats.org/drawingml/2006/main" xmlns:r="http://schemas.openxmlformats.org/officeDocument/2006/relationships" xmlns:p="http://schemas.openxmlformats.org/presentationml/2006/main">
+  <p:cm authorId="1" dt="2023-03-31T12:13:19.082" idx="1">
+    <p:pos x="10" y="10"/>
+    <p:text/>
+    <p:extLst>
+      <p:ext uri="{C676402C-5697-4E1C-873F-D02D1690AC5C}">
+        <p15:threadingInfo xmlns:p15="http://schemas.microsoft.com/office/powerpoint/2012/main" timeZoneBias="-480"/>
+      </p:ext>
+    </p:extLst>
+  </p:cm>
+</p:cmLst>
+</file>
+
 <file path=ppt/notesMasters/notesMaster1.xml><?xml version="1.0" encoding="utf-8"?>
 <p:notesMaster xmlns:a="http://schemas.openxmlformats.org/drawingml/2006/main" xmlns:r="http://schemas.openxmlformats.org/officeDocument/2006/relationships" xmlns:p="http://schemas.openxmlformats.org/presentationml/2006/main">
   <p:cSld>
@@ -211,7 +241,7 @@
           <a:p>
             <a:fld id="{4FB4CBD8-78BE-41F8-B45A-C2DD37166C16}" type="datetimeFigureOut">
               <a:rPr lang="zh-CN" altLang="en-US" smtClean="0"/>
-              <a:t>2023/3/30</a:t>
+              <a:t>2023/3/31</a:t>
             </a:fld>
             <a:endParaRPr lang="zh-CN" altLang="en-US"/>
           </a:p>
@@ -562,6 +592,90 @@
 </p:notes>
 </file>
 
+<file path=ppt/notesSlides/notesSlide2.xml><?xml version="1.0" encoding="utf-8"?>
+<p:notes xmlns:a="http://schemas.openxmlformats.org/drawingml/2006/main" xmlns:r="http://schemas.openxmlformats.org/officeDocument/2006/relationships" xmlns:p="http://schemas.openxmlformats.org/presentationml/2006/main">
+  <p:cSld>
+    <p:spTree>
+      <p:nvGrpSpPr>
+        <p:cNvPr id="1" name=""/>
+        <p:cNvGrpSpPr/>
+        <p:nvPr/>
+      </p:nvGrpSpPr>
+      <p:grpSpPr>
+        <a:xfrm>
+          <a:off x="0" y="0"/>
+          <a:ext cx="0" cy="0"/>
+          <a:chOff x="0" y="0"/>
+          <a:chExt cx="0" cy="0"/>
+        </a:xfrm>
+      </p:grpSpPr>
+      <p:sp>
+        <p:nvSpPr>
+          <p:cNvPr id="2" name="幻灯片图像占位符 1"/>
+          <p:cNvSpPr>
+            <a:spLocks noGrp="1" noRot="1" noChangeAspect="1"/>
+          </p:cNvSpPr>
+          <p:nvPr>
+            <p:ph type="sldImg"/>
+          </p:nvPr>
+        </p:nvSpPr>
+        <p:spPr/>
+      </p:sp>
+      <p:sp>
+        <p:nvSpPr>
+          <p:cNvPr id="3" name="备注占位符 2"/>
+          <p:cNvSpPr>
+            <a:spLocks noGrp="1"/>
+          </p:cNvSpPr>
+          <p:nvPr>
+            <p:ph type="body" idx="1"/>
+          </p:nvPr>
+        </p:nvSpPr>
+        <p:spPr/>
+        <p:txBody>
+          <a:bodyPr/>
+          <a:lstStyle/>
+          <a:p>
+            <a:endParaRPr lang="zh-CN" altLang="en-US" dirty="0"/>
+          </a:p>
+        </p:txBody>
+      </p:sp>
+      <p:sp>
+        <p:nvSpPr>
+          <p:cNvPr id="4" name="灯片编号占位符 3"/>
+          <p:cNvSpPr>
+            <a:spLocks noGrp="1"/>
+          </p:cNvSpPr>
+          <p:nvPr>
+            <p:ph type="sldNum" sz="quarter" idx="5"/>
+          </p:nvPr>
+        </p:nvSpPr>
+        <p:spPr/>
+        <p:txBody>
+          <a:bodyPr/>
+          <a:lstStyle/>
+          <a:p>
+            <a:fld id="{926429CD-5A04-4243-9274-349E770A1EDA}" type="slidenum">
+              <a:rPr lang="zh-CN" altLang="en-US" smtClean="0"/>
+              <a:t>11</a:t>
+            </a:fld>
+            <a:endParaRPr lang="zh-CN" altLang="en-US"/>
+          </a:p>
+        </p:txBody>
+      </p:sp>
+    </p:spTree>
+    <p:extLst>
+      <p:ext uri="{BB962C8B-B14F-4D97-AF65-F5344CB8AC3E}">
+        <p14:creationId xmlns:p14="http://schemas.microsoft.com/office/powerpoint/2010/main" val="361304831"/>
+      </p:ext>
+    </p:extLst>
+  </p:cSld>
+  <p:clrMapOvr>
+    <a:masterClrMapping/>
+  </p:clrMapOvr>
+</p:notes>
+</file>
+
 <file path=ppt/slideLayouts/slideLayout1.xml><?xml version="1.0" encoding="utf-8"?>
 <p:sldLayout xmlns:a="http://schemas.openxmlformats.org/drawingml/2006/main" xmlns:r="http://schemas.openxmlformats.org/officeDocument/2006/relationships" xmlns:p="http://schemas.openxmlformats.org/presentationml/2006/main" type="title" preserve="1">
   <p:cSld name="标题幻灯片">
@@ -709,7 +823,7 @@
           <a:p>
             <a:fld id="{09B5938C-453A-4BFA-85D4-D39E89E6A42A}" type="datetime1">
               <a:rPr lang="zh-CN" altLang="en-US" smtClean="0"/>
-              <a:t>2023/3/30</a:t>
+              <a:t>2023/3/31</a:t>
             </a:fld>
             <a:endParaRPr lang="zh-CN" altLang="en-US"/>
           </a:p>
@@ -907,7 +1021,7 @@
           <a:p>
             <a:fld id="{E9940795-0F8C-4903-9570-E4E9B8DCB0FA}" type="datetime1">
               <a:rPr lang="zh-CN" altLang="en-US" smtClean="0"/>
-              <a:t>2023/3/30</a:t>
+              <a:t>2023/3/31</a:t>
             </a:fld>
             <a:endParaRPr lang="zh-CN" altLang="en-US"/>
           </a:p>
@@ -1115,7 +1229,7 @@
           <a:p>
             <a:fld id="{A3328425-E91D-4D24-A795-EFB3D9FECD8F}" type="datetime1">
               <a:rPr lang="zh-CN" altLang="en-US" smtClean="0"/>
-              <a:t>2023/3/30</a:t>
+              <a:t>2023/3/31</a:t>
             </a:fld>
             <a:endParaRPr lang="zh-CN" altLang="en-US"/>
           </a:p>
@@ -1743,7 +1857,7 @@
                 <a:ea typeface="华文中宋" panose="02010600040101010101" pitchFamily="2" charset="-122"/>
                 <a:cs typeface="+mn-cs"/>
               </a:rPr>
-              <a:t>2023/3/30</a:t>
+              <a:t>2023/3/31</a:t>
             </a:fld>
             <a:endParaRPr kumimoji="1" lang="zh-CN" altLang="en-US" sz="900" b="0" i="0" u="none" strike="noStrike" kern="1200" cap="none" spc="0" normalizeH="0" baseline="0" noProof="0">
               <a:ln>
@@ -2032,7 +2146,7 @@
                 <a:ea typeface="华文中宋" panose="02010600040101010101" pitchFamily="2" charset="-122"/>
                 <a:cs typeface="+mn-cs"/>
               </a:rPr>
-              <a:t>2023/3/30</a:t>
+              <a:t>2023/3/31</a:t>
             </a:fld>
             <a:endParaRPr kumimoji="1" lang="zh-CN" altLang="en-US" sz="900" b="0" i="0" u="none" strike="noStrike" kern="1200" cap="none" spc="0" normalizeH="0" baseline="0" noProof="0">
               <a:ln>
@@ -2322,7 +2436,7 @@
                 <a:ea typeface="华文中宋" panose="02010600040101010101" pitchFamily="2" charset="-122"/>
                 <a:cs typeface="+mn-cs"/>
               </a:rPr>
-              <a:t>2023/3/30</a:t>
+              <a:t>2023/3/31</a:t>
             </a:fld>
             <a:endParaRPr kumimoji="1" lang="zh-CN" altLang="en-US" sz="900" b="0" i="0" u="none" strike="noStrike" kern="1200" cap="none" spc="0" normalizeH="0" baseline="0" noProof="0">
               <a:ln>
@@ -3044,7 +3158,7 @@
                 <a:ea typeface="华文中宋" panose="02010600040101010101" pitchFamily="2" charset="-122"/>
                 <a:cs typeface="+mn-cs"/>
               </a:rPr>
-              <a:t>2023/3/30</a:t>
+              <a:t>2023/3/31</a:t>
             </a:fld>
             <a:endParaRPr kumimoji="1" lang="zh-CN" altLang="en-US" sz="900" b="0" i="0" u="none" strike="noStrike" kern="1200" cap="none" spc="0" normalizeH="0" baseline="0" noProof="0">
               <a:ln>
@@ -3471,7 +3585,7 @@
                 <a:ea typeface="华文中宋" panose="02010600040101010101" pitchFamily="2" charset="-122"/>
                 <a:cs typeface="+mn-cs"/>
               </a:rPr>
-              <a:t>2023/3/30</a:t>
+              <a:t>2023/3/31</a:t>
             </a:fld>
             <a:endParaRPr kumimoji="1" lang="zh-CN" altLang="en-US" sz="900" b="0" i="0" u="none" strike="noStrike" kern="1200" cap="none" spc="0" normalizeH="0" baseline="0" noProof="0">
               <a:ln>
@@ -3987,7 +4101,7 @@
                 <a:ea typeface="华文中宋" panose="02010600040101010101" pitchFamily="2" charset="-122"/>
                 <a:cs typeface="+mn-cs"/>
               </a:rPr>
-              <a:t>2023/3/30</a:t>
+              <a:t>2023/3/31</a:t>
             </a:fld>
             <a:endParaRPr kumimoji="1" lang="zh-CN" altLang="en-US" sz="900" b="0" i="0" u="none" strike="noStrike" kern="1200" cap="none" spc="0" normalizeH="0" baseline="0" noProof="0">
               <a:ln>
@@ -4243,7 +4357,7 @@
                 <a:ea typeface="华文中宋" panose="02010600040101010101" pitchFamily="2" charset="-122"/>
                 <a:cs typeface="+mn-cs"/>
               </a:rPr>
-              <a:t>2023/3/30</a:t>
+              <a:t>2023/3/31</a:t>
             </a:fld>
             <a:endParaRPr kumimoji="1" lang="zh-CN" altLang="en-US" sz="900" b="0" i="0" u="none" strike="noStrike" kern="1200" cap="none" spc="0" normalizeH="0" baseline="0" noProof="0">
               <a:ln>
@@ -4499,7 +4613,7 @@
                 <a:ea typeface="华文中宋" panose="02010600040101010101" pitchFamily="2" charset="-122"/>
                 <a:cs typeface="+mn-cs"/>
               </a:rPr>
-              <a:t>2023/3/30</a:t>
+              <a:t>2023/3/31</a:t>
             </a:fld>
             <a:endParaRPr kumimoji="1" lang="zh-CN" altLang="en-US" sz="900" b="0" i="0" u="none" strike="noStrike" kern="1200" cap="none" spc="0" normalizeH="0" baseline="0" noProof="0">
               <a:ln>
@@ -4847,7 +4961,7 @@
           <a:p>
             <a:fld id="{D7AFFF6D-F168-4102-AE2E-AEEF77D1568A}" type="datetime1">
               <a:rPr lang="zh-CN" altLang="en-US" smtClean="0"/>
-              <a:t>2023/3/30</a:t>
+              <a:t>2023/3/31</a:t>
             </a:fld>
             <a:endParaRPr lang="zh-CN" altLang="en-US"/>
           </a:p>
@@ -5283,7 +5397,7 @@
                 <a:ea typeface="华文中宋" panose="02010600040101010101" pitchFamily="2" charset="-122"/>
                 <a:cs typeface="+mn-cs"/>
               </a:rPr>
-              <a:t>2023/3/30</a:t>
+              <a:t>2023/3/31</a:t>
             </a:fld>
             <a:endParaRPr kumimoji="1" lang="zh-CN" altLang="en-US" sz="900" b="0" i="0" u="none" strike="noStrike" kern="1200" cap="none" spc="0" normalizeH="0" baseline="0" noProof="0">
               <a:ln>
@@ -5789,7 +5903,7 @@
                 <a:ea typeface="华文中宋" panose="02010600040101010101" pitchFamily="2" charset="-122"/>
                 <a:cs typeface="+mn-cs"/>
               </a:rPr>
-              <a:t>2023/3/30</a:t>
+              <a:t>2023/3/31</a:t>
             </a:fld>
             <a:endParaRPr kumimoji="1" lang="zh-CN" altLang="en-US" sz="900" b="0" i="0" u="none" strike="noStrike" kern="1200" cap="none" spc="0" normalizeH="0" baseline="0" noProof="0">
               <a:ln>
@@ -6144,7 +6258,7 @@
                 <a:ea typeface="华文中宋" panose="02010600040101010101" pitchFamily="2" charset="-122"/>
                 <a:cs typeface="+mn-cs"/>
               </a:rPr>
-              <a:t>2023/3/30</a:t>
+              <a:t>2023/3/31</a:t>
             </a:fld>
             <a:endParaRPr kumimoji="1" lang="zh-CN" altLang="en-US" sz="900" b="0" i="0" u="none" strike="noStrike" kern="1200" cap="none" spc="0" normalizeH="0" baseline="0" noProof="0">
               <a:ln>
@@ -6551,7 +6665,7 @@
                 <a:ea typeface="华文中宋" panose="02010600040101010101" pitchFamily="2" charset="-122"/>
                 <a:cs typeface="+mn-cs"/>
               </a:rPr>
-              <a:t>2023/3/30</a:t>
+              <a:t>2023/3/31</a:t>
             </a:fld>
             <a:endParaRPr kumimoji="1" lang="zh-CN" altLang="en-US" sz="900" b="0" i="0" u="none" strike="noStrike" kern="1200" cap="none" spc="0" normalizeH="0" baseline="0" noProof="0">
               <a:ln>
@@ -6988,7 +7102,7 @@
           <a:p>
             <a:fld id="{306BBCB2-BE30-42C5-8A2B-A42D8DA0F0F2}" type="datetime1">
               <a:rPr lang="zh-CN" altLang="en-US" smtClean="0"/>
-              <a:t>2023/3/30</a:t>
+              <a:t>2023/3/31</a:t>
             </a:fld>
             <a:endParaRPr lang="zh-CN" altLang="en-US"/>
           </a:p>
@@ -7253,7 +7367,7 @@
           <a:p>
             <a:fld id="{32493317-A3E8-456E-9217-B09453E554AB}" type="datetime1">
               <a:rPr lang="zh-CN" altLang="en-US" smtClean="0"/>
-              <a:t>2023/3/30</a:t>
+              <a:t>2023/3/31</a:t>
             </a:fld>
             <a:endParaRPr lang="zh-CN" altLang="en-US"/>
           </a:p>
@@ -7665,7 +7779,7 @@
           <a:p>
             <a:fld id="{6A2165DD-A216-4E02-B389-3019B2F92A95}" type="datetime1">
               <a:rPr lang="zh-CN" altLang="en-US" smtClean="0"/>
-              <a:t>2023/3/30</a:t>
+              <a:t>2023/3/31</a:t>
             </a:fld>
             <a:endParaRPr lang="zh-CN" altLang="en-US"/>
           </a:p>
@@ -7806,7 +7920,7 @@
           <a:p>
             <a:fld id="{AB694D89-49D9-4215-AF03-C874F671B696}" type="datetime1">
               <a:rPr lang="zh-CN" altLang="en-US" smtClean="0"/>
-              <a:t>2023/3/30</a:t>
+              <a:t>2023/3/31</a:t>
             </a:fld>
             <a:endParaRPr lang="zh-CN" altLang="en-US"/>
           </a:p>
@@ -7919,7 +8033,7 @@
           <a:p>
             <a:fld id="{FF7259D0-BDF8-4473-B959-8A15667853EF}" type="datetime1">
               <a:rPr lang="zh-CN" altLang="en-US" smtClean="0"/>
-              <a:t>2023/3/30</a:t>
+              <a:t>2023/3/31</a:t>
             </a:fld>
             <a:endParaRPr lang="zh-CN" altLang="en-US"/>
           </a:p>
@@ -8230,7 +8344,7 @@
           <a:p>
             <a:fld id="{855EE96A-3483-412E-A630-647182DDF667}" type="datetime1">
               <a:rPr lang="zh-CN" altLang="en-US" smtClean="0"/>
-              <a:t>2023/3/30</a:t>
+              <a:t>2023/3/31</a:t>
             </a:fld>
             <a:endParaRPr lang="zh-CN" altLang="en-US"/>
           </a:p>
@@ -8518,7 +8632,7 @@
           <a:p>
             <a:fld id="{F38556E1-DB1D-4A99-A274-674C8502F2E5}" type="datetime1">
               <a:rPr lang="zh-CN" altLang="en-US" smtClean="0"/>
-              <a:t>2023/3/30</a:t>
+              <a:t>2023/3/31</a:t>
             </a:fld>
             <a:endParaRPr lang="zh-CN" altLang="en-US"/>
           </a:p>
@@ -8759,7 +8873,7 @@
           <a:p>
             <a:fld id="{48BE9F27-6AA4-4E5A-B513-7E8FCBD3D611}" type="datetime1">
               <a:rPr lang="zh-CN" altLang="en-US" smtClean="0"/>
-              <a:t>2023/3/30</a:t>
+              <a:t>2023/3/31</a:t>
             </a:fld>
             <a:endParaRPr lang="zh-CN" altLang="en-US"/>
           </a:p>
@@ -9345,7 +9459,7 @@
                 <a:ea typeface="华文中宋" panose="02010600040101010101" pitchFamily="2" charset="-122"/>
                 <a:cs typeface="+mn-cs"/>
               </a:rPr>
-              <a:t>2023/3/30</a:t>
+              <a:t>2023/3/31</a:t>
             </a:fld>
             <a:endParaRPr kumimoji="1" lang="zh-CN" altLang="en-US" sz="900" b="0" i="0" u="none" strike="noStrike" kern="1200" cap="none" spc="0" normalizeH="0" baseline="0" noProof="0">
               <a:ln>
@@ -10155,7 +10269,7 @@
             </a:r>
             <a:r>
               <a:rPr lang="en-US" altLang="zh-CN" dirty="0"/>
-              <a:t>2023/03/30</a:t>
+              <a:t>2023/03/31</a:t>
             </a:r>
             <a:endParaRPr lang="zh-CN" altLang="en-US" dirty="0"/>
           </a:p>
@@ -10238,2736 +10352,6 @@
           <a:chExt cx="0" cy="0"/>
         </a:xfrm>
       </p:grpSpPr>
-      <p:sp>
-        <p:nvSpPr>
-          <p:cNvPr id="4" name="标题 3">
-            <a:extLst>
-              <a:ext uri="{FF2B5EF4-FFF2-40B4-BE49-F238E27FC236}">
-                <a16:creationId xmlns:a16="http://schemas.microsoft.com/office/drawing/2014/main" id="{CB335FAB-FA8F-41FD-B41F-E4213D79D779}"/>
-              </a:ext>
-            </a:extLst>
-          </p:cNvPr>
-          <p:cNvSpPr>
-            <a:spLocks noGrp="1"/>
-          </p:cNvSpPr>
-          <p:nvPr>
-            <p:ph type="ctrTitle"/>
-          </p:nvPr>
-        </p:nvSpPr>
-        <p:spPr/>
-        <p:txBody>
-          <a:bodyPr>
-            <a:normAutofit/>
-          </a:bodyPr>
-          <a:lstStyle/>
-          <a:p>
-            <a:r>
-              <a:rPr kumimoji="1" lang="zh-CN" altLang="en-US" sz="4400" dirty="0"/>
-              <a:t>三、后续实验检验</a:t>
-            </a:r>
-            <a:endParaRPr lang="zh-CN" altLang="en-US" sz="4400" dirty="0"/>
-          </a:p>
-        </p:txBody>
-      </p:sp>
-      <p:sp>
-        <p:nvSpPr>
-          <p:cNvPr id="2" name="副标题 1">
-            <a:extLst>
-              <a:ext uri="{FF2B5EF4-FFF2-40B4-BE49-F238E27FC236}">
-                <a16:creationId xmlns:a16="http://schemas.microsoft.com/office/drawing/2014/main" id="{A8F96AEE-70D8-4DDF-A547-45EB77DBE4EF}"/>
-              </a:ext>
-            </a:extLst>
-          </p:cNvPr>
-          <p:cNvSpPr>
-            <a:spLocks noGrp="1"/>
-          </p:cNvSpPr>
-          <p:nvPr>
-            <p:ph type="subTitle" idx="1"/>
-          </p:nvPr>
-        </p:nvSpPr>
-        <p:spPr/>
-        <p:txBody>
-          <a:bodyPr/>
-          <a:lstStyle/>
-          <a:p>
-            <a:endParaRPr lang="zh-CN" altLang="en-US" dirty="0"/>
-          </a:p>
-        </p:txBody>
-      </p:sp>
-      <p:sp>
-        <p:nvSpPr>
-          <p:cNvPr id="8" name="灯片编号占位符 7">
-            <a:extLst>
-              <a:ext uri="{FF2B5EF4-FFF2-40B4-BE49-F238E27FC236}">
-                <a16:creationId xmlns:a16="http://schemas.microsoft.com/office/drawing/2014/main" id="{E92D30B2-1734-669C-9E09-7461CCFA5D1C}"/>
-              </a:ext>
-            </a:extLst>
-          </p:cNvPr>
-          <p:cNvSpPr>
-            <a:spLocks noGrp="1"/>
-          </p:cNvSpPr>
-          <p:nvPr>
-            <p:ph type="sldNum" sz="quarter" idx="12"/>
-          </p:nvPr>
-        </p:nvSpPr>
-        <p:spPr/>
-        <p:txBody>
-          <a:bodyPr/>
-          <a:lstStyle/>
-          <a:p>
-            <a:pPr marL="0" marR="0" lvl="0" indent="0" algn="r" defTabSz="457200" rtl="0" eaLnBrk="1" fontAlgn="auto" latinLnBrk="0" hangingPunct="1">
-              <a:lnSpc>
-                <a:spcPct val="100000"/>
-              </a:lnSpc>
-              <a:spcBef>
-                <a:spcPts val="0"/>
-              </a:spcBef>
-              <a:spcAft>
-                <a:spcPts val="0"/>
-              </a:spcAft>
-              <a:buClrTx/>
-              <a:buSzTx/>
-              <a:buFontTx/>
-              <a:buNone/>
-              <a:tabLst/>
-              <a:defRPr/>
-            </a:pPr>
-            <a:fld id="{977BA8E6-E826-B147-AA17-E3D76A29629C}" type="slidenum">
-              <a:rPr kumimoji="1" lang="zh-CN" altLang="en-US" sz="1600" b="0" i="0" u="none" strike="noStrike" kern="1200" cap="none" spc="0" normalizeH="0" baseline="0" noProof="0" smtClean="0">
-                <a:ln>
-                  <a:noFill/>
-                </a:ln>
-                <a:solidFill>
-                  <a:srgbClr val="5C2F7D"/>
-                </a:solidFill>
-                <a:effectLst/>
-                <a:uLnTx/>
-                <a:uFillTx/>
-                <a:latin typeface="Gill Sans MT" panose="020B0502020104020203"/>
-                <a:ea typeface="华文中宋" panose="02010600040101010101" pitchFamily="2" charset="-122"/>
-                <a:cs typeface="+mn-cs"/>
-              </a:rPr>
-              <a:pPr marL="0" marR="0" lvl="0" indent="0" algn="r" defTabSz="457200" rtl="0" eaLnBrk="1" fontAlgn="auto" latinLnBrk="0" hangingPunct="1">
-                <a:lnSpc>
-                  <a:spcPct val="100000"/>
-                </a:lnSpc>
-                <a:spcBef>
-                  <a:spcPts val="0"/>
-                </a:spcBef>
-                <a:spcAft>
-                  <a:spcPts val="0"/>
-                </a:spcAft>
-                <a:buClrTx/>
-                <a:buSzTx/>
-                <a:buFontTx/>
-                <a:buNone/>
-                <a:tabLst/>
-                <a:defRPr/>
-              </a:pPr>
-              <a:t>10</a:t>
-            </a:fld>
-            <a:endParaRPr kumimoji="1" lang="zh-CN" altLang="en-US" sz="1600" b="0" i="0" u="none" strike="noStrike" kern="1200" cap="none" spc="0" normalizeH="0" baseline="0" noProof="0" dirty="0">
-              <a:ln>
-                <a:noFill/>
-              </a:ln>
-              <a:solidFill>
-                <a:srgbClr val="5C2F7D"/>
-              </a:solidFill>
-              <a:effectLst/>
-              <a:uLnTx/>
-              <a:uFillTx/>
-              <a:latin typeface="Gill Sans MT" panose="020B0502020104020203"/>
-              <a:ea typeface="华文中宋" panose="02010600040101010101" pitchFamily="2" charset="-122"/>
-              <a:cs typeface="+mn-cs"/>
-            </a:endParaRPr>
-          </a:p>
-        </p:txBody>
-      </p:sp>
-    </p:spTree>
-    <p:extLst>
-      <p:ext uri="{BB962C8B-B14F-4D97-AF65-F5344CB8AC3E}">
-        <p14:creationId xmlns:p14="http://schemas.microsoft.com/office/powerpoint/2010/main" val="2488631701"/>
-      </p:ext>
-    </p:extLst>
-  </p:cSld>
-  <p:clrMapOvr>
-    <a:masterClrMapping/>
-  </p:clrMapOvr>
-</p:sld>
-</file>
-
-<file path=ppt/slides/slide11.xml><?xml version="1.0" encoding="utf-8"?>
-<p:sld xmlns:a="http://schemas.openxmlformats.org/drawingml/2006/main" xmlns:r="http://schemas.openxmlformats.org/officeDocument/2006/relationships" xmlns:p="http://schemas.openxmlformats.org/presentationml/2006/main">
-  <p:cSld>
-    <p:spTree>
-      <p:nvGrpSpPr>
-        <p:cNvPr id="1" name=""/>
-        <p:cNvGrpSpPr/>
-        <p:nvPr/>
-      </p:nvGrpSpPr>
-      <p:grpSpPr>
-        <a:xfrm>
-          <a:off x="0" y="0"/>
-          <a:ext cx="0" cy="0"/>
-          <a:chOff x="0" y="0"/>
-          <a:chExt cx="0" cy="0"/>
-        </a:xfrm>
-      </p:grpSpPr>
-      <p:sp>
-        <p:nvSpPr>
-          <p:cNvPr id="5" name="内容占位符 4">
-            <a:extLst>
-              <a:ext uri="{FF2B5EF4-FFF2-40B4-BE49-F238E27FC236}">
-                <a16:creationId xmlns:a16="http://schemas.microsoft.com/office/drawing/2014/main" id="{DD553D6F-BC1A-435F-9D69-C092A92466AA}"/>
-              </a:ext>
-            </a:extLst>
-          </p:cNvPr>
-          <p:cNvSpPr>
-            <a:spLocks noGrp="1"/>
-          </p:cNvSpPr>
-          <p:nvPr>
-            <p:ph idx="1"/>
-          </p:nvPr>
-        </p:nvSpPr>
-        <p:spPr>
-          <a:xfrm>
-            <a:off x="835306" y="1608142"/>
-            <a:ext cx="10521388" cy="4766934"/>
-          </a:xfrm>
-        </p:spPr>
-        <p:txBody>
-          <a:bodyPr>
-            <a:normAutofit/>
-          </a:bodyPr>
-          <a:lstStyle/>
-          <a:p>
-            <a:pPr>
-              <a:lnSpc>
-                <a:spcPct val="150000"/>
-              </a:lnSpc>
-            </a:pPr>
-            <a:r>
-              <a:rPr lang="zh-CN" altLang="en-US" sz="2400" b="1" dirty="0">
-                <a:solidFill>
-                  <a:schemeClr val="tx1"/>
-                </a:solidFill>
-                <a:latin typeface="+mn-ea"/>
-                <a:cs typeface="Times New Roman" panose="02020603050405020304" pitchFamily="18" charset="0"/>
-              </a:rPr>
-              <a:t>目标进行的实验测试效果</a:t>
-            </a:r>
-            <a:endParaRPr lang="en-US" altLang="zh-CN" sz="2400" b="1" dirty="0">
-              <a:solidFill>
-                <a:schemeClr val="tx1"/>
-              </a:solidFill>
-              <a:latin typeface="+mn-ea"/>
-              <a:cs typeface="Times New Roman" panose="02020603050405020304" pitchFamily="18" charset="0"/>
-            </a:endParaRPr>
-          </a:p>
-          <a:p>
-            <a:pPr>
-              <a:lnSpc>
-                <a:spcPct val="150000"/>
-              </a:lnSpc>
-            </a:pPr>
-            <a:r>
-              <a:rPr lang="en-US" altLang="zh-CN" sz="1800" kern="0" dirty="0">
-                <a:solidFill>
-                  <a:srgbClr val="000000"/>
-                </a:solidFill>
-                <a:effectLst/>
-                <a:latin typeface="+mn-ea"/>
-              </a:rPr>
-              <a:t>(1)</a:t>
-            </a:r>
-            <a:r>
-              <a:rPr lang="zh-CN" altLang="zh-CN" sz="1800" kern="0" dirty="0">
-                <a:solidFill>
-                  <a:srgbClr val="000000"/>
-                </a:solidFill>
-                <a:effectLst/>
-                <a:latin typeface="+mn-ea"/>
-                <a:cs typeface="Times New Roman" panose="02020603050405020304" pitchFamily="18" charset="0"/>
-              </a:rPr>
-              <a:t>将</a:t>
-            </a:r>
-            <a:r>
-              <a:rPr lang="zh-CN" altLang="en-US" kern="0" dirty="0">
-                <a:solidFill>
-                  <a:srgbClr val="000000"/>
-                </a:solidFill>
-                <a:latin typeface="+mn-ea"/>
-                <a:cs typeface="Times New Roman" panose="02020603050405020304" pitchFamily="18" charset="0"/>
-              </a:rPr>
-              <a:t>每条链</a:t>
-            </a:r>
-            <a:r>
-              <a:rPr lang="zh-CN" altLang="en-US" sz="1800" kern="0" dirty="0">
-                <a:solidFill>
-                  <a:srgbClr val="000000"/>
-                </a:solidFill>
-                <a:effectLst/>
-                <a:latin typeface="+mn-ea"/>
-                <a:cs typeface="Times New Roman" panose="02020603050405020304" pitchFamily="18" charset="0"/>
-              </a:rPr>
-              <a:t>远多于平均值的交易信息投入测试，比较子链间的合并带来的系统的效率提升</a:t>
-            </a:r>
-            <a:endParaRPr lang="en-US" altLang="zh-CN" sz="1800" kern="0" dirty="0">
-              <a:solidFill>
-                <a:srgbClr val="000000"/>
-              </a:solidFill>
-              <a:effectLst/>
-              <a:latin typeface="+mn-ea"/>
-              <a:cs typeface="Times New Roman" panose="02020603050405020304" pitchFamily="18" charset="0"/>
-            </a:endParaRPr>
-          </a:p>
-          <a:p>
-            <a:pPr>
-              <a:lnSpc>
-                <a:spcPct val="150000"/>
-              </a:lnSpc>
-            </a:pPr>
-            <a:r>
-              <a:rPr lang="en-US" altLang="zh-CN" sz="1800" kern="0" dirty="0">
-                <a:solidFill>
-                  <a:srgbClr val="000000"/>
-                </a:solidFill>
-                <a:effectLst/>
-                <a:latin typeface="+mn-ea"/>
-              </a:rPr>
-              <a:t>(2)</a:t>
-            </a:r>
-            <a:r>
-              <a:rPr lang="zh-CN" altLang="zh-CN" sz="1800" kern="0" dirty="0">
-                <a:solidFill>
-                  <a:srgbClr val="000000"/>
-                </a:solidFill>
-                <a:effectLst/>
-                <a:latin typeface="+mn-ea"/>
-                <a:cs typeface="Times New Roman" panose="02020603050405020304" pitchFamily="18" charset="0"/>
-              </a:rPr>
-              <a:t>将</a:t>
-            </a:r>
-            <a:r>
-              <a:rPr lang="zh-CN" altLang="en-US" sz="1800" kern="0" dirty="0">
-                <a:solidFill>
-                  <a:srgbClr val="000000"/>
-                </a:solidFill>
-                <a:effectLst/>
-                <a:latin typeface="+mn-ea"/>
-                <a:cs typeface="Times New Roman" panose="02020603050405020304" pitchFamily="18" charset="0"/>
-              </a:rPr>
-              <a:t>每条连远少于平均值且分布均匀的交易信息投入测试，比较子链间的分支带来的系统的效率提升</a:t>
-            </a:r>
-            <a:endParaRPr lang="en-US" altLang="zh-CN" sz="1800" kern="0" dirty="0">
-              <a:solidFill>
-                <a:srgbClr val="000000"/>
-              </a:solidFill>
-              <a:effectLst/>
-              <a:latin typeface="+mn-ea"/>
-              <a:cs typeface="Times New Roman" panose="02020603050405020304" pitchFamily="18" charset="0"/>
-            </a:endParaRPr>
-          </a:p>
-          <a:p>
-            <a:pPr>
-              <a:lnSpc>
-                <a:spcPct val="150000"/>
-              </a:lnSpc>
-            </a:pPr>
-            <a:endParaRPr lang="en-US" altLang="zh-CN" kern="0" dirty="0">
-              <a:solidFill>
-                <a:srgbClr val="000000"/>
-              </a:solidFill>
-              <a:latin typeface="+mn-ea"/>
-              <a:cs typeface="Times New Roman" panose="02020603050405020304" pitchFamily="18" charset="0"/>
-            </a:endParaRPr>
-          </a:p>
-          <a:p>
-            <a:pPr>
-              <a:lnSpc>
-                <a:spcPct val="150000"/>
-              </a:lnSpc>
-            </a:pPr>
-            <a:r>
-              <a:rPr lang="zh-CN" altLang="en-US" sz="2400" b="1" kern="0" dirty="0">
-                <a:solidFill>
-                  <a:srgbClr val="000000"/>
-                </a:solidFill>
-                <a:effectLst/>
-                <a:latin typeface="+mn-ea"/>
-                <a:cs typeface="Times New Roman" panose="02020603050405020304" pitchFamily="18" charset="0"/>
-              </a:rPr>
-              <a:t>目标检验结果</a:t>
-            </a:r>
-            <a:endParaRPr lang="en-US" altLang="zh-CN" sz="2400" b="1" kern="0" dirty="0">
-              <a:solidFill>
-                <a:srgbClr val="000000"/>
-              </a:solidFill>
-              <a:effectLst/>
-              <a:latin typeface="+mn-ea"/>
-              <a:cs typeface="Times New Roman" panose="02020603050405020304" pitchFamily="18" charset="0"/>
-            </a:endParaRPr>
-          </a:p>
-          <a:p>
-            <a:pPr marL="305992" marR="0" lvl="0" indent="-305992" algn="l" defTabSz="457189" rtl="0" eaLnBrk="1" fontAlgn="auto" latinLnBrk="0" hangingPunct="1">
-              <a:lnSpc>
-                <a:spcPct val="150000"/>
-              </a:lnSpc>
-              <a:spcBef>
-                <a:spcPct val="20000"/>
-              </a:spcBef>
-              <a:spcAft>
-                <a:spcPts val="600"/>
-              </a:spcAft>
-              <a:buClr>
-                <a:srgbClr val="5C2F7D"/>
-              </a:buClr>
-              <a:buSzPct val="92000"/>
-              <a:buFont typeface="Wingdings 2" panose="05020102010507070707" pitchFamily="18" charset="2"/>
-              <a:buChar char=""/>
-              <a:tabLst/>
-              <a:defRPr/>
-            </a:pPr>
-            <a:r>
-              <a:rPr lang="zh-CN" altLang="en-US" kern="0" dirty="0">
-                <a:solidFill>
-                  <a:srgbClr val="000000"/>
-                </a:solidFill>
-                <a:latin typeface="华文中宋" panose="02010600040101010101" pitchFamily="2" charset="-122"/>
-                <a:ea typeface="华文中宋" panose="02010600040101010101" pitchFamily="2" charset="-122"/>
-              </a:rPr>
-              <a:t>给出表格对比，实验结果；考虑影响效果的合约的设计方法</a:t>
-            </a:r>
-            <a:endParaRPr lang="en-US" altLang="zh-CN" sz="2400" b="1" kern="0" dirty="0">
-              <a:solidFill>
-                <a:srgbClr val="000000"/>
-              </a:solidFill>
-              <a:effectLst/>
-              <a:latin typeface="+mn-ea"/>
-              <a:cs typeface="Times New Roman" panose="02020603050405020304" pitchFamily="18" charset="0"/>
-            </a:endParaRPr>
-          </a:p>
-          <a:p>
-            <a:pPr>
-              <a:lnSpc>
-                <a:spcPct val="150000"/>
-              </a:lnSpc>
-            </a:pPr>
-            <a:endParaRPr lang="en-US" altLang="zh-CN" sz="1800" kern="0" dirty="0">
-              <a:solidFill>
-                <a:srgbClr val="000000"/>
-              </a:solidFill>
-              <a:effectLst/>
-              <a:latin typeface="+mn-ea"/>
-            </a:endParaRPr>
-          </a:p>
-        </p:txBody>
-      </p:sp>
-      <p:sp>
-        <p:nvSpPr>
-          <p:cNvPr id="4" name="标题 3">
-            <a:extLst>
-              <a:ext uri="{FF2B5EF4-FFF2-40B4-BE49-F238E27FC236}">
-                <a16:creationId xmlns:a16="http://schemas.microsoft.com/office/drawing/2014/main" id="{CB335FAB-FA8F-41FD-B41F-E4213D79D779}"/>
-              </a:ext>
-            </a:extLst>
-          </p:cNvPr>
-          <p:cNvSpPr>
-            <a:spLocks noGrp="1"/>
-          </p:cNvSpPr>
-          <p:nvPr>
-            <p:ph type="title"/>
-          </p:nvPr>
-        </p:nvSpPr>
-        <p:spPr/>
-        <p:txBody>
-          <a:bodyPr>
-            <a:normAutofit/>
-          </a:bodyPr>
-          <a:lstStyle/>
-          <a:p>
-            <a:r>
-              <a:rPr kumimoji="1" lang="zh-CN" altLang="en-US" dirty="0"/>
-              <a:t>后续的实验测试</a:t>
-            </a:r>
-            <a:endParaRPr lang="zh-CN" altLang="en-US" dirty="0"/>
-          </a:p>
-        </p:txBody>
-      </p:sp>
-      <p:sp>
-        <p:nvSpPr>
-          <p:cNvPr id="8" name="灯片编号占位符 7">
-            <a:extLst>
-              <a:ext uri="{FF2B5EF4-FFF2-40B4-BE49-F238E27FC236}">
-                <a16:creationId xmlns:a16="http://schemas.microsoft.com/office/drawing/2014/main" id="{B4994EF2-2399-5A9D-0FAA-122BAA047CE4}"/>
-              </a:ext>
-            </a:extLst>
-          </p:cNvPr>
-          <p:cNvSpPr>
-            <a:spLocks noGrp="1"/>
-          </p:cNvSpPr>
-          <p:nvPr>
-            <p:ph type="sldNum" sz="quarter" idx="12"/>
-          </p:nvPr>
-        </p:nvSpPr>
-        <p:spPr/>
-        <p:txBody>
-          <a:bodyPr/>
-          <a:lstStyle/>
-          <a:p>
-            <a:pPr defTabSz="457200">
-              <a:defRPr/>
-            </a:pPr>
-            <a:fld id="{977BA8E6-E826-B147-AA17-E3D76A29629C}" type="slidenum">
-              <a:rPr kumimoji="1" lang="zh-CN" altLang="en-US" smtClean="0">
-                <a:solidFill>
-                  <a:srgbClr val="5C2F7D"/>
-                </a:solidFill>
-              </a:rPr>
-              <a:pPr defTabSz="457200">
-                <a:defRPr/>
-              </a:pPr>
-              <a:t>11</a:t>
-            </a:fld>
-            <a:endParaRPr kumimoji="1" lang="zh-CN" altLang="en-US" sz="900" dirty="0">
-              <a:solidFill>
-                <a:srgbClr val="5C2F7D"/>
-              </a:solidFill>
-            </a:endParaRPr>
-          </a:p>
-        </p:txBody>
-      </p:sp>
-    </p:spTree>
-    <p:extLst>
-      <p:ext uri="{BB962C8B-B14F-4D97-AF65-F5344CB8AC3E}">
-        <p14:creationId xmlns:p14="http://schemas.microsoft.com/office/powerpoint/2010/main" val="1619854124"/>
-      </p:ext>
-    </p:extLst>
-  </p:cSld>
-  <p:clrMapOvr>
-    <a:masterClrMapping/>
-  </p:clrMapOvr>
-</p:sld>
-</file>
-
-<file path=ppt/slides/slide12.xml><?xml version="1.0" encoding="utf-8"?>
-<p:sld xmlns:a="http://schemas.openxmlformats.org/drawingml/2006/main" xmlns:r="http://schemas.openxmlformats.org/officeDocument/2006/relationships" xmlns:p="http://schemas.openxmlformats.org/presentationml/2006/main">
-  <p:cSld>
-    <p:spTree>
-      <p:nvGrpSpPr>
-        <p:cNvPr id="1" name=""/>
-        <p:cNvGrpSpPr/>
-        <p:nvPr/>
-      </p:nvGrpSpPr>
-      <p:grpSpPr>
-        <a:xfrm>
-          <a:off x="0" y="0"/>
-          <a:ext cx="0" cy="0"/>
-          <a:chOff x="0" y="0"/>
-          <a:chExt cx="0" cy="0"/>
-        </a:xfrm>
-      </p:grpSpPr>
-      <p:sp>
-        <p:nvSpPr>
-          <p:cNvPr id="4" name="标题 3">
-            <a:extLst>
-              <a:ext uri="{FF2B5EF4-FFF2-40B4-BE49-F238E27FC236}">
-                <a16:creationId xmlns:a16="http://schemas.microsoft.com/office/drawing/2014/main" id="{CB335FAB-FA8F-41FD-B41F-E4213D79D779}"/>
-              </a:ext>
-            </a:extLst>
-          </p:cNvPr>
-          <p:cNvSpPr>
-            <a:spLocks noGrp="1"/>
-          </p:cNvSpPr>
-          <p:nvPr>
-            <p:ph type="ctrTitle"/>
-          </p:nvPr>
-        </p:nvSpPr>
-        <p:spPr/>
-        <p:txBody>
-          <a:bodyPr>
-            <a:normAutofit/>
-          </a:bodyPr>
-          <a:lstStyle/>
-          <a:p>
-            <a:r>
-              <a:rPr kumimoji="1" lang="zh-CN" altLang="en-US" sz="4400" dirty="0"/>
-              <a:t>四、后续时间安排</a:t>
-            </a:r>
-            <a:endParaRPr lang="zh-CN" altLang="en-US" sz="4400" dirty="0"/>
-          </a:p>
-        </p:txBody>
-      </p:sp>
-      <p:sp>
-        <p:nvSpPr>
-          <p:cNvPr id="2" name="副标题 1">
-            <a:extLst>
-              <a:ext uri="{FF2B5EF4-FFF2-40B4-BE49-F238E27FC236}">
-                <a16:creationId xmlns:a16="http://schemas.microsoft.com/office/drawing/2014/main" id="{A8F96AEE-70D8-4DDF-A547-45EB77DBE4EF}"/>
-              </a:ext>
-            </a:extLst>
-          </p:cNvPr>
-          <p:cNvSpPr>
-            <a:spLocks noGrp="1"/>
-          </p:cNvSpPr>
-          <p:nvPr>
-            <p:ph type="subTitle" idx="1"/>
-          </p:nvPr>
-        </p:nvSpPr>
-        <p:spPr/>
-        <p:txBody>
-          <a:bodyPr/>
-          <a:lstStyle/>
-          <a:p>
-            <a:endParaRPr lang="zh-CN" altLang="en-US" dirty="0"/>
-          </a:p>
-        </p:txBody>
-      </p:sp>
-      <p:sp>
-        <p:nvSpPr>
-          <p:cNvPr id="8" name="灯片编号占位符 7">
-            <a:extLst>
-              <a:ext uri="{FF2B5EF4-FFF2-40B4-BE49-F238E27FC236}">
-                <a16:creationId xmlns:a16="http://schemas.microsoft.com/office/drawing/2014/main" id="{4BEDB5C3-E8D4-5CE6-9909-5567CA10302E}"/>
-              </a:ext>
-            </a:extLst>
-          </p:cNvPr>
-          <p:cNvSpPr>
-            <a:spLocks noGrp="1"/>
-          </p:cNvSpPr>
-          <p:nvPr>
-            <p:ph type="sldNum" sz="quarter" idx="12"/>
-          </p:nvPr>
-        </p:nvSpPr>
-        <p:spPr/>
-        <p:txBody>
-          <a:bodyPr/>
-          <a:lstStyle/>
-          <a:p>
-            <a:pPr marL="0" marR="0" lvl="0" indent="0" algn="r" defTabSz="457200" rtl="0" eaLnBrk="1" fontAlgn="auto" latinLnBrk="0" hangingPunct="1">
-              <a:lnSpc>
-                <a:spcPct val="100000"/>
-              </a:lnSpc>
-              <a:spcBef>
-                <a:spcPts val="0"/>
-              </a:spcBef>
-              <a:spcAft>
-                <a:spcPts val="0"/>
-              </a:spcAft>
-              <a:buClrTx/>
-              <a:buSzTx/>
-              <a:buFontTx/>
-              <a:buNone/>
-              <a:tabLst/>
-              <a:defRPr/>
-            </a:pPr>
-            <a:fld id="{977BA8E6-E826-B147-AA17-E3D76A29629C}" type="slidenum">
-              <a:rPr kumimoji="1" lang="zh-CN" altLang="en-US" sz="1600" b="0" i="0" u="none" strike="noStrike" kern="1200" cap="none" spc="0" normalizeH="0" baseline="0" noProof="0" smtClean="0">
-                <a:ln>
-                  <a:noFill/>
-                </a:ln>
-                <a:solidFill>
-                  <a:srgbClr val="5C2F7D"/>
-                </a:solidFill>
-                <a:effectLst/>
-                <a:uLnTx/>
-                <a:uFillTx/>
-                <a:latin typeface="Gill Sans MT" panose="020B0502020104020203"/>
-                <a:ea typeface="华文中宋" panose="02010600040101010101" pitchFamily="2" charset="-122"/>
-                <a:cs typeface="+mn-cs"/>
-              </a:rPr>
-              <a:pPr marL="0" marR="0" lvl="0" indent="0" algn="r" defTabSz="457200" rtl="0" eaLnBrk="1" fontAlgn="auto" latinLnBrk="0" hangingPunct="1">
-                <a:lnSpc>
-                  <a:spcPct val="100000"/>
-                </a:lnSpc>
-                <a:spcBef>
-                  <a:spcPts val="0"/>
-                </a:spcBef>
-                <a:spcAft>
-                  <a:spcPts val="0"/>
-                </a:spcAft>
-                <a:buClrTx/>
-                <a:buSzTx/>
-                <a:buFontTx/>
-                <a:buNone/>
-                <a:tabLst/>
-                <a:defRPr/>
-              </a:pPr>
-              <a:t>12</a:t>
-            </a:fld>
-            <a:endParaRPr kumimoji="1" lang="zh-CN" altLang="en-US" sz="900" b="0" i="0" u="none" strike="noStrike" kern="1200" cap="none" spc="0" normalizeH="0" baseline="0" noProof="0" dirty="0">
-              <a:ln>
-                <a:noFill/>
-              </a:ln>
-              <a:solidFill>
-                <a:srgbClr val="5C2F7D"/>
-              </a:solidFill>
-              <a:effectLst/>
-              <a:uLnTx/>
-              <a:uFillTx/>
-              <a:latin typeface="Gill Sans MT" panose="020B0502020104020203"/>
-              <a:ea typeface="华文中宋" panose="02010600040101010101" pitchFamily="2" charset="-122"/>
-              <a:cs typeface="+mn-cs"/>
-            </a:endParaRPr>
-          </a:p>
-        </p:txBody>
-      </p:sp>
-    </p:spTree>
-    <p:extLst>
-      <p:ext uri="{BB962C8B-B14F-4D97-AF65-F5344CB8AC3E}">
-        <p14:creationId xmlns:p14="http://schemas.microsoft.com/office/powerpoint/2010/main" val="4114347140"/>
-      </p:ext>
-    </p:extLst>
-  </p:cSld>
-  <p:clrMapOvr>
-    <a:masterClrMapping/>
-  </p:clrMapOvr>
-</p:sld>
-</file>
-
-<file path=ppt/slides/slide13.xml><?xml version="1.0" encoding="utf-8"?>
-<p:sld xmlns:a="http://schemas.openxmlformats.org/drawingml/2006/main" xmlns:r="http://schemas.openxmlformats.org/officeDocument/2006/relationships" xmlns:p="http://schemas.openxmlformats.org/presentationml/2006/main">
-  <p:cSld>
-    <p:spTree>
-      <p:nvGrpSpPr>
-        <p:cNvPr id="1" name=""/>
-        <p:cNvGrpSpPr/>
-        <p:nvPr/>
-      </p:nvGrpSpPr>
-      <p:grpSpPr>
-        <a:xfrm>
-          <a:off x="0" y="0"/>
-          <a:ext cx="0" cy="0"/>
-          <a:chOff x="0" y="0"/>
-          <a:chExt cx="0" cy="0"/>
-        </a:xfrm>
-      </p:grpSpPr>
-      <p:sp>
-        <p:nvSpPr>
-          <p:cNvPr id="2" name="内容占位符 1">
-            <a:extLst>
-              <a:ext uri="{FF2B5EF4-FFF2-40B4-BE49-F238E27FC236}">
-                <a16:creationId xmlns:a16="http://schemas.microsoft.com/office/drawing/2014/main" id="{206EE1F6-D73D-DCA7-F479-B9E979543FAE}"/>
-              </a:ext>
-            </a:extLst>
-          </p:cNvPr>
-          <p:cNvSpPr>
-            <a:spLocks noGrp="1"/>
-          </p:cNvSpPr>
-          <p:nvPr>
-            <p:ph idx="1"/>
-          </p:nvPr>
-        </p:nvSpPr>
-        <p:spPr>
-          <a:xfrm>
-            <a:off x="721289" y="1608624"/>
-            <a:ext cx="10188658" cy="1494800"/>
-          </a:xfrm>
-        </p:spPr>
-        <p:txBody>
-          <a:bodyPr>
-            <a:normAutofit fontScale="92500" lnSpcReduction="20000"/>
-          </a:bodyPr>
-          <a:lstStyle/>
-          <a:p>
-            <a:pPr marL="305992" marR="0" lvl="0" indent="-305992" algn="l" defTabSz="457189" rtl="0" eaLnBrk="1" fontAlgn="auto" latinLnBrk="0" hangingPunct="1">
-              <a:lnSpc>
-                <a:spcPct val="150000"/>
-              </a:lnSpc>
-              <a:spcBef>
-                <a:spcPct val="20000"/>
-              </a:spcBef>
-              <a:spcAft>
-                <a:spcPts val="600"/>
-              </a:spcAft>
-              <a:buClr>
-                <a:srgbClr val="5C2F7D"/>
-              </a:buClr>
-              <a:buSzPct val="92000"/>
-              <a:buFont typeface="Wingdings 2" panose="05020102010507070707" pitchFamily="18" charset="2"/>
-              <a:buChar char=""/>
-              <a:tabLst/>
-              <a:defRPr/>
-            </a:pPr>
-            <a:r>
-              <a:rPr lang="zh-CN" altLang="en-US" sz="2000" dirty="0">
-                <a:solidFill>
-                  <a:srgbClr val="000000"/>
-                </a:solidFill>
-              </a:rPr>
-              <a:t>基于现有的资产转移测试，在此基础上先实现子链的合并和分支，</a:t>
-            </a:r>
-            <a:endParaRPr lang="en-US" altLang="zh-CN" sz="2000" dirty="0">
-              <a:solidFill>
-                <a:srgbClr val="000000"/>
-              </a:solidFill>
-            </a:endParaRPr>
-          </a:p>
-          <a:p>
-            <a:pPr marL="305992" marR="0" lvl="0" indent="-305992" algn="l" defTabSz="457189" rtl="0" eaLnBrk="1" fontAlgn="auto" latinLnBrk="0" hangingPunct="1">
-              <a:lnSpc>
-                <a:spcPct val="150000"/>
-              </a:lnSpc>
-              <a:spcBef>
-                <a:spcPct val="20000"/>
-              </a:spcBef>
-              <a:spcAft>
-                <a:spcPts val="600"/>
-              </a:spcAft>
-              <a:buClr>
-                <a:srgbClr val="5C2F7D"/>
-              </a:buClr>
-              <a:buSzPct val="92000"/>
-              <a:buFont typeface="Wingdings 2" panose="05020102010507070707" pitchFamily="18" charset="2"/>
-              <a:buChar char=""/>
-              <a:tabLst/>
-              <a:defRPr/>
-            </a:pPr>
-            <a:r>
-              <a:rPr lang="zh-CN" altLang="en-US" sz="2000" b="0" i="0" u="none" strike="noStrike" dirty="0">
-                <a:solidFill>
-                  <a:srgbClr val="000000"/>
-                </a:solidFill>
-                <a:effectLst/>
-              </a:rPr>
-              <a:t>之后进一步配合脚本自动化实验（或在浏览器中实现可视化实验），测试合约对于系统的交易信息传递速度的提升情况</a:t>
-            </a:r>
-            <a:endParaRPr lang="en-US" altLang="zh-CN" sz="2000" b="0" i="0" u="none" strike="noStrike" dirty="0">
-              <a:solidFill>
-                <a:srgbClr val="000000"/>
-              </a:solidFill>
-              <a:effectLst/>
-            </a:endParaRPr>
-          </a:p>
-          <a:p>
-            <a:pPr marL="342900" indent="-342900">
-              <a:lnSpc>
-                <a:spcPct val="150000"/>
-              </a:lnSpc>
-              <a:buFont typeface="Wingdings" panose="05000000000000000000" pitchFamily="2" charset="2"/>
-              <a:buChar char="n"/>
-            </a:pPr>
-            <a:endParaRPr lang="en-US" altLang="zh-CN" sz="2000" dirty="0">
-              <a:solidFill>
-                <a:schemeClr val="tx1"/>
-              </a:solidFill>
-              <a:latin typeface="+mn-ea"/>
-              <a:cs typeface="Times New Roman" panose="02020603050405020304" pitchFamily="18" charset="0"/>
-            </a:endParaRPr>
-          </a:p>
-          <a:p>
-            <a:endParaRPr lang="zh-CN" altLang="en-US" dirty="0"/>
-          </a:p>
-        </p:txBody>
-      </p:sp>
-      <p:sp>
-        <p:nvSpPr>
-          <p:cNvPr id="3" name="标题 2">
-            <a:extLst>
-              <a:ext uri="{FF2B5EF4-FFF2-40B4-BE49-F238E27FC236}">
-                <a16:creationId xmlns:a16="http://schemas.microsoft.com/office/drawing/2014/main" id="{D1231313-0329-94F7-64F0-C5A39F52673A}"/>
-              </a:ext>
-            </a:extLst>
-          </p:cNvPr>
-          <p:cNvSpPr>
-            <a:spLocks noGrp="1"/>
-          </p:cNvSpPr>
-          <p:nvPr>
-            <p:ph type="title"/>
-          </p:nvPr>
-        </p:nvSpPr>
-        <p:spPr/>
-        <p:txBody>
-          <a:bodyPr/>
-          <a:lstStyle/>
-          <a:p>
-            <a:r>
-              <a:rPr kumimoji="1" lang="zh-CN" altLang="en-US" dirty="0"/>
-              <a:t>后续</a:t>
-            </a:r>
-            <a:r>
-              <a:rPr kumimoji="1" lang="zh-CN" altLang="en-US" sz="2800" dirty="0"/>
-              <a:t>安排</a:t>
-            </a:r>
-            <a:endParaRPr lang="zh-CN" altLang="en-US" dirty="0"/>
-          </a:p>
-        </p:txBody>
-      </p:sp>
-      <p:graphicFrame>
-        <p:nvGraphicFramePr>
-          <p:cNvPr id="4" name="表格 4">
-            <a:extLst>
-              <a:ext uri="{FF2B5EF4-FFF2-40B4-BE49-F238E27FC236}">
-                <a16:creationId xmlns:a16="http://schemas.microsoft.com/office/drawing/2014/main" id="{20F7023D-C2B2-EB45-1AF9-386B1581949E}"/>
-              </a:ext>
-            </a:extLst>
-          </p:cNvPr>
-          <p:cNvGraphicFramePr>
-            <a:graphicFrameLocks noGrp="1"/>
-          </p:cNvGraphicFramePr>
-          <p:nvPr>
-            <p:extLst>
-              <p:ext uri="{D42A27DB-BD31-4B8C-83A1-F6EECF244321}">
-                <p14:modId xmlns:p14="http://schemas.microsoft.com/office/powerpoint/2010/main" val="36426782"/>
-              </p:ext>
-            </p:extLst>
-          </p:nvPr>
-        </p:nvGraphicFramePr>
-        <p:xfrm>
-          <a:off x="835306" y="3048065"/>
-          <a:ext cx="10450160" cy="3139830"/>
-        </p:xfrm>
-        <a:graphic>
-          <a:graphicData uri="http://schemas.openxmlformats.org/drawingml/2006/table">
-            <a:tbl>
-              <a:tblPr firstRow="1" bandRow="1">
-                <a:tableStyleId>{5C22544A-7EE6-4342-B048-85BDC9FD1C3A}</a:tableStyleId>
-              </a:tblPr>
-              <a:tblGrid>
-                <a:gridCol w="2832949">
-                  <a:extLst>
-                    <a:ext uri="{9D8B030D-6E8A-4147-A177-3AD203B41FA5}">
-                      <a16:colId xmlns:a16="http://schemas.microsoft.com/office/drawing/2014/main" val="4002552074"/>
-                    </a:ext>
-                  </a:extLst>
-                </a:gridCol>
-                <a:gridCol w="7617211">
-                  <a:extLst>
-                    <a:ext uri="{9D8B030D-6E8A-4147-A177-3AD203B41FA5}">
-                      <a16:colId xmlns:a16="http://schemas.microsoft.com/office/drawing/2014/main" val="3828062433"/>
-                    </a:ext>
-                  </a:extLst>
-                </a:gridCol>
-              </a:tblGrid>
-              <a:tr h="445086">
-                <a:tc>
-                  <a:txBody>
-                    <a:bodyPr/>
-                    <a:lstStyle/>
-                    <a:p>
-                      <a:pPr algn="ctr"/>
-                      <a:r>
-                        <a:rPr lang="zh-CN" altLang="en-US" dirty="0"/>
-                        <a:t>时间</a:t>
-                      </a:r>
-                    </a:p>
-                  </a:txBody>
-                  <a:tcPr/>
-                </a:tc>
-                <a:tc>
-                  <a:txBody>
-                    <a:bodyPr/>
-                    <a:lstStyle/>
-                    <a:p>
-                      <a:pPr algn="ctr"/>
-                      <a:r>
-                        <a:rPr lang="zh-CN" altLang="en-US" dirty="0"/>
-                        <a:t>工作</a:t>
-                      </a:r>
-                    </a:p>
-                  </a:txBody>
-                  <a:tcPr/>
-                </a:tc>
-                <a:extLst>
-                  <a:ext uri="{0D108BD9-81ED-4DB2-BD59-A6C34878D82A}">
-                    <a16:rowId xmlns:a16="http://schemas.microsoft.com/office/drawing/2014/main" val="707824170"/>
-                  </a:ext>
-                </a:extLst>
-              </a:tr>
-              <a:tr h="445086">
-                <a:tc>
-                  <a:txBody>
-                    <a:bodyPr/>
-                    <a:lstStyle/>
-                    <a:p>
-                      <a:r>
-                        <a:rPr lang="en-US" altLang="zh-CN" dirty="0"/>
-                        <a:t>2022.4.1—2023.4.14</a:t>
-                      </a:r>
-                      <a:endParaRPr lang="zh-CN" altLang="en-US" dirty="0"/>
-                    </a:p>
-                  </a:txBody>
-                  <a:tcPr/>
-                </a:tc>
-                <a:tc>
-                  <a:txBody>
-                    <a:bodyPr/>
-                    <a:lstStyle/>
-                    <a:p>
-                      <a:r>
-                        <a:rPr lang="zh-CN" altLang="en-US" dirty="0"/>
-                        <a:t>完成现有的资产转移测试实验，继续合约代码的学习</a:t>
-                      </a:r>
-                    </a:p>
-                  </a:txBody>
-                  <a:tcPr/>
-                </a:tc>
-                <a:extLst>
-                  <a:ext uri="{0D108BD9-81ED-4DB2-BD59-A6C34878D82A}">
-                    <a16:rowId xmlns:a16="http://schemas.microsoft.com/office/drawing/2014/main" val="3556502327"/>
-                  </a:ext>
-                </a:extLst>
-              </a:tr>
-              <a:tr h="445086">
-                <a:tc>
-                  <a:txBody>
-                    <a:bodyPr/>
-                    <a:lstStyle/>
-                    <a:p>
-                      <a:r>
-                        <a:rPr lang="en-US" altLang="zh-CN" dirty="0"/>
-                        <a:t>2023.4.15—2023.4.30</a:t>
-                      </a:r>
-                      <a:endParaRPr lang="zh-CN" altLang="en-US" dirty="0"/>
-                    </a:p>
-                  </a:txBody>
-                  <a:tcPr/>
-                </a:tc>
-                <a:tc>
-                  <a:txBody>
-                    <a:bodyPr/>
-                    <a:lstStyle/>
-                    <a:p>
-                      <a:r>
-                        <a:rPr lang="zh-CN" altLang="en-US" dirty="0"/>
-                        <a:t>给出初版代码，整合系统开始实验</a:t>
-                      </a:r>
-                    </a:p>
-                  </a:txBody>
-                  <a:tcPr/>
-                </a:tc>
-                <a:extLst>
-                  <a:ext uri="{0D108BD9-81ED-4DB2-BD59-A6C34878D82A}">
-                    <a16:rowId xmlns:a16="http://schemas.microsoft.com/office/drawing/2014/main" val="85352621"/>
-                  </a:ext>
-                </a:extLst>
-              </a:tr>
-              <a:tr h="891332">
-                <a:tc>
-                  <a:txBody>
-                    <a:bodyPr/>
-                    <a:lstStyle/>
-                    <a:p>
-                      <a:r>
-                        <a:rPr lang="en-US" altLang="zh-CN" dirty="0"/>
-                        <a:t>2023.5.1—2023.5.14</a:t>
-                      </a:r>
-                      <a:endParaRPr lang="zh-CN" altLang="en-US" dirty="0"/>
-                    </a:p>
-                  </a:txBody>
-                  <a:tcPr/>
-                </a:tc>
-                <a:tc>
-                  <a:txBody>
-                    <a:bodyPr/>
-                    <a:lstStyle/>
-                    <a:p>
-                      <a:r>
-                        <a:rPr lang="zh-CN" altLang="en-US" dirty="0"/>
-                        <a:t>编写自动化测试脚本，实现性能测试及优化；研究哪项指标会影响到其性能同时测试指标参数对性能的影响情况，尝试基于该项目设定相应协议以提高交流速率</a:t>
-                      </a:r>
-                    </a:p>
-                  </a:txBody>
-                  <a:tcPr/>
-                </a:tc>
-                <a:extLst>
-                  <a:ext uri="{0D108BD9-81ED-4DB2-BD59-A6C34878D82A}">
-                    <a16:rowId xmlns:a16="http://schemas.microsoft.com/office/drawing/2014/main" val="1310651941"/>
-                  </a:ext>
-                </a:extLst>
-              </a:tr>
-              <a:tr h="445086">
-                <a:tc>
-                  <a:txBody>
-                    <a:bodyPr/>
-                    <a:lstStyle/>
-                    <a:p>
-                      <a:pPr marL="0" marR="0" lvl="0" indent="0" algn="l" defTabSz="457189" rtl="0" eaLnBrk="1" fontAlgn="auto" latinLnBrk="0" hangingPunct="1">
-                        <a:lnSpc>
-                          <a:spcPct val="100000"/>
-                        </a:lnSpc>
-                        <a:spcBef>
-                          <a:spcPts val="0"/>
-                        </a:spcBef>
-                        <a:spcAft>
-                          <a:spcPts val="0"/>
-                        </a:spcAft>
-                        <a:buClrTx/>
-                        <a:buSzTx/>
-                        <a:buFontTx/>
-                        <a:buNone/>
-                        <a:tabLst/>
-                        <a:defRPr/>
-                      </a:pPr>
-                      <a:r>
-                        <a:rPr lang="en-US" altLang="zh-CN" dirty="0"/>
-                        <a:t>2023.5.15—2023.5.31</a:t>
-                      </a:r>
-                      <a:endParaRPr lang="zh-CN" altLang="en-US" dirty="0"/>
-                    </a:p>
-                  </a:txBody>
-                  <a:tcPr/>
-                </a:tc>
-                <a:tc>
-                  <a:txBody>
-                    <a:bodyPr/>
-                    <a:lstStyle/>
-                    <a:p>
-                      <a:r>
-                        <a:rPr lang="zh-CN" altLang="en-US" dirty="0"/>
-                        <a:t>开始论文的编写</a:t>
-                      </a:r>
-                    </a:p>
-                  </a:txBody>
-                  <a:tcPr/>
-                </a:tc>
-                <a:extLst>
-                  <a:ext uri="{0D108BD9-81ED-4DB2-BD59-A6C34878D82A}">
-                    <a16:rowId xmlns:a16="http://schemas.microsoft.com/office/drawing/2014/main" val="3829606000"/>
-                  </a:ext>
-                </a:extLst>
-              </a:tr>
-              <a:tr h="445086">
-                <a:tc>
-                  <a:txBody>
-                    <a:bodyPr/>
-                    <a:lstStyle/>
-                    <a:p>
-                      <a:pPr marL="0" marR="0" lvl="0" indent="0" algn="l" defTabSz="457189" rtl="0" eaLnBrk="1" fontAlgn="auto" latinLnBrk="0" hangingPunct="1">
-                        <a:lnSpc>
-                          <a:spcPct val="100000"/>
-                        </a:lnSpc>
-                        <a:spcBef>
-                          <a:spcPts val="0"/>
-                        </a:spcBef>
-                        <a:spcAft>
-                          <a:spcPts val="0"/>
-                        </a:spcAft>
-                        <a:buClrTx/>
-                        <a:buSzTx/>
-                        <a:buFontTx/>
-                        <a:buNone/>
-                        <a:tabLst/>
-                        <a:defRPr/>
-                      </a:pPr>
-                      <a:r>
-                        <a:rPr lang="en-US" altLang="zh-CN" dirty="0"/>
-                        <a:t>2023.6.1—</a:t>
-                      </a:r>
-                      <a:endParaRPr lang="zh-CN" altLang="en-US" dirty="0"/>
-                    </a:p>
-                  </a:txBody>
-                  <a:tcPr/>
-                </a:tc>
-                <a:tc>
-                  <a:txBody>
-                    <a:bodyPr/>
-                    <a:lstStyle/>
-                    <a:p>
-                      <a:pPr marL="0" marR="0" lvl="0" indent="0" algn="l" defTabSz="457189" rtl="0" eaLnBrk="1" fontAlgn="auto" latinLnBrk="0" hangingPunct="1">
-                        <a:lnSpc>
-                          <a:spcPct val="100000"/>
-                        </a:lnSpc>
-                        <a:spcBef>
-                          <a:spcPts val="0"/>
-                        </a:spcBef>
-                        <a:spcAft>
-                          <a:spcPts val="0"/>
-                        </a:spcAft>
-                        <a:buClrTx/>
-                        <a:buSzTx/>
-                        <a:buFontTx/>
-                        <a:buNone/>
-                        <a:tabLst/>
-                        <a:defRPr/>
-                      </a:pPr>
-                      <a:r>
-                        <a:rPr lang="zh-CN" altLang="en-US" dirty="0">
-                          <a:solidFill>
-                            <a:schemeClr val="tx1"/>
-                          </a:solidFill>
-                        </a:rPr>
-                        <a:t>参加毕设论文汇报</a:t>
-                      </a:r>
-                    </a:p>
-                  </a:txBody>
-                  <a:tcPr/>
-                </a:tc>
-                <a:extLst>
-                  <a:ext uri="{0D108BD9-81ED-4DB2-BD59-A6C34878D82A}">
-                    <a16:rowId xmlns:a16="http://schemas.microsoft.com/office/drawing/2014/main" val="2079259763"/>
-                  </a:ext>
-                </a:extLst>
-              </a:tr>
-            </a:tbl>
-          </a:graphicData>
-        </a:graphic>
-      </p:graphicFrame>
-      <p:sp>
-        <p:nvSpPr>
-          <p:cNvPr id="9" name="灯片编号占位符 8">
-            <a:extLst>
-              <a:ext uri="{FF2B5EF4-FFF2-40B4-BE49-F238E27FC236}">
-                <a16:creationId xmlns:a16="http://schemas.microsoft.com/office/drawing/2014/main" id="{76C1092A-70E7-AE01-5F6F-FAFF602D278D}"/>
-              </a:ext>
-            </a:extLst>
-          </p:cNvPr>
-          <p:cNvSpPr>
-            <a:spLocks noGrp="1"/>
-          </p:cNvSpPr>
-          <p:nvPr>
-            <p:ph type="sldNum" sz="quarter" idx="12"/>
-          </p:nvPr>
-        </p:nvSpPr>
-        <p:spPr/>
-        <p:txBody>
-          <a:bodyPr/>
-          <a:lstStyle/>
-          <a:p>
-            <a:pPr defTabSz="457200">
-              <a:defRPr/>
-            </a:pPr>
-            <a:fld id="{977BA8E6-E826-B147-AA17-E3D76A29629C}" type="slidenum">
-              <a:rPr kumimoji="1" lang="zh-CN" altLang="en-US" smtClean="0">
-                <a:solidFill>
-                  <a:srgbClr val="5C2F7D"/>
-                </a:solidFill>
-              </a:rPr>
-              <a:pPr defTabSz="457200">
-                <a:defRPr/>
-              </a:pPr>
-              <a:t>13</a:t>
-            </a:fld>
-            <a:endParaRPr kumimoji="1" lang="zh-CN" altLang="en-US" sz="900" dirty="0">
-              <a:solidFill>
-                <a:srgbClr val="5C2F7D"/>
-              </a:solidFill>
-            </a:endParaRPr>
-          </a:p>
-        </p:txBody>
-      </p:sp>
-    </p:spTree>
-    <p:extLst>
-      <p:ext uri="{BB962C8B-B14F-4D97-AF65-F5344CB8AC3E}">
-        <p14:creationId xmlns:p14="http://schemas.microsoft.com/office/powerpoint/2010/main" val="782053055"/>
-      </p:ext>
-    </p:extLst>
-  </p:cSld>
-  <p:clrMapOvr>
-    <a:masterClrMapping/>
-  </p:clrMapOvr>
-</p:sld>
-</file>
-
-<file path=ppt/slides/slide14.xml><?xml version="1.0" encoding="utf-8"?>
-<p:sld xmlns:a="http://schemas.openxmlformats.org/drawingml/2006/main" xmlns:r="http://schemas.openxmlformats.org/officeDocument/2006/relationships" xmlns:p="http://schemas.openxmlformats.org/presentationml/2006/main">
-  <p:cSld>
-    <p:spTree>
-      <p:nvGrpSpPr>
-        <p:cNvPr id="1" name=""/>
-        <p:cNvGrpSpPr/>
-        <p:nvPr/>
-      </p:nvGrpSpPr>
-      <p:grpSpPr>
-        <a:xfrm>
-          <a:off x="0" y="0"/>
-          <a:ext cx="0" cy="0"/>
-          <a:chOff x="0" y="0"/>
-          <a:chExt cx="0" cy="0"/>
-        </a:xfrm>
-      </p:grpSpPr>
-      <p:sp>
-        <p:nvSpPr>
-          <p:cNvPr id="2" name="标题 1">
-            <a:extLst>
-              <a:ext uri="{FF2B5EF4-FFF2-40B4-BE49-F238E27FC236}">
-                <a16:creationId xmlns:a16="http://schemas.microsoft.com/office/drawing/2014/main" id="{0D8A6FF1-38C6-BF40-AA54-FC2C1268CA34}"/>
-              </a:ext>
-            </a:extLst>
-          </p:cNvPr>
-          <p:cNvSpPr>
-            <a:spLocks noGrp="1"/>
-          </p:cNvSpPr>
-          <p:nvPr>
-            <p:ph type="ctrTitle"/>
-          </p:nvPr>
-        </p:nvSpPr>
-        <p:spPr/>
-        <p:txBody>
-          <a:bodyPr>
-            <a:normAutofit/>
-          </a:bodyPr>
-          <a:lstStyle/>
-          <a:p>
-            <a:r>
-              <a:rPr kumimoji="1" lang="en-US" altLang="zh-CN" sz="7200" dirty="0"/>
-              <a:t>Thanks</a:t>
-            </a:r>
-            <a:r>
-              <a:rPr kumimoji="1" lang="zh-CN" altLang="en-US" sz="7200" dirty="0"/>
-              <a:t>！</a:t>
-            </a:r>
-          </a:p>
-        </p:txBody>
-      </p:sp>
-      <p:sp>
-        <p:nvSpPr>
-          <p:cNvPr id="3" name="副标题 2">
-            <a:extLst>
-              <a:ext uri="{FF2B5EF4-FFF2-40B4-BE49-F238E27FC236}">
-                <a16:creationId xmlns:a16="http://schemas.microsoft.com/office/drawing/2014/main" id="{0486DF19-DC1B-514A-8C02-64E0ECCD2C31}"/>
-              </a:ext>
-            </a:extLst>
-          </p:cNvPr>
-          <p:cNvSpPr>
-            <a:spLocks noGrp="1"/>
-          </p:cNvSpPr>
-          <p:nvPr>
-            <p:ph type="subTitle" idx="1"/>
-          </p:nvPr>
-        </p:nvSpPr>
-        <p:spPr/>
-        <p:txBody>
-          <a:bodyPr/>
-          <a:lstStyle/>
-          <a:p>
-            <a:pPr algn="r"/>
-            <a:r>
-              <a:rPr lang="zh-CN" altLang="en-US" dirty="0"/>
-              <a:t>答辩人：</a:t>
-            </a:r>
-            <a:r>
-              <a:rPr kumimoji="1" lang="zh-CN" altLang="en-US" dirty="0"/>
-              <a:t>狄永正</a:t>
-            </a:r>
-            <a:r>
-              <a:rPr lang="zh-CN" altLang="en-US" dirty="0"/>
-              <a:t>　　　导师：向勇　　　</a:t>
-            </a:r>
-            <a:endParaRPr kumimoji="1" lang="zh-CN" altLang="en-US" dirty="0"/>
-          </a:p>
-        </p:txBody>
-      </p:sp>
-      <p:sp>
-        <p:nvSpPr>
-          <p:cNvPr id="8" name="灯片编号占位符 7">
-            <a:extLst>
-              <a:ext uri="{FF2B5EF4-FFF2-40B4-BE49-F238E27FC236}">
-                <a16:creationId xmlns:a16="http://schemas.microsoft.com/office/drawing/2014/main" id="{0DFF7564-12E7-4F94-DD25-EA05B6C53F50}"/>
-              </a:ext>
-            </a:extLst>
-          </p:cNvPr>
-          <p:cNvSpPr>
-            <a:spLocks noGrp="1"/>
-          </p:cNvSpPr>
-          <p:nvPr>
-            <p:ph type="sldNum" sz="quarter" idx="12"/>
-          </p:nvPr>
-        </p:nvSpPr>
-        <p:spPr/>
-        <p:txBody>
-          <a:bodyPr/>
-          <a:lstStyle/>
-          <a:p>
-            <a:pPr defTabSz="457200">
-              <a:defRPr/>
-            </a:pPr>
-            <a:fld id="{977BA8E6-E826-B147-AA17-E3D76A29629C}" type="slidenum">
-              <a:rPr kumimoji="1" lang="zh-CN" altLang="en-US" smtClean="0">
-                <a:solidFill>
-                  <a:srgbClr val="5C2F7D"/>
-                </a:solidFill>
-              </a:rPr>
-              <a:pPr defTabSz="457200">
-                <a:defRPr/>
-              </a:pPr>
-              <a:t>14</a:t>
-            </a:fld>
-            <a:endParaRPr kumimoji="1" lang="zh-CN" altLang="en-US" sz="900" dirty="0">
-              <a:solidFill>
-                <a:srgbClr val="5C2F7D"/>
-              </a:solidFill>
-            </a:endParaRPr>
-          </a:p>
-        </p:txBody>
-      </p:sp>
-    </p:spTree>
-    <p:extLst>
-      <p:ext uri="{BB962C8B-B14F-4D97-AF65-F5344CB8AC3E}">
-        <p14:creationId xmlns:p14="http://schemas.microsoft.com/office/powerpoint/2010/main" val="82974370"/>
-      </p:ext>
-    </p:extLst>
-  </p:cSld>
-  <p:clrMapOvr>
-    <a:masterClrMapping/>
-  </p:clrMapOvr>
-</p:sld>
-</file>
-
-<file path=ppt/slides/slide2.xml><?xml version="1.0" encoding="utf-8"?>
-<p:sld xmlns:a="http://schemas.openxmlformats.org/drawingml/2006/main" xmlns:r="http://schemas.openxmlformats.org/officeDocument/2006/relationships" xmlns:p="http://schemas.openxmlformats.org/presentationml/2006/main">
-  <p:cSld>
-    <p:spTree>
-      <p:nvGrpSpPr>
-        <p:cNvPr id="1" name=""/>
-        <p:cNvGrpSpPr/>
-        <p:nvPr/>
-      </p:nvGrpSpPr>
-      <p:grpSpPr>
-        <a:xfrm>
-          <a:off x="0" y="0"/>
-          <a:ext cx="0" cy="0"/>
-          <a:chOff x="0" y="0"/>
-          <a:chExt cx="0" cy="0"/>
-        </a:xfrm>
-      </p:grpSpPr>
-      <p:sp>
-        <p:nvSpPr>
-          <p:cNvPr id="2" name="标题 1">
-            <a:extLst>
-              <a:ext uri="{FF2B5EF4-FFF2-40B4-BE49-F238E27FC236}">
-                <a16:creationId xmlns:a16="http://schemas.microsoft.com/office/drawing/2014/main" id="{ABB6AA08-C32B-6F4E-8AB3-67AE085DA5BA}"/>
-              </a:ext>
-            </a:extLst>
-          </p:cNvPr>
-          <p:cNvSpPr>
-            <a:spLocks noGrp="1"/>
-          </p:cNvSpPr>
-          <p:nvPr>
-            <p:ph type="title"/>
-          </p:nvPr>
-        </p:nvSpPr>
-        <p:spPr/>
-        <p:txBody>
-          <a:bodyPr>
-            <a:normAutofit/>
-          </a:bodyPr>
-          <a:lstStyle/>
-          <a:p>
-            <a:r>
-              <a:rPr kumimoji="1" lang="zh-CN" altLang="en-US" sz="4400" dirty="0"/>
-              <a:t>结构大纲</a:t>
-            </a:r>
-          </a:p>
-        </p:txBody>
-      </p:sp>
-      <p:sp>
-        <p:nvSpPr>
-          <p:cNvPr id="3" name="内容占位符 2">
-            <a:extLst>
-              <a:ext uri="{FF2B5EF4-FFF2-40B4-BE49-F238E27FC236}">
-                <a16:creationId xmlns:a16="http://schemas.microsoft.com/office/drawing/2014/main" id="{E4B3B5DF-DAF7-B946-AB06-11AE7FF1176B}"/>
-              </a:ext>
-            </a:extLst>
-          </p:cNvPr>
-          <p:cNvSpPr>
-            <a:spLocks noGrp="1"/>
-          </p:cNvSpPr>
-          <p:nvPr>
-            <p:ph idx="1"/>
-          </p:nvPr>
-        </p:nvSpPr>
-        <p:spPr>
-          <a:xfrm>
-            <a:off x="1431883" y="1841889"/>
-            <a:ext cx="10178926" cy="3878755"/>
-          </a:xfrm>
-        </p:spPr>
-        <p:txBody>
-          <a:bodyPr/>
-          <a:lstStyle/>
-          <a:p>
-            <a:r>
-              <a:rPr kumimoji="1" lang="zh-CN" altLang="en-US" dirty="0"/>
-              <a:t>一、课题内容</a:t>
-            </a:r>
-            <a:endParaRPr kumimoji="1" lang="en-US" altLang="zh-CN" dirty="0"/>
-          </a:p>
-          <a:p>
-            <a:r>
-              <a:rPr kumimoji="1" lang="zh-CN" altLang="en-US" dirty="0"/>
-              <a:t>二、目前进度</a:t>
-            </a:r>
-            <a:endParaRPr kumimoji="1" lang="en-US" altLang="zh-CN" dirty="0"/>
-          </a:p>
-          <a:p>
-            <a:r>
-              <a:rPr kumimoji="1" lang="zh-CN" altLang="en-US" dirty="0"/>
-              <a:t>三、</a:t>
-            </a:r>
-            <a:r>
-              <a:rPr kumimoji="1" lang="zh-CN" altLang="en-US" sz="3200" dirty="0"/>
-              <a:t>后续实验检验</a:t>
-            </a:r>
-            <a:endParaRPr kumimoji="1" lang="en-US" altLang="zh-CN" sz="3200" dirty="0"/>
-          </a:p>
-          <a:p>
-            <a:r>
-              <a:rPr kumimoji="1" lang="zh-CN" altLang="en-US" dirty="0"/>
-              <a:t>四、后续时间安排</a:t>
-            </a:r>
-          </a:p>
-        </p:txBody>
-      </p:sp>
-      <p:sp>
-        <p:nvSpPr>
-          <p:cNvPr id="8" name="灯片编号占位符 7">
-            <a:extLst>
-              <a:ext uri="{FF2B5EF4-FFF2-40B4-BE49-F238E27FC236}">
-                <a16:creationId xmlns:a16="http://schemas.microsoft.com/office/drawing/2014/main" id="{3799A2F7-EB1E-B43A-422C-2260C6ED67B5}"/>
-              </a:ext>
-            </a:extLst>
-          </p:cNvPr>
-          <p:cNvSpPr>
-            <a:spLocks noGrp="1"/>
-          </p:cNvSpPr>
-          <p:nvPr>
-            <p:ph type="sldNum" sz="quarter" idx="12"/>
-          </p:nvPr>
-        </p:nvSpPr>
-        <p:spPr>
-          <a:xfrm>
-            <a:off x="10328252" y="5597317"/>
-            <a:ext cx="1052508" cy="365125"/>
-          </a:xfrm>
-        </p:spPr>
-        <p:txBody>
-          <a:bodyPr/>
-          <a:lstStyle/>
-          <a:p>
-            <a:pPr defTabSz="457200">
-              <a:defRPr/>
-            </a:pPr>
-            <a:fld id="{977BA8E6-E826-B147-AA17-E3D76A29629C}" type="slidenum">
-              <a:rPr kumimoji="1" lang="zh-CN" altLang="en-US" smtClean="0">
-                <a:solidFill>
-                  <a:srgbClr val="5C2F7D"/>
-                </a:solidFill>
-              </a:rPr>
-              <a:pPr defTabSz="457200">
-                <a:defRPr/>
-              </a:pPr>
-              <a:t>2</a:t>
-            </a:fld>
-            <a:endParaRPr kumimoji="1" lang="zh-CN" altLang="en-US" sz="900" dirty="0">
-              <a:solidFill>
-                <a:srgbClr val="5C2F7D"/>
-              </a:solidFill>
-            </a:endParaRPr>
-          </a:p>
-        </p:txBody>
-      </p:sp>
-    </p:spTree>
-    <p:extLst>
-      <p:ext uri="{BB962C8B-B14F-4D97-AF65-F5344CB8AC3E}">
-        <p14:creationId xmlns:p14="http://schemas.microsoft.com/office/powerpoint/2010/main" val="760922370"/>
-      </p:ext>
-    </p:extLst>
-  </p:cSld>
-  <p:clrMapOvr>
-    <a:masterClrMapping/>
-  </p:clrMapOvr>
-</p:sld>
-</file>
-
-<file path=ppt/slides/slide3.xml><?xml version="1.0" encoding="utf-8"?>
-<p:sld xmlns:a="http://schemas.openxmlformats.org/drawingml/2006/main" xmlns:r="http://schemas.openxmlformats.org/officeDocument/2006/relationships" xmlns:p="http://schemas.openxmlformats.org/presentationml/2006/main">
-  <p:cSld>
-    <p:spTree>
-      <p:nvGrpSpPr>
-        <p:cNvPr id="1" name=""/>
-        <p:cNvGrpSpPr/>
-        <p:nvPr/>
-      </p:nvGrpSpPr>
-      <p:grpSpPr>
-        <a:xfrm>
-          <a:off x="0" y="0"/>
-          <a:ext cx="0" cy="0"/>
-          <a:chOff x="0" y="0"/>
-          <a:chExt cx="0" cy="0"/>
-        </a:xfrm>
-      </p:grpSpPr>
-      <p:sp>
-        <p:nvSpPr>
-          <p:cNvPr id="4" name="标题 3">
-            <a:extLst>
-              <a:ext uri="{FF2B5EF4-FFF2-40B4-BE49-F238E27FC236}">
-                <a16:creationId xmlns:a16="http://schemas.microsoft.com/office/drawing/2014/main" id="{CB335FAB-FA8F-41FD-B41F-E4213D79D779}"/>
-              </a:ext>
-            </a:extLst>
-          </p:cNvPr>
-          <p:cNvSpPr>
-            <a:spLocks noGrp="1"/>
-          </p:cNvSpPr>
-          <p:nvPr>
-            <p:ph type="ctrTitle"/>
-          </p:nvPr>
-        </p:nvSpPr>
-        <p:spPr/>
-        <p:txBody>
-          <a:bodyPr>
-            <a:normAutofit/>
-          </a:bodyPr>
-          <a:lstStyle/>
-          <a:p>
-            <a:r>
-              <a:rPr kumimoji="1" lang="zh-CN" altLang="en-US" sz="4400" dirty="0"/>
-              <a:t>一、课题内容</a:t>
-            </a:r>
-            <a:endParaRPr kumimoji="1" lang="en-US" altLang="zh-CN" sz="4400" dirty="0"/>
-          </a:p>
-        </p:txBody>
-      </p:sp>
-      <p:sp>
-        <p:nvSpPr>
-          <p:cNvPr id="2" name="副标题 1">
-            <a:extLst>
-              <a:ext uri="{FF2B5EF4-FFF2-40B4-BE49-F238E27FC236}">
-                <a16:creationId xmlns:a16="http://schemas.microsoft.com/office/drawing/2014/main" id="{A8F96AEE-70D8-4DDF-A547-45EB77DBE4EF}"/>
-              </a:ext>
-            </a:extLst>
-          </p:cNvPr>
-          <p:cNvSpPr>
-            <a:spLocks noGrp="1"/>
-          </p:cNvSpPr>
-          <p:nvPr>
-            <p:ph type="subTitle" idx="1"/>
-          </p:nvPr>
-        </p:nvSpPr>
-        <p:spPr/>
-        <p:txBody>
-          <a:bodyPr/>
-          <a:lstStyle/>
-          <a:p>
-            <a:endParaRPr lang="zh-CN" altLang="en-US" dirty="0"/>
-          </a:p>
-        </p:txBody>
-      </p:sp>
-      <p:sp>
-        <p:nvSpPr>
-          <p:cNvPr id="8" name="灯片编号占位符 7">
-            <a:extLst>
-              <a:ext uri="{FF2B5EF4-FFF2-40B4-BE49-F238E27FC236}">
-                <a16:creationId xmlns:a16="http://schemas.microsoft.com/office/drawing/2014/main" id="{B518883B-C389-9E28-BCFD-FD46E71E6B39}"/>
-              </a:ext>
-            </a:extLst>
-          </p:cNvPr>
-          <p:cNvSpPr>
-            <a:spLocks noGrp="1"/>
-          </p:cNvSpPr>
-          <p:nvPr>
-            <p:ph type="sldNum" sz="quarter" idx="12"/>
-          </p:nvPr>
-        </p:nvSpPr>
-        <p:spPr/>
-        <p:txBody>
-          <a:bodyPr/>
-          <a:lstStyle/>
-          <a:p>
-            <a:pPr marL="0" marR="0" lvl="0" indent="0" algn="r" defTabSz="457200" rtl="0" eaLnBrk="1" fontAlgn="auto" latinLnBrk="0" hangingPunct="1">
-              <a:lnSpc>
-                <a:spcPct val="100000"/>
-              </a:lnSpc>
-              <a:spcBef>
-                <a:spcPts val="0"/>
-              </a:spcBef>
-              <a:spcAft>
-                <a:spcPts val="0"/>
-              </a:spcAft>
-              <a:buClrTx/>
-              <a:buSzTx/>
-              <a:buFontTx/>
-              <a:buNone/>
-              <a:tabLst/>
-              <a:defRPr/>
-            </a:pPr>
-            <a:fld id="{977BA8E6-E826-B147-AA17-E3D76A29629C}" type="slidenum">
-              <a:rPr kumimoji="1" lang="zh-CN" altLang="en-US" sz="1600" b="0" i="0" u="none" strike="noStrike" kern="1200" cap="none" spc="0" normalizeH="0" baseline="0" noProof="0" smtClean="0">
-                <a:ln>
-                  <a:noFill/>
-                </a:ln>
-                <a:solidFill>
-                  <a:srgbClr val="5C2F7D"/>
-                </a:solidFill>
-                <a:effectLst/>
-                <a:uLnTx/>
-                <a:uFillTx/>
-                <a:latin typeface="Gill Sans MT" panose="020B0502020104020203"/>
-                <a:ea typeface="华文中宋" panose="02010600040101010101" pitchFamily="2" charset="-122"/>
-                <a:cs typeface="+mn-cs"/>
-              </a:rPr>
-              <a:pPr marL="0" marR="0" lvl="0" indent="0" algn="r" defTabSz="457200" rtl="0" eaLnBrk="1" fontAlgn="auto" latinLnBrk="0" hangingPunct="1">
-                <a:lnSpc>
-                  <a:spcPct val="100000"/>
-                </a:lnSpc>
-                <a:spcBef>
-                  <a:spcPts val="0"/>
-                </a:spcBef>
-                <a:spcAft>
-                  <a:spcPts val="0"/>
-                </a:spcAft>
-                <a:buClrTx/>
-                <a:buSzTx/>
-                <a:buFontTx/>
-                <a:buNone/>
-                <a:tabLst/>
-                <a:defRPr/>
-              </a:pPr>
-              <a:t>3</a:t>
-            </a:fld>
-            <a:endParaRPr kumimoji="1" lang="zh-CN" altLang="en-US" sz="1600" b="0" i="0" u="none" strike="noStrike" kern="1200" cap="none" spc="0" normalizeH="0" baseline="0" noProof="0" dirty="0">
-              <a:ln>
-                <a:noFill/>
-              </a:ln>
-              <a:solidFill>
-                <a:srgbClr val="5C2F7D"/>
-              </a:solidFill>
-              <a:effectLst/>
-              <a:uLnTx/>
-              <a:uFillTx/>
-              <a:latin typeface="Gill Sans MT" panose="020B0502020104020203"/>
-              <a:ea typeface="华文中宋" panose="02010600040101010101" pitchFamily="2" charset="-122"/>
-              <a:cs typeface="+mn-cs"/>
-            </a:endParaRPr>
-          </a:p>
-        </p:txBody>
-      </p:sp>
-    </p:spTree>
-    <p:extLst>
-      <p:ext uri="{BB962C8B-B14F-4D97-AF65-F5344CB8AC3E}">
-        <p14:creationId xmlns:p14="http://schemas.microsoft.com/office/powerpoint/2010/main" val="2992569148"/>
-      </p:ext>
-    </p:extLst>
-  </p:cSld>
-  <p:clrMapOvr>
-    <a:masterClrMapping/>
-  </p:clrMapOvr>
-</p:sld>
-</file>
-
-<file path=ppt/slides/slide4.xml><?xml version="1.0" encoding="utf-8"?>
-<p:sld xmlns:a="http://schemas.openxmlformats.org/drawingml/2006/main" xmlns:r="http://schemas.openxmlformats.org/officeDocument/2006/relationships" xmlns:p="http://schemas.openxmlformats.org/presentationml/2006/main">
-  <p:cSld>
-    <p:spTree>
-      <p:nvGrpSpPr>
-        <p:cNvPr id="1" name=""/>
-        <p:cNvGrpSpPr/>
-        <p:nvPr/>
-      </p:nvGrpSpPr>
-      <p:grpSpPr>
-        <a:xfrm>
-          <a:off x="0" y="0"/>
-          <a:ext cx="0" cy="0"/>
-          <a:chOff x="0" y="0"/>
-          <a:chExt cx="0" cy="0"/>
-        </a:xfrm>
-      </p:grpSpPr>
-      <p:sp>
-        <p:nvSpPr>
-          <p:cNvPr id="2" name="标题 1">
-            <a:extLst>
-              <a:ext uri="{FF2B5EF4-FFF2-40B4-BE49-F238E27FC236}">
-                <a16:creationId xmlns:a16="http://schemas.microsoft.com/office/drawing/2014/main" id="{CE94B9D5-EEB5-ED1E-D5E8-68D326910308}"/>
-              </a:ext>
-            </a:extLst>
-          </p:cNvPr>
-          <p:cNvSpPr>
-            <a:spLocks noGrp="1"/>
-          </p:cNvSpPr>
-          <p:nvPr>
-            <p:ph type="title"/>
-          </p:nvPr>
-        </p:nvSpPr>
-        <p:spPr/>
-        <p:txBody>
-          <a:bodyPr/>
-          <a:lstStyle/>
-          <a:p>
-            <a:r>
-              <a:rPr lang="zh-CN" altLang="en-US" sz="2800" dirty="0">
-                <a:latin typeface="+mj-ea"/>
-              </a:rPr>
-              <a:t>课题背景</a:t>
-            </a:r>
-            <a:endParaRPr lang="zh-CN" altLang="en-US" dirty="0">
-              <a:latin typeface="+mj-ea"/>
-            </a:endParaRPr>
-          </a:p>
-        </p:txBody>
-      </p:sp>
-      <p:sp>
-        <p:nvSpPr>
-          <p:cNvPr id="4" name="文本框 3">
-            <a:extLst>
-              <a:ext uri="{FF2B5EF4-FFF2-40B4-BE49-F238E27FC236}">
-                <a16:creationId xmlns:a16="http://schemas.microsoft.com/office/drawing/2014/main" id="{1E9AD513-9386-26ED-917B-7A584363BBFF}"/>
-              </a:ext>
-            </a:extLst>
-          </p:cNvPr>
-          <p:cNvSpPr txBox="1"/>
-          <p:nvPr/>
-        </p:nvSpPr>
-        <p:spPr>
-          <a:xfrm>
-            <a:off x="835306" y="1608623"/>
-            <a:ext cx="9093307" cy="3513334"/>
-          </a:xfrm>
-          <a:prstGeom prst="rect">
-            <a:avLst/>
-          </a:prstGeom>
-          <a:noFill/>
-        </p:spPr>
-        <p:txBody>
-          <a:bodyPr wrap="square">
-            <a:spAutoFit/>
-          </a:bodyPr>
-          <a:lstStyle/>
-          <a:p>
-            <a:pPr marL="305992" marR="0" lvl="0" indent="-305992" algn="l" defTabSz="457189" rtl="0" eaLnBrk="1" fontAlgn="auto" latinLnBrk="0" hangingPunct="1">
-              <a:lnSpc>
-                <a:spcPct val="150000"/>
-              </a:lnSpc>
-              <a:spcBef>
-                <a:spcPct val="20000"/>
-              </a:spcBef>
-              <a:spcAft>
-                <a:spcPts val="600"/>
-              </a:spcAft>
-              <a:buClr>
-                <a:srgbClr val="5C2F7D"/>
-              </a:buClr>
-              <a:buSzPct val="92000"/>
-              <a:buFont typeface="Wingdings 2" panose="05020102010507070707" pitchFamily="18" charset="2"/>
-              <a:buChar char=""/>
-              <a:tabLst/>
-              <a:defRPr/>
-            </a:pPr>
-            <a:r>
-              <a:rPr kumimoji="0" lang="zh-CN" altLang="en-US" sz="2200" b="1" i="0" u="none" strike="noStrike" kern="1200" cap="none" spc="0" normalizeH="0" baseline="0" noProof="0" dirty="0">
-                <a:ln>
-                  <a:noFill/>
-                </a:ln>
-                <a:solidFill>
-                  <a:srgbClr val="000000"/>
-                </a:solidFill>
-                <a:effectLst/>
-                <a:uLnTx/>
-                <a:uFillTx/>
-                <a:latin typeface="华文中宋" panose="02010600040101010101" pitchFamily="2" charset="-122"/>
-                <a:ea typeface="华文中宋" panose="02010600040101010101" pitchFamily="2" charset="-122"/>
-                <a:cs typeface="+mn-cs"/>
-                <a:sym typeface="+mn-ea"/>
-              </a:rPr>
-              <a:t>课题背景是利用树状区块链实现的</a:t>
-            </a:r>
-            <a:r>
-              <a:rPr lang="zh-CN" altLang="en-US" sz="2200" b="1" noProof="0" dirty="0">
-                <a:ln>
-                  <a:noFill/>
-                </a:ln>
-                <a:solidFill>
-                  <a:srgbClr val="000000"/>
-                </a:solidFill>
-                <a:effectLst/>
-                <a:uLnTx/>
-                <a:uFillTx/>
-                <a:latin typeface="+mn-ea"/>
-                <a:sym typeface="+mn-ea"/>
-              </a:rPr>
-              <a:t>出租车调度系统；</a:t>
-            </a:r>
-            <a:endParaRPr lang="en-US" altLang="zh-CN" sz="2200" b="1" noProof="0" dirty="0">
-              <a:ln>
-                <a:noFill/>
-              </a:ln>
-              <a:solidFill>
-                <a:srgbClr val="000000"/>
-              </a:solidFill>
-              <a:effectLst/>
-              <a:uLnTx/>
-              <a:uFillTx/>
-              <a:latin typeface="+mn-ea"/>
-              <a:sym typeface="+mn-ea"/>
-            </a:endParaRPr>
-          </a:p>
-          <a:p>
-            <a:pPr marL="305992" marR="0" lvl="0" indent="-305992" algn="l" defTabSz="457189" rtl="0" eaLnBrk="1" fontAlgn="auto" latinLnBrk="0" hangingPunct="1">
-              <a:lnSpc>
-                <a:spcPct val="150000"/>
-              </a:lnSpc>
-              <a:spcBef>
-                <a:spcPct val="20000"/>
-              </a:spcBef>
-              <a:spcAft>
-                <a:spcPts val="600"/>
-              </a:spcAft>
-              <a:buClr>
-                <a:srgbClr val="5C2F7D"/>
-              </a:buClr>
-              <a:buSzPct val="92000"/>
-              <a:buFont typeface="Wingdings 2" panose="05020102010507070707" pitchFamily="18" charset="2"/>
-              <a:buChar char=""/>
-              <a:tabLst/>
-              <a:defRPr/>
-            </a:pPr>
-            <a:r>
-              <a:rPr lang="zh-CN" altLang="en-US" sz="2200" b="1" dirty="0">
-                <a:solidFill>
-                  <a:srgbClr val="000000"/>
-                </a:solidFill>
-                <a:latin typeface="+mn-ea"/>
-                <a:sym typeface="+mn-ea"/>
-              </a:rPr>
-              <a:t>明确了任务要求：实现树状区块链子链间的合并或分支合约，希望可以实现交易速度的提升，并给出实验数据</a:t>
-            </a:r>
-            <a:endParaRPr lang="en-US" altLang="zh-CN" sz="2200" b="1" noProof="0" dirty="0">
-              <a:ln>
-                <a:noFill/>
-              </a:ln>
-              <a:solidFill>
-                <a:srgbClr val="000000"/>
-              </a:solidFill>
-              <a:effectLst/>
-              <a:uLnTx/>
-              <a:uFillTx/>
-              <a:latin typeface="+mn-ea"/>
-              <a:sym typeface="+mn-ea"/>
-            </a:endParaRPr>
-          </a:p>
-          <a:p>
-            <a:pPr marL="305992" marR="0" lvl="0" indent="-305992" algn="l" defTabSz="457189" rtl="0" eaLnBrk="1" fontAlgn="auto" latinLnBrk="0" hangingPunct="1">
-              <a:lnSpc>
-                <a:spcPct val="150000"/>
-              </a:lnSpc>
-              <a:spcBef>
-                <a:spcPct val="20000"/>
-              </a:spcBef>
-              <a:spcAft>
-                <a:spcPts val="600"/>
-              </a:spcAft>
-              <a:buClr>
-                <a:srgbClr val="5C2F7D"/>
-              </a:buClr>
-              <a:buSzPct val="92000"/>
-              <a:buFont typeface="Wingdings 2" panose="05020102010507070707" pitchFamily="18" charset="2"/>
-              <a:buChar char=""/>
-              <a:tabLst/>
-              <a:defRPr/>
-            </a:pPr>
-            <a:r>
-              <a:rPr kumimoji="0" lang="zh-CN" altLang="en-US" sz="2200" b="1" i="0" u="none" strike="noStrike" kern="1200" cap="none" spc="0" normalizeH="0" baseline="0" noProof="0" dirty="0">
-                <a:ln>
-                  <a:noFill/>
-                </a:ln>
-                <a:solidFill>
-                  <a:srgbClr val="000000"/>
-                </a:solidFill>
-                <a:effectLst/>
-                <a:uLnTx/>
-                <a:uFillTx/>
-                <a:latin typeface="华文中宋" panose="02010600040101010101" pitchFamily="2" charset="-122"/>
-                <a:ea typeface="华文中宋" panose="02010600040101010101" pitchFamily="2" charset="-122"/>
-                <a:cs typeface="+mn-cs"/>
-                <a:sym typeface="+mn-ea"/>
-              </a:rPr>
-              <a:t>开题时完成了出租车调度系统的复现工作，可以显示地图上传，司机与用户的简单交互</a:t>
-            </a:r>
-            <a:r>
-              <a:rPr kumimoji="0" lang="en-US" altLang="zh-CN" sz="2200" b="1" i="0" u="none" strike="noStrike" kern="1200" cap="none" spc="0" normalizeH="0" baseline="0" noProof="0" dirty="0">
-                <a:ln>
-                  <a:noFill/>
-                </a:ln>
-                <a:solidFill>
-                  <a:srgbClr val="000000"/>
-                </a:solidFill>
-                <a:effectLst/>
-                <a:uLnTx/>
-                <a:uFillTx/>
-                <a:latin typeface="华文中宋" panose="02010600040101010101" pitchFamily="2" charset="-122"/>
-                <a:ea typeface="华文中宋" panose="02010600040101010101" pitchFamily="2" charset="-122"/>
-                <a:cs typeface="+mn-cs"/>
-                <a:sym typeface="+mn-ea"/>
-              </a:rPr>
-              <a:t>UI</a:t>
-            </a:r>
-            <a:r>
-              <a:rPr kumimoji="0" lang="zh-CN" altLang="en-US" sz="2200" b="1" i="0" u="none" strike="noStrike" kern="1200" cap="none" spc="0" normalizeH="0" baseline="0" noProof="0" dirty="0">
-                <a:ln>
-                  <a:noFill/>
-                </a:ln>
-                <a:solidFill>
-                  <a:srgbClr val="000000"/>
-                </a:solidFill>
-                <a:effectLst/>
-                <a:uLnTx/>
-                <a:uFillTx/>
-                <a:latin typeface="华文中宋" panose="02010600040101010101" pitchFamily="2" charset="-122"/>
-                <a:ea typeface="华文中宋" panose="02010600040101010101" pitchFamily="2" charset="-122"/>
-                <a:cs typeface="+mn-cs"/>
-                <a:sym typeface="+mn-ea"/>
-              </a:rPr>
-              <a:t>界面</a:t>
-            </a:r>
-            <a:endParaRPr kumimoji="0" lang="en-US" altLang="zh-CN" sz="2200" b="1" i="0" u="none" strike="noStrike" kern="1200" cap="none" spc="0" normalizeH="0" baseline="0" noProof="0" dirty="0">
-              <a:ln>
-                <a:noFill/>
-              </a:ln>
-              <a:solidFill>
-                <a:srgbClr val="000000"/>
-              </a:solidFill>
-              <a:effectLst/>
-              <a:uLnTx/>
-              <a:uFillTx/>
-              <a:latin typeface="华文中宋" panose="02010600040101010101" pitchFamily="2" charset="-122"/>
-              <a:ea typeface="华文中宋" panose="02010600040101010101" pitchFamily="2" charset="-122"/>
-              <a:cs typeface="+mn-cs"/>
-              <a:sym typeface="+mn-ea"/>
-            </a:endParaRPr>
-          </a:p>
-          <a:p>
-            <a:pPr marL="305992" marR="0" lvl="0" indent="-305992" algn="l" defTabSz="457189" rtl="0" eaLnBrk="1" fontAlgn="auto" latinLnBrk="0" hangingPunct="1">
-              <a:lnSpc>
-                <a:spcPct val="150000"/>
-              </a:lnSpc>
-              <a:spcBef>
-                <a:spcPct val="20000"/>
-              </a:spcBef>
-              <a:spcAft>
-                <a:spcPts val="600"/>
-              </a:spcAft>
-              <a:buClr>
-                <a:srgbClr val="5C2F7D"/>
-              </a:buClr>
-              <a:buSzPct val="92000"/>
-              <a:buFont typeface="Wingdings 2" panose="05020102010507070707" pitchFamily="18" charset="2"/>
-              <a:buChar char=""/>
-              <a:tabLst/>
-              <a:defRPr/>
-            </a:pPr>
-            <a:endParaRPr kumimoji="0" lang="en-US" altLang="zh-CN" sz="2200" b="1" i="0" u="none" strike="noStrike" kern="1200" cap="none" spc="0" normalizeH="0" baseline="0" noProof="0" dirty="0">
-              <a:ln>
-                <a:noFill/>
-              </a:ln>
-              <a:solidFill>
-                <a:srgbClr val="000000"/>
-              </a:solidFill>
-              <a:effectLst/>
-              <a:uLnTx/>
-              <a:uFillTx/>
-              <a:latin typeface="华文中宋" panose="02010600040101010101" pitchFamily="2" charset="-122"/>
-              <a:ea typeface="华文中宋" panose="02010600040101010101" pitchFamily="2" charset="-122"/>
-              <a:cs typeface="+mn-cs"/>
-            </a:endParaRPr>
-          </a:p>
-        </p:txBody>
-      </p:sp>
-      <p:sp>
-        <p:nvSpPr>
-          <p:cNvPr id="8" name="灯片编号占位符 7">
-            <a:extLst>
-              <a:ext uri="{FF2B5EF4-FFF2-40B4-BE49-F238E27FC236}">
-                <a16:creationId xmlns:a16="http://schemas.microsoft.com/office/drawing/2014/main" id="{F77C7F95-2DFF-B839-BA37-B8138294F35D}"/>
-              </a:ext>
-            </a:extLst>
-          </p:cNvPr>
-          <p:cNvSpPr>
-            <a:spLocks noGrp="1"/>
-          </p:cNvSpPr>
-          <p:nvPr>
-            <p:ph type="sldNum" sz="quarter" idx="12"/>
-          </p:nvPr>
-        </p:nvSpPr>
-        <p:spPr/>
-        <p:txBody>
-          <a:bodyPr/>
-          <a:lstStyle/>
-          <a:p>
-            <a:pPr marL="0" marR="0" lvl="0" indent="0" algn="r" defTabSz="457200" rtl="0" eaLnBrk="1" fontAlgn="auto" latinLnBrk="0" hangingPunct="1">
-              <a:lnSpc>
-                <a:spcPct val="100000"/>
-              </a:lnSpc>
-              <a:spcBef>
-                <a:spcPts val="0"/>
-              </a:spcBef>
-              <a:spcAft>
-                <a:spcPts val="0"/>
-              </a:spcAft>
-              <a:buClrTx/>
-              <a:buSzTx/>
-              <a:buFontTx/>
-              <a:buNone/>
-              <a:tabLst/>
-              <a:defRPr/>
-            </a:pPr>
-            <a:fld id="{977BA8E6-E826-B147-AA17-E3D76A29629C}" type="slidenum">
-              <a:rPr kumimoji="1" lang="zh-CN" altLang="en-US" sz="1600" b="0" i="0" u="none" strike="noStrike" kern="1200" cap="none" spc="0" normalizeH="0" baseline="0" noProof="0" smtClean="0">
-                <a:ln>
-                  <a:noFill/>
-                </a:ln>
-                <a:solidFill>
-                  <a:srgbClr val="5C2F7D"/>
-                </a:solidFill>
-                <a:effectLst/>
-                <a:uLnTx/>
-                <a:uFillTx/>
-                <a:latin typeface="Gill Sans MT" panose="020B0502020104020203"/>
-                <a:ea typeface="华文中宋" panose="02010600040101010101" pitchFamily="2" charset="-122"/>
-                <a:cs typeface="+mn-cs"/>
-              </a:rPr>
-              <a:pPr marL="0" marR="0" lvl="0" indent="0" algn="r" defTabSz="457200" rtl="0" eaLnBrk="1" fontAlgn="auto" latinLnBrk="0" hangingPunct="1">
-                <a:lnSpc>
-                  <a:spcPct val="100000"/>
-                </a:lnSpc>
-                <a:spcBef>
-                  <a:spcPts val="0"/>
-                </a:spcBef>
-                <a:spcAft>
-                  <a:spcPts val="0"/>
-                </a:spcAft>
-                <a:buClrTx/>
-                <a:buSzTx/>
-                <a:buFontTx/>
-                <a:buNone/>
-                <a:tabLst/>
-                <a:defRPr/>
-              </a:pPr>
-              <a:t>4</a:t>
-            </a:fld>
-            <a:endParaRPr kumimoji="1" lang="zh-CN" altLang="en-US" sz="900" b="0" i="0" u="none" strike="noStrike" kern="1200" cap="none" spc="0" normalizeH="0" baseline="0" noProof="0" dirty="0">
-              <a:ln>
-                <a:noFill/>
-              </a:ln>
-              <a:solidFill>
-                <a:srgbClr val="5C2F7D"/>
-              </a:solidFill>
-              <a:effectLst/>
-              <a:uLnTx/>
-              <a:uFillTx/>
-              <a:latin typeface="Gill Sans MT" panose="020B0502020104020203"/>
-              <a:ea typeface="华文中宋" panose="02010600040101010101" pitchFamily="2" charset="-122"/>
-              <a:cs typeface="+mn-cs"/>
-            </a:endParaRPr>
-          </a:p>
-        </p:txBody>
-      </p:sp>
-    </p:spTree>
-    <p:extLst>
-      <p:ext uri="{BB962C8B-B14F-4D97-AF65-F5344CB8AC3E}">
-        <p14:creationId xmlns:p14="http://schemas.microsoft.com/office/powerpoint/2010/main" val="47542160"/>
-      </p:ext>
-    </p:extLst>
-  </p:cSld>
-  <p:clrMapOvr>
-    <a:masterClrMapping/>
-  </p:clrMapOvr>
-</p:sld>
-</file>
-
-<file path=ppt/slides/slide5.xml><?xml version="1.0" encoding="utf-8"?>
-<p:sld xmlns:a="http://schemas.openxmlformats.org/drawingml/2006/main" xmlns:r="http://schemas.openxmlformats.org/officeDocument/2006/relationships" xmlns:p="http://schemas.openxmlformats.org/presentationml/2006/main">
-  <p:cSld>
-    <p:spTree>
-      <p:nvGrpSpPr>
-        <p:cNvPr id="1" name=""/>
-        <p:cNvGrpSpPr/>
-        <p:nvPr/>
-      </p:nvGrpSpPr>
-      <p:grpSpPr>
-        <a:xfrm>
-          <a:off x="0" y="0"/>
-          <a:ext cx="0" cy="0"/>
-          <a:chOff x="0" y="0"/>
-          <a:chExt cx="0" cy="0"/>
-        </a:xfrm>
-      </p:grpSpPr>
-      <p:sp>
-        <p:nvSpPr>
-          <p:cNvPr id="4" name="标题 3">
-            <a:extLst>
-              <a:ext uri="{FF2B5EF4-FFF2-40B4-BE49-F238E27FC236}">
-                <a16:creationId xmlns:a16="http://schemas.microsoft.com/office/drawing/2014/main" id="{CB335FAB-FA8F-41FD-B41F-E4213D79D779}"/>
-              </a:ext>
-            </a:extLst>
-          </p:cNvPr>
-          <p:cNvSpPr>
-            <a:spLocks noGrp="1"/>
-          </p:cNvSpPr>
-          <p:nvPr>
-            <p:ph type="ctrTitle"/>
-          </p:nvPr>
-        </p:nvSpPr>
-        <p:spPr/>
-        <p:txBody>
-          <a:bodyPr>
-            <a:normAutofit/>
-          </a:bodyPr>
-          <a:lstStyle/>
-          <a:p>
-            <a:r>
-              <a:rPr kumimoji="1" lang="zh-CN" altLang="en-US" sz="4400" dirty="0"/>
-              <a:t>二、目前进度</a:t>
-            </a:r>
-            <a:endParaRPr lang="zh-CN" altLang="en-US" sz="4400" dirty="0"/>
-          </a:p>
-        </p:txBody>
-      </p:sp>
-      <p:sp>
-        <p:nvSpPr>
-          <p:cNvPr id="2" name="副标题 1">
-            <a:extLst>
-              <a:ext uri="{FF2B5EF4-FFF2-40B4-BE49-F238E27FC236}">
-                <a16:creationId xmlns:a16="http://schemas.microsoft.com/office/drawing/2014/main" id="{A8F96AEE-70D8-4DDF-A547-45EB77DBE4EF}"/>
-              </a:ext>
-            </a:extLst>
-          </p:cNvPr>
-          <p:cNvSpPr>
-            <a:spLocks noGrp="1"/>
-          </p:cNvSpPr>
-          <p:nvPr>
-            <p:ph type="subTitle" idx="1"/>
-          </p:nvPr>
-        </p:nvSpPr>
-        <p:spPr/>
-        <p:txBody>
-          <a:bodyPr/>
-          <a:lstStyle/>
-          <a:p>
-            <a:endParaRPr lang="zh-CN" altLang="en-US" dirty="0"/>
-          </a:p>
-        </p:txBody>
-      </p:sp>
-      <p:sp>
-        <p:nvSpPr>
-          <p:cNvPr id="8" name="灯片编号占位符 7">
-            <a:extLst>
-              <a:ext uri="{FF2B5EF4-FFF2-40B4-BE49-F238E27FC236}">
-                <a16:creationId xmlns:a16="http://schemas.microsoft.com/office/drawing/2014/main" id="{AAE1DFCA-0E47-6FAF-0248-2356C31CCA24}"/>
-              </a:ext>
-            </a:extLst>
-          </p:cNvPr>
-          <p:cNvSpPr>
-            <a:spLocks noGrp="1"/>
-          </p:cNvSpPr>
-          <p:nvPr>
-            <p:ph type="sldNum" sz="quarter" idx="12"/>
-          </p:nvPr>
-        </p:nvSpPr>
-        <p:spPr/>
-        <p:txBody>
-          <a:bodyPr/>
-          <a:lstStyle/>
-          <a:p>
-            <a:pPr marL="0" marR="0" lvl="0" indent="0" algn="r" defTabSz="457200" rtl="0" eaLnBrk="1" fontAlgn="auto" latinLnBrk="0" hangingPunct="1">
-              <a:lnSpc>
-                <a:spcPct val="100000"/>
-              </a:lnSpc>
-              <a:spcBef>
-                <a:spcPts val="0"/>
-              </a:spcBef>
-              <a:spcAft>
-                <a:spcPts val="0"/>
-              </a:spcAft>
-              <a:buClrTx/>
-              <a:buSzTx/>
-              <a:buFontTx/>
-              <a:buNone/>
-              <a:tabLst/>
-              <a:defRPr/>
-            </a:pPr>
-            <a:fld id="{977BA8E6-E826-B147-AA17-E3D76A29629C}" type="slidenum">
-              <a:rPr kumimoji="1" lang="zh-CN" altLang="en-US" sz="1600" b="0" i="0" u="none" strike="noStrike" kern="1200" cap="none" spc="0" normalizeH="0" baseline="0" noProof="0" smtClean="0">
-                <a:ln>
-                  <a:noFill/>
-                </a:ln>
-                <a:solidFill>
-                  <a:srgbClr val="5C2F7D"/>
-                </a:solidFill>
-                <a:effectLst/>
-                <a:uLnTx/>
-                <a:uFillTx/>
-                <a:latin typeface="Gill Sans MT" panose="020B0502020104020203"/>
-                <a:ea typeface="华文中宋" panose="02010600040101010101" pitchFamily="2" charset="-122"/>
-                <a:cs typeface="+mn-cs"/>
-              </a:rPr>
-              <a:pPr marL="0" marR="0" lvl="0" indent="0" algn="r" defTabSz="457200" rtl="0" eaLnBrk="1" fontAlgn="auto" latinLnBrk="0" hangingPunct="1">
-                <a:lnSpc>
-                  <a:spcPct val="100000"/>
-                </a:lnSpc>
-                <a:spcBef>
-                  <a:spcPts val="0"/>
-                </a:spcBef>
-                <a:spcAft>
-                  <a:spcPts val="0"/>
-                </a:spcAft>
-                <a:buClrTx/>
-                <a:buSzTx/>
-                <a:buFontTx/>
-                <a:buNone/>
-                <a:tabLst/>
-                <a:defRPr/>
-              </a:pPr>
-              <a:t>5</a:t>
-            </a:fld>
-            <a:endParaRPr kumimoji="1" lang="zh-CN" altLang="en-US" sz="1600" b="0" i="0" u="none" strike="noStrike" kern="1200" cap="none" spc="0" normalizeH="0" baseline="0" noProof="0" dirty="0">
-              <a:ln>
-                <a:noFill/>
-              </a:ln>
-              <a:solidFill>
-                <a:srgbClr val="5C2F7D"/>
-              </a:solidFill>
-              <a:effectLst/>
-              <a:uLnTx/>
-              <a:uFillTx/>
-              <a:latin typeface="Gill Sans MT" panose="020B0502020104020203"/>
-              <a:ea typeface="华文中宋" panose="02010600040101010101" pitchFamily="2" charset="-122"/>
-              <a:cs typeface="+mn-cs"/>
-            </a:endParaRPr>
-          </a:p>
-        </p:txBody>
-      </p:sp>
-    </p:spTree>
-    <p:extLst>
-      <p:ext uri="{BB962C8B-B14F-4D97-AF65-F5344CB8AC3E}">
-        <p14:creationId xmlns:p14="http://schemas.microsoft.com/office/powerpoint/2010/main" val="2083444420"/>
-      </p:ext>
-    </p:extLst>
-  </p:cSld>
-  <p:clrMapOvr>
-    <a:masterClrMapping/>
-  </p:clrMapOvr>
-</p:sld>
-</file>
-
-<file path=ppt/slides/slide6.xml><?xml version="1.0" encoding="utf-8"?>
-<p:sld xmlns:a="http://schemas.openxmlformats.org/drawingml/2006/main" xmlns:r="http://schemas.openxmlformats.org/officeDocument/2006/relationships" xmlns:p="http://schemas.openxmlformats.org/presentationml/2006/main">
-  <p:cSld>
-    <p:spTree>
-      <p:nvGrpSpPr>
-        <p:cNvPr id="1" name=""/>
-        <p:cNvGrpSpPr/>
-        <p:nvPr/>
-      </p:nvGrpSpPr>
-      <p:grpSpPr>
-        <a:xfrm>
-          <a:off x="0" y="0"/>
-          <a:ext cx="0" cy="0"/>
-          <a:chOff x="0" y="0"/>
-          <a:chExt cx="0" cy="0"/>
-        </a:xfrm>
-      </p:grpSpPr>
-      <p:sp>
-        <p:nvSpPr>
-          <p:cNvPr id="5" name="内容占位符 4">
-            <a:extLst>
-              <a:ext uri="{FF2B5EF4-FFF2-40B4-BE49-F238E27FC236}">
-                <a16:creationId xmlns:a16="http://schemas.microsoft.com/office/drawing/2014/main" id="{DD553D6F-BC1A-435F-9D69-C092A92466AA}"/>
-              </a:ext>
-            </a:extLst>
-          </p:cNvPr>
-          <p:cNvSpPr>
-            <a:spLocks noGrp="1"/>
-          </p:cNvSpPr>
-          <p:nvPr>
-            <p:ph idx="1"/>
-          </p:nvPr>
-        </p:nvSpPr>
-        <p:spPr>
-          <a:xfrm>
-            <a:off x="835306" y="1608624"/>
-            <a:ext cx="10521387" cy="4714986"/>
-          </a:xfrm>
-        </p:spPr>
-        <p:txBody>
-          <a:bodyPr>
-            <a:normAutofit/>
-          </a:bodyPr>
-          <a:lstStyle/>
-          <a:p>
-            <a:r>
-              <a:rPr lang="zh-CN" altLang="en-US" sz="2400" dirty="0">
-                <a:latin typeface="+mn-ea"/>
-              </a:rPr>
-              <a:t>已完成</a:t>
-            </a:r>
-            <a:r>
-              <a:rPr kumimoji="0" lang="zh-CN" altLang="en-US" sz="2400" i="0" u="none" strike="noStrike" kern="1200" cap="none" spc="0" normalizeH="0" baseline="0" noProof="0" dirty="0">
-                <a:ln>
-                  <a:noFill/>
-                </a:ln>
-                <a:solidFill>
-                  <a:srgbClr val="000000"/>
-                </a:solidFill>
-                <a:effectLst/>
-                <a:uLnTx/>
-                <a:uFillTx/>
-                <a:latin typeface="+mn-ea"/>
-                <a:cs typeface="+mn-cs"/>
-                <a:sym typeface="+mn-ea"/>
-              </a:rPr>
-              <a:t>出租车调度系统的复现工作</a:t>
-            </a:r>
-            <a:r>
-              <a:rPr lang="zh-CN" altLang="en-US" sz="2400" dirty="0">
-                <a:latin typeface="+mn-ea"/>
-              </a:rPr>
-              <a:t>的复现部署，并形成了复现手册</a:t>
-            </a:r>
-            <a:endParaRPr lang="en-US" altLang="zh-CN" sz="2400" dirty="0">
-              <a:latin typeface="+mn-ea"/>
-            </a:endParaRPr>
-          </a:p>
-          <a:p>
-            <a:endParaRPr lang="en-US" altLang="zh-CN" dirty="0">
-              <a:latin typeface="+mn-ea"/>
-            </a:endParaRPr>
-          </a:p>
-          <a:p>
-            <a:r>
-              <a:rPr lang="zh-CN" altLang="en-US" sz="2400" dirty="0">
-                <a:latin typeface="+mn-ea"/>
-              </a:rPr>
-              <a:t>部署了本地的树状区块链做转移资产的交易测试</a:t>
-            </a:r>
-            <a:endParaRPr lang="en-US" altLang="zh-CN" sz="2400" dirty="0">
-              <a:latin typeface="+mn-ea"/>
-            </a:endParaRPr>
-          </a:p>
-          <a:p>
-            <a:endParaRPr lang="en-US" altLang="zh-CN" sz="2400" dirty="0">
-              <a:latin typeface="+mn-ea"/>
-            </a:endParaRPr>
-          </a:p>
-          <a:p>
-            <a:r>
-              <a:rPr lang="zh-CN" altLang="en-US" sz="2400" dirty="0">
-                <a:latin typeface="+mn-ea"/>
-              </a:rPr>
-              <a:t>学习了使用</a:t>
-            </a:r>
-            <a:r>
-              <a:rPr lang="en-US" altLang="zh-CN" sz="2400" dirty="0">
-                <a:latin typeface="+mn-ea"/>
-              </a:rPr>
-              <a:t>Solidity</a:t>
-            </a:r>
-            <a:r>
-              <a:rPr lang="zh-CN" altLang="en-US" sz="2400" dirty="0">
-                <a:latin typeface="+mn-ea"/>
-              </a:rPr>
-              <a:t>编写合约代码，编写简单的子链间交互的合约代码</a:t>
-            </a:r>
-            <a:endParaRPr lang="en-US" altLang="zh-CN" dirty="0">
-              <a:latin typeface="+mn-ea"/>
-            </a:endParaRPr>
-          </a:p>
-          <a:p>
-            <a:pPr marL="0" indent="0">
-              <a:buNone/>
-            </a:pPr>
-            <a:r>
-              <a:rPr lang="en-US" altLang="zh-CN" sz="2200" dirty="0">
-                <a:latin typeface="+mn-ea"/>
-              </a:rPr>
-              <a:t>	</a:t>
-            </a:r>
-          </a:p>
-        </p:txBody>
-      </p:sp>
-      <p:sp>
-        <p:nvSpPr>
-          <p:cNvPr id="4" name="标题 3">
-            <a:extLst>
-              <a:ext uri="{FF2B5EF4-FFF2-40B4-BE49-F238E27FC236}">
-                <a16:creationId xmlns:a16="http://schemas.microsoft.com/office/drawing/2014/main" id="{CB335FAB-FA8F-41FD-B41F-E4213D79D779}"/>
-              </a:ext>
-            </a:extLst>
-          </p:cNvPr>
-          <p:cNvSpPr>
-            <a:spLocks noGrp="1"/>
-          </p:cNvSpPr>
-          <p:nvPr>
-            <p:ph type="title"/>
-          </p:nvPr>
-        </p:nvSpPr>
-        <p:spPr/>
-        <p:txBody>
-          <a:bodyPr>
-            <a:normAutofit/>
-          </a:bodyPr>
-          <a:lstStyle/>
-          <a:p>
-            <a:r>
-              <a:rPr lang="zh-CN" altLang="en-US" dirty="0">
-                <a:latin typeface="+mj-ea"/>
-              </a:rPr>
-              <a:t>工作情况</a:t>
-            </a:r>
-          </a:p>
-        </p:txBody>
-      </p:sp>
-      <p:sp>
-        <p:nvSpPr>
-          <p:cNvPr id="8" name="灯片编号占位符 7">
-            <a:extLst>
-              <a:ext uri="{FF2B5EF4-FFF2-40B4-BE49-F238E27FC236}">
-                <a16:creationId xmlns:a16="http://schemas.microsoft.com/office/drawing/2014/main" id="{084DDDEC-1BEC-A0A2-0DED-4208E5C5F333}"/>
-              </a:ext>
-            </a:extLst>
-          </p:cNvPr>
-          <p:cNvSpPr>
-            <a:spLocks noGrp="1"/>
-          </p:cNvSpPr>
-          <p:nvPr>
-            <p:ph type="sldNum" sz="quarter" idx="12"/>
-          </p:nvPr>
-        </p:nvSpPr>
-        <p:spPr/>
-        <p:txBody>
-          <a:bodyPr/>
-          <a:lstStyle/>
-          <a:p>
-            <a:pPr defTabSz="457200">
-              <a:defRPr/>
-            </a:pPr>
-            <a:fld id="{977BA8E6-E826-B147-AA17-E3D76A29629C}" type="slidenum">
-              <a:rPr kumimoji="1" lang="zh-CN" altLang="en-US" smtClean="0">
-                <a:solidFill>
-                  <a:srgbClr val="5C2F7D"/>
-                </a:solidFill>
-              </a:rPr>
-              <a:pPr defTabSz="457200">
-                <a:defRPr/>
-              </a:pPr>
-              <a:t>6</a:t>
-            </a:fld>
-            <a:endParaRPr kumimoji="1" lang="zh-CN" altLang="en-US" sz="900" dirty="0">
-              <a:solidFill>
-                <a:srgbClr val="5C2F7D"/>
-              </a:solidFill>
-            </a:endParaRPr>
-          </a:p>
-        </p:txBody>
-      </p:sp>
-    </p:spTree>
-    <p:extLst>
-      <p:ext uri="{BB962C8B-B14F-4D97-AF65-F5344CB8AC3E}">
-        <p14:creationId xmlns:p14="http://schemas.microsoft.com/office/powerpoint/2010/main" val="1110621705"/>
-      </p:ext>
-    </p:extLst>
-  </p:cSld>
-  <p:clrMapOvr>
-    <a:masterClrMapping/>
-  </p:clrMapOvr>
-</p:sld>
-</file>
-
-<file path=ppt/slides/slide7.xml><?xml version="1.0" encoding="utf-8"?>
-<p:sld xmlns:a="http://schemas.openxmlformats.org/drawingml/2006/main" xmlns:r="http://schemas.openxmlformats.org/officeDocument/2006/relationships" xmlns:p="http://schemas.openxmlformats.org/presentationml/2006/main">
-  <p:cSld>
-    <p:spTree>
-      <p:nvGrpSpPr>
-        <p:cNvPr id="1" name=""/>
-        <p:cNvGrpSpPr/>
-        <p:nvPr/>
-      </p:nvGrpSpPr>
-      <p:grpSpPr>
-        <a:xfrm>
-          <a:off x="0" y="0"/>
-          <a:ext cx="0" cy="0"/>
-          <a:chOff x="0" y="0"/>
-          <a:chExt cx="0" cy="0"/>
-        </a:xfrm>
-      </p:grpSpPr>
-      <p:sp>
-        <p:nvSpPr>
-          <p:cNvPr id="2" name="内容占位符 1">
-            <a:extLst>
-              <a:ext uri="{FF2B5EF4-FFF2-40B4-BE49-F238E27FC236}">
-                <a16:creationId xmlns:a16="http://schemas.microsoft.com/office/drawing/2014/main" id="{E779181E-54C4-A3AA-76B8-8CCB6C8A6766}"/>
-              </a:ext>
-            </a:extLst>
-          </p:cNvPr>
-          <p:cNvSpPr>
-            <a:spLocks noGrp="1"/>
-          </p:cNvSpPr>
-          <p:nvPr>
-            <p:ph idx="1"/>
-          </p:nvPr>
-        </p:nvSpPr>
-        <p:spPr>
-          <a:xfrm>
-            <a:off x="835307" y="1608624"/>
-            <a:ext cx="10037204" cy="4353824"/>
-          </a:xfrm>
-        </p:spPr>
-        <p:txBody>
-          <a:bodyPr/>
-          <a:lstStyle/>
-          <a:p>
-            <a:r>
-              <a:rPr lang="zh-CN" altLang="en-US" sz="2000" dirty="0"/>
-              <a:t>搭建了区块链运行所需环境，包括</a:t>
-            </a:r>
-            <a:r>
-              <a:rPr lang="en-US" altLang="zh-CN" sz="2000" dirty="0"/>
-              <a:t>truffle</a:t>
-            </a:r>
-            <a:r>
-              <a:rPr lang="zh-CN" altLang="en-US" sz="2000" dirty="0"/>
-              <a:t>、</a:t>
-            </a:r>
-            <a:r>
-              <a:rPr lang="en-US" altLang="zh-CN" sz="2000" dirty="0" err="1"/>
-              <a:t>geth</a:t>
-            </a:r>
-            <a:r>
-              <a:rPr lang="zh-CN" altLang="en-US" sz="2000" dirty="0"/>
-              <a:t>、</a:t>
-            </a:r>
-            <a:r>
-              <a:rPr lang="en-US" altLang="zh-CN" sz="2000" dirty="0"/>
-              <a:t>ganache-cli</a:t>
-            </a:r>
-            <a:r>
-              <a:rPr lang="zh-CN" altLang="en-US" sz="2000" dirty="0"/>
-              <a:t>等库，完成了浏览器与智能合约交互的实验；</a:t>
-            </a:r>
-          </a:p>
-          <a:p>
-            <a:r>
-              <a:rPr lang="zh-CN" altLang="en-US" sz="2000" dirty="0"/>
-              <a:t>部署已有智能合约、能够运行现有调度系统；</a:t>
-            </a:r>
-          </a:p>
-          <a:p>
-            <a:r>
-              <a:rPr lang="zh-CN" altLang="en-US" sz="2000" dirty="0"/>
-              <a:t>部署环境，能够通过脚本一定程度上自动化测试流程；</a:t>
-            </a:r>
-          </a:p>
-          <a:p>
-            <a:endParaRPr lang="en-US" altLang="zh-CN" dirty="0"/>
-          </a:p>
-          <a:p>
-            <a:r>
-              <a:rPr lang="zh-CN" altLang="en-US" sz="2000" dirty="0"/>
-              <a:t>遭遇的阻碍主要有虚拟机在环境部署中遇到的各种问题，如各种库的安装以及其版本的适配等，在解决问题后，也相应的完善了复现手册</a:t>
-            </a:r>
-            <a:endParaRPr lang="en-US" altLang="zh-CN" sz="2000" dirty="0"/>
-          </a:p>
-          <a:p>
-            <a:r>
-              <a:rPr lang="zh-CN" altLang="en-US" sz="2000" dirty="0"/>
-              <a:t>目前实现的部署调度系统合约和本地部署多链的测试，在以太坊的本地编译处遇到了问题，按照目前进度来看是一些需要用到的库，虚拟机的网络无法直接访问，采用的措施是本地下载上传，后续需要继续部署好所需环境，完成编译</a:t>
-            </a:r>
-            <a:endParaRPr lang="en-US" altLang="zh-CN" sz="2000" dirty="0"/>
-          </a:p>
-          <a:p>
-            <a:endParaRPr lang="zh-CN" altLang="en-US" sz="2000" dirty="0"/>
-          </a:p>
-        </p:txBody>
-      </p:sp>
-      <p:sp>
-        <p:nvSpPr>
-          <p:cNvPr id="3" name="标题 2">
-            <a:extLst>
-              <a:ext uri="{FF2B5EF4-FFF2-40B4-BE49-F238E27FC236}">
-                <a16:creationId xmlns:a16="http://schemas.microsoft.com/office/drawing/2014/main" id="{C5B53DB0-372E-E978-44B7-B24316585802}"/>
-              </a:ext>
-            </a:extLst>
-          </p:cNvPr>
-          <p:cNvSpPr>
-            <a:spLocks noGrp="1"/>
-          </p:cNvSpPr>
-          <p:nvPr>
-            <p:ph type="title"/>
-          </p:nvPr>
-        </p:nvSpPr>
-        <p:spPr/>
-        <p:txBody>
-          <a:bodyPr/>
-          <a:lstStyle/>
-          <a:p>
-            <a:r>
-              <a:rPr lang="zh-CN" altLang="en-US" dirty="0"/>
-              <a:t>复现</a:t>
-            </a:r>
-          </a:p>
-        </p:txBody>
-      </p:sp>
-      <p:sp>
-        <p:nvSpPr>
-          <p:cNvPr id="8" name="灯片编号占位符 7">
-            <a:extLst>
-              <a:ext uri="{FF2B5EF4-FFF2-40B4-BE49-F238E27FC236}">
-                <a16:creationId xmlns:a16="http://schemas.microsoft.com/office/drawing/2014/main" id="{6A7B7CB4-9346-DD88-1A55-9D8880417EEE}"/>
-              </a:ext>
-            </a:extLst>
-          </p:cNvPr>
-          <p:cNvSpPr>
-            <a:spLocks noGrp="1"/>
-          </p:cNvSpPr>
-          <p:nvPr>
-            <p:ph type="sldNum" sz="quarter" idx="12"/>
-          </p:nvPr>
-        </p:nvSpPr>
-        <p:spPr/>
-        <p:txBody>
-          <a:bodyPr/>
-          <a:lstStyle/>
-          <a:p>
-            <a:pPr defTabSz="457200">
-              <a:defRPr/>
-            </a:pPr>
-            <a:fld id="{977BA8E6-E826-B147-AA17-E3D76A29629C}" type="slidenum">
-              <a:rPr kumimoji="1" lang="zh-CN" altLang="en-US" smtClean="0">
-                <a:solidFill>
-                  <a:srgbClr val="5C2F7D"/>
-                </a:solidFill>
-              </a:rPr>
-              <a:pPr defTabSz="457200">
-                <a:defRPr/>
-              </a:pPr>
-              <a:t>7</a:t>
-            </a:fld>
-            <a:endParaRPr kumimoji="1" lang="zh-CN" altLang="en-US" sz="900" dirty="0">
-              <a:solidFill>
-                <a:srgbClr val="5C2F7D"/>
-              </a:solidFill>
-            </a:endParaRPr>
-          </a:p>
-        </p:txBody>
-      </p:sp>
-    </p:spTree>
-    <p:extLst>
-      <p:ext uri="{BB962C8B-B14F-4D97-AF65-F5344CB8AC3E}">
-        <p14:creationId xmlns:p14="http://schemas.microsoft.com/office/powerpoint/2010/main" val="3055677701"/>
-      </p:ext>
-    </p:extLst>
-  </p:cSld>
-  <p:clrMapOvr>
-    <a:masterClrMapping/>
-  </p:clrMapOvr>
-</p:sld>
-</file>
-
-<file path=ppt/slides/slide8.xml><?xml version="1.0" encoding="utf-8"?>
-<p:sld xmlns:a="http://schemas.openxmlformats.org/drawingml/2006/main" xmlns:r="http://schemas.openxmlformats.org/officeDocument/2006/relationships" xmlns:p="http://schemas.openxmlformats.org/presentationml/2006/main">
-  <p:cSld>
-    <p:spTree>
-      <p:nvGrpSpPr>
-        <p:cNvPr id="1" name=""/>
-        <p:cNvGrpSpPr/>
-        <p:nvPr/>
-      </p:nvGrpSpPr>
-      <p:grpSpPr>
-        <a:xfrm>
-          <a:off x="0" y="0"/>
-          <a:ext cx="0" cy="0"/>
-          <a:chOff x="0" y="0"/>
-          <a:chExt cx="0" cy="0"/>
-        </a:xfrm>
-      </p:grpSpPr>
       <p:pic>
         <p:nvPicPr>
           <p:cNvPr id="5" name="内容占位符 4">
@@ -12992,8 +10376,8 @@
         </p:blipFill>
         <p:spPr>
           <a:xfrm>
-            <a:off x="1230671" y="2227011"/>
-            <a:ext cx="4092978" cy="3990909"/>
+            <a:off x="1230670" y="2227011"/>
+            <a:ext cx="4361917" cy="4253141"/>
           </a:xfrm>
         </p:spPr>
       </p:pic>
@@ -13308,16 +10692,6 @@
               </a:rPr>
               <a:t>			</a:t>
             </a:r>
-            <a:r>
-              <a:rPr lang="zh-CN" altLang="en-US" sz="2400" b="1" dirty="0">
-                <a:solidFill>
-                  <a:schemeClr val="tx1"/>
-                </a:solidFill>
-                <a:latin typeface="+mn-ea"/>
-                <a:cs typeface="Times New Roman" panose="02020603050405020304" pitchFamily="18" charset="0"/>
-              </a:rPr>
-              <a:t>资产转移的过程结果    </a:t>
-            </a:r>
             <a:endParaRPr lang="en-US" altLang="zh-CN" sz="2200" b="1" dirty="0">
               <a:solidFill>
                 <a:schemeClr val="tx1"/>
@@ -13354,12 +10728,198 @@
           </a:p>
         </p:txBody>
       </p:sp>
+      <p:sp>
+        <p:nvSpPr>
+          <p:cNvPr id="10" name="灯片编号占位符 9">
+            <a:extLst>
+              <a:ext uri="{FF2B5EF4-FFF2-40B4-BE49-F238E27FC236}">
+                <a16:creationId xmlns:a16="http://schemas.microsoft.com/office/drawing/2014/main" id="{056C51A8-4224-95F0-4EFE-11B8C49FA5C8}"/>
+              </a:ext>
+            </a:extLst>
+          </p:cNvPr>
+          <p:cNvSpPr>
+            <a:spLocks noGrp="1"/>
+          </p:cNvSpPr>
+          <p:nvPr>
+            <p:ph type="sldNum" sz="quarter" idx="12"/>
+          </p:nvPr>
+        </p:nvSpPr>
+        <p:spPr/>
+        <p:txBody>
+          <a:bodyPr/>
+          <a:lstStyle/>
+          <a:p>
+            <a:pPr defTabSz="457200">
+              <a:defRPr/>
+            </a:pPr>
+            <a:fld id="{977BA8E6-E826-B147-AA17-E3D76A29629C}" type="slidenum">
+              <a:rPr kumimoji="1" lang="zh-CN" altLang="en-US" smtClean="0">
+                <a:solidFill>
+                  <a:srgbClr val="5C2F7D"/>
+                </a:solidFill>
+              </a:rPr>
+              <a:pPr defTabSz="457200">
+                <a:defRPr/>
+              </a:pPr>
+              <a:t>10</a:t>
+            </a:fld>
+            <a:endParaRPr kumimoji="1" lang="zh-CN" altLang="en-US" sz="900" dirty="0">
+              <a:solidFill>
+                <a:srgbClr val="5C2F7D"/>
+              </a:solidFill>
+            </a:endParaRPr>
+          </a:p>
+        </p:txBody>
+      </p:sp>
+    </p:spTree>
+    <p:extLst>
+      <p:ext uri="{BB962C8B-B14F-4D97-AF65-F5344CB8AC3E}">
+        <p14:creationId xmlns:p14="http://schemas.microsoft.com/office/powerpoint/2010/main" val="33130684"/>
+      </p:ext>
+    </p:extLst>
+  </p:cSld>
+  <p:clrMapOvr>
+    <a:masterClrMapping/>
+  </p:clrMapOvr>
+</p:sld>
+</file>
+
+<file path=ppt/slides/slide11.xml><?xml version="1.0" encoding="utf-8"?>
+<p:sld xmlns:a="http://schemas.openxmlformats.org/drawingml/2006/main" xmlns:r="http://schemas.openxmlformats.org/officeDocument/2006/relationships" xmlns:p="http://schemas.openxmlformats.org/presentationml/2006/main">
+  <p:cSld>
+    <p:spTree>
+      <p:nvGrpSpPr>
+        <p:cNvPr id="1" name=""/>
+        <p:cNvGrpSpPr/>
+        <p:nvPr/>
+      </p:nvGrpSpPr>
+      <p:grpSpPr>
+        <a:xfrm>
+          <a:off x="0" y="0"/>
+          <a:ext cx="0" cy="0"/>
+          <a:chOff x="0" y="0"/>
+          <a:chExt cx="0" cy="0"/>
+        </a:xfrm>
+      </p:grpSpPr>
+      <p:sp>
+        <p:nvSpPr>
+          <p:cNvPr id="2" name="内容占位符 1">
+            <a:extLst>
+              <a:ext uri="{FF2B5EF4-FFF2-40B4-BE49-F238E27FC236}">
+                <a16:creationId xmlns:a16="http://schemas.microsoft.com/office/drawing/2014/main" id="{8779CF31-A843-7978-3ADA-E14B0BA679DC}"/>
+              </a:ext>
+            </a:extLst>
+          </p:cNvPr>
+          <p:cNvSpPr>
+            <a:spLocks noGrp="1"/>
+          </p:cNvSpPr>
+          <p:nvPr>
+            <p:ph idx="1"/>
+          </p:nvPr>
+        </p:nvSpPr>
+        <p:spPr>
+          <a:xfrm>
+            <a:off x="833377" y="1679671"/>
+            <a:ext cx="10521387" cy="3678303"/>
+          </a:xfrm>
+        </p:spPr>
+        <p:txBody>
+          <a:bodyPr>
+            <a:normAutofit/>
+          </a:bodyPr>
+          <a:lstStyle/>
+          <a:p>
+            <a:r>
+              <a:rPr lang="zh-CN" altLang="en-US" sz="2400" b="1" dirty="0">
+                <a:solidFill>
+                  <a:schemeClr val="tx1"/>
+                </a:solidFill>
+                <a:latin typeface="+mn-ea"/>
+                <a:cs typeface="Times New Roman" panose="02020603050405020304" pitchFamily="18" charset="0"/>
+              </a:rPr>
+              <a:t>资产转移的过程结果</a:t>
+            </a:r>
+            <a:endParaRPr lang="zh-CN" altLang="en-US" sz="2400" dirty="0"/>
+          </a:p>
+        </p:txBody>
+      </p:sp>
+      <p:sp>
+        <p:nvSpPr>
+          <p:cNvPr id="3" name="标题 2">
+            <a:extLst>
+              <a:ext uri="{FF2B5EF4-FFF2-40B4-BE49-F238E27FC236}">
+                <a16:creationId xmlns:a16="http://schemas.microsoft.com/office/drawing/2014/main" id="{6EAE72C1-5C1A-B85E-E9BB-0F0859E44389}"/>
+              </a:ext>
+            </a:extLst>
+          </p:cNvPr>
+          <p:cNvSpPr>
+            <a:spLocks noGrp="1"/>
+          </p:cNvSpPr>
+          <p:nvPr>
+            <p:ph type="title"/>
+          </p:nvPr>
+        </p:nvSpPr>
+        <p:spPr/>
+        <p:txBody>
+          <a:bodyPr/>
+          <a:lstStyle/>
+          <a:p>
+            <a:r>
+              <a:rPr lang="zh-CN" altLang="en-US" dirty="0"/>
+              <a:t>现有本地实验测试</a:t>
+            </a:r>
+          </a:p>
+        </p:txBody>
+      </p:sp>
+      <p:sp>
+        <p:nvSpPr>
+          <p:cNvPr id="4" name="灯片编号占位符 3">
+            <a:extLst>
+              <a:ext uri="{FF2B5EF4-FFF2-40B4-BE49-F238E27FC236}">
+                <a16:creationId xmlns:a16="http://schemas.microsoft.com/office/drawing/2014/main" id="{AC911714-42A1-92C5-01AE-FC9EEF36D06A}"/>
+              </a:ext>
+            </a:extLst>
+          </p:cNvPr>
+          <p:cNvSpPr>
+            <a:spLocks noGrp="1"/>
+          </p:cNvSpPr>
+          <p:nvPr>
+            <p:ph type="sldNum" sz="quarter" idx="12"/>
+          </p:nvPr>
+        </p:nvSpPr>
+        <p:spPr/>
+        <p:txBody>
+          <a:bodyPr/>
+          <a:lstStyle/>
+          <a:p>
+            <a:pPr defTabSz="457200">
+              <a:defRPr/>
+            </a:pPr>
+            <a:fld id="{977BA8E6-E826-B147-AA17-E3D76A29629C}" type="slidenum">
+              <a:rPr kumimoji="1" lang="zh-CN" altLang="en-US" smtClean="0">
+                <a:solidFill>
+                  <a:srgbClr val="5C2F7D"/>
+                </a:solidFill>
+              </a:rPr>
+              <a:pPr defTabSz="457200">
+                <a:defRPr/>
+              </a:pPr>
+              <a:t>11</a:t>
+            </a:fld>
+            <a:endParaRPr kumimoji="1" lang="zh-CN" altLang="en-US" sz="900" dirty="0">
+              <a:solidFill>
+                <a:srgbClr val="5C2F7D"/>
+              </a:solidFill>
+            </a:endParaRPr>
+          </a:p>
+        </p:txBody>
+      </p:sp>
       <p:pic>
         <p:nvPicPr>
-          <p:cNvPr id="8" name="图片 7">
-            <a:extLst>
-              <a:ext uri="{FF2B5EF4-FFF2-40B4-BE49-F238E27FC236}">
-                <a16:creationId xmlns:a16="http://schemas.microsoft.com/office/drawing/2014/main" id="{47C96545-1064-B2B8-BE73-4CDE61DB4706}"/>
+          <p:cNvPr id="5" name="图片 4">
+            <a:extLst>
+              <a:ext uri="{FF2B5EF4-FFF2-40B4-BE49-F238E27FC236}">
+                <a16:creationId xmlns:a16="http://schemas.microsoft.com/office/drawing/2014/main" id="{6D0DB274-315A-B961-DDA3-6198C9A7A3A6}"/>
               </a:ext>
             </a:extLst>
           </p:cNvPr>
@@ -13376,8 +10936,8 @@
         </p:blipFill>
         <p:spPr>
           <a:xfrm>
-            <a:off x="6410560" y="2227011"/>
-            <a:ext cx="5453692" cy="3337814"/>
+            <a:off x="1242139" y="2177914"/>
+            <a:ext cx="5885302" cy="3601971"/>
           </a:xfrm>
           <a:prstGeom prst="rect">
             <a:avLst/>
@@ -13386,10 +10946,4099 @@
       </p:pic>
       <p:sp>
         <p:nvSpPr>
-          <p:cNvPr id="10" name="灯片编号占位符 9">
-            <a:extLst>
-              <a:ext uri="{FF2B5EF4-FFF2-40B4-BE49-F238E27FC236}">
-                <a16:creationId xmlns:a16="http://schemas.microsoft.com/office/drawing/2014/main" id="{056C51A8-4224-95F0-4EFE-11B8C49FA5C8}"/>
+          <p:cNvPr id="6" name="椭圆 5">
+            <a:extLst>
+              <a:ext uri="{FF2B5EF4-FFF2-40B4-BE49-F238E27FC236}">
+                <a16:creationId xmlns:a16="http://schemas.microsoft.com/office/drawing/2014/main" id="{241EF6D2-9F08-5DB2-7858-79A4016D7C47}"/>
+              </a:ext>
+            </a:extLst>
+          </p:cNvPr>
+          <p:cNvSpPr/>
+          <p:nvPr/>
+        </p:nvSpPr>
+        <p:spPr>
+          <a:xfrm>
+            <a:off x="8353487" y="482499"/>
+            <a:ext cx="2707804" cy="873105"/>
+          </a:xfrm>
+          <a:prstGeom prst="ellipse">
+            <a:avLst/>
+          </a:prstGeom>
+          <a:solidFill>
+            <a:schemeClr val="bg2"/>
+          </a:solidFill>
+        </p:spPr>
+        <p:style>
+          <a:lnRef idx="2">
+            <a:schemeClr val="accent1">
+              <a:shade val="50000"/>
+            </a:schemeClr>
+          </a:lnRef>
+          <a:fillRef idx="1">
+            <a:schemeClr val="accent1"/>
+          </a:fillRef>
+          <a:effectRef idx="0">
+            <a:schemeClr val="accent1"/>
+          </a:effectRef>
+          <a:fontRef idx="minor">
+            <a:schemeClr val="lt1"/>
+          </a:fontRef>
+        </p:style>
+        <p:txBody>
+          <a:bodyPr rtlCol="0" anchor="ctr"/>
+          <a:lstStyle/>
+          <a:p>
+            <a:pPr algn="ctr"/>
+            <a:r>
+              <a:rPr lang="zh-CN" altLang="en-US" sz="1400" dirty="0">
+                <a:solidFill>
+                  <a:schemeClr val="tx1"/>
+                </a:solidFill>
+              </a:rPr>
+              <a:t>账户在目标链</a:t>
+            </a:r>
+            <a:r>
+              <a:rPr lang="en-US" altLang="zh-CN" sz="1400" dirty="0">
+                <a:solidFill>
+                  <a:schemeClr val="tx1"/>
+                </a:solidFill>
+              </a:rPr>
+              <a:t>w12</a:t>
+            </a:r>
+            <a:r>
+              <a:rPr lang="zh-CN" altLang="en-US" sz="1400" dirty="0">
+                <a:solidFill>
+                  <a:schemeClr val="tx1"/>
+                </a:solidFill>
+              </a:rPr>
+              <a:t>写入交易，没有余额无法写入</a:t>
+            </a:r>
+          </a:p>
+        </p:txBody>
+      </p:sp>
+      <p:sp>
+        <p:nvSpPr>
+          <p:cNvPr id="7" name="椭圆 6">
+            <a:extLst>
+              <a:ext uri="{FF2B5EF4-FFF2-40B4-BE49-F238E27FC236}">
+                <a16:creationId xmlns:a16="http://schemas.microsoft.com/office/drawing/2014/main" id="{8FB41C48-0F16-2CD1-D84B-0BD5F1AF4198}"/>
+              </a:ext>
+            </a:extLst>
+          </p:cNvPr>
+          <p:cNvSpPr/>
+          <p:nvPr/>
+        </p:nvSpPr>
+        <p:spPr>
+          <a:xfrm>
+            <a:off x="8353487" y="1604934"/>
+            <a:ext cx="2707804" cy="873105"/>
+          </a:xfrm>
+          <a:prstGeom prst="ellipse">
+            <a:avLst/>
+          </a:prstGeom>
+          <a:solidFill>
+            <a:schemeClr val="bg2"/>
+          </a:solidFill>
+        </p:spPr>
+        <p:style>
+          <a:lnRef idx="2">
+            <a:schemeClr val="accent1">
+              <a:shade val="50000"/>
+            </a:schemeClr>
+          </a:lnRef>
+          <a:fillRef idx="1">
+            <a:schemeClr val="accent1"/>
+          </a:fillRef>
+          <a:effectRef idx="0">
+            <a:schemeClr val="accent1"/>
+          </a:effectRef>
+          <a:fontRef idx="minor">
+            <a:schemeClr val="lt1"/>
+          </a:fontRef>
+        </p:style>
+        <p:txBody>
+          <a:bodyPr rtlCol="0" anchor="ctr"/>
+          <a:lstStyle/>
+          <a:p>
+            <a:pPr algn="ctr"/>
+            <a:r>
+              <a:rPr lang="zh-CN" altLang="en-US" sz="1400" dirty="0">
+                <a:solidFill>
+                  <a:schemeClr val="tx1"/>
+                </a:solidFill>
+              </a:rPr>
+              <a:t>账户在</a:t>
+            </a:r>
+            <a:r>
+              <a:rPr lang="en-US" altLang="zh-CN" sz="1400" dirty="0">
+                <a:solidFill>
+                  <a:schemeClr val="tx1"/>
+                </a:solidFill>
+              </a:rPr>
+              <a:t>W12</a:t>
+            </a:r>
+            <a:r>
+              <a:rPr lang="zh-CN" altLang="en-US" sz="1400" dirty="0">
+                <a:solidFill>
+                  <a:schemeClr val="tx1"/>
+                </a:solidFill>
+              </a:rPr>
+              <a:t>发起资产转移请求交易</a:t>
+            </a:r>
+          </a:p>
+        </p:txBody>
+      </p:sp>
+      <p:sp>
+        <p:nvSpPr>
+          <p:cNvPr id="8" name="椭圆 7">
+            <a:extLst>
+              <a:ext uri="{FF2B5EF4-FFF2-40B4-BE49-F238E27FC236}">
+                <a16:creationId xmlns:a16="http://schemas.microsoft.com/office/drawing/2014/main" id="{2F0F71AD-077A-E6BA-8DBD-0910CFC04021}"/>
+              </a:ext>
+            </a:extLst>
+          </p:cNvPr>
+          <p:cNvSpPr/>
+          <p:nvPr/>
+        </p:nvSpPr>
+        <p:spPr>
+          <a:xfrm>
+            <a:off x="8353487" y="3960879"/>
+            <a:ext cx="2707804" cy="873105"/>
+          </a:xfrm>
+          <a:prstGeom prst="ellipse">
+            <a:avLst/>
+          </a:prstGeom>
+          <a:solidFill>
+            <a:schemeClr val="bg2"/>
+          </a:solidFill>
+        </p:spPr>
+        <p:style>
+          <a:lnRef idx="2">
+            <a:schemeClr val="accent1">
+              <a:shade val="50000"/>
+            </a:schemeClr>
+          </a:lnRef>
+          <a:fillRef idx="1">
+            <a:schemeClr val="accent1"/>
+          </a:fillRef>
+          <a:effectRef idx="0">
+            <a:schemeClr val="accent1"/>
+          </a:effectRef>
+          <a:fontRef idx="minor">
+            <a:schemeClr val="lt1"/>
+          </a:fontRef>
+        </p:style>
+        <p:txBody>
+          <a:bodyPr rtlCol="0" anchor="ctr"/>
+          <a:lstStyle/>
+          <a:p>
+            <a:pPr algn="ctr"/>
+            <a:r>
+              <a:rPr lang="zh-CN" altLang="en-US" sz="1400" dirty="0">
+                <a:solidFill>
+                  <a:schemeClr val="tx1"/>
+                </a:solidFill>
+              </a:rPr>
+              <a:t>在目标链发送资产转入交易</a:t>
+            </a:r>
+          </a:p>
+        </p:txBody>
+      </p:sp>
+      <p:sp>
+        <p:nvSpPr>
+          <p:cNvPr id="9" name="椭圆 8">
+            <a:extLst>
+              <a:ext uri="{FF2B5EF4-FFF2-40B4-BE49-F238E27FC236}">
+                <a16:creationId xmlns:a16="http://schemas.microsoft.com/office/drawing/2014/main" id="{2F890CA7-B3B3-789C-AAF7-44DE8BBFC013}"/>
+              </a:ext>
+            </a:extLst>
+          </p:cNvPr>
+          <p:cNvSpPr/>
+          <p:nvPr/>
+        </p:nvSpPr>
+        <p:spPr>
+          <a:xfrm>
+            <a:off x="8353487" y="5073332"/>
+            <a:ext cx="2707804" cy="873105"/>
+          </a:xfrm>
+          <a:prstGeom prst="ellipse">
+            <a:avLst/>
+          </a:prstGeom>
+          <a:solidFill>
+            <a:schemeClr val="bg2"/>
+          </a:solidFill>
+        </p:spPr>
+        <p:style>
+          <a:lnRef idx="2">
+            <a:schemeClr val="accent1">
+              <a:shade val="50000"/>
+            </a:schemeClr>
+          </a:lnRef>
+          <a:fillRef idx="1">
+            <a:schemeClr val="accent1"/>
+          </a:fillRef>
+          <a:effectRef idx="0">
+            <a:schemeClr val="accent1"/>
+          </a:effectRef>
+          <a:fontRef idx="minor">
+            <a:schemeClr val="lt1"/>
+          </a:fontRef>
+        </p:style>
+        <p:txBody>
+          <a:bodyPr rtlCol="0" anchor="ctr"/>
+          <a:lstStyle/>
+          <a:p>
+            <a:pPr algn="ctr"/>
+            <a:r>
+              <a:rPr lang="zh-CN" altLang="en-US" sz="1400" dirty="0">
+                <a:solidFill>
+                  <a:schemeClr val="tx1"/>
+                </a:solidFill>
+              </a:rPr>
+              <a:t>在来源链发送交易结果信息</a:t>
+            </a:r>
+          </a:p>
+        </p:txBody>
+      </p:sp>
+      <p:cxnSp>
+        <p:nvCxnSpPr>
+          <p:cNvPr id="13" name="直接箭头连接符 12">
+            <a:extLst>
+              <a:ext uri="{FF2B5EF4-FFF2-40B4-BE49-F238E27FC236}">
+                <a16:creationId xmlns:a16="http://schemas.microsoft.com/office/drawing/2014/main" id="{65362A81-3BD2-00EC-137D-7CCA6B2559BA}"/>
+              </a:ext>
+            </a:extLst>
+          </p:cNvPr>
+          <p:cNvCxnSpPr>
+            <a:cxnSpLocks/>
+            <a:stCxn id="34" idx="3"/>
+            <a:endCxn id="6" idx="2"/>
+          </p:cNvCxnSpPr>
+          <p:nvPr/>
+        </p:nvCxnSpPr>
+        <p:spPr>
+          <a:xfrm flipV="1">
+            <a:off x="6055048" y="919052"/>
+            <a:ext cx="2298439" cy="2855998"/>
+          </a:xfrm>
+          <a:prstGeom prst="straightConnector1">
+            <a:avLst/>
+          </a:prstGeom>
+          <a:ln>
+            <a:solidFill>
+              <a:srgbClr val="FF0000"/>
+            </a:solidFill>
+            <a:tailEnd type="triangle"/>
+          </a:ln>
+        </p:spPr>
+        <p:style>
+          <a:lnRef idx="1">
+            <a:schemeClr val="accent1"/>
+          </a:lnRef>
+          <a:fillRef idx="0">
+            <a:schemeClr val="accent1"/>
+          </a:fillRef>
+          <a:effectRef idx="0">
+            <a:schemeClr val="accent1"/>
+          </a:effectRef>
+          <a:fontRef idx="minor">
+            <a:schemeClr val="tx1"/>
+          </a:fontRef>
+        </p:style>
+      </p:cxnSp>
+      <p:cxnSp>
+        <p:nvCxnSpPr>
+          <p:cNvPr id="15" name="直接箭头连接符 14">
+            <a:extLst>
+              <a:ext uri="{FF2B5EF4-FFF2-40B4-BE49-F238E27FC236}">
+                <a16:creationId xmlns:a16="http://schemas.microsoft.com/office/drawing/2014/main" id="{DAFABD5F-88D5-C7D5-AC97-44E1EE8809C9}"/>
+              </a:ext>
+            </a:extLst>
+          </p:cNvPr>
+          <p:cNvCxnSpPr>
+            <a:cxnSpLocks/>
+            <a:stCxn id="39" idx="3"/>
+            <a:endCxn id="8" idx="2"/>
+          </p:cNvCxnSpPr>
+          <p:nvPr/>
+        </p:nvCxnSpPr>
+        <p:spPr>
+          <a:xfrm flipV="1">
+            <a:off x="6318209" y="4397432"/>
+            <a:ext cx="2035278" cy="804358"/>
+          </a:xfrm>
+          <a:prstGeom prst="straightConnector1">
+            <a:avLst/>
+          </a:prstGeom>
+          <a:ln>
+            <a:solidFill>
+              <a:srgbClr val="FF0000"/>
+            </a:solidFill>
+            <a:tailEnd type="triangle"/>
+          </a:ln>
+        </p:spPr>
+        <p:style>
+          <a:lnRef idx="1">
+            <a:schemeClr val="accent1"/>
+          </a:lnRef>
+          <a:fillRef idx="0">
+            <a:schemeClr val="accent1"/>
+          </a:fillRef>
+          <a:effectRef idx="0">
+            <a:schemeClr val="accent1"/>
+          </a:effectRef>
+          <a:fontRef idx="minor">
+            <a:schemeClr val="tx1"/>
+          </a:fontRef>
+        </p:style>
+      </p:cxnSp>
+      <p:cxnSp>
+        <p:nvCxnSpPr>
+          <p:cNvPr id="17" name="直接箭头连接符 16">
+            <a:extLst>
+              <a:ext uri="{FF2B5EF4-FFF2-40B4-BE49-F238E27FC236}">
+                <a16:creationId xmlns:a16="http://schemas.microsoft.com/office/drawing/2014/main" id="{54A723B3-F1FB-B3DA-ADA6-DA4EBDEA677B}"/>
+              </a:ext>
+            </a:extLst>
+          </p:cNvPr>
+          <p:cNvCxnSpPr>
+            <a:cxnSpLocks/>
+            <a:endCxn id="9" idx="2"/>
+          </p:cNvCxnSpPr>
+          <p:nvPr/>
+        </p:nvCxnSpPr>
+        <p:spPr>
+          <a:xfrm>
+            <a:off x="6318209" y="5491247"/>
+            <a:ext cx="2035278" cy="18638"/>
+          </a:xfrm>
+          <a:prstGeom prst="straightConnector1">
+            <a:avLst/>
+          </a:prstGeom>
+          <a:ln>
+            <a:solidFill>
+              <a:srgbClr val="FF0000"/>
+            </a:solidFill>
+            <a:tailEnd type="triangle"/>
+          </a:ln>
+        </p:spPr>
+        <p:style>
+          <a:lnRef idx="1">
+            <a:schemeClr val="accent1"/>
+          </a:lnRef>
+          <a:fillRef idx="0">
+            <a:schemeClr val="accent1"/>
+          </a:fillRef>
+          <a:effectRef idx="0">
+            <a:schemeClr val="accent1"/>
+          </a:effectRef>
+          <a:fontRef idx="minor">
+            <a:schemeClr val="tx1"/>
+          </a:fontRef>
+        </p:style>
+      </p:cxnSp>
+      <p:sp>
+        <p:nvSpPr>
+          <p:cNvPr id="28" name="椭圆 27">
+            <a:extLst>
+              <a:ext uri="{FF2B5EF4-FFF2-40B4-BE49-F238E27FC236}">
+                <a16:creationId xmlns:a16="http://schemas.microsoft.com/office/drawing/2014/main" id="{D3A52AD5-1206-9822-0C67-A7F3DD2FFBF6}"/>
+              </a:ext>
+            </a:extLst>
+          </p:cNvPr>
+          <p:cNvSpPr/>
+          <p:nvPr/>
+        </p:nvSpPr>
+        <p:spPr>
+          <a:xfrm>
+            <a:off x="8353487" y="2799043"/>
+            <a:ext cx="2707804" cy="873105"/>
+          </a:xfrm>
+          <a:prstGeom prst="ellipse">
+            <a:avLst/>
+          </a:prstGeom>
+          <a:solidFill>
+            <a:schemeClr val="bg2"/>
+          </a:solidFill>
+        </p:spPr>
+        <p:style>
+          <a:lnRef idx="2">
+            <a:schemeClr val="accent1">
+              <a:shade val="50000"/>
+            </a:schemeClr>
+          </a:lnRef>
+          <a:fillRef idx="1">
+            <a:schemeClr val="accent1"/>
+          </a:fillRef>
+          <a:effectRef idx="0">
+            <a:schemeClr val="accent1"/>
+          </a:effectRef>
+          <a:fontRef idx="minor">
+            <a:schemeClr val="lt1"/>
+          </a:fontRef>
+        </p:style>
+        <p:txBody>
+          <a:bodyPr rtlCol="0" anchor="ctr"/>
+          <a:lstStyle/>
+          <a:p>
+            <a:pPr algn="ctr"/>
+            <a:r>
+              <a:rPr lang="en-US" altLang="zh-CN" sz="1400" dirty="0" err="1">
+                <a:solidFill>
+                  <a:schemeClr val="tx1"/>
+                </a:solidFill>
+              </a:rPr>
+              <a:t>Branchnode</a:t>
+            </a:r>
+            <a:r>
+              <a:rPr lang="zh-CN" altLang="en-US" sz="1400" dirty="0">
+                <a:solidFill>
+                  <a:schemeClr val="tx1"/>
+                </a:solidFill>
+              </a:rPr>
+              <a:t>收到请求，获得来源链信息，账户在来源链发起资产转出请求</a:t>
+            </a:r>
+          </a:p>
+        </p:txBody>
+      </p:sp>
+      <p:cxnSp>
+        <p:nvCxnSpPr>
+          <p:cNvPr id="32" name="直接箭头连接符 31">
+            <a:extLst>
+              <a:ext uri="{FF2B5EF4-FFF2-40B4-BE49-F238E27FC236}">
+                <a16:creationId xmlns:a16="http://schemas.microsoft.com/office/drawing/2014/main" id="{FC1561AF-9B64-879F-354D-6B81C9DBF8BA}"/>
+              </a:ext>
+            </a:extLst>
+          </p:cNvPr>
+          <p:cNvCxnSpPr>
+            <a:cxnSpLocks/>
+            <a:stCxn id="36" idx="3"/>
+            <a:endCxn id="28" idx="2"/>
+          </p:cNvCxnSpPr>
+          <p:nvPr/>
+        </p:nvCxnSpPr>
+        <p:spPr>
+          <a:xfrm flipV="1">
+            <a:off x="6796056" y="3235596"/>
+            <a:ext cx="1557431" cy="1141800"/>
+          </a:xfrm>
+          <a:prstGeom prst="straightConnector1">
+            <a:avLst/>
+          </a:prstGeom>
+          <a:ln>
+            <a:solidFill>
+              <a:srgbClr val="FF0000"/>
+            </a:solidFill>
+            <a:tailEnd type="triangle"/>
+          </a:ln>
+        </p:spPr>
+        <p:style>
+          <a:lnRef idx="1">
+            <a:schemeClr val="accent1"/>
+          </a:lnRef>
+          <a:fillRef idx="0">
+            <a:schemeClr val="accent1"/>
+          </a:fillRef>
+          <a:effectRef idx="0">
+            <a:schemeClr val="accent1"/>
+          </a:effectRef>
+          <a:fontRef idx="minor">
+            <a:schemeClr val="tx1"/>
+          </a:fontRef>
+        </p:style>
+      </p:cxnSp>
+      <p:sp>
+        <p:nvSpPr>
+          <p:cNvPr id="34" name="矩形 33">
+            <a:extLst>
+              <a:ext uri="{FF2B5EF4-FFF2-40B4-BE49-F238E27FC236}">
+                <a16:creationId xmlns:a16="http://schemas.microsoft.com/office/drawing/2014/main" id="{A6AB8022-2103-F54A-C7BC-27B9724444E7}"/>
+              </a:ext>
+            </a:extLst>
+          </p:cNvPr>
+          <p:cNvSpPr/>
+          <p:nvPr/>
+        </p:nvSpPr>
+        <p:spPr>
+          <a:xfrm>
+            <a:off x="1186041" y="3589220"/>
+            <a:ext cx="4869007" cy="371659"/>
+          </a:xfrm>
+          <a:prstGeom prst="rect">
+            <a:avLst/>
+          </a:prstGeom>
+          <a:noFill/>
+          <a:ln>
+            <a:solidFill>
+              <a:srgbClr val="FF0000"/>
+            </a:solidFill>
+          </a:ln>
+        </p:spPr>
+        <p:style>
+          <a:lnRef idx="2">
+            <a:schemeClr val="accent1">
+              <a:shade val="50000"/>
+            </a:schemeClr>
+          </a:lnRef>
+          <a:fillRef idx="1">
+            <a:schemeClr val="accent1"/>
+          </a:fillRef>
+          <a:effectRef idx="0">
+            <a:schemeClr val="accent1"/>
+          </a:effectRef>
+          <a:fontRef idx="minor">
+            <a:schemeClr val="lt1"/>
+          </a:fontRef>
+        </p:style>
+        <p:txBody>
+          <a:bodyPr rtlCol="0" anchor="ctr"/>
+          <a:lstStyle/>
+          <a:p>
+            <a:pPr algn="ctr"/>
+            <a:endParaRPr lang="zh-CN" altLang="en-US" dirty="0"/>
+          </a:p>
+        </p:txBody>
+      </p:sp>
+      <p:sp>
+        <p:nvSpPr>
+          <p:cNvPr id="36" name="矩形 35">
+            <a:extLst>
+              <a:ext uri="{FF2B5EF4-FFF2-40B4-BE49-F238E27FC236}">
+                <a16:creationId xmlns:a16="http://schemas.microsoft.com/office/drawing/2014/main" id="{2F775687-AC5B-EC64-2255-EC9EE8F29249}"/>
+              </a:ext>
+            </a:extLst>
+          </p:cNvPr>
+          <p:cNvSpPr/>
+          <p:nvPr/>
+        </p:nvSpPr>
+        <p:spPr>
+          <a:xfrm>
+            <a:off x="1185769" y="4094152"/>
+            <a:ext cx="5610287" cy="566488"/>
+          </a:xfrm>
+          <a:prstGeom prst="rect">
+            <a:avLst/>
+          </a:prstGeom>
+          <a:noFill/>
+          <a:ln>
+            <a:solidFill>
+              <a:srgbClr val="FF0000"/>
+            </a:solidFill>
+          </a:ln>
+        </p:spPr>
+        <p:style>
+          <a:lnRef idx="2">
+            <a:schemeClr val="accent1">
+              <a:shade val="50000"/>
+            </a:schemeClr>
+          </a:lnRef>
+          <a:fillRef idx="1">
+            <a:schemeClr val="accent1"/>
+          </a:fillRef>
+          <a:effectRef idx="0">
+            <a:schemeClr val="accent1"/>
+          </a:effectRef>
+          <a:fontRef idx="minor">
+            <a:schemeClr val="lt1"/>
+          </a:fontRef>
+        </p:style>
+        <p:txBody>
+          <a:bodyPr rtlCol="0" anchor="ctr"/>
+          <a:lstStyle/>
+          <a:p>
+            <a:pPr algn="ctr"/>
+            <a:endParaRPr lang="zh-CN" altLang="en-US"/>
+          </a:p>
+        </p:txBody>
+      </p:sp>
+      <p:sp>
+        <p:nvSpPr>
+          <p:cNvPr id="39" name="矩形 38">
+            <a:extLst>
+              <a:ext uri="{FF2B5EF4-FFF2-40B4-BE49-F238E27FC236}">
+                <a16:creationId xmlns:a16="http://schemas.microsoft.com/office/drawing/2014/main" id="{8A592DB1-5E7F-167D-F5D3-74102B33C8FD}"/>
+              </a:ext>
+            </a:extLst>
+          </p:cNvPr>
+          <p:cNvSpPr/>
+          <p:nvPr/>
+        </p:nvSpPr>
+        <p:spPr>
+          <a:xfrm>
+            <a:off x="1183731" y="4969650"/>
+            <a:ext cx="5134478" cy="464279"/>
+          </a:xfrm>
+          <a:prstGeom prst="rect">
+            <a:avLst/>
+          </a:prstGeom>
+          <a:noFill/>
+          <a:ln>
+            <a:solidFill>
+              <a:srgbClr val="FF0000"/>
+            </a:solidFill>
+          </a:ln>
+        </p:spPr>
+        <p:style>
+          <a:lnRef idx="2">
+            <a:schemeClr val="accent1">
+              <a:shade val="50000"/>
+            </a:schemeClr>
+          </a:lnRef>
+          <a:fillRef idx="1">
+            <a:schemeClr val="accent1"/>
+          </a:fillRef>
+          <a:effectRef idx="0">
+            <a:schemeClr val="accent1"/>
+          </a:effectRef>
+          <a:fontRef idx="minor">
+            <a:schemeClr val="lt1"/>
+          </a:fontRef>
+        </p:style>
+        <p:txBody>
+          <a:bodyPr rtlCol="0" anchor="ctr"/>
+          <a:lstStyle/>
+          <a:p>
+            <a:pPr algn="ctr"/>
+            <a:endParaRPr lang="zh-CN" altLang="en-US"/>
+          </a:p>
+        </p:txBody>
+      </p:sp>
+    </p:spTree>
+    <p:extLst>
+      <p:ext uri="{BB962C8B-B14F-4D97-AF65-F5344CB8AC3E}">
+        <p14:creationId xmlns:p14="http://schemas.microsoft.com/office/powerpoint/2010/main" val="3250865944"/>
+      </p:ext>
+    </p:extLst>
+  </p:cSld>
+  <p:clrMapOvr>
+    <a:masterClrMapping/>
+  </p:clrMapOvr>
+</p:sld>
+</file>
+
+<file path=ppt/slides/slide12.xml><?xml version="1.0" encoding="utf-8"?>
+<p:sld xmlns:a="http://schemas.openxmlformats.org/drawingml/2006/main" xmlns:r="http://schemas.openxmlformats.org/officeDocument/2006/relationships" xmlns:p="http://schemas.openxmlformats.org/presentationml/2006/main">
+  <p:cSld>
+    <p:spTree>
+      <p:nvGrpSpPr>
+        <p:cNvPr id="1" name=""/>
+        <p:cNvGrpSpPr/>
+        <p:nvPr/>
+      </p:nvGrpSpPr>
+      <p:grpSpPr>
+        <a:xfrm>
+          <a:off x="0" y="0"/>
+          <a:ext cx="0" cy="0"/>
+          <a:chOff x="0" y="0"/>
+          <a:chExt cx="0" cy="0"/>
+        </a:xfrm>
+      </p:grpSpPr>
+      <p:sp>
+        <p:nvSpPr>
+          <p:cNvPr id="2" name="内容占位符 1">
+            <a:extLst>
+              <a:ext uri="{FF2B5EF4-FFF2-40B4-BE49-F238E27FC236}">
+                <a16:creationId xmlns:a16="http://schemas.microsoft.com/office/drawing/2014/main" id="{74B52B29-43DE-789A-0FED-E6CED365C6EE}"/>
+              </a:ext>
+            </a:extLst>
+          </p:cNvPr>
+          <p:cNvSpPr>
+            <a:spLocks noGrp="1"/>
+          </p:cNvSpPr>
+          <p:nvPr>
+            <p:ph idx="1"/>
+          </p:nvPr>
+        </p:nvSpPr>
+        <p:spPr>
+          <a:xfrm>
+            <a:off x="833377" y="2180498"/>
+            <a:ext cx="9661575" cy="3678303"/>
+          </a:xfrm>
+        </p:spPr>
+        <p:txBody>
+          <a:bodyPr>
+            <a:normAutofit/>
+          </a:bodyPr>
+          <a:lstStyle/>
+          <a:p>
+            <a:r>
+              <a:rPr lang="zh-CN" altLang="en-US" sz="2000" dirty="0"/>
+              <a:t>遭遇的阻碍主要有仓库版本的脚本文件的实现不够完善，无法在本机工作，修改并完善了测试脚本，可以实现多账户的不同子链的账户传递</a:t>
+            </a:r>
+            <a:endParaRPr lang="en-US" altLang="zh-CN" sz="2000" dirty="0"/>
+          </a:p>
+          <a:p>
+            <a:endParaRPr lang="en-US" altLang="zh-CN" sz="2000" dirty="0"/>
+          </a:p>
+          <a:p>
+            <a:r>
+              <a:rPr lang="zh-CN" altLang="en-US" sz="2000" dirty="0"/>
+              <a:t>下一阶段的目标是要首先实现以太坊的本地编译，然后，将测试的一些简单的合约代码投入使用实验，设计实验测试脚本；根据实验，完善合约代码</a:t>
+            </a:r>
+            <a:endParaRPr lang="en-US" altLang="zh-CN" sz="2000" dirty="0"/>
+          </a:p>
+          <a:p>
+            <a:endParaRPr lang="en-US" altLang="zh-CN" sz="2000" dirty="0"/>
+          </a:p>
+          <a:p>
+            <a:endParaRPr lang="en-US" altLang="zh-CN" sz="2000" dirty="0"/>
+          </a:p>
+        </p:txBody>
+      </p:sp>
+      <p:sp>
+        <p:nvSpPr>
+          <p:cNvPr id="3" name="标题 2">
+            <a:extLst>
+              <a:ext uri="{FF2B5EF4-FFF2-40B4-BE49-F238E27FC236}">
+                <a16:creationId xmlns:a16="http://schemas.microsoft.com/office/drawing/2014/main" id="{F4F22A0E-8AF0-8D7E-73C9-228A2A23914A}"/>
+              </a:ext>
+            </a:extLst>
+          </p:cNvPr>
+          <p:cNvSpPr>
+            <a:spLocks noGrp="1"/>
+          </p:cNvSpPr>
+          <p:nvPr>
+            <p:ph type="title"/>
+          </p:nvPr>
+        </p:nvSpPr>
+        <p:spPr/>
+        <p:txBody>
+          <a:bodyPr/>
+          <a:lstStyle/>
+          <a:p>
+            <a:r>
+              <a:rPr lang="zh-CN" altLang="en-US" dirty="0"/>
+              <a:t>现有本地实验测试</a:t>
+            </a:r>
+          </a:p>
+        </p:txBody>
+      </p:sp>
+      <p:sp>
+        <p:nvSpPr>
+          <p:cNvPr id="4" name="灯片编号占位符 3">
+            <a:extLst>
+              <a:ext uri="{FF2B5EF4-FFF2-40B4-BE49-F238E27FC236}">
+                <a16:creationId xmlns:a16="http://schemas.microsoft.com/office/drawing/2014/main" id="{A93B0A07-9CAF-D470-3425-0705B00D99AB}"/>
+              </a:ext>
+            </a:extLst>
+          </p:cNvPr>
+          <p:cNvSpPr>
+            <a:spLocks noGrp="1"/>
+          </p:cNvSpPr>
+          <p:nvPr>
+            <p:ph type="sldNum" sz="quarter" idx="12"/>
+          </p:nvPr>
+        </p:nvSpPr>
+        <p:spPr/>
+        <p:txBody>
+          <a:bodyPr/>
+          <a:lstStyle/>
+          <a:p>
+            <a:pPr defTabSz="457200">
+              <a:defRPr/>
+            </a:pPr>
+            <a:fld id="{977BA8E6-E826-B147-AA17-E3D76A29629C}" type="slidenum">
+              <a:rPr kumimoji="1" lang="zh-CN" altLang="en-US" smtClean="0">
+                <a:solidFill>
+                  <a:srgbClr val="5C2F7D"/>
+                </a:solidFill>
+              </a:rPr>
+              <a:pPr defTabSz="457200">
+                <a:defRPr/>
+              </a:pPr>
+              <a:t>12</a:t>
+            </a:fld>
+            <a:endParaRPr kumimoji="1" lang="zh-CN" altLang="en-US" sz="900" dirty="0">
+              <a:solidFill>
+                <a:srgbClr val="5C2F7D"/>
+              </a:solidFill>
+            </a:endParaRPr>
+          </a:p>
+        </p:txBody>
+      </p:sp>
+    </p:spTree>
+    <p:extLst>
+      <p:ext uri="{BB962C8B-B14F-4D97-AF65-F5344CB8AC3E}">
+        <p14:creationId xmlns:p14="http://schemas.microsoft.com/office/powerpoint/2010/main" val="469916035"/>
+      </p:ext>
+    </p:extLst>
+  </p:cSld>
+  <p:clrMapOvr>
+    <a:masterClrMapping/>
+  </p:clrMapOvr>
+</p:sld>
+</file>
+
+<file path=ppt/slides/slide13.xml><?xml version="1.0" encoding="utf-8"?>
+<p:sld xmlns:a="http://schemas.openxmlformats.org/drawingml/2006/main" xmlns:r="http://schemas.openxmlformats.org/officeDocument/2006/relationships" xmlns:p="http://schemas.openxmlformats.org/presentationml/2006/main">
+  <p:cSld>
+    <p:spTree>
+      <p:nvGrpSpPr>
+        <p:cNvPr id="1" name=""/>
+        <p:cNvGrpSpPr/>
+        <p:nvPr/>
+      </p:nvGrpSpPr>
+      <p:grpSpPr>
+        <a:xfrm>
+          <a:off x="0" y="0"/>
+          <a:ext cx="0" cy="0"/>
+          <a:chOff x="0" y="0"/>
+          <a:chExt cx="0" cy="0"/>
+        </a:xfrm>
+      </p:grpSpPr>
+      <p:sp>
+        <p:nvSpPr>
+          <p:cNvPr id="4" name="标题 3">
+            <a:extLst>
+              <a:ext uri="{FF2B5EF4-FFF2-40B4-BE49-F238E27FC236}">
+                <a16:creationId xmlns:a16="http://schemas.microsoft.com/office/drawing/2014/main" id="{CB335FAB-FA8F-41FD-B41F-E4213D79D779}"/>
+              </a:ext>
+            </a:extLst>
+          </p:cNvPr>
+          <p:cNvSpPr>
+            <a:spLocks noGrp="1"/>
+          </p:cNvSpPr>
+          <p:nvPr>
+            <p:ph type="ctrTitle"/>
+          </p:nvPr>
+        </p:nvSpPr>
+        <p:spPr/>
+        <p:txBody>
+          <a:bodyPr>
+            <a:normAutofit/>
+          </a:bodyPr>
+          <a:lstStyle/>
+          <a:p>
+            <a:r>
+              <a:rPr kumimoji="1" lang="zh-CN" altLang="en-US" sz="4400" dirty="0"/>
+              <a:t>三、后续实验检验</a:t>
+            </a:r>
+            <a:endParaRPr lang="zh-CN" altLang="en-US" sz="4400" dirty="0"/>
+          </a:p>
+        </p:txBody>
+      </p:sp>
+      <p:sp>
+        <p:nvSpPr>
+          <p:cNvPr id="2" name="副标题 1">
+            <a:extLst>
+              <a:ext uri="{FF2B5EF4-FFF2-40B4-BE49-F238E27FC236}">
+                <a16:creationId xmlns:a16="http://schemas.microsoft.com/office/drawing/2014/main" id="{A8F96AEE-70D8-4DDF-A547-45EB77DBE4EF}"/>
+              </a:ext>
+            </a:extLst>
+          </p:cNvPr>
+          <p:cNvSpPr>
+            <a:spLocks noGrp="1"/>
+          </p:cNvSpPr>
+          <p:nvPr>
+            <p:ph type="subTitle" idx="1"/>
+          </p:nvPr>
+        </p:nvSpPr>
+        <p:spPr/>
+        <p:txBody>
+          <a:bodyPr/>
+          <a:lstStyle/>
+          <a:p>
+            <a:endParaRPr lang="zh-CN" altLang="en-US" dirty="0"/>
+          </a:p>
+        </p:txBody>
+      </p:sp>
+      <p:sp>
+        <p:nvSpPr>
+          <p:cNvPr id="8" name="灯片编号占位符 7">
+            <a:extLst>
+              <a:ext uri="{FF2B5EF4-FFF2-40B4-BE49-F238E27FC236}">
+                <a16:creationId xmlns:a16="http://schemas.microsoft.com/office/drawing/2014/main" id="{E92D30B2-1734-669C-9E09-7461CCFA5D1C}"/>
+              </a:ext>
+            </a:extLst>
+          </p:cNvPr>
+          <p:cNvSpPr>
+            <a:spLocks noGrp="1"/>
+          </p:cNvSpPr>
+          <p:nvPr>
+            <p:ph type="sldNum" sz="quarter" idx="12"/>
+          </p:nvPr>
+        </p:nvSpPr>
+        <p:spPr/>
+        <p:txBody>
+          <a:bodyPr/>
+          <a:lstStyle/>
+          <a:p>
+            <a:pPr marL="0" marR="0" lvl="0" indent="0" algn="r" defTabSz="457200" rtl="0" eaLnBrk="1" fontAlgn="auto" latinLnBrk="0" hangingPunct="1">
+              <a:lnSpc>
+                <a:spcPct val="100000"/>
+              </a:lnSpc>
+              <a:spcBef>
+                <a:spcPts val="0"/>
+              </a:spcBef>
+              <a:spcAft>
+                <a:spcPts val="0"/>
+              </a:spcAft>
+              <a:buClrTx/>
+              <a:buSzTx/>
+              <a:buFontTx/>
+              <a:buNone/>
+              <a:tabLst/>
+              <a:defRPr/>
+            </a:pPr>
+            <a:fld id="{977BA8E6-E826-B147-AA17-E3D76A29629C}" type="slidenum">
+              <a:rPr kumimoji="1" lang="zh-CN" altLang="en-US" sz="1600" b="0" i="0" u="none" strike="noStrike" kern="1200" cap="none" spc="0" normalizeH="0" baseline="0" noProof="0" smtClean="0">
+                <a:ln>
+                  <a:noFill/>
+                </a:ln>
+                <a:solidFill>
+                  <a:srgbClr val="5C2F7D"/>
+                </a:solidFill>
+                <a:effectLst/>
+                <a:uLnTx/>
+                <a:uFillTx/>
+                <a:latin typeface="Gill Sans MT" panose="020B0502020104020203"/>
+                <a:ea typeface="华文中宋" panose="02010600040101010101" pitchFamily="2" charset="-122"/>
+                <a:cs typeface="+mn-cs"/>
+              </a:rPr>
+              <a:pPr marL="0" marR="0" lvl="0" indent="0" algn="r" defTabSz="457200" rtl="0" eaLnBrk="1" fontAlgn="auto" latinLnBrk="0" hangingPunct="1">
+                <a:lnSpc>
+                  <a:spcPct val="100000"/>
+                </a:lnSpc>
+                <a:spcBef>
+                  <a:spcPts val="0"/>
+                </a:spcBef>
+                <a:spcAft>
+                  <a:spcPts val="0"/>
+                </a:spcAft>
+                <a:buClrTx/>
+                <a:buSzTx/>
+                <a:buFontTx/>
+                <a:buNone/>
+                <a:tabLst/>
+                <a:defRPr/>
+              </a:pPr>
+              <a:t>13</a:t>
+            </a:fld>
+            <a:endParaRPr kumimoji="1" lang="zh-CN" altLang="en-US" sz="1600" b="0" i="0" u="none" strike="noStrike" kern="1200" cap="none" spc="0" normalizeH="0" baseline="0" noProof="0" dirty="0">
+              <a:ln>
+                <a:noFill/>
+              </a:ln>
+              <a:solidFill>
+                <a:srgbClr val="5C2F7D"/>
+              </a:solidFill>
+              <a:effectLst/>
+              <a:uLnTx/>
+              <a:uFillTx/>
+              <a:latin typeface="Gill Sans MT" panose="020B0502020104020203"/>
+              <a:ea typeface="华文中宋" panose="02010600040101010101" pitchFamily="2" charset="-122"/>
+              <a:cs typeface="+mn-cs"/>
+            </a:endParaRPr>
+          </a:p>
+        </p:txBody>
+      </p:sp>
+    </p:spTree>
+    <p:extLst>
+      <p:ext uri="{BB962C8B-B14F-4D97-AF65-F5344CB8AC3E}">
+        <p14:creationId xmlns:p14="http://schemas.microsoft.com/office/powerpoint/2010/main" val="2488631701"/>
+      </p:ext>
+    </p:extLst>
+  </p:cSld>
+  <p:clrMapOvr>
+    <a:masterClrMapping/>
+  </p:clrMapOvr>
+</p:sld>
+</file>
+
+<file path=ppt/slides/slide14.xml><?xml version="1.0" encoding="utf-8"?>
+<p:sld xmlns:a="http://schemas.openxmlformats.org/drawingml/2006/main" xmlns:r="http://schemas.openxmlformats.org/officeDocument/2006/relationships" xmlns:p="http://schemas.openxmlformats.org/presentationml/2006/main">
+  <p:cSld>
+    <p:spTree>
+      <p:nvGrpSpPr>
+        <p:cNvPr id="1" name=""/>
+        <p:cNvGrpSpPr/>
+        <p:nvPr/>
+      </p:nvGrpSpPr>
+      <p:grpSpPr>
+        <a:xfrm>
+          <a:off x="0" y="0"/>
+          <a:ext cx="0" cy="0"/>
+          <a:chOff x="0" y="0"/>
+          <a:chExt cx="0" cy="0"/>
+        </a:xfrm>
+      </p:grpSpPr>
+      <p:sp>
+        <p:nvSpPr>
+          <p:cNvPr id="5" name="内容占位符 4">
+            <a:extLst>
+              <a:ext uri="{FF2B5EF4-FFF2-40B4-BE49-F238E27FC236}">
+                <a16:creationId xmlns:a16="http://schemas.microsoft.com/office/drawing/2014/main" id="{DD553D6F-BC1A-435F-9D69-C092A92466AA}"/>
+              </a:ext>
+            </a:extLst>
+          </p:cNvPr>
+          <p:cNvSpPr>
+            <a:spLocks noGrp="1"/>
+          </p:cNvSpPr>
+          <p:nvPr>
+            <p:ph idx="1"/>
+          </p:nvPr>
+        </p:nvSpPr>
+        <p:spPr>
+          <a:xfrm>
+            <a:off x="835306" y="1608142"/>
+            <a:ext cx="10521388" cy="4766934"/>
+          </a:xfrm>
+        </p:spPr>
+        <p:txBody>
+          <a:bodyPr>
+            <a:normAutofit/>
+          </a:bodyPr>
+          <a:lstStyle/>
+          <a:p>
+            <a:pPr>
+              <a:lnSpc>
+                <a:spcPct val="150000"/>
+              </a:lnSpc>
+            </a:pPr>
+            <a:r>
+              <a:rPr lang="zh-CN" altLang="en-US" sz="2400" b="1" dirty="0">
+                <a:solidFill>
+                  <a:schemeClr val="tx1"/>
+                </a:solidFill>
+                <a:latin typeface="+mn-ea"/>
+                <a:cs typeface="Times New Roman" panose="02020603050405020304" pitchFamily="18" charset="0"/>
+              </a:rPr>
+              <a:t>目标进行的实验测试效果</a:t>
+            </a:r>
+            <a:endParaRPr lang="en-US" altLang="zh-CN" sz="2400" b="1" dirty="0">
+              <a:solidFill>
+                <a:schemeClr val="tx1"/>
+              </a:solidFill>
+              <a:latin typeface="+mn-ea"/>
+              <a:cs typeface="Times New Roman" panose="02020603050405020304" pitchFamily="18" charset="0"/>
+            </a:endParaRPr>
+          </a:p>
+          <a:p>
+            <a:pPr>
+              <a:lnSpc>
+                <a:spcPct val="150000"/>
+              </a:lnSpc>
+            </a:pPr>
+            <a:r>
+              <a:rPr lang="en-US" altLang="zh-CN" sz="1800" kern="0" dirty="0">
+                <a:solidFill>
+                  <a:srgbClr val="000000"/>
+                </a:solidFill>
+                <a:effectLst/>
+                <a:latin typeface="+mn-ea"/>
+              </a:rPr>
+              <a:t>(1)</a:t>
+            </a:r>
+            <a:r>
+              <a:rPr lang="zh-CN" altLang="zh-CN" sz="1800" kern="0" dirty="0">
+                <a:solidFill>
+                  <a:srgbClr val="000000"/>
+                </a:solidFill>
+                <a:effectLst/>
+                <a:latin typeface="+mn-ea"/>
+                <a:cs typeface="Times New Roman" panose="02020603050405020304" pitchFamily="18" charset="0"/>
+              </a:rPr>
+              <a:t>将</a:t>
+            </a:r>
+            <a:r>
+              <a:rPr lang="zh-CN" altLang="en-US" kern="0" dirty="0">
+                <a:solidFill>
+                  <a:srgbClr val="000000"/>
+                </a:solidFill>
+                <a:latin typeface="+mn-ea"/>
+                <a:cs typeface="Times New Roman" panose="02020603050405020304" pitchFamily="18" charset="0"/>
+              </a:rPr>
+              <a:t>每条链</a:t>
+            </a:r>
+            <a:r>
+              <a:rPr lang="zh-CN" altLang="en-US" sz="1800" kern="0" dirty="0">
+                <a:solidFill>
+                  <a:srgbClr val="000000"/>
+                </a:solidFill>
+                <a:effectLst/>
+                <a:latin typeface="+mn-ea"/>
+                <a:cs typeface="Times New Roman" panose="02020603050405020304" pitchFamily="18" charset="0"/>
+              </a:rPr>
+              <a:t>远多于平均值的交易信息投入测试，比较子链间的合并带来的系统的效率提升</a:t>
+            </a:r>
+            <a:endParaRPr lang="en-US" altLang="zh-CN" sz="1800" kern="0" dirty="0">
+              <a:solidFill>
+                <a:srgbClr val="000000"/>
+              </a:solidFill>
+              <a:effectLst/>
+              <a:latin typeface="+mn-ea"/>
+              <a:cs typeface="Times New Roman" panose="02020603050405020304" pitchFamily="18" charset="0"/>
+            </a:endParaRPr>
+          </a:p>
+          <a:p>
+            <a:pPr>
+              <a:lnSpc>
+                <a:spcPct val="150000"/>
+              </a:lnSpc>
+            </a:pPr>
+            <a:r>
+              <a:rPr lang="en-US" altLang="zh-CN" sz="1800" kern="0" dirty="0">
+                <a:solidFill>
+                  <a:srgbClr val="000000"/>
+                </a:solidFill>
+                <a:effectLst/>
+                <a:latin typeface="+mn-ea"/>
+              </a:rPr>
+              <a:t>(2)</a:t>
+            </a:r>
+            <a:r>
+              <a:rPr lang="zh-CN" altLang="zh-CN" sz="1800" kern="0" dirty="0">
+                <a:solidFill>
+                  <a:srgbClr val="000000"/>
+                </a:solidFill>
+                <a:effectLst/>
+                <a:latin typeface="+mn-ea"/>
+                <a:cs typeface="Times New Roman" panose="02020603050405020304" pitchFamily="18" charset="0"/>
+              </a:rPr>
+              <a:t>将</a:t>
+            </a:r>
+            <a:r>
+              <a:rPr lang="zh-CN" altLang="en-US" sz="1800" kern="0" dirty="0">
+                <a:solidFill>
+                  <a:srgbClr val="000000"/>
+                </a:solidFill>
+                <a:effectLst/>
+                <a:latin typeface="+mn-ea"/>
+                <a:cs typeface="Times New Roman" panose="02020603050405020304" pitchFamily="18" charset="0"/>
+              </a:rPr>
+              <a:t>每条连远少于平均值且分布均匀的交易信息投入测试，比较子链间的分支带来的系统的效率提升</a:t>
+            </a:r>
+            <a:endParaRPr lang="en-US" altLang="zh-CN" sz="1800" kern="0" dirty="0">
+              <a:solidFill>
+                <a:srgbClr val="000000"/>
+              </a:solidFill>
+              <a:effectLst/>
+              <a:latin typeface="+mn-ea"/>
+              <a:cs typeface="Times New Roman" panose="02020603050405020304" pitchFamily="18" charset="0"/>
+            </a:endParaRPr>
+          </a:p>
+          <a:p>
+            <a:pPr>
+              <a:lnSpc>
+                <a:spcPct val="150000"/>
+              </a:lnSpc>
+            </a:pPr>
+            <a:endParaRPr lang="en-US" altLang="zh-CN" kern="0" dirty="0">
+              <a:solidFill>
+                <a:srgbClr val="000000"/>
+              </a:solidFill>
+              <a:latin typeface="+mn-ea"/>
+              <a:cs typeface="Times New Roman" panose="02020603050405020304" pitchFamily="18" charset="0"/>
+            </a:endParaRPr>
+          </a:p>
+          <a:p>
+            <a:pPr>
+              <a:lnSpc>
+                <a:spcPct val="150000"/>
+              </a:lnSpc>
+            </a:pPr>
+            <a:r>
+              <a:rPr lang="zh-CN" altLang="en-US" sz="2400" b="1" kern="0" dirty="0">
+                <a:solidFill>
+                  <a:srgbClr val="000000"/>
+                </a:solidFill>
+                <a:effectLst/>
+                <a:latin typeface="+mn-ea"/>
+                <a:cs typeface="Times New Roman" panose="02020603050405020304" pitchFamily="18" charset="0"/>
+              </a:rPr>
+              <a:t>目标检验结果</a:t>
+            </a:r>
+            <a:endParaRPr lang="en-US" altLang="zh-CN" sz="2400" b="1" kern="0" dirty="0">
+              <a:solidFill>
+                <a:srgbClr val="000000"/>
+              </a:solidFill>
+              <a:effectLst/>
+              <a:latin typeface="+mn-ea"/>
+              <a:cs typeface="Times New Roman" panose="02020603050405020304" pitchFamily="18" charset="0"/>
+            </a:endParaRPr>
+          </a:p>
+          <a:p>
+            <a:pPr marL="305992" marR="0" lvl="0" indent="-305992" algn="l" defTabSz="457189" rtl="0" eaLnBrk="1" fontAlgn="auto" latinLnBrk="0" hangingPunct="1">
+              <a:lnSpc>
+                <a:spcPct val="150000"/>
+              </a:lnSpc>
+              <a:spcBef>
+                <a:spcPct val="20000"/>
+              </a:spcBef>
+              <a:spcAft>
+                <a:spcPts val="600"/>
+              </a:spcAft>
+              <a:buClr>
+                <a:srgbClr val="5C2F7D"/>
+              </a:buClr>
+              <a:buSzPct val="92000"/>
+              <a:buFont typeface="Wingdings 2" panose="05020102010507070707" pitchFamily="18" charset="2"/>
+              <a:buChar char=""/>
+              <a:tabLst/>
+              <a:defRPr/>
+            </a:pPr>
+            <a:r>
+              <a:rPr lang="zh-CN" altLang="en-US" kern="0" dirty="0">
+                <a:solidFill>
+                  <a:srgbClr val="000000"/>
+                </a:solidFill>
+                <a:latin typeface="华文中宋" panose="02010600040101010101" pitchFamily="2" charset="-122"/>
+                <a:ea typeface="华文中宋" panose="02010600040101010101" pitchFamily="2" charset="-122"/>
+              </a:rPr>
+              <a:t>给出表格对比，实验结果；考虑影响效果的合约的设计方法</a:t>
+            </a:r>
+            <a:endParaRPr lang="en-US" altLang="zh-CN" sz="2400" b="1" kern="0" dirty="0">
+              <a:solidFill>
+                <a:srgbClr val="000000"/>
+              </a:solidFill>
+              <a:effectLst/>
+              <a:latin typeface="+mn-ea"/>
+              <a:cs typeface="Times New Roman" panose="02020603050405020304" pitchFamily="18" charset="0"/>
+            </a:endParaRPr>
+          </a:p>
+          <a:p>
+            <a:pPr>
+              <a:lnSpc>
+                <a:spcPct val="150000"/>
+              </a:lnSpc>
+            </a:pPr>
+            <a:endParaRPr lang="en-US" altLang="zh-CN" sz="1800" kern="0" dirty="0">
+              <a:solidFill>
+                <a:srgbClr val="000000"/>
+              </a:solidFill>
+              <a:effectLst/>
+              <a:latin typeface="+mn-ea"/>
+            </a:endParaRPr>
+          </a:p>
+        </p:txBody>
+      </p:sp>
+      <p:sp>
+        <p:nvSpPr>
+          <p:cNvPr id="4" name="标题 3">
+            <a:extLst>
+              <a:ext uri="{FF2B5EF4-FFF2-40B4-BE49-F238E27FC236}">
+                <a16:creationId xmlns:a16="http://schemas.microsoft.com/office/drawing/2014/main" id="{CB335FAB-FA8F-41FD-B41F-E4213D79D779}"/>
+              </a:ext>
+            </a:extLst>
+          </p:cNvPr>
+          <p:cNvSpPr>
+            <a:spLocks noGrp="1"/>
+          </p:cNvSpPr>
+          <p:nvPr>
+            <p:ph type="title"/>
+          </p:nvPr>
+        </p:nvSpPr>
+        <p:spPr/>
+        <p:txBody>
+          <a:bodyPr>
+            <a:normAutofit/>
+          </a:bodyPr>
+          <a:lstStyle/>
+          <a:p>
+            <a:r>
+              <a:rPr kumimoji="1" lang="zh-CN" altLang="en-US" dirty="0"/>
+              <a:t>后续的实验测试</a:t>
+            </a:r>
+            <a:endParaRPr lang="zh-CN" altLang="en-US" dirty="0"/>
+          </a:p>
+        </p:txBody>
+      </p:sp>
+      <p:sp>
+        <p:nvSpPr>
+          <p:cNvPr id="8" name="灯片编号占位符 7">
+            <a:extLst>
+              <a:ext uri="{FF2B5EF4-FFF2-40B4-BE49-F238E27FC236}">
+                <a16:creationId xmlns:a16="http://schemas.microsoft.com/office/drawing/2014/main" id="{B4994EF2-2399-5A9D-0FAA-122BAA047CE4}"/>
+              </a:ext>
+            </a:extLst>
+          </p:cNvPr>
+          <p:cNvSpPr>
+            <a:spLocks noGrp="1"/>
+          </p:cNvSpPr>
+          <p:nvPr>
+            <p:ph type="sldNum" sz="quarter" idx="12"/>
+          </p:nvPr>
+        </p:nvSpPr>
+        <p:spPr/>
+        <p:txBody>
+          <a:bodyPr/>
+          <a:lstStyle/>
+          <a:p>
+            <a:pPr defTabSz="457200">
+              <a:defRPr/>
+            </a:pPr>
+            <a:fld id="{977BA8E6-E826-B147-AA17-E3D76A29629C}" type="slidenum">
+              <a:rPr kumimoji="1" lang="zh-CN" altLang="en-US" smtClean="0">
+                <a:solidFill>
+                  <a:srgbClr val="5C2F7D"/>
+                </a:solidFill>
+              </a:rPr>
+              <a:pPr defTabSz="457200">
+                <a:defRPr/>
+              </a:pPr>
+              <a:t>14</a:t>
+            </a:fld>
+            <a:endParaRPr kumimoji="1" lang="zh-CN" altLang="en-US" sz="900" dirty="0">
+              <a:solidFill>
+                <a:srgbClr val="5C2F7D"/>
+              </a:solidFill>
+            </a:endParaRPr>
+          </a:p>
+        </p:txBody>
+      </p:sp>
+    </p:spTree>
+    <p:extLst>
+      <p:ext uri="{BB962C8B-B14F-4D97-AF65-F5344CB8AC3E}">
+        <p14:creationId xmlns:p14="http://schemas.microsoft.com/office/powerpoint/2010/main" val="1619854124"/>
+      </p:ext>
+    </p:extLst>
+  </p:cSld>
+  <p:clrMapOvr>
+    <a:masterClrMapping/>
+  </p:clrMapOvr>
+</p:sld>
+</file>
+
+<file path=ppt/slides/slide15.xml><?xml version="1.0" encoding="utf-8"?>
+<p:sld xmlns:a="http://schemas.openxmlformats.org/drawingml/2006/main" xmlns:r="http://schemas.openxmlformats.org/officeDocument/2006/relationships" xmlns:p="http://schemas.openxmlformats.org/presentationml/2006/main">
+  <p:cSld>
+    <p:spTree>
+      <p:nvGrpSpPr>
+        <p:cNvPr id="1" name=""/>
+        <p:cNvGrpSpPr/>
+        <p:nvPr/>
+      </p:nvGrpSpPr>
+      <p:grpSpPr>
+        <a:xfrm>
+          <a:off x="0" y="0"/>
+          <a:ext cx="0" cy="0"/>
+          <a:chOff x="0" y="0"/>
+          <a:chExt cx="0" cy="0"/>
+        </a:xfrm>
+      </p:grpSpPr>
+      <p:sp>
+        <p:nvSpPr>
+          <p:cNvPr id="4" name="标题 3">
+            <a:extLst>
+              <a:ext uri="{FF2B5EF4-FFF2-40B4-BE49-F238E27FC236}">
+                <a16:creationId xmlns:a16="http://schemas.microsoft.com/office/drawing/2014/main" id="{CB335FAB-FA8F-41FD-B41F-E4213D79D779}"/>
+              </a:ext>
+            </a:extLst>
+          </p:cNvPr>
+          <p:cNvSpPr>
+            <a:spLocks noGrp="1"/>
+          </p:cNvSpPr>
+          <p:nvPr>
+            <p:ph type="ctrTitle"/>
+          </p:nvPr>
+        </p:nvSpPr>
+        <p:spPr/>
+        <p:txBody>
+          <a:bodyPr>
+            <a:normAutofit/>
+          </a:bodyPr>
+          <a:lstStyle/>
+          <a:p>
+            <a:r>
+              <a:rPr kumimoji="1" lang="zh-CN" altLang="en-US" sz="4400" dirty="0"/>
+              <a:t>四、后续时间安排</a:t>
+            </a:r>
+            <a:endParaRPr lang="zh-CN" altLang="en-US" sz="4400" dirty="0"/>
+          </a:p>
+        </p:txBody>
+      </p:sp>
+      <p:sp>
+        <p:nvSpPr>
+          <p:cNvPr id="2" name="副标题 1">
+            <a:extLst>
+              <a:ext uri="{FF2B5EF4-FFF2-40B4-BE49-F238E27FC236}">
+                <a16:creationId xmlns:a16="http://schemas.microsoft.com/office/drawing/2014/main" id="{A8F96AEE-70D8-4DDF-A547-45EB77DBE4EF}"/>
+              </a:ext>
+            </a:extLst>
+          </p:cNvPr>
+          <p:cNvSpPr>
+            <a:spLocks noGrp="1"/>
+          </p:cNvSpPr>
+          <p:nvPr>
+            <p:ph type="subTitle" idx="1"/>
+          </p:nvPr>
+        </p:nvSpPr>
+        <p:spPr/>
+        <p:txBody>
+          <a:bodyPr/>
+          <a:lstStyle/>
+          <a:p>
+            <a:endParaRPr lang="zh-CN" altLang="en-US" dirty="0"/>
+          </a:p>
+        </p:txBody>
+      </p:sp>
+      <p:sp>
+        <p:nvSpPr>
+          <p:cNvPr id="8" name="灯片编号占位符 7">
+            <a:extLst>
+              <a:ext uri="{FF2B5EF4-FFF2-40B4-BE49-F238E27FC236}">
+                <a16:creationId xmlns:a16="http://schemas.microsoft.com/office/drawing/2014/main" id="{4BEDB5C3-E8D4-5CE6-9909-5567CA10302E}"/>
+              </a:ext>
+            </a:extLst>
+          </p:cNvPr>
+          <p:cNvSpPr>
+            <a:spLocks noGrp="1"/>
+          </p:cNvSpPr>
+          <p:nvPr>
+            <p:ph type="sldNum" sz="quarter" idx="12"/>
+          </p:nvPr>
+        </p:nvSpPr>
+        <p:spPr/>
+        <p:txBody>
+          <a:bodyPr/>
+          <a:lstStyle/>
+          <a:p>
+            <a:pPr marL="0" marR="0" lvl="0" indent="0" algn="r" defTabSz="457200" rtl="0" eaLnBrk="1" fontAlgn="auto" latinLnBrk="0" hangingPunct="1">
+              <a:lnSpc>
+                <a:spcPct val="100000"/>
+              </a:lnSpc>
+              <a:spcBef>
+                <a:spcPts val="0"/>
+              </a:spcBef>
+              <a:spcAft>
+                <a:spcPts val="0"/>
+              </a:spcAft>
+              <a:buClrTx/>
+              <a:buSzTx/>
+              <a:buFontTx/>
+              <a:buNone/>
+              <a:tabLst/>
+              <a:defRPr/>
+            </a:pPr>
+            <a:fld id="{977BA8E6-E826-B147-AA17-E3D76A29629C}" type="slidenum">
+              <a:rPr kumimoji="1" lang="zh-CN" altLang="en-US" sz="1600" b="0" i="0" u="none" strike="noStrike" kern="1200" cap="none" spc="0" normalizeH="0" baseline="0" noProof="0" smtClean="0">
+                <a:ln>
+                  <a:noFill/>
+                </a:ln>
+                <a:solidFill>
+                  <a:srgbClr val="5C2F7D"/>
+                </a:solidFill>
+                <a:effectLst/>
+                <a:uLnTx/>
+                <a:uFillTx/>
+                <a:latin typeface="Gill Sans MT" panose="020B0502020104020203"/>
+                <a:ea typeface="华文中宋" panose="02010600040101010101" pitchFamily="2" charset="-122"/>
+                <a:cs typeface="+mn-cs"/>
+              </a:rPr>
+              <a:pPr marL="0" marR="0" lvl="0" indent="0" algn="r" defTabSz="457200" rtl="0" eaLnBrk="1" fontAlgn="auto" latinLnBrk="0" hangingPunct="1">
+                <a:lnSpc>
+                  <a:spcPct val="100000"/>
+                </a:lnSpc>
+                <a:spcBef>
+                  <a:spcPts val="0"/>
+                </a:spcBef>
+                <a:spcAft>
+                  <a:spcPts val="0"/>
+                </a:spcAft>
+                <a:buClrTx/>
+                <a:buSzTx/>
+                <a:buFontTx/>
+                <a:buNone/>
+                <a:tabLst/>
+                <a:defRPr/>
+              </a:pPr>
+              <a:t>15</a:t>
+            </a:fld>
+            <a:endParaRPr kumimoji="1" lang="zh-CN" altLang="en-US" sz="900" b="0" i="0" u="none" strike="noStrike" kern="1200" cap="none" spc="0" normalizeH="0" baseline="0" noProof="0" dirty="0">
+              <a:ln>
+                <a:noFill/>
+              </a:ln>
+              <a:solidFill>
+                <a:srgbClr val="5C2F7D"/>
+              </a:solidFill>
+              <a:effectLst/>
+              <a:uLnTx/>
+              <a:uFillTx/>
+              <a:latin typeface="Gill Sans MT" panose="020B0502020104020203"/>
+              <a:ea typeface="华文中宋" panose="02010600040101010101" pitchFamily="2" charset="-122"/>
+              <a:cs typeface="+mn-cs"/>
+            </a:endParaRPr>
+          </a:p>
+        </p:txBody>
+      </p:sp>
+    </p:spTree>
+    <p:extLst>
+      <p:ext uri="{BB962C8B-B14F-4D97-AF65-F5344CB8AC3E}">
+        <p14:creationId xmlns:p14="http://schemas.microsoft.com/office/powerpoint/2010/main" val="4114347140"/>
+      </p:ext>
+    </p:extLst>
+  </p:cSld>
+  <p:clrMapOvr>
+    <a:masterClrMapping/>
+  </p:clrMapOvr>
+</p:sld>
+</file>
+
+<file path=ppt/slides/slide16.xml><?xml version="1.0" encoding="utf-8"?>
+<p:sld xmlns:a="http://schemas.openxmlformats.org/drawingml/2006/main" xmlns:r="http://schemas.openxmlformats.org/officeDocument/2006/relationships" xmlns:p="http://schemas.openxmlformats.org/presentationml/2006/main">
+  <p:cSld>
+    <p:spTree>
+      <p:nvGrpSpPr>
+        <p:cNvPr id="1" name=""/>
+        <p:cNvGrpSpPr/>
+        <p:nvPr/>
+      </p:nvGrpSpPr>
+      <p:grpSpPr>
+        <a:xfrm>
+          <a:off x="0" y="0"/>
+          <a:ext cx="0" cy="0"/>
+          <a:chOff x="0" y="0"/>
+          <a:chExt cx="0" cy="0"/>
+        </a:xfrm>
+      </p:grpSpPr>
+      <p:sp>
+        <p:nvSpPr>
+          <p:cNvPr id="2" name="内容占位符 1">
+            <a:extLst>
+              <a:ext uri="{FF2B5EF4-FFF2-40B4-BE49-F238E27FC236}">
+                <a16:creationId xmlns:a16="http://schemas.microsoft.com/office/drawing/2014/main" id="{206EE1F6-D73D-DCA7-F479-B9E979543FAE}"/>
+              </a:ext>
+            </a:extLst>
+          </p:cNvPr>
+          <p:cNvSpPr>
+            <a:spLocks noGrp="1"/>
+          </p:cNvSpPr>
+          <p:nvPr>
+            <p:ph idx="1"/>
+          </p:nvPr>
+        </p:nvSpPr>
+        <p:spPr>
+          <a:xfrm>
+            <a:off x="835306" y="1608624"/>
+            <a:ext cx="10188658" cy="4219940"/>
+          </a:xfrm>
+        </p:spPr>
+        <p:txBody>
+          <a:bodyPr>
+            <a:normAutofit fontScale="85000" lnSpcReduction="10000"/>
+          </a:bodyPr>
+          <a:lstStyle/>
+          <a:p>
+            <a:pPr marL="305992" marR="0" lvl="0" indent="-305992" algn="l" defTabSz="457189" rtl="0" eaLnBrk="1" fontAlgn="auto" latinLnBrk="0" hangingPunct="1">
+              <a:lnSpc>
+                <a:spcPct val="150000"/>
+              </a:lnSpc>
+              <a:spcBef>
+                <a:spcPct val="20000"/>
+              </a:spcBef>
+              <a:spcAft>
+                <a:spcPts val="600"/>
+              </a:spcAft>
+              <a:buClr>
+                <a:srgbClr val="5C2F7D"/>
+              </a:buClr>
+              <a:buSzPct val="92000"/>
+              <a:buFont typeface="Wingdings 2" panose="05020102010507070707" pitchFamily="18" charset="2"/>
+              <a:buChar char=""/>
+              <a:tabLst/>
+              <a:defRPr/>
+            </a:pPr>
+            <a:r>
+              <a:rPr lang="zh-CN" altLang="en-US" sz="2000" dirty="0">
+                <a:solidFill>
+                  <a:srgbClr val="000000"/>
+                </a:solidFill>
+              </a:rPr>
+              <a:t>基于现有的资产转移测试，在此基础上先实现子链的合并和分支，</a:t>
+            </a:r>
+            <a:endParaRPr lang="en-US" altLang="zh-CN" sz="2000" dirty="0">
+              <a:solidFill>
+                <a:srgbClr val="000000"/>
+              </a:solidFill>
+            </a:endParaRPr>
+          </a:p>
+          <a:p>
+            <a:pPr marL="305992" marR="0" lvl="0" indent="-305992" algn="l" defTabSz="457189" rtl="0" eaLnBrk="1" fontAlgn="auto" latinLnBrk="0" hangingPunct="1">
+              <a:lnSpc>
+                <a:spcPct val="150000"/>
+              </a:lnSpc>
+              <a:spcBef>
+                <a:spcPct val="20000"/>
+              </a:spcBef>
+              <a:spcAft>
+                <a:spcPts val="600"/>
+              </a:spcAft>
+              <a:buClr>
+                <a:srgbClr val="5C2F7D"/>
+              </a:buClr>
+              <a:buSzPct val="92000"/>
+              <a:buFont typeface="Wingdings 2" panose="05020102010507070707" pitchFamily="18" charset="2"/>
+              <a:buChar char=""/>
+              <a:tabLst/>
+              <a:defRPr/>
+            </a:pPr>
+            <a:r>
+              <a:rPr lang="zh-CN" altLang="en-US" sz="2000" b="0" i="0" u="none" strike="noStrike" dirty="0">
+                <a:solidFill>
+                  <a:srgbClr val="000000"/>
+                </a:solidFill>
+                <a:effectLst/>
+              </a:rPr>
+              <a:t>之后进一步配合脚本自动化实验（或在浏览器中实现可视化实验），测试合约对于系统的交易信息传递速度的提升情况</a:t>
+            </a:r>
+            <a:endParaRPr lang="en-US" altLang="zh-CN" sz="2000" b="0" i="0" u="none" strike="noStrike" dirty="0">
+              <a:solidFill>
+                <a:srgbClr val="000000"/>
+              </a:solidFill>
+              <a:effectLst/>
+            </a:endParaRPr>
+          </a:p>
+          <a:p>
+            <a:pPr marL="305992" marR="0" lvl="0" indent="-305992" algn="l" defTabSz="457189" rtl="0" eaLnBrk="1" fontAlgn="auto" latinLnBrk="0" hangingPunct="1">
+              <a:lnSpc>
+                <a:spcPct val="150000"/>
+              </a:lnSpc>
+              <a:spcBef>
+                <a:spcPct val="20000"/>
+              </a:spcBef>
+              <a:spcAft>
+                <a:spcPts val="600"/>
+              </a:spcAft>
+              <a:buClr>
+                <a:srgbClr val="5C2F7D"/>
+              </a:buClr>
+              <a:buSzPct val="92000"/>
+              <a:buFont typeface="Wingdings 2" panose="05020102010507070707" pitchFamily="18" charset="2"/>
+              <a:buChar char=""/>
+              <a:tabLst/>
+              <a:defRPr/>
+            </a:pPr>
+            <a:r>
+              <a:rPr lang="zh-CN" altLang="en-US" sz="2000" b="0" i="0" u="none" strike="noStrike" dirty="0">
+                <a:solidFill>
+                  <a:srgbClr val="000000"/>
+                </a:solidFill>
+                <a:effectLst/>
+              </a:rPr>
+              <a:t>具体安排</a:t>
+            </a:r>
+            <a:r>
+              <a:rPr lang="zh-CN" altLang="en-US" sz="2000" dirty="0">
+                <a:solidFill>
+                  <a:srgbClr val="000000"/>
+                </a:solidFill>
+              </a:rPr>
+              <a:t>：</a:t>
+            </a:r>
+            <a:endParaRPr lang="en-US" altLang="zh-CN" sz="2000" dirty="0">
+              <a:solidFill>
+                <a:srgbClr val="000000"/>
+              </a:solidFill>
+            </a:endParaRPr>
+          </a:p>
+          <a:p>
+            <a:pPr marL="305992" marR="0" lvl="0" indent="-305992" algn="l" defTabSz="457189" rtl="0" eaLnBrk="1" fontAlgn="auto" latinLnBrk="0" hangingPunct="1">
+              <a:lnSpc>
+                <a:spcPct val="150000"/>
+              </a:lnSpc>
+              <a:spcBef>
+                <a:spcPct val="20000"/>
+              </a:spcBef>
+              <a:spcAft>
+                <a:spcPts val="600"/>
+              </a:spcAft>
+              <a:buClr>
+                <a:srgbClr val="5C2F7D"/>
+              </a:buClr>
+              <a:buSzPct val="92000"/>
+              <a:buFont typeface="Wingdings 2" panose="05020102010507070707" pitchFamily="18" charset="2"/>
+              <a:buChar char=""/>
+              <a:tabLst/>
+              <a:defRPr/>
+            </a:pPr>
+            <a:r>
+              <a:rPr lang="zh-CN" altLang="en-US" sz="2000" b="0" i="0" u="none" strike="noStrike" dirty="0">
+                <a:solidFill>
+                  <a:srgbClr val="000000"/>
+                </a:solidFill>
+                <a:effectLst/>
+              </a:rPr>
+              <a:t>第七周收尾现有的</a:t>
+            </a:r>
+            <a:r>
+              <a:rPr lang="zh-CN" altLang="en-US" sz="2000" dirty="0"/>
+              <a:t>完成现有的资产转移测试实验，继续合约代码的学习，截止到第八周给出初版代码</a:t>
+            </a:r>
+            <a:endParaRPr lang="en-US" altLang="zh-CN" sz="2000" dirty="0"/>
+          </a:p>
+          <a:p>
+            <a:pPr>
+              <a:lnSpc>
+                <a:spcPct val="150000"/>
+              </a:lnSpc>
+              <a:buClr>
+                <a:srgbClr val="5C2F7D"/>
+              </a:buClr>
+              <a:defRPr/>
+            </a:pPr>
+            <a:r>
+              <a:rPr lang="zh-CN" altLang="en-US" sz="2000" dirty="0"/>
+              <a:t>第九周，第十周主体要继续完善代码，整合系统进行实验，实现性能优化，列出表格反映变化情况</a:t>
+            </a:r>
+            <a:endParaRPr lang="en-US" altLang="zh-CN" sz="2000" dirty="0"/>
+          </a:p>
+          <a:p>
+            <a:pPr>
+              <a:lnSpc>
+                <a:spcPct val="150000"/>
+              </a:lnSpc>
+              <a:buClr>
+                <a:srgbClr val="5C2F7D"/>
+              </a:buClr>
+              <a:defRPr/>
+            </a:pPr>
+            <a:r>
+              <a:rPr lang="zh-CN" altLang="en-US" sz="2000" dirty="0"/>
+              <a:t>第十一十二周，完成基本结论，同时，若允许则进一步研究跨区域的合约内容，开始准备论文</a:t>
+            </a:r>
+            <a:endParaRPr lang="en-US" altLang="zh-CN" sz="2000" dirty="0"/>
+          </a:p>
+          <a:p>
+            <a:pPr>
+              <a:lnSpc>
+                <a:spcPct val="150000"/>
+              </a:lnSpc>
+              <a:buClr>
+                <a:srgbClr val="5C2F7D"/>
+              </a:buClr>
+              <a:defRPr/>
+            </a:pPr>
+            <a:r>
+              <a:rPr lang="zh-CN" altLang="en-US" sz="2000" dirty="0"/>
+              <a:t>后续完成论文与答辩</a:t>
+            </a:r>
+          </a:p>
+          <a:p>
+            <a:pPr marL="305992" marR="0" lvl="0" indent="-305992" algn="l" defTabSz="457189" rtl="0" eaLnBrk="1" fontAlgn="auto" latinLnBrk="0" hangingPunct="1">
+              <a:lnSpc>
+                <a:spcPct val="150000"/>
+              </a:lnSpc>
+              <a:spcBef>
+                <a:spcPct val="20000"/>
+              </a:spcBef>
+              <a:spcAft>
+                <a:spcPts val="600"/>
+              </a:spcAft>
+              <a:buClr>
+                <a:srgbClr val="5C2F7D"/>
+              </a:buClr>
+              <a:buSzPct val="92000"/>
+              <a:buFont typeface="Wingdings 2" panose="05020102010507070707" pitchFamily="18" charset="2"/>
+              <a:buChar char=""/>
+              <a:tabLst/>
+              <a:defRPr/>
+            </a:pPr>
+            <a:endParaRPr lang="en-US" altLang="zh-CN" sz="2000" dirty="0"/>
+          </a:p>
+          <a:p>
+            <a:pPr marL="305992" marR="0" lvl="0" indent="-305992" algn="l" defTabSz="457189" rtl="0" eaLnBrk="1" fontAlgn="auto" latinLnBrk="0" hangingPunct="1">
+              <a:lnSpc>
+                <a:spcPct val="150000"/>
+              </a:lnSpc>
+              <a:spcBef>
+                <a:spcPct val="20000"/>
+              </a:spcBef>
+              <a:spcAft>
+                <a:spcPts val="600"/>
+              </a:spcAft>
+              <a:buClr>
+                <a:srgbClr val="5C2F7D"/>
+              </a:buClr>
+              <a:buSzPct val="92000"/>
+              <a:buFont typeface="Wingdings 2" panose="05020102010507070707" pitchFamily="18" charset="2"/>
+              <a:buChar char=""/>
+              <a:tabLst/>
+              <a:defRPr/>
+            </a:pPr>
+            <a:endParaRPr lang="en-US" altLang="zh-CN" sz="2000" dirty="0"/>
+          </a:p>
+          <a:p>
+            <a:pPr marL="305992" marR="0" lvl="0" indent="-305992" algn="l" defTabSz="457189" rtl="0" eaLnBrk="1" fontAlgn="auto" latinLnBrk="0" hangingPunct="1">
+              <a:lnSpc>
+                <a:spcPct val="150000"/>
+              </a:lnSpc>
+              <a:spcBef>
+                <a:spcPct val="20000"/>
+              </a:spcBef>
+              <a:spcAft>
+                <a:spcPts val="600"/>
+              </a:spcAft>
+              <a:buClr>
+                <a:srgbClr val="5C2F7D"/>
+              </a:buClr>
+              <a:buSzPct val="92000"/>
+              <a:buFont typeface="Wingdings 2" panose="05020102010507070707" pitchFamily="18" charset="2"/>
+              <a:buChar char=""/>
+              <a:tabLst/>
+              <a:defRPr/>
+            </a:pPr>
+            <a:endParaRPr lang="en-US" altLang="zh-CN" sz="2000" dirty="0"/>
+          </a:p>
+          <a:p>
+            <a:pPr marL="305992" marR="0" lvl="0" indent="-305992" algn="l" defTabSz="457189" rtl="0" eaLnBrk="1" fontAlgn="auto" latinLnBrk="0" hangingPunct="1">
+              <a:lnSpc>
+                <a:spcPct val="150000"/>
+              </a:lnSpc>
+              <a:spcBef>
+                <a:spcPct val="20000"/>
+              </a:spcBef>
+              <a:spcAft>
+                <a:spcPts val="600"/>
+              </a:spcAft>
+              <a:buClr>
+                <a:srgbClr val="5C2F7D"/>
+              </a:buClr>
+              <a:buSzPct val="92000"/>
+              <a:buFont typeface="Wingdings 2" panose="05020102010507070707" pitchFamily="18" charset="2"/>
+              <a:buChar char=""/>
+              <a:tabLst/>
+              <a:defRPr/>
+            </a:pPr>
+            <a:endParaRPr lang="en-US" altLang="zh-CN" sz="2000" dirty="0"/>
+          </a:p>
+          <a:p>
+            <a:pPr marL="305992" marR="0" lvl="0" indent="-305992" algn="l" defTabSz="457189" rtl="0" eaLnBrk="1" fontAlgn="auto" latinLnBrk="0" hangingPunct="1">
+              <a:lnSpc>
+                <a:spcPct val="150000"/>
+              </a:lnSpc>
+              <a:spcBef>
+                <a:spcPct val="20000"/>
+              </a:spcBef>
+              <a:spcAft>
+                <a:spcPts val="600"/>
+              </a:spcAft>
+              <a:buClr>
+                <a:srgbClr val="5C2F7D"/>
+              </a:buClr>
+              <a:buSzPct val="92000"/>
+              <a:buFont typeface="Wingdings 2" panose="05020102010507070707" pitchFamily="18" charset="2"/>
+              <a:buChar char=""/>
+              <a:tabLst/>
+              <a:defRPr/>
+            </a:pPr>
+            <a:endParaRPr lang="en-US" altLang="zh-CN" sz="2000" dirty="0"/>
+          </a:p>
+          <a:p>
+            <a:pPr marL="0" marR="0" lvl="0" indent="0" algn="l" defTabSz="457189" rtl="0" eaLnBrk="1" fontAlgn="auto" latinLnBrk="0" hangingPunct="1">
+              <a:lnSpc>
+                <a:spcPct val="150000"/>
+              </a:lnSpc>
+              <a:spcBef>
+                <a:spcPct val="20000"/>
+              </a:spcBef>
+              <a:spcAft>
+                <a:spcPts val="600"/>
+              </a:spcAft>
+              <a:buClr>
+                <a:srgbClr val="5C2F7D"/>
+              </a:buClr>
+              <a:buSzPct val="92000"/>
+              <a:buNone/>
+              <a:tabLst/>
+              <a:defRPr/>
+            </a:pPr>
+            <a:endParaRPr lang="en-US" altLang="zh-CN" sz="2000" dirty="0"/>
+          </a:p>
+          <a:p>
+            <a:pPr marL="305992" marR="0" lvl="0" indent="-305992" algn="l" defTabSz="457189" rtl="0" eaLnBrk="1" fontAlgn="auto" latinLnBrk="0" hangingPunct="1">
+              <a:lnSpc>
+                <a:spcPct val="150000"/>
+              </a:lnSpc>
+              <a:spcBef>
+                <a:spcPct val="20000"/>
+              </a:spcBef>
+              <a:spcAft>
+                <a:spcPts val="600"/>
+              </a:spcAft>
+              <a:buClr>
+                <a:srgbClr val="5C2F7D"/>
+              </a:buClr>
+              <a:buSzPct val="92000"/>
+              <a:buFont typeface="Wingdings 2" panose="05020102010507070707" pitchFamily="18" charset="2"/>
+              <a:buChar char=""/>
+              <a:tabLst/>
+              <a:defRPr/>
+            </a:pPr>
+            <a:endParaRPr lang="en-US" altLang="zh-CN" sz="2000" b="0" i="0" u="none" strike="noStrike" dirty="0">
+              <a:solidFill>
+                <a:srgbClr val="000000"/>
+              </a:solidFill>
+              <a:effectLst/>
+            </a:endParaRPr>
+          </a:p>
+          <a:p>
+            <a:pPr marL="305992" marR="0" lvl="0" indent="-305992" algn="l" defTabSz="457189" rtl="0" eaLnBrk="1" fontAlgn="auto" latinLnBrk="0" hangingPunct="1">
+              <a:lnSpc>
+                <a:spcPct val="150000"/>
+              </a:lnSpc>
+              <a:spcBef>
+                <a:spcPct val="20000"/>
+              </a:spcBef>
+              <a:spcAft>
+                <a:spcPts val="600"/>
+              </a:spcAft>
+              <a:buClr>
+                <a:srgbClr val="5C2F7D"/>
+              </a:buClr>
+              <a:buSzPct val="92000"/>
+              <a:buFont typeface="Wingdings 2" panose="05020102010507070707" pitchFamily="18" charset="2"/>
+              <a:buChar char=""/>
+              <a:tabLst/>
+              <a:defRPr/>
+            </a:pPr>
+            <a:endParaRPr lang="en-US" altLang="zh-CN" sz="2000" dirty="0">
+              <a:solidFill>
+                <a:srgbClr val="000000"/>
+              </a:solidFill>
+            </a:endParaRPr>
+          </a:p>
+          <a:p>
+            <a:pPr marL="305992" marR="0" lvl="0" indent="-305992" algn="l" defTabSz="457189" rtl="0" eaLnBrk="1" fontAlgn="auto" latinLnBrk="0" hangingPunct="1">
+              <a:lnSpc>
+                <a:spcPct val="150000"/>
+              </a:lnSpc>
+              <a:spcBef>
+                <a:spcPct val="20000"/>
+              </a:spcBef>
+              <a:spcAft>
+                <a:spcPts val="600"/>
+              </a:spcAft>
+              <a:buClr>
+                <a:srgbClr val="5C2F7D"/>
+              </a:buClr>
+              <a:buSzPct val="92000"/>
+              <a:buFont typeface="Wingdings 2" panose="05020102010507070707" pitchFamily="18" charset="2"/>
+              <a:buChar char=""/>
+              <a:tabLst/>
+              <a:defRPr/>
+            </a:pPr>
+            <a:endParaRPr lang="en-US" altLang="zh-CN" sz="2000" b="0" i="0" u="none" strike="noStrike" dirty="0">
+              <a:solidFill>
+                <a:srgbClr val="000000"/>
+              </a:solidFill>
+              <a:effectLst/>
+            </a:endParaRPr>
+          </a:p>
+          <a:p>
+            <a:pPr marL="342900" indent="-342900">
+              <a:lnSpc>
+                <a:spcPct val="150000"/>
+              </a:lnSpc>
+              <a:buFont typeface="Wingdings" panose="05000000000000000000" pitchFamily="2" charset="2"/>
+              <a:buChar char="n"/>
+            </a:pPr>
+            <a:endParaRPr lang="en-US" altLang="zh-CN" sz="2000" dirty="0">
+              <a:solidFill>
+                <a:schemeClr val="tx1"/>
+              </a:solidFill>
+              <a:latin typeface="+mn-ea"/>
+              <a:cs typeface="Times New Roman" panose="02020603050405020304" pitchFamily="18" charset="0"/>
+            </a:endParaRPr>
+          </a:p>
+          <a:p>
+            <a:endParaRPr lang="zh-CN" altLang="en-US" dirty="0"/>
+          </a:p>
+        </p:txBody>
+      </p:sp>
+      <p:sp>
+        <p:nvSpPr>
+          <p:cNvPr id="3" name="标题 2">
+            <a:extLst>
+              <a:ext uri="{FF2B5EF4-FFF2-40B4-BE49-F238E27FC236}">
+                <a16:creationId xmlns:a16="http://schemas.microsoft.com/office/drawing/2014/main" id="{D1231313-0329-94F7-64F0-C5A39F52673A}"/>
+              </a:ext>
+            </a:extLst>
+          </p:cNvPr>
+          <p:cNvSpPr>
+            <a:spLocks noGrp="1"/>
+          </p:cNvSpPr>
+          <p:nvPr>
+            <p:ph type="title"/>
+          </p:nvPr>
+        </p:nvSpPr>
+        <p:spPr/>
+        <p:txBody>
+          <a:bodyPr/>
+          <a:lstStyle/>
+          <a:p>
+            <a:r>
+              <a:rPr kumimoji="1" lang="zh-CN" altLang="en-US" dirty="0"/>
+              <a:t>后续</a:t>
+            </a:r>
+            <a:r>
+              <a:rPr kumimoji="1" lang="zh-CN" altLang="en-US" sz="2800" dirty="0"/>
+              <a:t>安排</a:t>
+            </a:r>
+            <a:endParaRPr lang="zh-CN" altLang="en-US" dirty="0"/>
+          </a:p>
+        </p:txBody>
+      </p:sp>
+      <p:sp>
+        <p:nvSpPr>
+          <p:cNvPr id="9" name="灯片编号占位符 8">
+            <a:extLst>
+              <a:ext uri="{FF2B5EF4-FFF2-40B4-BE49-F238E27FC236}">
+                <a16:creationId xmlns:a16="http://schemas.microsoft.com/office/drawing/2014/main" id="{76C1092A-70E7-AE01-5F6F-FAFF602D278D}"/>
+              </a:ext>
+            </a:extLst>
+          </p:cNvPr>
+          <p:cNvSpPr>
+            <a:spLocks noGrp="1"/>
+          </p:cNvSpPr>
+          <p:nvPr>
+            <p:ph type="sldNum" sz="quarter" idx="12"/>
+          </p:nvPr>
+        </p:nvSpPr>
+        <p:spPr/>
+        <p:txBody>
+          <a:bodyPr/>
+          <a:lstStyle/>
+          <a:p>
+            <a:pPr defTabSz="457200">
+              <a:defRPr/>
+            </a:pPr>
+            <a:fld id="{977BA8E6-E826-B147-AA17-E3D76A29629C}" type="slidenum">
+              <a:rPr kumimoji="1" lang="zh-CN" altLang="en-US" smtClean="0">
+                <a:solidFill>
+                  <a:srgbClr val="5C2F7D"/>
+                </a:solidFill>
+              </a:rPr>
+              <a:pPr defTabSz="457200">
+                <a:defRPr/>
+              </a:pPr>
+              <a:t>16</a:t>
+            </a:fld>
+            <a:endParaRPr kumimoji="1" lang="zh-CN" altLang="en-US" sz="900" dirty="0">
+              <a:solidFill>
+                <a:srgbClr val="5C2F7D"/>
+              </a:solidFill>
+            </a:endParaRPr>
+          </a:p>
+        </p:txBody>
+      </p:sp>
+    </p:spTree>
+    <p:extLst>
+      <p:ext uri="{BB962C8B-B14F-4D97-AF65-F5344CB8AC3E}">
+        <p14:creationId xmlns:p14="http://schemas.microsoft.com/office/powerpoint/2010/main" val="782053055"/>
+      </p:ext>
+    </p:extLst>
+  </p:cSld>
+  <p:clrMapOvr>
+    <a:masterClrMapping/>
+  </p:clrMapOvr>
+</p:sld>
+</file>
+
+<file path=ppt/slides/slide17.xml><?xml version="1.0" encoding="utf-8"?>
+<p:sld xmlns:a="http://schemas.openxmlformats.org/drawingml/2006/main" xmlns:r="http://schemas.openxmlformats.org/officeDocument/2006/relationships" xmlns:p="http://schemas.openxmlformats.org/presentationml/2006/main">
+  <p:cSld>
+    <p:spTree>
+      <p:nvGrpSpPr>
+        <p:cNvPr id="1" name=""/>
+        <p:cNvGrpSpPr/>
+        <p:nvPr/>
+      </p:nvGrpSpPr>
+      <p:grpSpPr>
+        <a:xfrm>
+          <a:off x="0" y="0"/>
+          <a:ext cx="0" cy="0"/>
+          <a:chOff x="0" y="0"/>
+          <a:chExt cx="0" cy="0"/>
+        </a:xfrm>
+      </p:grpSpPr>
+      <p:sp>
+        <p:nvSpPr>
+          <p:cNvPr id="3" name="标题 2">
+            <a:extLst>
+              <a:ext uri="{FF2B5EF4-FFF2-40B4-BE49-F238E27FC236}">
+                <a16:creationId xmlns:a16="http://schemas.microsoft.com/office/drawing/2014/main" id="{8195E887-5571-8744-C6F3-074A61618083}"/>
+              </a:ext>
+            </a:extLst>
+          </p:cNvPr>
+          <p:cNvSpPr>
+            <a:spLocks noGrp="1"/>
+          </p:cNvSpPr>
+          <p:nvPr>
+            <p:ph type="title"/>
+          </p:nvPr>
+        </p:nvSpPr>
+        <p:spPr/>
+        <p:txBody>
+          <a:bodyPr/>
+          <a:lstStyle/>
+          <a:p>
+            <a:r>
+              <a:rPr lang="zh-CN" altLang="en-US" dirty="0"/>
+              <a:t>时间表</a:t>
+            </a:r>
+          </a:p>
+        </p:txBody>
+      </p:sp>
+      <p:sp>
+        <p:nvSpPr>
+          <p:cNvPr id="4" name="灯片编号占位符 3">
+            <a:extLst>
+              <a:ext uri="{FF2B5EF4-FFF2-40B4-BE49-F238E27FC236}">
+                <a16:creationId xmlns:a16="http://schemas.microsoft.com/office/drawing/2014/main" id="{D121742F-2353-11E1-AC96-45716F689536}"/>
+              </a:ext>
+            </a:extLst>
+          </p:cNvPr>
+          <p:cNvSpPr>
+            <a:spLocks noGrp="1"/>
+          </p:cNvSpPr>
+          <p:nvPr>
+            <p:ph type="sldNum" sz="quarter" idx="12"/>
+          </p:nvPr>
+        </p:nvSpPr>
+        <p:spPr/>
+        <p:txBody>
+          <a:bodyPr/>
+          <a:lstStyle/>
+          <a:p>
+            <a:pPr defTabSz="457200">
+              <a:defRPr/>
+            </a:pPr>
+            <a:fld id="{977BA8E6-E826-B147-AA17-E3D76A29629C}" type="slidenum">
+              <a:rPr kumimoji="1" lang="zh-CN" altLang="en-US" smtClean="0">
+                <a:solidFill>
+                  <a:srgbClr val="5C2F7D"/>
+                </a:solidFill>
+              </a:rPr>
+              <a:pPr defTabSz="457200">
+                <a:defRPr/>
+              </a:pPr>
+              <a:t>17</a:t>
+            </a:fld>
+            <a:endParaRPr kumimoji="1" lang="zh-CN" altLang="en-US" sz="900" dirty="0">
+              <a:solidFill>
+                <a:srgbClr val="5C2F7D"/>
+              </a:solidFill>
+            </a:endParaRPr>
+          </a:p>
+        </p:txBody>
+      </p:sp>
+      <p:graphicFrame>
+        <p:nvGraphicFramePr>
+          <p:cNvPr id="5" name="内容占位符 4">
+            <a:extLst>
+              <a:ext uri="{FF2B5EF4-FFF2-40B4-BE49-F238E27FC236}">
+                <a16:creationId xmlns:a16="http://schemas.microsoft.com/office/drawing/2014/main" id="{3C55FF6B-2C8F-301D-1AF2-0B591608AC96}"/>
+              </a:ext>
+            </a:extLst>
+          </p:cNvPr>
+          <p:cNvGraphicFramePr>
+            <a:graphicFrameLocks noGrp="1"/>
+          </p:cNvGraphicFramePr>
+          <p:nvPr>
+            <p:ph idx="1"/>
+            <p:extLst>
+              <p:ext uri="{D42A27DB-BD31-4B8C-83A1-F6EECF244321}">
+                <p14:modId xmlns:p14="http://schemas.microsoft.com/office/powerpoint/2010/main" val="929352200"/>
+              </p:ext>
+            </p:extLst>
+          </p:nvPr>
+        </p:nvGraphicFramePr>
+        <p:xfrm>
+          <a:off x="833438" y="2181225"/>
+          <a:ext cx="10450160" cy="3506750"/>
+        </p:xfrm>
+        <a:graphic>
+          <a:graphicData uri="http://schemas.openxmlformats.org/drawingml/2006/table">
+            <a:tbl>
+              <a:tblPr firstRow="1" bandRow="1">
+                <a:tableStyleId>{5C22544A-7EE6-4342-B048-85BDC9FD1C3A}</a:tableStyleId>
+              </a:tblPr>
+              <a:tblGrid>
+                <a:gridCol w="2832949">
+                  <a:extLst>
+                    <a:ext uri="{9D8B030D-6E8A-4147-A177-3AD203B41FA5}">
+                      <a16:colId xmlns:a16="http://schemas.microsoft.com/office/drawing/2014/main" val="4002552074"/>
+                    </a:ext>
+                  </a:extLst>
+                </a:gridCol>
+                <a:gridCol w="7617211">
+                  <a:extLst>
+                    <a:ext uri="{9D8B030D-6E8A-4147-A177-3AD203B41FA5}">
+                      <a16:colId xmlns:a16="http://schemas.microsoft.com/office/drawing/2014/main" val="3828062433"/>
+                    </a:ext>
+                  </a:extLst>
+                </a:gridCol>
+              </a:tblGrid>
+              <a:tr h="0">
+                <a:tc>
+                  <a:txBody>
+                    <a:bodyPr/>
+                    <a:lstStyle/>
+                    <a:p>
+                      <a:pPr algn="ctr"/>
+                      <a:r>
+                        <a:rPr lang="zh-CN" altLang="en-US" dirty="0"/>
+                        <a:t>时间</a:t>
+                      </a:r>
+                    </a:p>
+                  </a:txBody>
+                  <a:tcPr/>
+                </a:tc>
+                <a:tc>
+                  <a:txBody>
+                    <a:bodyPr/>
+                    <a:lstStyle/>
+                    <a:p>
+                      <a:pPr algn="ctr"/>
+                      <a:r>
+                        <a:rPr lang="zh-CN" altLang="en-US" dirty="0"/>
+                        <a:t>工作</a:t>
+                      </a:r>
+                    </a:p>
+                  </a:txBody>
+                  <a:tcPr/>
+                </a:tc>
+                <a:extLst>
+                  <a:ext uri="{0D108BD9-81ED-4DB2-BD59-A6C34878D82A}">
+                    <a16:rowId xmlns:a16="http://schemas.microsoft.com/office/drawing/2014/main" val="707824170"/>
+                  </a:ext>
+                </a:extLst>
+              </a:tr>
+              <a:tr h="445086">
+                <a:tc>
+                  <a:txBody>
+                    <a:bodyPr/>
+                    <a:lstStyle/>
+                    <a:p>
+                      <a:r>
+                        <a:rPr lang="en-US" altLang="zh-CN" dirty="0"/>
+                        <a:t>2022.4.1—2023.4.14</a:t>
+                      </a:r>
+                      <a:endParaRPr lang="zh-CN" altLang="en-US" dirty="0"/>
+                    </a:p>
+                  </a:txBody>
+                  <a:tcPr/>
+                </a:tc>
+                <a:tc>
+                  <a:txBody>
+                    <a:bodyPr/>
+                    <a:lstStyle/>
+                    <a:p>
+                      <a:r>
+                        <a:rPr lang="zh-CN" altLang="en-US" dirty="0"/>
+                        <a:t>完成现有的资产转移测试实验，继续合约代码的学习，给出初版代码</a:t>
+                      </a:r>
+                    </a:p>
+                  </a:txBody>
+                  <a:tcPr/>
+                </a:tc>
+                <a:extLst>
+                  <a:ext uri="{0D108BD9-81ED-4DB2-BD59-A6C34878D82A}">
+                    <a16:rowId xmlns:a16="http://schemas.microsoft.com/office/drawing/2014/main" val="3556502327"/>
+                  </a:ext>
+                </a:extLst>
+              </a:tr>
+              <a:tr h="445086">
+                <a:tc>
+                  <a:txBody>
+                    <a:bodyPr/>
+                    <a:lstStyle/>
+                    <a:p>
+                      <a:r>
+                        <a:rPr lang="en-US" altLang="zh-CN" dirty="0"/>
+                        <a:t>2023.4.15—2023.4.30</a:t>
+                      </a:r>
+                      <a:endParaRPr lang="zh-CN" altLang="en-US" dirty="0"/>
+                    </a:p>
+                  </a:txBody>
+                  <a:tcPr/>
+                </a:tc>
+                <a:tc>
+                  <a:txBody>
+                    <a:bodyPr/>
+                    <a:lstStyle/>
+                    <a:p>
+                      <a:r>
+                        <a:rPr lang="zh-CN" altLang="en-US" dirty="0"/>
+                        <a:t>继续完善代码，整合系统开始实验，编写自动化测试脚本，实现性能测试及优化，进一步研究哪项指标会影响到其性能同时测试指标参数对性能的影响情况</a:t>
+                      </a:r>
+                    </a:p>
+                  </a:txBody>
+                  <a:tcPr/>
+                </a:tc>
+                <a:extLst>
+                  <a:ext uri="{0D108BD9-81ED-4DB2-BD59-A6C34878D82A}">
+                    <a16:rowId xmlns:a16="http://schemas.microsoft.com/office/drawing/2014/main" val="85352621"/>
+                  </a:ext>
+                </a:extLst>
+              </a:tr>
+              <a:tr h="891332">
+                <a:tc>
+                  <a:txBody>
+                    <a:bodyPr/>
+                    <a:lstStyle/>
+                    <a:p>
+                      <a:r>
+                        <a:rPr lang="en-US" altLang="zh-CN" dirty="0"/>
+                        <a:t>2023.5.1—2023.5.14</a:t>
+                      </a:r>
+                      <a:endParaRPr lang="zh-CN" altLang="en-US" dirty="0"/>
+                    </a:p>
+                  </a:txBody>
+                  <a:tcPr/>
+                </a:tc>
+                <a:tc>
+                  <a:txBody>
+                    <a:bodyPr/>
+                    <a:lstStyle/>
+                    <a:p>
+                      <a:r>
+                        <a:rPr lang="zh-CN" altLang="en-US" dirty="0"/>
+                        <a:t>尝试基于该项目设定相应协议以提高交流速率；</a:t>
+                      </a:r>
+                      <a:endParaRPr lang="en-US" altLang="zh-CN" dirty="0"/>
+                    </a:p>
+                    <a:p>
+                      <a:r>
+                        <a:rPr lang="zh-CN" altLang="en-US" dirty="0"/>
+                        <a:t>同时，若允许则进一步研究跨区域的合约内容</a:t>
+                      </a:r>
+                      <a:endParaRPr lang="en-US" altLang="zh-CN" dirty="0"/>
+                    </a:p>
+                  </a:txBody>
+                  <a:tcPr/>
+                </a:tc>
+                <a:extLst>
+                  <a:ext uri="{0D108BD9-81ED-4DB2-BD59-A6C34878D82A}">
+                    <a16:rowId xmlns:a16="http://schemas.microsoft.com/office/drawing/2014/main" val="1310651941"/>
+                  </a:ext>
+                </a:extLst>
+              </a:tr>
+              <a:tr h="445086">
+                <a:tc>
+                  <a:txBody>
+                    <a:bodyPr/>
+                    <a:lstStyle/>
+                    <a:p>
+                      <a:pPr marL="0" marR="0" lvl="0" indent="0" algn="l" defTabSz="457189" rtl="0" eaLnBrk="1" fontAlgn="auto" latinLnBrk="0" hangingPunct="1">
+                        <a:lnSpc>
+                          <a:spcPct val="100000"/>
+                        </a:lnSpc>
+                        <a:spcBef>
+                          <a:spcPts val="0"/>
+                        </a:spcBef>
+                        <a:spcAft>
+                          <a:spcPts val="0"/>
+                        </a:spcAft>
+                        <a:buClrTx/>
+                        <a:buSzTx/>
+                        <a:buFontTx/>
+                        <a:buNone/>
+                        <a:tabLst/>
+                        <a:defRPr/>
+                      </a:pPr>
+                      <a:r>
+                        <a:rPr lang="en-US" altLang="zh-CN" dirty="0"/>
+                        <a:t>2023.5.15—2023.5.31</a:t>
+                      </a:r>
+                      <a:endParaRPr lang="zh-CN" altLang="en-US" dirty="0"/>
+                    </a:p>
+                  </a:txBody>
+                  <a:tcPr/>
+                </a:tc>
+                <a:tc>
+                  <a:txBody>
+                    <a:bodyPr/>
+                    <a:lstStyle/>
+                    <a:p>
+                      <a:r>
+                        <a:rPr lang="zh-CN" altLang="en-US" dirty="0"/>
+                        <a:t>开始论文的编写</a:t>
+                      </a:r>
+                    </a:p>
+                  </a:txBody>
+                  <a:tcPr/>
+                </a:tc>
+                <a:extLst>
+                  <a:ext uri="{0D108BD9-81ED-4DB2-BD59-A6C34878D82A}">
+                    <a16:rowId xmlns:a16="http://schemas.microsoft.com/office/drawing/2014/main" val="3829606000"/>
+                  </a:ext>
+                </a:extLst>
+              </a:tr>
+              <a:tr h="445086">
+                <a:tc>
+                  <a:txBody>
+                    <a:bodyPr/>
+                    <a:lstStyle/>
+                    <a:p>
+                      <a:pPr marL="0" marR="0" lvl="0" indent="0" algn="l" defTabSz="457189" rtl="0" eaLnBrk="1" fontAlgn="auto" latinLnBrk="0" hangingPunct="1">
+                        <a:lnSpc>
+                          <a:spcPct val="100000"/>
+                        </a:lnSpc>
+                        <a:spcBef>
+                          <a:spcPts val="0"/>
+                        </a:spcBef>
+                        <a:spcAft>
+                          <a:spcPts val="0"/>
+                        </a:spcAft>
+                        <a:buClrTx/>
+                        <a:buSzTx/>
+                        <a:buFontTx/>
+                        <a:buNone/>
+                        <a:tabLst/>
+                        <a:defRPr/>
+                      </a:pPr>
+                      <a:r>
+                        <a:rPr lang="en-US" altLang="zh-CN" dirty="0"/>
+                        <a:t>2023.6.1—</a:t>
+                      </a:r>
+                      <a:endParaRPr lang="zh-CN" altLang="en-US" dirty="0"/>
+                    </a:p>
+                  </a:txBody>
+                  <a:tcPr/>
+                </a:tc>
+                <a:tc>
+                  <a:txBody>
+                    <a:bodyPr/>
+                    <a:lstStyle/>
+                    <a:p>
+                      <a:pPr marL="0" marR="0" lvl="0" indent="0" algn="l" defTabSz="457189" rtl="0" eaLnBrk="1" fontAlgn="auto" latinLnBrk="0" hangingPunct="1">
+                        <a:lnSpc>
+                          <a:spcPct val="100000"/>
+                        </a:lnSpc>
+                        <a:spcBef>
+                          <a:spcPts val="0"/>
+                        </a:spcBef>
+                        <a:spcAft>
+                          <a:spcPts val="0"/>
+                        </a:spcAft>
+                        <a:buClrTx/>
+                        <a:buSzTx/>
+                        <a:buFontTx/>
+                        <a:buNone/>
+                        <a:tabLst/>
+                        <a:defRPr/>
+                      </a:pPr>
+                      <a:r>
+                        <a:rPr lang="zh-CN" altLang="en-US" dirty="0">
+                          <a:solidFill>
+                            <a:schemeClr val="tx1"/>
+                          </a:solidFill>
+                        </a:rPr>
+                        <a:t>参加毕设论文汇报</a:t>
+                      </a:r>
+                    </a:p>
+                  </a:txBody>
+                  <a:tcPr/>
+                </a:tc>
+                <a:extLst>
+                  <a:ext uri="{0D108BD9-81ED-4DB2-BD59-A6C34878D82A}">
+                    <a16:rowId xmlns:a16="http://schemas.microsoft.com/office/drawing/2014/main" val="2079259763"/>
+                  </a:ext>
+                </a:extLst>
+              </a:tr>
+            </a:tbl>
+          </a:graphicData>
+        </a:graphic>
+      </p:graphicFrame>
+    </p:spTree>
+    <p:extLst>
+      <p:ext uri="{BB962C8B-B14F-4D97-AF65-F5344CB8AC3E}">
+        <p14:creationId xmlns:p14="http://schemas.microsoft.com/office/powerpoint/2010/main" val="2675933310"/>
+      </p:ext>
+    </p:extLst>
+  </p:cSld>
+  <p:clrMapOvr>
+    <a:masterClrMapping/>
+  </p:clrMapOvr>
+</p:sld>
+</file>
+
+<file path=ppt/slides/slide18.xml><?xml version="1.0" encoding="utf-8"?>
+<p:sld xmlns:a="http://schemas.openxmlformats.org/drawingml/2006/main" xmlns:r="http://schemas.openxmlformats.org/officeDocument/2006/relationships" xmlns:p="http://schemas.openxmlformats.org/presentationml/2006/main">
+  <p:cSld>
+    <p:spTree>
+      <p:nvGrpSpPr>
+        <p:cNvPr id="1" name=""/>
+        <p:cNvGrpSpPr/>
+        <p:nvPr/>
+      </p:nvGrpSpPr>
+      <p:grpSpPr>
+        <a:xfrm>
+          <a:off x="0" y="0"/>
+          <a:ext cx="0" cy="0"/>
+          <a:chOff x="0" y="0"/>
+          <a:chExt cx="0" cy="0"/>
+        </a:xfrm>
+      </p:grpSpPr>
+      <p:sp>
+        <p:nvSpPr>
+          <p:cNvPr id="2" name="标题 1">
+            <a:extLst>
+              <a:ext uri="{FF2B5EF4-FFF2-40B4-BE49-F238E27FC236}">
+                <a16:creationId xmlns:a16="http://schemas.microsoft.com/office/drawing/2014/main" id="{0D8A6FF1-38C6-BF40-AA54-FC2C1268CA34}"/>
+              </a:ext>
+            </a:extLst>
+          </p:cNvPr>
+          <p:cNvSpPr>
+            <a:spLocks noGrp="1"/>
+          </p:cNvSpPr>
+          <p:nvPr>
+            <p:ph type="ctrTitle"/>
+          </p:nvPr>
+        </p:nvSpPr>
+        <p:spPr/>
+        <p:txBody>
+          <a:bodyPr>
+            <a:normAutofit/>
+          </a:bodyPr>
+          <a:lstStyle/>
+          <a:p>
+            <a:r>
+              <a:rPr kumimoji="1" lang="en-US" altLang="zh-CN" sz="7200" dirty="0"/>
+              <a:t>Thanks</a:t>
+            </a:r>
+            <a:r>
+              <a:rPr kumimoji="1" lang="zh-CN" altLang="en-US" sz="7200" dirty="0"/>
+              <a:t>！</a:t>
+            </a:r>
+          </a:p>
+        </p:txBody>
+      </p:sp>
+      <p:sp>
+        <p:nvSpPr>
+          <p:cNvPr id="3" name="副标题 2">
+            <a:extLst>
+              <a:ext uri="{FF2B5EF4-FFF2-40B4-BE49-F238E27FC236}">
+                <a16:creationId xmlns:a16="http://schemas.microsoft.com/office/drawing/2014/main" id="{0486DF19-DC1B-514A-8C02-64E0ECCD2C31}"/>
+              </a:ext>
+            </a:extLst>
+          </p:cNvPr>
+          <p:cNvSpPr>
+            <a:spLocks noGrp="1"/>
+          </p:cNvSpPr>
+          <p:nvPr>
+            <p:ph type="subTitle" idx="1"/>
+          </p:nvPr>
+        </p:nvSpPr>
+        <p:spPr/>
+        <p:txBody>
+          <a:bodyPr/>
+          <a:lstStyle/>
+          <a:p>
+            <a:pPr algn="r"/>
+            <a:r>
+              <a:rPr lang="zh-CN" altLang="en-US" dirty="0"/>
+              <a:t>答辩人：</a:t>
+            </a:r>
+            <a:r>
+              <a:rPr kumimoji="1" lang="zh-CN" altLang="en-US" dirty="0"/>
+              <a:t>狄永正</a:t>
+            </a:r>
+            <a:r>
+              <a:rPr lang="zh-CN" altLang="en-US" dirty="0"/>
+              <a:t>　　　导师：向勇　　　</a:t>
+            </a:r>
+            <a:endParaRPr kumimoji="1" lang="zh-CN" altLang="en-US" dirty="0"/>
+          </a:p>
+        </p:txBody>
+      </p:sp>
+      <p:sp>
+        <p:nvSpPr>
+          <p:cNvPr id="8" name="灯片编号占位符 7">
+            <a:extLst>
+              <a:ext uri="{FF2B5EF4-FFF2-40B4-BE49-F238E27FC236}">
+                <a16:creationId xmlns:a16="http://schemas.microsoft.com/office/drawing/2014/main" id="{0DFF7564-12E7-4F94-DD25-EA05B6C53F50}"/>
+              </a:ext>
+            </a:extLst>
+          </p:cNvPr>
+          <p:cNvSpPr>
+            <a:spLocks noGrp="1"/>
+          </p:cNvSpPr>
+          <p:nvPr>
+            <p:ph type="sldNum" sz="quarter" idx="12"/>
+          </p:nvPr>
+        </p:nvSpPr>
+        <p:spPr/>
+        <p:txBody>
+          <a:bodyPr/>
+          <a:lstStyle/>
+          <a:p>
+            <a:pPr defTabSz="457200">
+              <a:defRPr/>
+            </a:pPr>
+            <a:fld id="{977BA8E6-E826-B147-AA17-E3D76A29629C}" type="slidenum">
+              <a:rPr kumimoji="1" lang="zh-CN" altLang="en-US" smtClean="0">
+                <a:solidFill>
+                  <a:srgbClr val="5C2F7D"/>
+                </a:solidFill>
+              </a:rPr>
+              <a:pPr defTabSz="457200">
+                <a:defRPr/>
+              </a:pPr>
+              <a:t>18</a:t>
+            </a:fld>
+            <a:endParaRPr kumimoji="1" lang="zh-CN" altLang="en-US" sz="900" dirty="0">
+              <a:solidFill>
+                <a:srgbClr val="5C2F7D"/>
+              </a:solidFill>
+            </a:endParaRPr>
+          </a:p>
+        </p:txBody>
+      </p:sp>
+    </p:spTree>
+    <p:extLst>
+      <p:ext uri="{BB962C8B-B14F-4D97-AF65-F5344CB8AC3E}">
+        <p14:creationId xmlns:p14="http://schemas.microsoft.com/office/powerpoint/2010/main" val="82974370"/>
+      </p:ext>
+    </p:extLst>
+  </p:cSld>
+  <p:clrMapOvr>
+    <a:masterClrMapping/>
+  </p:clrMapOvr>
+</p:sld>
+</file>
+
+<file path=ppt/slides/slide2.xml><?xml version="1.0" encoding="utf-8"?>
+<p:sld xmlns:a="http://schemas.openxmlformats.org/drawingml/2006/main" xmlns:r="http://schemas.openxmlformats.org/officeDocument/2006/relationships" xmlns:p="http://schemas.openxmlformats.org/presentationml/2006/main">
+  <p:cSld>
+    <p:spTree>
+      <p:nvGrpSpPr>
+        <p:cNvPr id="1" name=""/>
+        <p:cNvGrpSpPr/>
+        <p:nvPr/>
+      </p:nvGrpSpPr>
+      <p:grpSpPr>
+        <a:xfrm>
+          <a:off x="0" y="0"/>
+          <a:ext cx="0" cy="0"/>
+          <a:chOff x="0" y="0"/>
+          <a:chExt cx="0" cy="0"/>
+        </a:xfrm>
+      </p:grpSpPr>
+      <p:sp>
+        <p:nvSpPr>
+          <p:cNvPr id="2" name="标题 1">
+            <a:extLst>
+              <a:ext uri="{FF2B5EF4-FFF2-40B4-BE49-F238E27FC236}">
+                <a16:creationId xmlns:a16="http://schemas.microsoft.com/office/drawing/2014/main" id="{ABB6AA08-C32B-6F4E-8AB3-67AE085DA5BA}"/>
+              </a:ext>
+            </a:extLst>
+          </p:cNvPr>
+          <p:cNvSpPr>
+            <a:spLocks noGrp="1"/>
+          </p:cNvSpPr>
+          <p:nvPr>
+            <p:ph type="title"/>
+          </p:nvPr>
+        </p:nvSpPr>
+        <p:spPr/>
+        <p:txBody>
+          <a:bodyPr>
+            <a:normAutofit/>
+          </a:bodyPr>
+          <a:lstStyle/>
+          <a:p>
+            <a:r>
+              <a:rPr kumimoji="1" lang="zh-CN" altLang="en-US" sz="4400" dirty="0"/>
+              <a:t>结构大纲</a:t>
+            </a:r>
+          </a:p>
+        </p:txBody>
+      </p:sp>
+      <p:sp>
+        <p:nvSpPr>
+          <p:cNvPr id="3" name="内容占位符 2">
+            <a:extLst>
+              <a:ext uri="{FF2B5EF4-FFF2-40B4-BE49-F238E27FC236}">
+                <a16:creationId xmlns:a16="http://schemas.microsoft.com/office/drawing/2014/main" id="{E4B3B5DF-DAF7-B946-AB06-11AE7FF1176B}"/>
+              </a:ext>
+            </a:extLst>
+          </p:cNvPr>
+          <p:cNvSpPr>
+            <a:spLocks noGrp="1"/>
+          </p:cNvSpPr>
+          <p:nvPr>
+            <p:ph idx="1"/>
+          </p:nvPr>
+        </p:nvSpPr>
+        <p:spPr>
+          <a:xfrm>
+            <a:off x="1431883" y="1841889"/>
+            <a:ext cx="10178926" cy="3878755"/>
+          </a:xfrm>
+        </p:spPr>
+        <p:txBody>
+          <a:bodyPr/>
+          <a:lstStyle/>
+          <a:p>
+            <a:r>
+              <a:rPr kumimoji="1" lang="zh-CN" altLang="en-US" dirty="0"/>
+              <a:t>一、课题内容</a:t>
+            </a:r>
+            <a:endParaRPr kumimoji="1" lang="en-US" altLang="zh-CN" dirty="0"/>
+          </a:p>
+          <a:p>
+            <a:r>
+              <a:rPr kumimoji="1" lang="zh-CN" altLang="en-US" dirty="0"/>
+              <a:t>二、目前进度</a:t>
+            </a:r>
+            <a:endParaRPr kumimoji="1" lang="en-US" altLang="zh-CN" dirty="0"/>
+          </a:p>
+          <a:p>
+            <a:r>
+              <a:rPr kumimoji="1" lang="zh-CN" altLang="en-US" dirty="0"/>
+              <a:t>三、</a:t>
+            </a:r>
+            <a:r>
+              <a:rPr kumimoji="1" lang="zh-CN" altLang="en-US" sz="3200" dirty="0"/>
+              <a:t>后续实验检验</a:t>
+            </a:r>
+            <a:endParaRPr kumimoji="1" lang="en-US" altLang="zh-CN" sz="3200" dirty="0"/>
+          </a:p>
+          <a:p>
+            <a:r>
+              <a:rPr kumimoji="1" lang="zh-CN" altLang="en-US" dirty="0"/>
+              <a:t>四、后续时间安排</a:t>
+            </a:r>
+          </a:p>
+        </p:txBody>
+      </p:sp>
+      <p:sp>
+        <p:nvSpPr>
+          <p:cNvPr id="8" name="灯片编号占位符 7">
+            <a:extLst>
+              <a:ext uri="{FF2B5EF4-FFF2-40B4-BE49-F238E27FC236}">
+                <a16:creationId xmlns:a16="http://schemas.microsoft.com/office/drawing/2014/main" id="{3799A2F7-EB1E-B43A-422C-2260C6ED67B5}"/>
+              </a:ext>
+            </a:extLst>
+          </p:cNvPr>
+          <p:cNvSpPr>
+            <a:spLocks noGrp="1"/>
+          </p:cNvSpPr>
+          <p:nvPr>
+            <p:ph type="sldNum" sz="quarter" idx="12"/>
+          </p:nvPr>
+        </p:nvSpPr>
+        <p:spPr>
+          <a:xfrm>
+            <a:off x="10298756" y="5597317"/>
+            <a:ext cx="1052508" cy="365125"/>
+          </a:xfrm>
+        </p:spPr>
+        <p:txBody>
+          <a:bodyPr/>
+          <a:lstStyle/>
+          <a:p>
+            <a:pPr defTabSz="457200">
+              <a:defRPr/>
+            </a:pPr>
+            <a:fld id="{977BA8E6-E826-B147-AA17-E3D76A29629C}" type="slidenum">
+              <a:rPr kumimoji="1" lang="zh-CN" altLang="en-US" smtClean="0">
+                <a:solidFill>
+                  <a:srgbClr val="5C2F7D"/>
+                </a:solidFill>
+              </a:rPr>
+              <a:pPr defTabSz="457200">
+                <a:defRPr/>
+              </a:pPr>
+              <a:t>2</a:t>
+            </a:fld>
+            <a:endParaRPr kumimoji="1" lang="zh-CN" altLang="en-US" sz="900" dirty="0">
+              <a:solidFill>
+                <a:srgbClr val="5C2F7D"/>
+              </a:solidFill>
+            </a:endParaRPr>
+          </a:p>
+        </p:txBody>
+      </p:sp>
+    </p:spTree>
+    <p:extLst>
+      <p:ext uri="{BB962C8B-B14F-4D97-AF65-F5344CB8AC3E}">
+        <p14:creationId xmlns:p14="http://schemas.microsoft.com/office/powerpoint/2010/main" val="760922370"/>
+      </p:ext>
+    </p:extLst>
+  </p:cSld>
+  <p:clrMapOvr>
+    <a:masterClrMapping/>
+  </p:clrMapOvr>
+</p:sld>
+</file>
+
+<file path=ppt/slides/slide3.xml><?xml version="1.0" encoding="utf-8"?>
+<p:sld xmlns:a="http://schemas.openxmlformats.org/drawingml/2006/main" xmlns:r="http://schemas.openxmlformats.org/officeDocument/2006/relationships" xmlns:p="http://schemas.openxmlformats.org/presentationml/2006/main">
+  <p:cSld>
+    <p:spTree>
+      <p:nvGrpSpPr>
+        <p:cNvPr id="1" name=""/>
+        <p:cNvGrpSpPr/>
+        <p:nvPr/>
+      </p:nvGrpSpPr>
+      <p:grpSpPr>
+        <a:xfrm>
+          <a:off x="0" y="0"/>
+          <a:ext cx="0" cy="0"/>
+          <a:chOff x="0" y="0"/>
+          <a:chExt cx="0" cy="0"/>
+        </a:xfrm>
+      </p:grpSpPr>
+      <p:sp>
+        <p:nvSpPr>
+          <p:cNvPr id="4" name="标题 3">
+            <a:extLst>
+              <a:ext uri="{FF2B5EF4-FFF2-40B4-BE49-F238E27FC236}">
+                <a16:creationId xmlns:a16="http://schemas.microsoft.com/office/drawing/2014/main" id="{CB335FAB-FA8F-41FD-B41F-E4213D79D779}"/>
+              </a:ext>
+            </a:extLst>
+          </p:cNvPr>
+          <p:cNvSpPr>
+            <a:spLocks noGrp="1"/>
+          </p:cNvSpPr>
+          <p:nvPr>
+            <p:ph type="ctrTitle"/>
+          </p:nvPr>
+        </p:nvSpPr>
+        <p:spPr/>
+        <p:txBody>
+          <a:bodyPr>
+            <a:normAutofit/>
+          </a:bodyPr>
+          <a:lstStyle/>
+          <a:p>
+            <a:r>
+              <a:rPr kumimoji="1" lang="zh-CN" altLang="en-US" sz="4400" dirty="0"/>
+              <a:t>一、课题内容</a:t>
+            </a:r>
+            <a:endParaRPr kumimoji="1" lang="en-US" altLang="zh-CN" sz="4400" dirty="0"/>
+          </a:p>
+        </p:txBody>
+      </p:sp>
+      <p:sp>
+        <p:nvSpPr>
+          <p:cNvPr id="2" name="副标题 1">
+            <a:extLst>
+              <a:ext uri="{FF2B5EF4-FFF2-40B4-BE49-F238E27FC236}">
+                <a16:creationId xmlns:a16="http://schemas.microsoft.com/office/drawing/2014/main" id="{A8F96AEE-70D8-4DDF-A547-45EB77DBE4EF}"/>
+              </a:ext>
+            </a:extLst>
+          </p:cNvPr>
+          <p:cNvSpPr>
+            <a:spLocks noGrp="1"/>
+          </p:cNvSpPr>
+          <p:nvPr>
+            <p:ph type="subTitle" idx="1"/>
+          </p:nvPr>
+        </p:nvSpPr>
+        <p:spPr/>
+        <p:txBody>
+          <a:bodyPr/>
+          <a:lstStyle/>
+          <a:p>
+            <a:endParaRPr lang="zh-CN" altLang="en-US" dirty="0"/>
+          </a:p>
+        </p:txBody>
+      </p:sp>
+      <p:sp>
+        <p:nvSpPr>
+          <p:cNvPr id="8" name="灯片编号占位符 7">
+            <a:extLst>
+              <a:ext uri="{FF2B5EF4-FFF2-40B4-BE49-F238E27FC236}">
+                <a16:creationId xmlns:a16="http://schemas.microsoft.com/office/drawing/2014/main" id="{B518883B-C389-9E28-BCFD-FD46E71E6B39}"/>
+              </a:ext>
+            </a:extLst>
+          </p:cNvPr>
+          <p:cNvSpPr>
+            <a:spLocks noGrp="1"/>
+          </p:cNvSpPr>
+          <p:nvPr>
+            <p:ph type="sldNum" sz="quarter" idx="12"/>
+          </p:nvPr>
+        </p:nvSpPr>
+        <p:spPr/>
+        <p:txBody>
+          <a:bodyPr/>
+          <a:lstStyle/>
+          <a:p>
+            <a:pPr marL="0" marR="0" lvl="0" indent="0" algn="r" defTabSz="457200" rtl="0" eaLnBrk="1" fontAlgn="auto" latinLnBrk="0" hangingPunct="1">
+              <a:lnSpc>
+                <a:spcPct val="100000"/>
+              </a:lnSpc>
+              <a:spcBef>
+                <a:spcPts val="0"/>
+              </a:spcBef>
+              <a:spcAft>
+                <a:spcPts val="0"/>
+              </a:spcAft>
+              <a:buClrTx/>
+              <a:buSzTx/>
+              <a:buFontTx/>
+              <a:buNone/>
+              <a:tabLst/>
+              <a:defRPr/>
+            </a:pPr>
+            <a:fld id="{977BA8E6-E826-B147-AA17-E3D76A29629C}" type="slidenum">
+              <a:rPr kumimoji="1" lang="zh-CN" altLang="en-US" sz="1600" b="0" i="0" u="none" strike="noStrike" kern="1200" cap="none" spc="0" normalizeH="0" baseline="0" noProof="0" smtClean="0">
+                <a:ln>
+                  <a:noFill/>
+                </a:ln>
+                <a:solidFill>
+                  <a:srgbClr val="5C2F7D"/>
+                </a:solidFill>
+                <a:effectLst/>
+                <a:uLnTx/>
+                <a:uFillTx/>
+                <a:latin typeface="Gill Sans MT" panose="020B0502020104020203"/>
+                <a:ea typeface="华文中宋" panose="02010600040101010101" pitchFamily="2" charset="-122"/>
+                <a:cs typeface="+mn-cs"/>
+              </a:rPr>
+              <a:pPr marL="0" marR="0" lvl="0" indent="0" algn="r" defTabSz="457200" rtl="0" eaLnBrk="1" fontAlgn="auto" latinLnBrk="0" hangingPunct="1">
+                <a:lnSpc>
+                  <a:spcPct val="100000"/>
+                </a:lnSpc>
+                <a:spcBef>
+                  <a:spcPts val="0"/>
+                </a:spcBef>
+                <a:spcAft>
+                  <a:spcPts val="0"/>
+                </a:spcAft>
+                <a:buClrTx/>
+                <a:buSzTx/>
+                <a:buFontTx/>
+                <a:buNone/>
+                <a:tabLst/>
+                <a:defRPr/>
+              </a:pPr>
+              <a:t>3</a:t>
+            </a:fld>
+            <a:endParaRPr kumimoji="1" lang="zh-CN" altLang="en-US" sz="1600" b="0" i="0" u="none" strike="noStrike" kern="1200" cap="none" spc="0" normalizeH="0" baseline="0" noProof="0" dirty="0">
+              <a:ln>
+                <a:noFill/>
+              </a:ln>
+              <a:solidFill>
+                <a:srgbClr val="5C2F7D"/>
+              </a:solidFill>
+              <a:effectLst/>
+              <a:uLnTx/>
+              <a:uFillTx/>
+              <a:latin typeface="Gill Sans MT" panose="020B0502020104020203"/>
+              <a:ea typeface="华文中宋" panose="02010600040101010101" pitchFamily="2" charset="-122"/>
+              <a:cs typeface="+mn-cs"/>
+            </a:endParaRPr>
+          </a:p>
+        </p:txBody>
+      </p:sp>
+    </p:spTree>
+    <p:extLst>
+      <p:ext uri="{BB962C8B-B14F-4D97-AF65-F5344CB8AC3E}">
+        <p14:creationId xmlns:p14="http://schemas.microsoft.com/office/powerpoint/2010/main" val="2992569148"/>
+      </p:ext>
+    </p:extLst>
+  </p:cSld>
+  <p:clrMapOvr>
+    <a:masterClrMapping/>
+  </p:clrMapOvr>
+</p:sld>
+</file>
+
+<file path=ppt/slides/slide4.xml><?xml version="1.0" encoding="utf-8"?>
+<p:sld xmlns:a="http://schemas.openxmlformats.org/drawingml/2006/main" xmlns:r="http://schemas.openxmlformats.org/officeDocument/2006/relationships" xmlns:p="http://schemas.openxmlformats.org/presentationml/2006/main">
+  <p:cSld>
+    <p:spTree>
+      <p:nvGrpSpPr>
+        <p:cNvPr id="1" name=""/>
+        <p:cNvGrpSpPr/>
+        <p:nvPr/>
+      </p:nvGrpSpPr>
+      <p:grpSpPr>
+        <a:xfrm>
+          <a:off x="0" y="0"/>
+          <a:ext cx="0" cy="0"/>
+          <a:chOff x="0" y="0"/>
+          <a:chExt cx="0" cy="0"/>
+        </a:xfrm>
+      </p:grpSpPr>
+      <p:sp>
+        <p:nvSpPr>
+          <p:cNvPr id="2" name="标题 1">
+            <a:extLst>
+              <a:ext uri="{FF2B5EF4-FFF2-40B4-BE49-F238E27FC236}">
+                <a16:creationId xmlns:a16="http://schemas.microsoft.com/office/drawing/2014/main" id="{CE94B9D5-EEB5-ED1E-D5E8-68D326910308}"/>
+              </a:ext>
+            </a:extLst>
+          </p:cNvPr>
+          <p:cNvSpPr>
+            <a:spLocks noGrp="1"/>
+          </p:cNvSpPr>
+          <p:nvPr>
+            <p:ph type="title"/>
+          </p:nvPr>
+        </p:nvSpPr>
+        <p:spPr/>
+        <p:txBody>
+          <a:bodyPr/>
+          <a:lstStyle/>
+          <a:p>
+            <a:r>
+              <a:rPr lang="zh-CN" altLang="en-US" sz="2800" dirty="0">
+                <a:latin typeface="+mj-ea"/>
+              </a:rPr>
+              <a:t>课题背景</a:t>
+            </a:r>
+            <a:endParaRPr lang="zh-CN" altLang="en-US" dirty="0">
+              <a:latin typeface="+mj-ea"/>
+            </a:endParaRPr>
+          </a:p>
+        </p:txBody>
+      </p:sp>
+      <p:sp>
+        <p:nvSpPr>
+          <p:cNvPr id="4" name="文本框 3">
+            <a:extLst>
+              <a:ext uri="{FF2B5EF4-FFF2-40B4-BE49-F238E27FC236}">
+                <a16:creationId xmlns:a16="http://schemas.microsoft.com/office/drawing/2014/main" id="{1E9AD513-9386-26ED-917B-7A584363BBFF}"/>
+              </a:ext>
+            </a:extLst>
+          </p:cNvPr>
+          <p:cNvSpPr txBox="1"/>
+          <p:nvPr/>
+        </p:nvSpPr>
+        <p:spPr>
+          <a:xfrm>
+            <a:off x="835306" y="1608623"/>
+            <a:ext cx="9093307" cy="3005503"/>
+          </a:xfrm>
+          <a:prstGeom prst="rect">
+            <a:avLst/>
+          </a:prstGeom>
+          <a:noFill/>
+        </p:spPr>
+        <p:txBody>
+          <a:bodyPr wrap="square">
+            <a:spAutoFit/>
+          </a:bodyPr>
+          <a:lstStyle/>
+          <a:p>
+            <a:pPr marL="305992" marR="0" lvl="0" indent="-305992" algn="l" defTabSz="457189" rtl="0" eaLnBrk="1" fontAlgn="auto" latinLnBrk="0" hangingPunct="1">
+              <a:lnSpc>
+                <a:spcPct val="150000"/>
+              </a:lnSpc>
+              <a:spcBef>
+                <a:spcPct val="20000"/>
+              </a:spcBef>
+              <a:spcAft>
+                <a:spcPts val="600"/>
+              </a:spcAft>
+              <a:buClr>
+                <a:srgbClr val="5C2F7D"/>
+              </a:buClr>
+              <a:buSzPct val="92000"/>
+              <a:buFont typeface="Wingdings 2" panose="05020102010507070707" pitchFamily="18" charset="2"/>
+              <a:buChar char=""/>
+              <a:tabLst/>
+              <a:defRPr/>
+            </a:pPr>
+            <a:r>
+              <a:rPr kumimoji="0" lang="zh-CN" altLang="en-US" sz="2200" b="1" i="0" u="none" strike="noStrike" kern="1200" cap="none" spc="0" normalizeH="0" baseline="0" noProof="0" dirty="0">
+                <a:ln>
+                  <a:noFill/>
+                </a:ln>
+                <a:solidFill>
+                  <a:srgbClr val="000000"/>
+                </a:solidFill>
+                <a:effectLst/>
+                <a:uLnTx/>
+                <a:uFillTx/>
+                <a:latin typeface="华文中宋" panose="02010600040101010101" pitchFamily="2" charset="-122"/>
+                <a:ea typeface="华文中宋" panose="02010600040101010101" pitchFamily="2" charset="-122"/>
+                <a:cs typeface="+mn-cs"/>
+                <a:sym typeface="+mn-ea"/>
+              </a:rPr>
+              <a:t>课题背景是利用树状区块链实现的</a:t>
+            </a:r>
+            <a:r>
+              <a:rPr lang="zh-CN" altLang="en-US" sz="2200" b="1" noProof="0" dirty="0">
+                <a:ln>
+                  <a:noFill/>
+                </a:ln>
+                <a:solidFill>
+                  <a:srgbClr val="000000"/>
+                </a:solidFill>
+                <a:effectLst/>
+                <a:uLnTx/>
+                <a:uFillTx/>
+                <a:latin typeface="+mn-ea"/>
+                <a:sym typeface="+mn-ea"/>
+              </a:rPr>
+              <a:t>出租车调度系统；</a:t>
+            </a:r>
+            <a:endParaRPr lang="en-US" altLang="zh-CN" sz="2200" b="1" noProof="0" dirty="0">
+              <a:ln>
+                <a:noFill/>
+              </a:ln>
+              <a:solidFill>
+                <a:srgbClr val="000000"/>
+              </a:solidFill>
+              <a:effectLst/>
+              <a:uLnTx/>
+              <a:uFillTx/>
+              <a:latin typeface="+mn-ea"/>
+              <a:sym typeface="+mn-ea"/>
+            </a:endParaRPr>
+          </a:p>
+          <a:p>
+            <a:pPr marL="305992" marR="0" lvl="0" indent="-305992" algn="l" defTabSz="457189" rtl="0" eaLnBrk="1" fontAlgn="auto" latinLnBrk="0" hangingPunct="1">
+              <a:lnSpc>
+                <a:spcPct val="150000"/>
+              </a:lnSpc>
+              <a:spcBef>
+                <a:spcPct val="20000"/>
+              </a:spcBef>
+              <a:spcAft>
+                <a:spcPts val="600"/>
+              </a:spcAft>
+              <a:buClr>
+                <a:srgbClr val="5C2F7D"/>
+              </a:buClr>
+              <a:buSzPct val="92000"/>
+              <a:buFont typeface="Wingdings 2" panose="05020102010507070707" pitchFamily="18" charset="2"/>
+              <a:buChar char=""/>
+              <a:tabLst/>
+              <a:defRPr/>
+            </a:pPr>
+            <a:r>
+              <a:rPr lang="zh-CN" altLang="en-US" sz="2200" b="1" dirty="0">
+                <a:solidFill>
+                  <a:srgbClr val="000000"/>
+                </a:solidFill>
+                <a:latin typeface="+mn-ea"/>
+                <a:sym typeface="+mn-ea"/>
+              </a:rPr>
+              <a:t>明确了任务要求：实现树状区块链子链间交易中的合并与分支合约，希望可以实现现有系统的交易速度的提升，并给出实验数据；</a:t>
+            </a:r>
+            <a:endParaRPr lang="en-US" altLang="zh-CN" sz="2200" b="1" dirty="0">
+              <a:solidFill>
+                <a:srgbClr val="000000"/>
+              </a:solidFill>
+              <a:latin typeface="+mn-ea"/>
+              <a:sym typeface="+mn-ea"/>
+            </a:endParaRPr>
+          </a:p>
+          <a:p>
+            <a:pPr marL="305992" marR="0" lvl="0" indent="-305992" algn="l" defTabSz="457189" rtl="0" eaLnBrk="1" fontAlgn="auto" latinLnBrk="0" hangingPunct="1">
+              <a:lnSpc>
+                <a:spcPct val="150000"/>
+              </a:lnSpc>
+              <a:spcBef>
+                <a:spcPct val="20000"/>
+              </a:spcBef>
+              <a:spcAft>
+                <a:spcPts val="600"/>
+              </a:spcAft>
+              <a:buClr>
+                <a:srgbClr val="5C2F7D"/>
+              </a:buClr>
+              <a:buSzPct val="92000"/>
+              <a:buFont typeface="Wingdings 2" panose="05020102010507070707" pitchFamily="18" charset="2"/>
+              <a:buChar char=""/>
+              <a:tabLst/>
+              <a:defRPr/>
+            </a:pPr>
+            <a:r>
+              <a:rPr lang="zh-CN" altLang="en-US" sz="2200" b="1" noProof="0" dirty="0">
+                <a:ln>
+                  <a:noFill/>
+                </a:ln>
+                <a:solidFill>
+                  <a:srgbClr val="000000"/>
+                </a:solidFill>
+                <a:effectLst/>
+                <a:uLnTx/>
+                <a:uFillTx/>
+                <a:latin typeface="+mn-ea"/>
+                <a:sym typeface="+mn-ea"/>
+              </a:rPr>
+              <a:t>后续根据实验进行程度，会进一步做跨区域交互的探索</a:t>
+            </a:r>
+            <a:endParaRPr lang="en-US" altLang="zh-CN" sz="2200" b="1" noProof="0" dirty="0">
+              <a:ln>
+                <a:noFill/>
+              </a:ln>
+              <a:solidFill>
+                <a:srgbClr val="000000"/>
+              </a:solidFill>
+              <a:effectLst/>
+              <a:uLnTx/>
+              <a:uFillTx/>
+              <a:latin typeface="+mn-ea"/>
+              <a:sym typeface="+mn-ea"/>
+            </a:endParaRPr>
+          </a:p>
+          <a:p>
+            <a:pPr marL="305992" marR="0" lvl="0" indent="-305992" algn="l" defTabSz="457189" rtl="0" eaLnBrk="1" fontAlgn="auto" latinLnBrk="0" hangingPunct="1">
+              <a:lnSpc>
+                <a:spcPct val="150000"/>
+              </a:lnSpc>
+              <a:spcBef>
+                <a:spcPct val="20000"/>
+              </a:spcBef>
+              <a:spcAft>
+                <a:spcPts val="600"/>
+              </a:spcAft>
+              <a:buClr>
+                <a:srgbClr val="5C2F7D"/>
+              </a:buClr>
+              <a:buSzPct val="92000"/>
+              <a:buFont typeface="Wingdings 2" panose="05020102010507070707" pitchFamily="18" charset="2"/>
+              <a:buChar char=""/>
+              <a:tabLst/>
+              <a:defRPr/>
+            </a:pPr>
+            <a:endParaRPr kumimoji="0" lang="en-US" altLang="zh-CN" sz="2200" b="1" i="0" u="none" strike="noStrike" kern="1200" cap="none" spc="0" normalizeH="0" baseline="0" noProof="0" dirty="0">
+              <a:ln>
+                <a:noFill/>
+              </a:ln>
+              <a:solidFill>
+                <a:srgbClr val="000000"/>
+              </a:solidFill>
+              <a:effectLst/>
+              <a:uLnTx/>
+              <a:uFillTx/>
+              <a:latin typeface="华文中宋" panose="02010600040101010101" pitchFamily="2" charset="-122"/>
+              <a:ea typeface="华文中宋" panose="02010600040101010101" pitchFamily="2" charset="-122"/>
+              <a:cs typeface="+mn-cs"/>
+            </a:endParaRPr>
+          </a:p>
+        </p:txBody>
+      </p:sp>
+      <p:sp>
+        <p:nvSpPr>
+          <p:cNvPr id="8" name="灯片编号占位符 7">
+            <a:extLst>
+              <a:ext uri="{FF2B5EF4-FFF2-40B4-BE49-F238E27FC236}">
+                <a16:creationId xmlns:a16="http://schemas.microsoft.com/office/drawing/2014/main" id="{F77C7F95-2DFF-B839-BA37-B8138294F35D}"/>
+              </a:ext>
+            </a:extLst>
+          </p:cNvPr>
+          <p:cNvSpPr>
+            <a:spLocks noGrp="1"/>
+          </p:cNvSpPr>
+          <p:nvPr>
+            <p:ph type="sldNum" sz="quarter" idx="12"/>
+          </p:nvPr>
+        </p:nvSpPr>
+        <p:spPr/>
+        <p:txBody>
+          <a:bodyPr/>
+          <a:lstStyle/>
+          <a:p>
+            <a:pPr marL="0" marR="0" lvl="0" indent="0" algn="r" defTabSz="457200" rtl="0" eaLnBrk="1" fontAlgn="auto" latinLnBrk="0" hangingPunct="1">
+              <a:lnSpc>
+                <a:spcPct val="100000"/>
+              </a:lnSpc>
+              <a:spcBef>
+                <a:spcPts val="0"/>
+              </a:spcBef>
+              <a:spcAft>
+                <a:spcPts val="0"/>
+              </a:spcAft>
+              <a:buClrTx/>
+              <a:buSzTx/>
+              <a:buFontTx/>
+              <a:buNone/>
+              <a:tabLst/>
+              <a:defRPr/>
+            </a:pPr>
+            <a:fld id="{977BA8E6-E826-B147-AA17-E3D76A29629C}" type="slidenum">
+              <a:rPr kumimoji="1" lang="zh-CN" altLang="en-US" sz="1600" b="0" i="0" u="none" strike="noStrike" kern="1200" cap="none" spc="0" normalizeH="0" baseline="0" noProof="0" smtClean="0">
+                <a:ln>
+                  <a:noFill/>
+                </a:ln>
+                <a:solidFill>
+                  <a:srgbClr val="5C2F7D"/>
+                </a:solidFill>
+                <a:effectLst/>
+                <a:uLnTx/>
+                <a:uFillTx/>
+                <a:latin typeface="Gill Sans MT" panose="020B0502020104020203"/>
+                <a:ea typeface="华文中宋" panose="02010600040101010101" pitchFamily="2" charset="-122"/>
+                <a:cs typeface="+mn-cs"/>
+              </a:rPr>
+              <a:pPr marL="0" marR="0" lvl="0" indent="0" algn="r" defTabSz="457200" rtl="0" eaLnBrk="1" fontAlgn="auto" latinLnBrk="0" hangingPunct="1">
+                <a:lnSpc>
+                  <a:spcPct val="100000"/>
+                </a:lnSpc>
+                <a:spcBef>
+                  <a:spcPts val="0"/>
+                </a:spcBef>
+                <a:spcAft>
+                  <a:spcPts val="0"/>
+                </a:spcAft>
+                <a:buClrTx/>
+                <a:buSzTx/>
+                <a:buFontTx/>
+                <a:buNone/>
+                <a:tabLst/>
+                <a:defRPr/>
+              </a:pPr>
+              <a:t>4</a:t>
+            </a:fld>
+            <a:endParaRPr kumimoji="1" lang="zh-CN" altLang="en-US" sz="900" b="0" i="0" u="none" strike="noStrike" kern="1200" cap="none" spc="0" normalizeH="0" baseline="0" noProof="0" dirty="0">
+              <a:ln>
+                <a:noFill/>
+              </a:ln>
+              <a:solidFill>
+                <a:srgbClr val="5C2F7D"/>
+              </a:solidFill>
+              <a:effectLst/>
+              <a:uLnTx/>
+              <a:uFillTx/>
+              <a:latin typeface="Gill Sans MT" panose="020B0502020104020203"/>
+              <a:ea typeface="华文中宋" panose="02010600040101010101" pitchFamily="2" charset="-122"/>
+              <a:cs typeface="+mn-cs"/>
+            </a:endParaRPr>
+          </a:p>
+        </p:txBody>
+      </p:sp>
+    </p:spTree>
+    <p:extLst>
+      <p:ext uri="{BB962C8B-B14F-4D97-AF65-F5344CB8AC3E}">
+        <p14:creationId xmlns:p14="http://schemas.microsoft.com/office/powerpoint/2010/main" val="47542160"/>
+      </p:ext>
+    </p:extLst>
+  </p:cSld>
+  <p:clrMapOvr>
+    <a:masterClrMapping/>
+  </p:clrMapOvr>
+</p:sld>
+</file>
+
+<file path=ppt/slides/slide5.xml><?xml version="1.0" encoding="utf-8"?>
+<p:sld xmlns:a="http://schemas.openxmlformats.org/drawingml/2006/main" xmlns:r="http://schemas.openxmlformats.org/officeDocument/2006/relationships" xmlns:p="http://schemas.openxmlformats.org/presentationml/2006/main">
+  <p:cSld>
+    <p:spTree>
+      <p:nvGrpSpPr>
+        <p:cNvPr id="1" name=""/>
+        <p:cNvGrpSpPr/>
+        <p:nvPr/>
+      </p:nvGrpSpPr>
+      <p:grpSpPr>
+        <a:xfrm>
+          <a:off x="0" y="0"/>
+          <a:ext cx="0" cy="0"/>
+          <a:chOff x="0" y="0"/>
+          <a:chExt cx="0" cy="0"/>
+        </a:xfrm>
+      </p:grpSpPr>
+      <p:sp>
+        <p:nvSpPr>
+          <p:cNvPr id="4" name="标题 3">
+            <a:extLst>
+              <a:ext uri="{FF2B5EF4-FFF2-40B4-BE49-F238E27FC236}">
+                <a16:creationId xmlns:a16="http://schemas.microsoft.com/office/drawing/2014/main" id="{CB335FAB-FA8F-41FD-B41F-E4213D79D779}"/>
+              </a:ext>
+            </a:extLst>
+          </p:cNvPr>
+          <p:cNvSpPr>
+            <a:spLocks noGrp="1"/>
+          </p:cNvSpPr>
+          <p:nvPr>
+            <p:ph type="ctrTitle"/>
+          </p:nvPr>
+        </p:nvSpPr>
+        <p:spPr/>
+        <p:txBody>
+          <a:bodyPr>
+            <a:normAutofit/>
+          </a:bodyPr>
+          <a:lstStyle/>
+          <a:p>
+            <a:r>
+              <a:rPr kumimoji="1" lang="zh-CN" altLang="en-US" sz="4400" dirty="0"/>
+              <a:t>二、目前进度</a:t>
+            </a:r>
+            <a:endParaRPr lang="zh-CN" altLang="en-US" sz="4400" dirty="0"/>
+          </a:p>
+        </p:txBody>
+      </p:sp>
+      <p:sp>
+        <p:nvSpPr>
+          <p:cNvPr id="2" name="副标题 1">
+            <a:extLst>
+              <a:ext uri="{FF2B5EF4-FFF2-40B4-BE49-F238E27FC236}">
+                <a16:creationId xmlns:a16="http://schemas.microsoft.com/office/drawing/2014/main" id="{A8F96AEE-70D8-4DDF-A547-45EB77DBE4EF}"/>
+              </a:ext>
+            </a:extLst>
+          </p:cNvPr>
+          <p:cNvSpPr>
+            <a:spLocks noGrp="1"/>
+          </p:cNvSpPr>
+          <p:nvPr>
+            <p:ph type="subTitle" idx="1"/>
+          </p:nvPr>
+        </p:nvSpPr>
+        <p:spPr/>
+        <p:txBody>
+          <a:bodyPr/>
+          <a:lstStyle/>
+          <a:p>
+            <a:endParaRPr lang="zh-CN" altLang="en-US" dirty="0"/>
+          </a:p>
+        </p:txBody>
+      </p:sp>
+      <p:sp>
+        <p:nvSpPr>
+          <p:cNvPr id="8" name="灯片编号占位符 7">
+            <a:extLst>
+              <a:ext uri="{FF2B5EF4-FFF2-40B4-BE49-F238E27FC236}">
+                <a16:creationId xmlns:a16="http://schemas.microsoft.com/office/drawing/2014/main" id="{AAE1DFCA-0E47-6FAF-0248-2356C31CCA24}"/>
+              </a:ext>
+            </a:extLst>
+          </p:cNvPr>
+          <p:cNvSpPr>
+            <a:spLocks noGrp="1"/>
+          </p:cNvSpPr>
+          <p:nvPr>
+            <p:ph type="sldNum" sz="quarter" idx="12"/>
+          </p:nvPr>
+        </p:nvSpPr>
+        <p:spPr/>
+        <p:txBody>
+          <a:bodyPr/>
+          <a:lstStyle/>
+          <a:p>
+            <a:pPr marL="0" marR="0" lvl="0" indent="0" algn="r" defTabSz="457200" rtl="0" eaLnBrk="1" fontAlgn="auto" latinLnBrk="0" hangingPunct="1">
+              <a:lnSpc>
+                <a:spcPct val="100000"/>
+              </a:lnSpc>
+              <a:spcBef>
+                <a:spcPts val="0"/>
+              </a:spcBef>
+              <a:spcAft>
+                <a:spcPts val="0"/>
+              </a:spcAft>
+              <a:buClrTx/>
+              <a:buSzTx/>
+              <a:buFontTx/>
+              <a:buNone/>
+              <a:tabLst/>
+              <a:defRPr/>
+            </a:pPr>
+            <a:fld id="{977BA8E6-E826-B147-AA17-E3D76A29629C}" type="slidenum">
+              <a:rPr kumimoji="1" lang="zh-CN" altLang="en-US" sz="1600" b="0" i="0" u="none" strike="noStrike" kern="1200" cap="none" spc="0" normalizeH="0" baseline="0" noProof="0" smtClean="0">
+                <a:ln>
+                  <a:noFill/>
+                </a:ln>
+                <a:solidFill>
+                  <a:srgbClr val="5C2F7D"/>
+                </a:solidFill>
+                <a:effectLst/>
+                <a:uLnTx/>
+                <a:uFillTx/>
+                <a:latin typeface="Gill Sans MT" panose="020B0502020104020203"/>
+                <a:ea typeface="华文中宋" panose="02010600040101010101" pitchFamily="2" charset="-122"/>
+                <a:cs typeface="+mn-cs"/>
+              </a:rPr>
+              <a:pPr marL="0" marR="0" lvl="0" indent="0" algn="r" defTabSz="457200" rtl="0" eaLnBrk="1" fontAlgn="auto" latinLnBrk="0" hangingPunct="1">
+                <a:lnSpc>
+                  <a:spcPct val="100000"/>
+                </a:lnSpc>
+                <a:spcBef>
+                  <a:spcPts val="0"/>
+                </a:spcBef>
+                <a:spcAft>
+                  <a:spcPts val="0"/>
+                </a:spcAft>
+                <a:buClrTx/>
+                <a:buSzTx/>
+                <a:buFontTx/>
+                <a:buNone/>
+                <a:tabLst/>
+                <a:defRPr/>
+              </a:pPr>
+              <a:t>5</a:t>
+            </a:fld>
+            <a:endParaRPr kumimoji="1" lang="zh-CN" altLang="en-US" sz="1600" b="0" i="0" u="none" strike="noStrike" kern="1200" cap="none" spc="0" normalizeH="0" baseline="0" noProof="0" dirty="0">
+              <a:ln>
+                <a:noFill/>
+              </a:ln>
+              <a:solidFill>
+                <a:srgbClr val="5C2F7D"/>
+              </a:solidFill>
+              <a:effectLst/>
+              <a:uLnTx/>
+              <a:uFillTx/>
+              <a:latin typeface="Gill Sans MT" panose="020B0502020104020203"/>
+              <a:ea typeface="华文中宋" panose="02010600040101010101" pitchFamily="2" charset="-122"/>
+              <a:cs typeface="+mn-cs"/>
+            </a:endParaRPr>
+          </a:p>
+        </p:txBody>
+      </p:sp>
+    </p:spTree>
+    <p:extLst>
+      <p:ext uri="{BB962C8B-B14F-4D97-AF65-F5344CB8AC3E}">
+        <p14:creationId xmlns:p14="http://schemas.microsoft.com/office/powerpoint/2010/main" val="2083444420"/>
+      </p:ext>
+    </p:extLst>
+  </p:cSld>
+  <p:clrMapOvr>
+    <a:masterClrMapping/>
+  </p:clrMapOvr>
+</p:sld>
+</file>
+
+<file path=ppt/slides/slide6.xml><?xml version="1.0" encoding="utf-8"?>
+<p:sld xmlns:a="http://schemas.openxmlformats.org/drawingml/2006/main" xmlns:r="http://schemas.openxmlformats.org/officeDocument/2006/relationships" xmlns:p="http://schemas.openxmlformats.org/presentationml/2006/main">
+  <p:cSld>
+    <p:spTree>
+      <p:nvGrpSpPr>
+        <p:cNvPr id="1" name=""/>
+        <p:cNvGrpSpPr/>
+        <p:nvPr/>
+      </p:nvGrpSpPr>
+      <p:grpSpPr>
+        <a:xfrm>
+          <a:off x="0" y="0"/>
+          <a:ext cx="0" cy="0"/>
+          <a:chOff x="0" y="0"/>
+          <a:chExt cx="0" cy="0"/>
+        </a:xfrm>
+      </p:grpSpPr>
+      <p:sp>
+        <p:nvSpPr>
+          <p:cNvPr id="5" name="内容占位符 4">
+            <a:extLst>
+              <a:ext uri="{FF2B5EF4-FFF2-40B4-BE49-F238E27FC236}">
+                <a16:creationId xmlns:a16="http://schemas.microsoft.com/office/drawing/2014/main" id="{DD553D6F-BC1A-435F-9D69-C092A92466AA}"/>
+              </a:ext>
+            </a:extLst>
+          </p:cNvPr>
+          <p:cNvSpPr>
+            <a:spLocks noGrp="1"/>
+          </p:cNvSpPr>
+          <p:nvPr>
+            <p:ph idx="1"/>
+          </p:nvPr>
+        </p:nvSpPr>
+        <p:spPr>
+          <a:xfrm>
+            <a:off x="835306" y="1608624"/>
+            <a:ext cx="10521387" cy="4714986"/>
+          </a:xfrm>
+        </p:spPr>
+        <p:txBody>
+          <a:bodyPr>
+            <a:normAutofit lnSpcReduction="10000"/>
+          </a:bodyPr>
+          <a:lstStyle/>
+          <a:p>
+            <a:r>
+              <a:rPr lang="zh-CN" altLang="en-US" sz="2400" dirty="0">
+                <a:latin typeface="+mn-ea"/>
+              </a:rPr>
+              <a:t>已完成</a:t>
+            </a:r>
+            <a:r>
+              <a:rPr kumimoji="0" lang="zh-CN" altLang="en-US" sz="2400" i="0" u="none" strike="noStrike" kern="1200" cap="none" spc="0" normalizeH="0" baseline="0" noProof="0" dirty="0">
+                <a:ln>
+                  <a:noFill/>
+                </a:ln>
+                <a:solidFill>
+                  <a:srgbClr val="000000"/>
+                </a:solidFill>
+                <a:effectLst/>
+                <a:uLnTx/>
+                <a:uFillTx/>
+                <a:latin typeface="+mn-ea"/>
+                <a:cs typeface="+mn-cs"/>
+                <a:sym typeface="+mn-ea"/>
+              </a:rPr>
+              <a:t>出租车调度系统的复现工作</a:t>
+            </a:r>
+            <a:r>
+              <a:rPr lang="zh-CN" altLang="en-US" sz="2400" dirty="0">
+                <a:latin typeface="+mn-ea"/>
+              </a:rPr>
+              <a:t>的复现部署，并形成了复现手册，复现手册仓库地址：</a:t>
+            </a:r>
+            <a:r>
+              <a:rPr lang="en-US" altLang="zh-CN" sz="1600" dirty="0">
+                <a:latin typeface="+mn-ea"/>
+              </a:rPr>
+              <a:t>https://github.com/diyz19/GraduationDesign/tree/master/Reproduct-doc</a:t>
+            </a:r>
+          </a:p>
+          <a:p>
+            <a:endParaRPr lang="en-US" altLang="zh-CN" dirty="0">
+              <a:latin typeface="+mn-ea"/>
+            </a:endParaRPr>
+          </a:p>
+          <a:p>
+            <a:r>
+              <a:rPr lang="zh-CN" altLang="en-US" sz="2400" dirty="0">
+                <a:latin typeface="+mn-ea"/>
+              </a:rPr>
+              <a:t>部署了本地的树状区块链做转移资产的交易测试，实验仓库地址：</a:t>
+            </a:r>
+            <a:r>
+              <a:rPr lang="en-US" altLang="zh-CN" sz="1600" dirty="0">
+                <a:latin typeface="+mn-ea"/>
+              </a:rPr>
+              <a:t>https://github.com/diyz19/GethTree</a:t>
+            </a:r>
+          </a:p>
+          <a:p>
+            <a:endParaRPr lang="en-US" altLang="zh-CN" sz="2400" dirty="0">
+              <a:latin typeface="+mn-ea"/>
+            </a:endParaRPr>
+          </a:p>
+          <a:p>
+            <a:r>
+              <a:rPr lang="zh-CN" altLang="en-US" sz="2400" dirty="0">
+                <a:latin typeface="+mn-ea"/>
+              </a:rPr>
+              <a:t>学习了使用</a:t>
+            </a:r>
+            <a:r>
+              <a:rPr lang="en-US" altLang="zh-CN" sz="2400" dirty="0">
+                <a:latin typeface="+mn-ea"/>
+              </a:rPr>
+              <a:t>Solidity</a:t>
+            </a:r>
+            <a:r>
+              <a:rPr lang="zh-CN" altLang="en-US" sz="2400" dirty="0">
+                <a:latin typeface="+mn-ea"/>
+              </a:rPr>
+              <a:t>编写合约代码，编写简单的子链间交互的合约代码</a:t>
+            </a:r>
+            <a:r>
+              <a:rPr lang="en-US" altLang="zh-CN" sz="1600" dirty="0">
+                <a:latin typeface="+mn-ea"/>
+              </a:rPr>
+              <a:t>https://github.com/diyz19/EasyContract</a:t>
+            </a:r>
+          </a:p>
+          <a:p>
+            <a:endParaRPr lang="en-US" altLang="zh-CN" sz="2400" dirty="0">
+              <a:latin typeface="+mn-ea"/>
+            </a:endParaRPr>
+          </a:p>
+          <a:p>
+            <a:r>
+              <a:rPr lang="zh-CN" altLang="en-US" sz="2400" dirty="0">
+                <a:latin typeface="+mn-ea"/>
+              </a:rPr>
+              <a:t>完成了外文文档翻译工作，仓库地址：</a:t>
+            </a:r>
+            <a:r>
+              <a:rPr lang="en-US" altLang="zh-CN" sz="1600" dirty="0">
+                <a:latin typeface="+mn-ea"/>
+              </a:rPr>
+              <a:t>https://github.com/diyz19/GraduationDesign/tree/master/%E7%BF%BB%E8%AF%91</a:t>
+            </a:r>
+          </a:p>
+          <a:p>
+            <a:pPr marL="0" indent="0">
+              <a:buNone/>
+            </a:pPr>
+            <a:r>
+              <a:rPr lang="en-US" altLang="zh-CN" sz="2200" dirty="0">
+                <a:latin typeface="+mn-ea"/>
+              </a:rPr>
+              <a:t>	</a:t>
+            </a:r>
+          </a:p>
+        </p:txBody>
+      </p:sp>
+      <p:sp>
+        <p:nvSpPr>
+          <p:cNvPr id="4" name="标题 3">
+            <a:extLst>
+              <a:ext uri="{FF2B5EF4-FFF2-40B4-BE49-F238E27FC236}">
+                <a16:creationId xmlns:a16="http://schemas.microsoft.com/office/drawing/2014/main" id="{CB335FAB-FA8F-41FD-B41F-E4213D79D779}"/>
+              </a:ext>
+            </a:extLst>
+          </p:cNvPr>
+          <p:cNvSpPr>
+            <a:spLocks noGrp="1"/>
+          </p:cNvSpPr>
+          <p:nvPr>
+            <p:ph type="title"/>
+          </p:nvPr>
+        </p:nvSpPr>
+        <p:spPr/>
+        <p:txBody>
+          <a:bodyPr>
+            <a:normAutofit/>
+          </a:bodyPr>
+          <a:lstStyle/>
+          <a:p>
+            <a:r>
+              <a:rPr lang="zh-CN" altLang="en-US" dirty="0">
+                <a:latin typeface="+mj-ea"/>
+              </a:rPr>
+              <a:t>工作情况</a:t>
+            </a:r>
+          </a:p>
+        </p:txBody>
+      </p:sp>
+      <p:sp>
+        <p:nvSpPr>
+          <p:cNvPr id="8" name="灯片编号占位符 7">
+            <a:extLst>
+              <a:ext uri="{FF2B5EF4-FFF2-40B4-BE49-F238E27FC236}">
+                <a16:creationId xmlns:a16="http://schemas.microsoft.com/office/drawing/2014/main" id="{084DDDEC-1BEC-A0A2-0DED-4208E5C5F333}"/>
+              </a:ext>
+            </a:extLst>
+          </p:cNvPr>
+          <p:cNvSpPr>
+            <a:spLocks noGrp="1"/>
+          </p:cNvSpPr>
+          <p:nvPr>
+            <p:ph type="sldNum" sz="quarter" idx="12"/>
+          </p:nvPr>
+        </p:nvSpPr>
+        <p:spPr/>
+        <p:txBody>
+          <a:bodyPr/>
+          <a:lstStyle/>
+          <a:p>
+            <a:pPr defTabSz="457200">
+              <a:defRPr/>
+            </a:pPr>
+            <a:fld id="{977BA8E6-E826-B147-AA17-E3D76A29629C}" type="slidenum">
+              <a:rPr kumimoji="1" lang="zh-CN" altLang="en-US" smtClean="0">
+                <a:solidFill>
+                  <a:srgbClr val="5C2F7D"/>
+                </a:solidFill>
+              </a:rPr>
+              <a:pPr defTabSz="457200">
+                <a:defRPr/>
+              </a:pPr>
+              <a:t>6</a:t>
+            </a:fld>
+            <a:endParaRPr kumimoji="1" lang="zh-CN" altLang="en-US" sz="900" dirty="0">
+              <a:solidFill>
+                <a:srgbClr val="5C2F7D"/>
+              </a:solidFill>
+            </a:endParaRPr>
+          </a:p>
+        </p:txBody>
+      </p:sp>
+    </p:spTree>
+    <p:extLst>
+      <p:ext uri="{BB962C8B-B14F-4D97-AF65-F5344CB8AC3E}">
+        <p14:creationId xmlns:p14="http://schemas.microsoft.com/office/powerpoint/2010/main" val="1110621705"/>
+      </p:ext>
+    </p:extLst>
+  </p:cSld>
+  <p:clrMapOvr>
+    <a:masterClrMapping/>
+  </p:clrMapOvr>
+</p:sld>
+</file>
+
+<file path=ppt/slides/slide7.xml><?xml version="1.0" encoding="utf-8"?>
+<p:sld xmlns:a="http://schemas.openxmlformats.org/drawingml/2006/main" xmlns:r="http://schemas.openxmlformats.org/officeDocument/2006/relationships" xmlns:p="http://schemas.openxmlformats.org/presentationml/2006/main">
+  <p:cSld>
+    <p:spTree>
+      <p:nvGrpSpPr>
+        <p:cNvPr id="1" name=""/>
+        <p:cNvGrpSpPr/>
+        <p:nvPr/>
+      </p:nvGrpSpPr>
+      <p:grpSpPr>
+        <a:xfrm>
+          <a:off x="0" y="0"/>
+          <a:ext cx="0" cy="0"/>
+          <a:chOff x="0" y="0"/>
+          <a:chExt cx="0" cy="0"/>
+        </a:xfrm>
+      </p:grpSpPr>
+      <p:sp>
+        <p:nvSpPr>
+          <p:cNvPr id="2" name="内容占位符 1">
+            <a:extLst>
+              <a:ext uri="{FF2B5EF4-FFF2-40B4-BE49-F238E27FC236}">
+                <a16:creationId xmlns:a16="http://schemas.microsoft.com/office/drawing/2014/main" id="{E779181E-54C4-A3AA-76B8-8CCB6C8A6766}"/>
+              </a:ext>
+            </a:extLst>
+          </p:cNvPr>
+          <p:cNvSpPr>
+            <a:spLocks noGrp="1"/>
+          </p:cNvSpPr>
+          <p:nvPr>
+            <p:ph idx="1"/>
+          </p:nvPr>
+        </p:nvSpPr>
+        <p:spPr>
+          <a:xfrm>
+            <a:off x="835307" y="1608624"/>
+            <a:ext cx="7931134" cy="4353824"/>
+          </a:xfrm>
+        </p:spPr>
+        <p:txBody>
+          <a:bodyPr>
+            <a:normAutofit/>
+          </a:bodyPr>
+          <a:lstStyle/>
+          <a:p>
+            <a:r>
+              <a:rPr lang="zh-CN" altLang="en-US" sz="2000" dirty="0"/>
+              <a:t>搭建了区块链运行所需环境，包括</a:t>
+            </a:r>
+            <a:r>
+              <a:rPr lang="en-US" altLang="zh-CN" sz="2000" dirty="0" err="1"/>
+              <a:t>npm</a:t>
+            </a:r>
+            <a:r>
+              <a:rPr lang="zh-CN" altLang="en-US" sz="2000" dirty="0"/>
+              <a:t>、</a:t>
+            </a:r>
+            <a:r>
+              <a:rPr lang="en-US" altLang="zh-CN" sz="2000" dirty="0"/>
+              <a:t>truffle</a:t>
+            </a:r>
+            <a:r>
+              <a:rPr lang="zh-CN" altLang="en-US" sz="2000" dirty="0"/>
+              <a:t>、</a:t>
+            </a:r>
+            <a:r>
+              <a:rPr lang="en-US" altLang="zh-CN" sz="2000" dirty="0" err="1"/>
+              <a:t>geth</a:t>
+            </a:r>
+            <a:r>
+              <a:rPr lang="zh-CN" altLang="en-US" sz="2000" dirty="0"/>
+              <a:t>、</a:t>
+            </a:r>
+            <a:r>
+              <a:rPr lang="en-US" altLang="zh-CN" sz="2000" dirty="0"/>
+              <a:t>ganache-cli</a:t>
+            </a:r>
+            <a:r>
+              <a:rPr lang="zh-CN" altLang="en-US" sz="2000" dirty="0"/>
+              <a:t>等库，完成了浏览器与智能合约交互的实验；</a:t>
+            </a:r>
+            <a:endParaRPr lang="en-US" altLang="zh-CN" sz="2000" dirty="0"/>
+          </a:p>
+          <a:p>
+            <a:endParaRPr lang="zh-CN" altLang="en-US" sz="2000" dirty="0"/>
+          </a:p>
+          <a:p>
+            <a:r>
+              <a:rPr lang="zh-CN" altLang="en-US" sz="2000" dirty="0"/>
+              <a:t>部署已有智能合约、能够运行现有调度系统；部署环境，能够通过脚本一定程度上自动化测试流程；</a:t>
+            </a:r>
+          </a:p>
+          <a:p>
+            <a:endParaRPr lang="en-US" altLang="zh-CN" dirty="0"/>
+          </a:p>
+          <a:p>
+            <a:endParaRPr lang="zh-CN" altLang="en-US" sz="2000" dirty="0"/>
+          </a:p>
+        </p:txBody>
+      </p:sp>
+      <p:sp>
+        <p:nvSpPr>
+          <p:cNvPr id="3" name="标题 2">
+            <a:extLst>
+              <a:ext uri="{FF2B5EF4-FFF2-40B4-BE49-F238E27FC236}">
+                <a16:creationId xmlns:a16="http://schemas.microsoft.com/office/drawing/2014/main" id="{C5B53DB0-372E-E978-44B7-B24316585802}"/>
+              </a:ext>
+            </a:extLst>
+          </p:cNvPr>
+          <p:cNvSpPr>
+            <a:spLocks noGrp="1"/>
+          </p:cNvSpPr>
+          <p:nvPr>
+            <p:ph type="title"/>
+          </p:nvPr>
+        </p:nvSpPr>
+        <p:spPr/>
+        <p:txBody>
+          <a:bodyPr/>
+          <a:lstStyle/>
+          <a:p>
+            <a:r>
+              <a:rPr lang="zh-CN" altLang="en-US" dirty="0"/>
+              <a:t>复现</a:t>
+            </a:r>
+          </a:p>
+        </p:txBody>
+      </p:sp>
+      <p:sp>
+        <p:nvSpPr>
+          <p:cNvPr id="8" name="灯片编号占位符 7">
+            <a:extLst>
+              <a:ext uri="{FF2B5EF4-FFF2-40B4-BE49-F238E27FC236}">
+                <a16:creationId xmlns:a16="http://schemas.microsoft.com/office/drawing/2014/main" id="{6A7B7CB4-9346-DD88-1A55-9D8880417EEE}"/>
+              </a:ext>
+            </a:extLst>
+          </p:cNvPr>
+          <p:cNvSpPr>
+            <a:spLocks noGrp="1"/>
+          </p:cNvSpPr>
+          <p:nvPr>
+            <p:ph type="sldNum" sz="quarter" idx="12"/>
+          </p:nvPr>
+        </p:nvSpPr>
+        <p:spPr/>
+        <p:txBody>
+          <a:bodyPr/>
+          <a:lstStyle/>
+          <a:p>
+            <a:pPr defTabSz="457200">
+              <a:defRPr/>
+            </a:pPr>
+            <a:fld id="{977BA8E6-E826-B147-AA17-E3D76A29629C}" type="slidenum">
+              <a:rPr kumimoji="1" lang="zh-CN" altLang="en-US" smtClean="0">
+                <a:solidFill>
+                  <a:srgbClr val="5C2F7D"/>
+                </a:solidFill>
+              </a:rPr>
+              <a:pPr defTabSz="457200">
+                <a:defRPr/>
+              </a:pPr>
+              <a:t>7</a:t>
+            </a:fld>
+            <a:endParaRPr kumimoji="1" lang="zh-CN" altLang="en-US" sz="900" dirty="0">
+              <a:solidFill>
+                <a:srgbClr val="5C2F7D"/>
+              </a:solidFill>
+            </a:endParaRPr>
+          </a:p>
+        </p:txBody>
+      </p:sp>
+    </p:spTree>
+    <p:extLst>
+      <p:ext uri="{BB962C8B-B14F-4D97-AF65-F5344CB8AC3E}">
+        <p14:creationId xmlns:p14="http://schemas.microsoft.com/office/powerpoint/2010/main" val="3055677701"/>
+      </p:ext>
+    </p:extLst>
+  </p:cSld>
+  <p:clrMapOvr>
+    <a:masterClrMapping/>
+  </p:clrMapOvr>
+</p:sld>
+</file>
+
+<file path=ppt/slides/slide8.xml><?xml version="1.0" encoding="utf-8"?>
+<p:sld xmlns:a="http://schemas.openxmlformats.org/drawingml/2006/main" xmlns:r="http://schemas.openxmlformats.org/officeDocument/2006/relationships" xmlns:p="http://schemas.openxmlformats.org/presentationml/2006/main">
+  <p:cSld>
+    <p:spTree>
+      <p:nvGrpSpPr>
+        <p:cNvPr id="1" name=""/>
+        <p:cNvGrpSpPr/>
+        <p:nvPr/>
+      </p:nvGrpSpPr>
+      <p:grpSpPr>
+        <a:xfrm>
+          <a:off x="0" y="0"/>
+          <a:ext cx="0" cy="0"/>
+          <a:chOff x="0" y="0"/>
+          <a:chExt cx="0" cy="0"/>
+        </a:xfrm>
+      </p:grpSpPr>
+      <p:sp>
+        <p:nvSpPr>
+          <p:cNvPr id="2" name="内容占位符 1">
+            <a:extLst>
+              <a:ext uri="{FF2B5EF4-FFF2-40B4-BE49-F238E27FC236}">
+                <a16:creationId xmlns:a16="http://schemas.microsoft.com/office/drawing/2014/main" id="{830A3389-173A-44E4-D03E-60B855ECFD7F}"/>
+              </a:ext>
+            </a:extLst>
+          </p:cNvPr>
+          <p:cNvSpPr>
+            <a:spLocks noGrp="1"/>
+          </p:cNvSpPr>
+          <p:nvPr>
+            <p:ph idx="1"/>
+          </p:nvPr>
+        </p:nvSpPr>
+        <p:spPr>
+          <a:xfrm>
+            <a:off x="835306" y="1608624"/>
+            <a:ext cx="9453169" cy="3678303"/>
+          </a:xfrm>
+        </p:spPr>
+        <p:txBody>
+          <a:bodyPr>
+            <a:normAutofit lnSpcReduction="10000"/>
+          </a:bodyPr>
+          <a:lstStyle/>
+          <a:p>
+            <a:r>
+              <a:rPr lang="zh-CN" altLang="en-US" sz="2000" dirty="0"/>
+              <a:t>原有的复现手册较为粗糙，且部分地方会遇到指令不明的情况，整个复现的过程要在理解的系统工作的基础上解决一些</a:t>
+            </a:r>
+            <a:r>
+              <a:rPr lang="en-US" altLang="zh-CN" sz="2000" dirty="0"/>
+              <a:t>bug</a:t>
+            </a:r>
+            <a:r>
+              <a:rPr lang="zh-CN" altLang="en-US" sz="2000" dirty="0"/>
+              <a:t>进行，在解决问题后，也相应的完善了复现手册</a:t>
+            </a:r>
+            <a:endParaRPr lang="en-US" altLang="zh-CN" sz="2000" dirty="0"/>
+          </a:p>
+          <a:p>
+            <a:endParaRPr lang="en-US" altLang="zh-CN" sz="2000" dirty="0"/>
+          </a:p>
+          <a:p>
+            <a:r>
+              <a:rPr lang="zh-CN" altLang="en-US" sz="2000" dirty="0"/>
+              <a:t>遭遇到了许多的环境阻碍，主要有虚拟机在环境部署中遇到的各种问题，如各种库的安装以及其版本的适配等，在解决问题后，也相应的完善了复现手册</a:t>
+            </a:r>
+            <a:endParaRPr lang="en-US" altLang="zh-CN" sz="2000" dirty="0"/>
+          </a:p>
+          <a:p>
+            <a:endParaRPr lang="en-US" altLang="zh-CN" sz="2000" dirty="0"/>
+          </a:p>
+          <a:p>
+            <a:r>
+              <a:rPr lang="zh-CN" altLang="en-US" sz="2000" dirty="0"/>
+              <a:t>目前实现的部署调度系统合约和本地部署多链的测试，在以太坊的本地编译处遇到了问题，按照目前进度来看是一些需要用到的库，虚拟机的网络无法直接访问，采用的措施是本地下载上传，后续需要继续部署好所需环境，完成编译</a:t>
+            </a:r>
+            <a:endParaRPr lang="en-US" altLang="zh-CN" sz="2000" dirty="0"/>
+          </a:p>
+          <a:p>
+            <a:endParaRPr lang="zh-CN" altLang="en-US" dirty="0"/>
+          </a:p>
+        </p:txBody>
+      </p:sp>
+      <p:sp>
+        <p:nvSpPr>
+          <p:cNvPr id="3" name="标题 2">
+            <a:extLst>
+              <a:ext uri="{FF2B5EF4-FFF2-40B4-BE49-F238E27FC236}">
+                <a16:creationId xmlns:a16="http://schemas.microsoft.com/office/drawing/2014/main" id="{EFCF141C-CE44-0875-2DFA-8A77F861BAA7}"/>
+              </a:ext>
+            </a:extLst>
+          </p:cNvPr>
+          <p:cNvSpPr>
+            <a:spLocks noGrp="1"/>
+          </p:cNvSpPr>
+          <p:nvPr>
+            <p:ph type="title"/>
+          </p:nvPr>
+        </p:nvSpPr>
+        <p:spPr/>
+        <p:txBody>
+          <a:bodyPr/>
+          <a:lstStyle/>
+          <a:p>
+            <a:r>
+              <a:rPr lang="zh-CN" altLang="en-US" dirty="0"/>
+              <a:t>工作与阻碍</a:t>
+            </a:r>
+          </a:p>
+        </p:txBody>
+      </p:sp>
+      <p:sp>
+        <p:nvSpPr>
+          <p:cNvPr id="4" name="灯片编号占位符 3">
+            <a:extLst>
+              <a:ext uri="{FF2B5EF4-FFF2-40B4-BE49-F238E27FC236}">
+                <a16:creationId xmlns:a16="http://schemas.microsoft.com/office/drawing/2014/main" id="{7D3AD297-D0FC-94B4-DB82-99F1118259FA}"/>
               </a:ext>
             </a:extLst>
           </p:cNvPr>
@@ -13430,7 +15079,7 @@
     </p:spTree>
     <p:extLst>
       <p:ext uri="{BB962C8B-B14F-4D97-AF65-F5344CB8AC3E}">
-        <p14:creationId xmlns:p14="http://schemas.microsoft.com/office/powerpoint/2010/main" val="33130684"/>
+        <p14:creationId xmlns:p14="http://schemas.microsoft.com/office/powerpoint/2010/main" val="2677703534"/>
       </p:ext>
     </p:extLst>
   </p:cSld>
@@ -13459,62 +15108,10 @@
       </p:grpSpPr>
       <p:sp>
         <p:nvSpPr>
-          <p:cNvPr id="2" name="内容占位符 1">
-            <a:extLst>
-              <a:ext uri="{FF2B5EF4-FFF2-40B4-BE49-F238E27FC236}">
-                <a16:creationId xmlns:a16="http://schemas.microsoft.com/office/drawing/2014/main" id="{74B52B29-43DE-789A-0FED-E6CED365C6EE}"/>
-              </a:ext>
-            </a:extLst>
-          </p:cNvPr>
-          <p:cNvSpPr>
-            <a:spLocks noGrp="1"/>
-          </p:cNvSpPr>
-          <p:nvPr>
-            <p:ph idx="1"/>
-          </p:nvPr>
-        </p:nvSpPr>
-        <p:spPr>
-          <a:xfrm>
-            <a:off x="833377" y="2180498"/>
-            <a:ext cx="9661575" cy="3678303"/>
-          </a:xfrm>
-        </p:spPr>
-        <p:txBody>
-          <a:bodyPr>
-            <a:normAutofit/>
-          </a:bodyPr>
-          <a:lstStyle/>
-          <a:p>
-            <a:r>
-              <a:rPr lang="zh-CN" altLang="en-US" sz="2000" dirty="0"/>
-              <a:t>遭遇的阻碍主要有仓库版本的脚本文件的实现不够完善，无法在本机工作，修改并完善了测试脚本，可以实现多账户的不同子链的账户传递</a:t>
-            </a:r>
-            <a:endParaRPr lang="en-US" altLang="zh-CN" sz="2000" dirty="0"/>
-          </a:p>
-          <a:p>
-            <a:endParaRPr lang="en-US" altLang="zh-CN" sz="2000" dirty="0"/>
-          </a:p>
-          <a:p>
-            <a:r>
-              <a:rPr lang="zh-CN" altLang="en-US" sz="2000" dirty="0"/>
-              <a:t>下一阶段的目标是要首先实现以太坊的本地编译，然后，将测试的一些简单的合约代码投入使用实验，设计实验测试脚本；根据实验，完善合约代码</a:t>
-            </a:r>
-            <a:endParaRPr lang="en-US" altLang="zh-CN" sz="2000" dirty="0"/>
-          </a:p>
-          <a:p>
-            <a:endParaRPr lang="en-US" altLang="zh-CN" sz="2000" dirty="0"/>
-          </a:p>
-          <a:p>
-            <a:endParaRPr lang="en-US" altLang="zh-CN" sz="2000" dirty="0"/>
-          </a:p>
-        </p:txBody>
-      </p:sp>
-      <p:sp>
-        <p:nvSpPr>
           <p:cNvPr id="3" name="标题 2">
             <a:extLst>
               <a:ext uri="{FF2B5EF4-FFF2-40B4-BE49-F238E27FC236}">
-                <a16:creationId xmlns:a16="http://schemas.microsoft.com/office/drawing/2014/main" id="{F4F22A0E-8AF0-8D7E-73C9-228A2A23914A}"/>
+                <a16:creationId xmlns:a16="http://schemas.microsoft.com/office/drawing/2014/main" id="{C5B53DB0-372E-E978-44B7-B24316585802}"/>
               </a:ext>
             </a:extLst>
           </p:cNvPr>
@@ -13532,17 +15129,17 @@
           <a:p>
             <a:r>
               <a:rPr lang="zh-CN" altLang="en-US" dirty="0"/>
-              <a:t>现有本地实验测试</a:t>
-            </a:r>
-          </a:p>
-        </p:txBody>
-      </p:sp>
-      <p:sp>
-        <p:nvSpPr>
-          <p:cNvPr id="4" name="灯片编号占位符 3">
-            <a:extLst>
-              <a:ext uri="{FF2B5EF4-FFF2-40B4-BE49-F238E27FC236}">
-                <a16:creationId xmlns:a16="http://schemas.microsoft.com/office/drawing/2014/main" id="{A93B0A07-9CAF-D470-3425-0705B00D99AB}"/>
+              <a:t>复现结果</a:t>
+            </a:r>
+          </a:p>
+        </p:txBody>
+      </p:sp>
+      <p:sp>
+        <p:nvSpPr>
+          <p:cNvPr id="8" name="灯片编号占位符 7">
+            <a:extLst>
+              <a:ext uri="{FF2B5EF4-FFF2-40B4-BE49-F238E27FC236}">
+                <a16:creationId xmlns:a16="http://schemas.microsoft.com/office/drawing/2014/main" id="{6A7B7CB4-9346-DD88-1A55-9D8880417EEE}"/>
               </a:ext>
             </a:extLst>
           </p:cNvPr>
@@ -13580,10 +15177,72 @@
           </a:p>
         </p:txBody>
       </p:sp>
+      <p:pic>
+        <p:nvPicPr>
+          <p:cNvPr id="9" name="内容占位符 8">
+            <a:extLst>
+              <a:ext uri="{FF2B5EF4-FFF2-40B4-BE49-F238E27FC236}">
+                <a16:creationId xmlns:a16="http://schemas.microsoft.com/office/drawing/2014/main" id="{D78BA304-C932-10CF-8F8C-C802169B73E8}"/>
+              </a:ext>
+            </a:extLst>
+          </p:cNvPr>
+          <p:cNvPicPr>
+            <a:picLocks noGrp="1" noChangeAspect="1"/>
+          </p:cNvPicPr>
+          <p:nvPr>
+            <p:ph idx="1"/>
+          </p:nvPr>
+        </p:nvPicPr>
+        <p:blipFill>
+          <a:blip r:embed="rId2"/>
+          <a:stretch>
+            <a:fillRect/>
+          </a:stretch>
+        </p:blipFill>
+        <p:spPr>
+          <a:xfrm>
+            <a:off x="3855776" y="1608624"/>
+            <a:ext cx="7854426" cy="3665399"/>
+          </a:xfrm>
+          <a:prstGeom prst="rect">
+            <a:avLst/>
+          </a:prstGeom>
+        </p:spPr>
+      </p:pic>
+      <p:pic>
+        <p:nvPicPr>
+          <p:cNvPr id="10" name="内容占位符 4">
+            <a:extLst>
+              <a:ext uri="{FF2B5EF4-FFF2-40B4-BE49-F238E27FC236}">
+                <a16:creationId xmlns:a16="http://schemas.microsoft.com/office/drawing/2014/main" id="{DFCCAF07-C9F2-C3CD-89E4-D4AA34E21C56}"/>
+              </a:ext>
+            </a:extLst>
+          </p:cNvPr>
+          <p:cNvPicPr>
+            <a:picLocks noChangeAspect="1"/>
+          </p:cNvPicPr>
+          <p:nvPr/>
+        </p:nvPicPr>
+        <p:blipFill>
+          <a:blip r:embed="rId3"/>
+          <a:stretch>
+            <a:fillRect/>
+          </a:stretch>
+        </p:blipFill>
+        <p:spPr>
+          <a:xfrm>
+            <a:off x="835306" y="1608624"/>
+            <a:ext cx="2768691" cy="4297318"/>
+          </a:xfrm>
+          <a:prstGeom prst="rect">
+            <a:avLst/>
+          </a:prstGeom>
+        </p:spPr>
+      </p:pic>
     </p:spTree>
     <p:extLst>
       <p:ext uri="{BB962C8B-B14F-4D97-AF65-F5344CB8AC3E}">
-        <p14:creationId xmlns:p14="http://schemas.microsoft.com/office/powerpoint/2010/main" val="469916035"/>
+        <p14:creationId xmlns:p14="http://schemas.microsoft.com/office/powerpoint/2010/main" val="3907978480"/>
       </p:ext>
     </p:extLst>
   </p:cSld>
